--- a/poster.pptx
+++ b/poster.pptx
@@ -6,6 +6,8 @@
   </p:sldMasterIdLst>
   <p:sldIdLst>
     <p:sldId id="256" r:id="rId2"/>
+    <p:sldId id="257" r:id="rId3"/>
+    <p:sldId id="258" r:id="rId4"/>
   </p:sldIdLst>
   <p:sldSz cx="21383625" cy="30275213"/>
   <p:notesSz cx="6858000" cy="9144000"/>
@@ -104,6 +106,11 @@
       </a:defRPr>
     </a:lvl9pPr>
   </p:defaultTextStyle>
+  <p:extLst>
+    <p:ext uri="{EFAFB233-063F-42B5-8137-9DF3F51BA10A}">
+      <p15:sldGuideLst xmlns:p15="http://schemas.microsoft.com/office/powerpoint/2012/main"/>
+    </p:ext>
+  </p:extLst>
 </p:presentation>
 </file>
 
@@ -238,7 +245,7 @@
           <a:p>
             <a:fld id="{BBBDBA7B-CBE8-4A3D-A273-BA8638512925}" type="datetimeFigureOut">
               <a:rPr lang="en-IE" smtClean="0"/>
-              <a:t>06/05/2025</a:t>
+              <a:t>08/05/2025</a:t>
             </a:fld>
             <a:endParaRPr lang="en-IE"/>
           </a:p>
@@ -408,7 +415,7 @@
           <a:p>
             <a:fld id="{BBBDBA7B-CBE8-4A3D-A273-BA8638512925}" type="datetimeFigureOut">
               <a:rPr lang="en-IE" smtClean="0"/>
-              <a:t>06/05/2025</a:t>
+              <a:t>08/05/2025</a:t>
             </a:fld>
             <a:endParaRPr lang="en-IE"/>
           </a:p>
@@ -588,7 +595,7 @@
           <a:p>
             <a:fld id="{BBBDBA7B-CBE8-4A3D-A273-BA8638512925}" type="datetimeFigureOut">
               <a:rPr lang="en-IE" smtClean="0"/>
-              <a:t>06/05/2025</a:t>
+              <a:t>08/05/2025</a:t>
             </a:fld>
             <a:endParaRPr lang="en-IE"/>
           </a:p>
@@ -758,7 +765,7 @@
           <a:p>
             <a:fld id="{BBBDBA7B-CBE8-4A3D-A273-BA8638512925}" type="datetimeFigureOut">
               <a:rPr lang="en-IE" smtClean="0"/>
-              <a:t>06/05/2025</a:t>
+              <a:t>08/05/2025</a:t>
             </a:fld>
             <a:endParaRPr lang="en-IE"/>
           </a:p>
@@ -1004,7 +1011,7 @@
           <a:p>
             <a:fld id="{BBBDBA7B-CBE8-4A3D-A273-BA8638512925}" type="datetimeFigureOut">
               <a:rPr lang="en-IE" smtClean="0"/>
-              <a:t>06/05/2025</a:t>
+              <a:t>08/05/2025</a:t>
             </a:fld>
             <a:endParaRPr lang="en-IE"/>
           </a:p>
@@ -1236,7 +1243,7 @@
           <a:p>
             <a:fld id="{BBBDBA7B-CBE8-4A3D-A273-BA8638512925}" type="datetimeFigureOut">
               <a:rPr lang="en-IE" smtClean="0"/>
-              <a:t>06/05/2025</a:t>
+              <a:t>08/05/2025</a:t>
             </a:fld>
             <a:endParaRPr lang="en-IE"/>
           </a:p>
@@ -1603,7 +1610,7 @@
           <a:p>
             <a:fld id="{BBBDBA7B-CBE8-4A3D-A273-BA8638512925}" type="datetimeFigureOut">
               <a:rPr lang="en-IE" smtClean="0"/>
-              <a:t>06/05/2025</a:t>
+              <a:t>08/05/2025</a:t>
             </a:fld>
             <a:endParaRPr lang="en-IE"/>
           </a:p>
@@ -1721,7 +1728,7 @@
           <a:p>
             <a:fld id="{BBBDBA7B-CBE8-4A3D-A273-BA8638512925}" type="datetimeFigureOut">
               <a:rPr lang="en-IE" smtClean="0"/>
-              <a:t>06/05/2025</a:t>
+              <a:t>08/05/2025</a:t>
             </a:fld>
             <a:endParaRPr lang="en-IE"/>
           </a:p>
@@ -1816,7 +1823,7 @@
           <a:p>
             <a:fld id="{BBBDBA7B-CBE8-4A3D-A273-BA8638512925}" type="datetimeFigureOut">
               <a:rPr lang="en-IE" smtClean="0"/>
-              <a:t>06/05/2025</a:t>
+              <a:t>08/05/2025</a:t>
             </a:fld>
             <a:endParaRPr lang="en-IE"/>
           </a:p>
@@ -2093,7 +2100,7 @@
           <a:p>
             <a:fld id="{BBBDBA7B-CBE8-4A3D-A273-BA8638512925}" type="datetimeFigureOut">
               <a:rPr lang="en-IE" smtClean="0"/>
-              <a:t>06/05/2025</a:t>
+              <a:t>08/05/2025</a:t>
             </a:fld>
             <a:endParaRPr lang="en-IE"/>
           </a:p>
@@ -2350,7 +2357,7 @@
           <a:p>
             <a:fld id="{BBBDBA7B-CBE8-4A3D-A273-BA8638512925}" type="datetimeFigureOut">
               <a:rPr lang="en-IE" smtClean="0"/>
-              <a:t>06/05/2025</a:t>
+              <a:t>08/05/2025</a:t>
             </a:fld>
             <a:endParaRPr lang="en-IE"/>
           </a:p>
@@ -2563,7 +2570,7 @@
           <a:p>
             <a:fld id="{BBBDBA7B-CBE8-4A3D-A273-BA8638512925}" type="datetimeFigureOut">
               <a:rPr lang="en-IE" smtClean="0"/>
-              <a:t>06/05/2025</a:t>
+              <a:t>08/05/2025</a:t>
             </a:fld>
             <a:endParaRPr lang="en-IE"/>
           </a:p>
@@ -2978,6 +2985,56 @@
       </p:grpSpPr>
       <p:sp>
         <p:nvSpPr>
+          <p:cNvPr id="33" name="Oval 32">
+            <a:extLst>
+              <a:ext uri="{FF2B5EF4-FFF2-40B4-BE49-F238E27FC236}">
+                <a16:creationId xmlns:a16="http://schemas.microsoft.com/office/drawing/2014/main" id="{7E43E49C-9B80-9619-D061-078A2CE7A225}"/>
+              </a:ext>
+            </a:extLst>
+          </p:cNvPr>
+          <p:cNvSpPr/>
+          <p:nvPr/>
+        </p:nvSpPr>
+        <p:spPr>
+          <a:xfrm>
+            <a:off x="6128059" y="10899709"/>
+            <a:ext cx="9238127" cy="9154209"/>
+          </a:xfrm>
+          <a:prstGeom prst="ellipse">
+            <a:avLst/>
+          </a:prstGeom>
+          <a:solidFill>
+            <a:srgbClr val="F8F2EC"/>
+          </a:solidFill>
+          <a:ln>
+            <a:noFill/>
+          </a:ln>
+        </p:spPr>
+        <p:style>
+          <a:lnRef idx="2">
+            <a:schemeClr val="accent6"/>
+          </a:lnRef>
+          <a:fillRef idx="1">
+            <a:schemeClr val="lt1"/>
+          </a:fillRef>
+          <a:effectRef idx="0">
+            <a:schemeClr val="accent6"/>
+          </a:effectRef>
+          <a:fontRef idx="minor">
+            <a:schemeClr val="dk1"/>
+          </a:fontRef>
+        </p:style>
+        <p:txBody>
+          <a:bodyPr rtlCol="0" anchor="ctr"/>
+          <a:lstStyle/>
+          <a:p>
+            <a:pPr algn="ctr"/>
+            <a:endParaRPr lang="en-IE" dirty="0"/>
+          </a:p>
+        </p:txBody>
+      </p:sp>
+      <p:sp>
+        <p:nvSpPr>
           <p:cNvPr id="7" name="Rectangle 6">
             <a:extLst>
               <a:ext uri="{FF2B5EF4-FFF2-40B4-BE49-F238E27FC236}">
@@ -2990,8 +3047,8 @@
         </p:nvSpPr>
         <p:spPr>
           <a:xfrm>
-            <a:off x="-1" y="0"/>
-            <a:ext cx="21383625" cy="3322320"/>
+            <a:off x="0" y="-30480"/>
+            <a:ext cx="21383624" cy="3102746"/>
           </a:xfrm>
           <a:prstGeom prst="rect">
             <a:avLst/>
@@ -3027,7 +3084,7 @@
       </p:sp>
       <p:sp>
         <p:nvSpPr>
-          <p:cNvPr id="15" name="Flowchart: Alternate Process 14">
+          <p:cNvPr id="15" name="Rectangle 14">
             <a:extLst>
               <a:ext uri="{FF2B5EF4-FFF2-40B4-BE49-F238E27FC236}">
                 <a16:creationId xmlns:a16="http://schemas.microsoft.com/office/drawing/2014/main" id="{C187C95B-D8B6-F4B9-8012-67235B03071C}"/>
@@ -3039,10 +3096,10 @@
         </p:nvSpPr>
         <p:spPr>
           <a:xfrm>
-            <a:off x="10935844" y="3753936"/>
-            <a:ext cx="10101600" cy="11383667"/>
-          </a:xfrm>
-          <a:prstGeom prst="flowChartAlternateProcess">
+            <a:off x="10935844" y="3753937"/>
+            <a:ext cx="10101600" cy="3902098"/>
+          </a:xfrm>
+          <a:prstGeom prst="rect">
             <a:avLst/>
           </a:prstGeom>
           <a:solidFill>
@@ -3070,13 +3127,13 @@
           <a:lstStyle/>
           <a:p>
             <a:pPr algn="ctr"/>
-            <a:endParaRPr lang="en-IE"/>
-          </a:p>
-        </p:txBody>
-      </p:sp>
-      <p:sp>
-        <p:nvSpPr>
-          <p:cNvPr id="17" name="Flowchart: Alternate Process 16">
+            <a:endParaRPr lang="en-IE" dirty="0"/>
+          </a:p>
+        </p:txBody>
+      </p:sp>
+      <p:sp>
+        <p:nvSpPr>
+          <p:cNvPr id="17" name="Rectangle 16">
             <a:extLst>
               <a:ext uri="{FF2B5EF4-FFF2-40B4-BE49-F238E27FC236}">
                 <a16:creationId xmlns:a16="http://schemas.microsoft.com/office/drawing/2014/main" id="{A45FE3D9-B44C-CD45-9AB6-0C787ED6F94F}"/>
@@ -3088,10 +3145,10 @@
         </p:nvSpPr>
         <p:spPr>
           <a:xfrm>
-            <a:off x="10926987" y="15539315"/>
-            <a:ext cx="10101600" cy="7672377"/>
-          </a:xfrm>
-          <a:prstGeom prst="flowChartAlternateProcess">
+            <a:off x="10926987" y="7999422"/>
+            <a:ext cx="10101600" cy="16364065"/>
+          </a:xfrm>
+          <a:prstGeom prst="rect">
             <a:avLst/>
           </a:prstGeom>
           <a:solidFill>
@@ -3125,7 +3182,7 @@
       </p:sp>
       <p:sp>
         <p:nvSpPr>
-          <p:cNvPr id="29" name="Flowchart: Alternate Process 28">
+          <p:cNvPr id="29" name="Rectangle 28">
             <a:extLst>
               <a:ext uri="{FF2B5EF4-FFF2-40B4-BE49-F238E27FC236}">
                 <a16:creationId xmlns:a16="http://schemas.microsoft.com/office/drawing/2014/main" id="{20E940F9-779E-E755-A010-48F4E7757CEF}"/>
@@ -3137,10 +3194,10 @@
         </p:nvSpPr>
         <p:spPr>
           <a:xfrm>
-            <a:off x="350362" y="3688741"/>
-            <a:ext cx="10101037" cy="10556648"/>
-          </a:xfrm>
-          <a:prstGeom prst="flowChartAlternateProcess">
+            <a:off x="350363" y="3688741"/>
+            <a:ext cx="9858257" cy="8094066"/>
+          </a:xfrm>
+          <a:prstGeom prst="rect">
             <a:avLst/>
           </a:prstGeom>
           <a:solidFill>
@@ -3174,7 +3231,7 @@
       </p:sp>
       <p:sp>
         <p:nvSpPr>
-          <p:cNvPr id="30" name="Flowchart: Alternate Process 29">
+          <p:cNvPr id="30" name="Rectangle 29">
             <a:extLst>
               <a:ext uri="{FF2B5EF4-FFF2-40B4-BE49-F238E27FC236}">
                 <a16:creationId xmlns:a16="http://schemas.microsoft.com/office/drawing/2014/main" id="{B2CF7D69-FFD5-1CA8-3F81-F0BDA153B88B}"/>
@@ -3186,10 +3243,10 @@
         </p:nvSpPr>
         <p:spPr>
           <a:xfrm>
-            <a:off x="350362" y="18975477"/>
-            <a:ext cx="10101038" cy="10669662"/>
-          </a:xfrm>
-          <a:prstGeom prst="flowChartAlternateProcess">
+            <a:off x="350362" y="15622676"/>
+            <a:ext cx="10101038" cy="14072808"/>
+          </a:xfrm>
+          <a:prstGeom prst="rect">
             <a:avLst/>
           </a:prstGeom>
           <a:solidFill>
@@ -3217,13 +3274,13 @@
           <a:lstStyle/>
           <a:p>
             <a:pPr algn="ctr"/>
-            <a:endParaRPr lang="en-IE"/>
-          </a:p>
-        </p:txBody>
-      </p:sp>
-      <p:sp>
-        <p:nvSpPr>
-          <p:cNvPr id="31" name="Flowchart: Alternate Process 30">
+            <a:endParaRPr lang="en-IE" dirty="0"/>
+          </a:p>
+        </p:txBody>
+      </p:sp>
+      <p:sp>
+        <p:nvSpPr>
+          <p:cNvPr id="31" name="Rectangle 30">
             <a:extLst>
               <a:ext uri="{FF2B5EF4-FFF2-40B4-BE49-F238E27FC236}">
                 <a16:creationId xmlns:a16="http://schemas.microsoft.com/office/drawing/2014/main" id="{F2B855AF-C4DA-3047-F660-0650E2114B82}"/>
@@ -3235,10 +3292,10 @@
         </p:nvSpPr>
         <p:spPr>
           <a:xfrm>
-            <a:off x="350362" y="14611811"/>
-            <a:ext cx="6682051" cy="3913968"/>
-          </a:xfrm>
-          <a:prstGeom prst="flowChartAlternateProcess">
+            <a:off x="350362" y="12142931"/>
+            <a:ext cx="9858258" cy="3202432"/>
+          </a:xfrm>
+          <a:prstGeom prst="rect">
             <a:avLst/>
           </a:prstGeom>
           <a:solidFill>
@@ -3272,7 +3329,7 @@
       </p:sp>
       <p:sp>
         <p:nvSpPr>
-          <p:cNvPr id="32" name="Flowchart: Alternate Process 31">
+          <p:cNvPr id="32" name="Rectangle 31">
             <a:extLst>
               <a:ext uri="{FF2B5EF4-FFF2-40B4-BE49-F238E27FC236}">
                 <a16:creationId xmlns:a16="http://schemas.microsoft.com/office/drawing/2014/main" id="{0D9C1696-B3DB-7260-9B14-3EECAE11C6F8}"/>
@@ -3284,10 +3341,10 @@
         </p:nvSpPr>
         <p:spPr>
           <a:xfrm>
-            <a:off x="10935843" y="23613404"/>
-            <a:ext cx="10101600" cy="5873961"/>
-          </a:xfrm>
-          <a:prstGeom prst="flowChartAlternateProcess">
+            <a:off x="10935843" y="24651090"/>
+            <a:ext cx="10101600" cy="4939436"/>
+          </a:xfrm>
+          <a:prstGeom prst="rect">
             <a:avLst/>
           </a:prstGeom>
           <a:solidFill>
@@ -3321,56 +3378,6 @@
       </p:sp>
       <p:sp>
         <p:nvSpPr>
-          <p:cNvPr id="33" name="Oval 32">
-            <a:extLst>
-              <a:ext uri="{FF2B5EF4-FFF2-40B4-BE49-F238E27FC236}">
-                <a16:creationId xmlns:a16="http://schemas.microsoft.com/office/drawing/2014/main" id="{7E43E49C-9B80-9619-D061-078A2CE7A225}"/>
-              </a:ext>
-            </a:extLst>
-          </p:cNvPr>
-          <p:cNvSpPr/>
-          <p:nvPr/>
-        </p:nvSpPr>
-        <p:spPr>
-          <a:xfrm>
-            <a:off x="6128060" y="11120684"/>
-            <a:ext cx="9127504" cy="8933234"/>
-          </a:xfrm>
-          <a:prstGeom prst="ellipse">
-            <a:avLst/>
-          </a:prstGeom>
-          <a:solidFill>
-            <a:srgbClr val="F8F2EC"/>
-          </a:solidFill>
-          <a:ln>
-            <a:noFill/>
-          </a:ln>
-        </p:spPr>
-        <p:style>
-          <a:lnRef idx="2">
-            <a:schemeClr val="accent6"/>
-          </a:lnRef>
-          <a:fillRef idx="1">
-            <a:schemeClr val="lt1"/>
-          </a:fillRef>
-          <a:effectRef idx="0">
-            <a:schemeClr val="accent6"/>
-          </a:effectRef>
-          <a:fontRef idx="minor">
-            <a:schemeClr val="dk1"/>
-          </a:fontRef>
-        </p:style>
-        <p:txBody>
-          <a:bodyPr rtlCol="0" anchor="ctr"/>
-          <a:lstStyle/>
-          <a:p>
-            <a:pPr algn="ctr"/>
-            <a:endParaRPr lang="en-IE" dirty="0"/>
-          </a:p>
-        </p:txBody>
-      </p:sp>
-      <p:sp>
-        <p:nvSpPr>
           <p:cNvPr id="6" name="Oval 5">
             <a:extLst>
               <a:ext uri="{FF2B5EF4-FFF2-40B4-BE49-F238E27FC236}">
@@ -3419,12 +3426,93 @@
           </a:p>
         </p:txBody>
       </p:sp>
+      <p:sp>
+        <p:nvSpPr>
+          <p:cNvPr id="92" name="TextBox 91">
+            <a:extLst>
+              <a:ext uri="{FF2B5EF4-FFF2-40B4-BE49-F238E27FC236}">
+                <a16:creationId xmlns:a16="http://schemas.microsoft.com/office/drawing/2014/main" id="{B9D60AC1-12F1-70FA-62B7-A39EC2CDB62B}"/>
+              </a:ext>
+            </a:extLst>
+          </p:cNvPr>
+          <p:cNvSpPr txBox="1"/>
+          <p:nvPr/>
+        </p:nvSpPr>
+        <p:spPr>
+          <a:xfrm>
+            <a:off x="560068" y="387225"/>
+            <a:ext cx="20560078" cy="1323439"/>
+          </a:xfrm>
+          <a:prstGeom prst="rect">
+            <a:avLst/>
+          </a:prstGeom>
+          <a:noFill/>
+        </p:spPr>
+        <p:txBody>
+          <a:bodyPr wrap="square" rtlCol="0">
+            <a:spAutoFit/>
+          </a:bodyPr>
+          <a:lstStyle/>
+          <a:p>
+            <a:r>
+              <a:rPr lang="en-IE" sz="8000" b="1" dirty="0">
+                <a:solidFill>
+                  <a:schemeClr val="bg1"/>
+                </a:solidFill>
+                <a:latin typeface="Arial Black" panose="020B0A04020102020204" pitchFamily="34" charset="0"/>
+              </a:rPr>
+              <a:t>Iceland Tourism Segmentation 2023</a:t>
+            </a:r>
+          </a:p>
+        </p:txBody>
+      </p:sp>
+      <p:sp>
+        <p:nvSpPr>
+          <p:cNvPr id="93" name="TextBox 92">
+            <a:extLst>
+              <a:ext uri="{FF2B5EF4-FFF2-40B4-BE49-F238E27FC236}">
+                <a16:creationId xmlns:a16="http://schemas.microsoft.com/office/drawing/2014/main" id="{9814DC4A-0BD0-8097-34C7-A2AD14D29D39}"/>
+              </a:ext>
+            </a:extLst>
+          </p:cNvPr>
+          <p:cNvSpPr txBox="1"/>
+          <p:nvPr/>
+        </p:nvSpPr>
+        <p:spPr>
+          <a:xfrm>
+            <a:off x="415690" y="1979898"/>
+            <a:ext cx="14444839" cy="830997"/>
+          </a:xfrm>
+          <a:prstGeom prst="rect">
+            <a:avLst/>
+          </a:prstGeom>
+          <a:noFill/>
+        </p:spPr>
+        <p:txBody>
+          <a:bodyPr wrap="square" rtlCol="0">
+            <a:spAutoFit/>
+          </a:bodyPr>
+          <a:lstStyle/>
+          <a:p>
+            <a:r>
+              <a:rPr lang="en-IE" sz="4800" dirty="0">
+                <a:solidFill>
+                  <a:schemeClr val="bg1"/>
+                </a:solidFill>
+                <a:latin typeface="Arial" panose="020B0604020202020204" pitchFamily="34" charset="0"/>
+                <a:cs typeface="Arial" panose="020B0604020202020204" pitchFamily="34" charset="0"/>
+              </a:rPr>
+              <a:t>Francisca Argandona Alvarado, CCT College Dublin</a:t>
+            </a:r>
+          </a:p>
+        </p:txBody>
+      </p:sp>
       <p:pic>
         <p:nvPicPr>
-          <p:cNvPr id="81" name="Picture 80">
-            <a:extLst>
-              <a:ext uri="{FF2B5EF4-FFF2-40B4-BE49-F238E27FC236}">
-                <a16:creationId xmlns:a16="http://schemas.microsoft.com/office/drawing/2014/main" id="{7CD98844-666B-A47F-F737-CB12D6490572}"/>
+          <p:cNvPr id="95" name="Picture 94" descr="A logo for college computing&#10;&#10;AI-generated content may be incorrect.">
+            <a:extLst>
+              <a:ext uri="{FF2B5EF4-FFF2-40B4-BE49-F238E27FC236}">
+                <a16:creationId xmlns:a16="http://schemas.microsoft.com/office/drawing/2014/main" id="{F3722C49-676A-E3C4-E3EF-C1A4C77960C6}"/>
               </a:ext>
             </a:extLst>
           </p:cNvPr>
@@ -3434,26 +3522,387 @@
           <p:nvPr/>
         </p:nvPicPr>
         <p:blipFill>
-          <a:blip r:embed="rId2"/>
-          <a:srcRect b="88906"/>
+          <a:blip r:embed="rId2">
+            <a:extLst>
+              <a:ext uri="{28A0092B-C50C-407E-A947-70E740481C1C}">
+                <a14:useLocalDpi xmlns:a14="http://schemas.microsoft.com/office/drawing/2010/main" val="0"/>
+              </a:ext>
+            </a:extLst>
+          </a:blip>
+          <a:srcRect l="9448" t="25302" r="10696" b="27410"/>
           <a:stretch/>
         </p:blipFill>
         <p:spPr>
           <a:xfrm>
-            <a:off x="10920504" y="3724440"/>
-            <a:ext cx="10120237" cy="1310209"/>
-          </a:xfrm>
-          <a:prstGeom prst="rect">
-            <a:avLst/>
-          </a:prstGeom>
+            <a:off x="15122176" y="1680674"/>
+            <a:ext cx="5893885" cy="1206034"/>
+          </a:xfrm>
+          <a:prstGeom prst="rect">
+            <a:avLst/>
+          </a:prstGeom>
+        </p:spPr>
+      </p:pic>
+      <p:sp>
+        <p:nvSpPr>
+          <p:cNvPr id="96" name="TextBox 95">
+            <a:extLst>
+              <a:ext uri="{FF2B5EF4-FFF2-40B4-BE49-F238E27FC236}">
+                <a16:creationId xmlns:a16="http://schemas.microsoft.com/office/drawing/2014/main" id="{AD7FE561-539E-C43E-FDD1-F0801F729D3C}"/>
+              </a:ext>
+            </a:extLst>
+          </p:cNvPr>
+          <p:cNvSpPr txBox="1"/>
+          <p:nvPr/>
+        </p:nvSpPr>
+        <p:spPr>
+          <a:xfrm>
+            <a:off x="606027" y="4991935"/>
+            <a:ext cx="9252085" cy="3416320"/>
+          </a:xfrm>
+          <a:prstGeom prst="rect">
+            <a:avLst/>
+          </a:prstGeom>
+          <a:noFill/>
+        </p:spPr>
+        <p:txBody>
+          <a:bodyPr wrap="square" rtlCol="0">
+            <a:spAutoFit/>
+          </a:bodyPr>
+          <a:lstStyle/>
+          <a:p>
+            <a:pPr algn="just"/>
+            <a:r>
+              <a:rPr lang="en-IE" sz="2700" dirty="0">
+                <a:latin typeface="Aptos" panose="020B0004020202020204" pitchFamily="34" charset="0"/>
+              </a:rPr>
+              <a:t>Tourism in Iceland has grown rapidly in recent years, becoming a major contributor to the economy. However, most existing profiles only considers country of origin or overall arrival numbers. This study aims to go further by applying clustering techniques to segment international tourists visiting Iceland in 2023, based on age, length of stay, and income. The goal is to uncover meaningful visitor segments that can guide more effective tourism strategies</a:t>
+            </a:r>
+            <a:r>
+              <a:rPr lang="en-IE" sz="2700" dirty="0"/>
+              <a:t>.</a:t>
+            </a:r>
+          </a:p>
+        </p:txBody>
+      </p:sp>
+      <p:sp>
+        <p:nvSpPr>
+          <p:cNvPr id="101" name="TextBox 100">
+            <a:extLst>
+              <a:ext uri="{FF2B5EF4-FFF2-40B4-BE49-F238E27FC236}">
+                <a16:creationId xmlns:a16="http://schemas.microsoft.com/office/drawing/2014/main" id="{A2E841CE-2118-6852-B7AD-5E62CA514CD6}"/>
+              </a:ext>
+            </a:extLst>
+          </p:cNvPr>
+          <p:cNvSpPr txBox="1"/>
+          <p:nvPr/>
+        </p:nvSpPr>
+        <p:spPr>
+          <a:xfrm>
+            <a:off x="606027" y="13388620"/>
+            <a:ext cx="6662029" cy="1754326"/>
+          </a:xfrm>
+          <a:prstGeom prst="rect">
+            <a:avLst/>
+          </a:prstGeom>
+          <a:noFill/>
+        </p:spPr>
+        <p:txBody>
+          <a:bodyPr wrap="square" rtlCol="0">
+            <a:spAutoFit/>
+          </a:bodyPr>
+          <a:lstStyle/>
+          <a:p>
+            <a:pPr algn="just"/>
+            <a:r>
+              <a:rPr lang="en-US" sz="2700" b="0" i="0" dirty="0">
+                <a:solidFill>
+                  <a:srgbClr val="000000"/>
+                </a:solidFill>
+                <a:effectLst/>
+                <a:cs typeface="Arial" panose="020B0604020202020204" pitchFamily="34" charset="0"/>
+              </a:rPr>
+              <a:t>How can clustering techniques be applied</a:t>
+            </a:r>
+            <a:r>
+              <a:rPr lang="en-US" sz="2700" dirty="0">
+                <a:solidFill>
+                  <a:srgbClr val="000000"/>
+                </a:solidFill>
+                <a:cs typeface="Arial" panose="020B0604020202020204" pitchFamily="34" charset="0"/>
+              </a:rPr>
+              <a:t> </a:t>
+            </a:r>
+            <a:r>
+              <a:rPr lang="en-US" sz="2700" b="0" i="0" dirty="0">
+                <a:solidFill>
+                  <a:srgbClr val="000000"/>
+                </a:solidFill>
+                <a:effectLst/>
+                <a:cs typeface="Arial" panose="020B0604020202020204" pitchFamily="34" charset="0"/>
+              </a:rPr>
+              <a:t>to identify relevant tourist segments visiting Iceland, based on age, length of stay and average income?</a:t>
+            </a:r>
+            <a:endParaRPr lang="en-IE" sz="2700" dirty="0">
+              <a:cs typeface="Arial" panose="020B0604020202020204" pitchFamily="34" charset="0"/>
+            </a:endParaRPr>
+          </a:p>
+        </p:txBody>
+      </p:sp>
+      <p:sp>
+        <p:nvSpPr>
+          <p:cNvPr id="102" name="TextBox 101">
+            <a:extLst>
+              <a:ext uri="{FF2B5EF4-FFF2-40B4-BE49-F238E27FC236}">
+                <a16:creationId xmlns:a16="http://schemas.microsoft.com/office/drawing/2014/main" id="{5B62E886-EA09-1885-1704-D2D138208085}"/>
+              </a:ext>
+            </a:extLst>
+          </p:cNvPr>
+          <p:cNvSpPr txBox="1"/>
+          <p:nvPr/>
+        </p:nvSpPr>
+        <p:spPr>
+          <a:xfrm>
+            <a:off x="660962" y="21309826"/>
+            <a:ext cx="9238127" cy="3416320"/>
+          </a:xfrm>
+          <a:prstGeom prst="rect">
+            <a:avLst/>
+          </a:prstGeom>
+          <a:noFill/>
+        </p:spPr>
+        <p:txBody>
+          <a:bodyPr wrap="square" rtlCol="0">
+            <a:spAutoFit/>
+          </a:bodyPr>
+          <a:lstStyle/>
+          <a:p>
+            <a:pPr algn="just"/>
+            <a:r>
+              <a:rPr lang="en-IE" sz="2700" dirty="0">
+                <a:latin typeface="+mj-lt"/>
+                <a:cs typeface="Arial" panose="020B0604020202020204" pitchFamily="34" charset="0"/>
+              </a:rPr>
+              <a:t>The selected variables were age, stay duration, and income. Three clustering models were applied: Hierarchical, K-Means, and DBSCAN. Clustering quality was assessed using the Silhouette Score, Davies-Bouldin Index, dendrogram visualisation and ANOVA. Dimensionality reduction with PCA helped to visualise cluster separation, besides the heatmaps on cluster centres. Adjusted Rand Index was also used to test stability across multiple runs.</a:t>
+            </a:r>
+          </a:p>
+        </p:txBody>
+      </p:sp>
+      <p:sp>
+        <p:nvSpPr>
+          <p:cNvPr id="104" name="TextBox 103">
+            <a:extLst>
+              <a:ext uri="{FF2B5EF4-FFF2-40B4-BE49-F238E27FC236}">
+                <a16:creationId xmlns:a16="http://schemas.microsoft.com/office/drawing/2014/main" id="{034B78F0-FF62-9D31-707E-47822A58F87C}"/>
+              </a:ext>
+            </a:extLst>
+          </p:cNvPr>
+          <p:cNvSpPr txBox="1"/>
+          <p:nvPr/>
+        </p:nvSpPr>
+        <p:spPr>
+          <a:xfrm>
+            <a:off x="11203387" y="25897288"/>
+            <a:ext cx="9566512" cy="3416320"/>
+          </a:xfrm>
+          <a:prstGeom prst="rect">
+            <a:avLst/>
+          </a:prstGeom>
+          <a:noFill/>
+        </p:spPr>
+        <p:txBody>
+          <a:bodyPr wrap="square" rtlCol="0">
+            <a:spAutoFit/>
+          </a:bodyPr>
+          <a:lstStyle/>
+          <a:p>
+            <a:pPr algn="just"/>
+            <a:r>
+              <a:rPr lang="en-IE" sz="2700" dirty="0">
+                <a:latin typeface="+mj-lt"/>
+                <a:cs typeface="Arial" panose="020B0604020202020204" pitchFamily="34" charset="0"/>
+              </a:rPr>
+              <a:t>K-Means clustering was chosen for its clearer, more stable, and actionable segments. The results reveal distinct profiles, particularly among young tourists with moderate to long stays. This information can help stakeholders design tailored services and marketing. However, since the dataset is small and represents only one year, findings should be seen as a snapshot due to market segments change over time. Future work should include larger samples and additional behavioural variables.</a:t>
+            </a:r>
+          </a:p>
+        </p:txBody>
+      </p:sp>
+      <p:sp>
+        <p:nvSpPr>
+          <p:cNvPr id="105" name="TextBox 104">
+            <a:extLst>
+              <a:ext uri="{FF2B5EF4-FFF2-40B4-BE49-F238E27FC236}">
+                <a16:creationId xmlns:a16="http://schemas.microsoft.com/office/drawing/2014/main" id="{36F833DC-8A8E-57FC-D880-FFEB17A8E75C}"/>
+              </a:ext>
+            </a:extLst>
+          </p:cNvPr>
+          <p:cNvSpPr txBox="1"/>
+          <p:nvPr/>
+        </p:nvSpPr>
+        <p:spPr>
+          <a:xfrm>
+            <a:off x="13285105" y="17966171"/>
+            <a:ext cx="7366357" cy="1754326"/>
+          </a:xfrm>
+          <a:prstGeom prst="rect">
+            <a:avLst/>
+          </a:prstGeom>
+          <a:noFill/>
+        </p:spPr>
+        <p:txBody>
+          <a:bodyPr wrap="square" rtlCol="0">
+            <a:spAutoFit/>
+          </a:bodyPr>
+          <a:lstStyle/>
+          <a:p>
+            <a:pPr algn="just"/>
+            <a:r>
+              <a:rPr lang="en-IE" sz="2700" dirty="0">
+                <a:latin typeface="+mj-lt"/>
+                <a:cs typeface="Arial" panose="020B0604020202020204" pitchFamily="34" charset="0"/>
+              </a:rPr>
+              <a:t>Two clusters (2 and 3) stood out for targeting young travellers with longer stays and average to high income levels, representing valuable 	segments for tourism strategies.</a:t>
+            </a:r>
+          </a:p>
+        </p:txBody>
+      </p:sp>
+      <p:sp>
+        <p:nvSpPr>
+          <p:cNvPr id="2" name="TextBox 1">
+            <a:extLst>
+              <a:ext uri="{FF2B5EF4-FFF2-40B4-BE49-F238E27FC236}">
+                <a16:creationId xmlns:a16="http://schemas.microsoft.com/office/drawing/2014/main" id="{B701850C-14AE-33F2-FA01-65DFA3DCDE9D}"/>
+              </a:ext>
+            </a:extLst>
+          </p:cNvPr>
+          <p:cNvSpPr txBox="1"/>
+          <p:nvPr/>
+        </p:nvSpPr>
+        <p:spPr>
+          <a:xfrm>
+            <a:off x="11235925" y="4953881"/>
+            <a:ext cx="9415537" cy="2585323"/>
+          </a:xfrm>
+          <a:prstGeom prst="rect">
+            <a:avLst/>
+          </a:prstGeom>
+          <a:noFill/>
+        </p:spPr>
+        <p:txBody>
+          <a:bodyPr wrap="square" rtlCol="0">
+            <a:spAutoFit/>
+          </a:bodyPr>
+          <a:lstStyle/>
+          <a:p>
+            <a:pPr algn="just"/>
+            <a:r>
+              <a:rPr lang="en-IE" sz="2700" dirty="0"/>
+              <a:t>Data was extracted from multiple sheets of the original Excel and merged into one dataset. The final dataset included 21 nationalities and 17 features, all expressed as proportions. The variables were not scaled and no missing values were found. A heatmap and interactive bar plot helped to understand relationships between variables.</a:t>
+            </a:r>
+          </a:p>
+        </p:txBody>
+      </p:sp>
+      <p:sp>
+        <p:nvSpPr>
+          <p:cNvPr id="3" name="TextBox 2">
+            <a:extLst>
+              <a:ext uri="{FF2B5EF4-FFF2-40B4-BE49-F238E27FC236}">
+                <a16:creationId xmlns:a16="http://schemas.microsoft.com/office/drawing/2014/main" id="{AF9A58F7-6C54-D2D9-A38A-112843058F92}"/>
+              </a:ext>
+            </a:extLst>
+          </p:cNvPr>
+          <p:cNvSpPr txBox="1"/>
+          <p:nvPr/>
+        </p:nvSpPr>
+        <p:spPr>
+          <a:xfrm>
+            <a:off x="17190720" y="12435840"/>
+            <a:ext cx="184731" cy="369332"/>
+          </a:xfrm>
+          <a:prstGeom prst="rect">
+            <a:avLst/>
+          </a:prstGeom>
+          <a:noFill/>
+        </p:spPr>
+        <p:txBody>
+          <a:bodyPr wrap="none" rtlCol="0">
+            <a:spAutoFit/>
+          </a:bodyPr>
+          <a:lstStyle/>
+          <a:p>
+            <a:endParaRPr lang="en-IE" dirty="0"/>
+          </a:p>
+        </p:txBody>
+      </p:sp>
+      <p:sp>
+        <p:nvSpPr>
+          <p:cNvPr id="4" name="TextBox 3">
+            <a:extLst>
+              <a:ext uri="{FF2B5EF4-FFF2-40B4-BE49-F238E27FC236}">
+                <a16:creationId xmlns:a16="http://schemas.microsoft.com/office/drawing/2014/main" id="{1CC9B0C8-7811-F524-905C-39095155446B}"/>
+              </a:ext>
+            </a:extLst>
+          </p:cNvPr>
+          <p:cNvSpPr txBox="1"/>
+          <p:nvPr/>
+        </p:nvSpPr>
+        <p:spPr>
+          <a:xfrm>
+            <a:off x="2292060" y="10789920"/>
+            <a:ext cx="1957414" cy="1241625"/>
+          </a:xfrm>
+          <a:prstGeom prst="rect">
+            <a:avLst/>
+          </a:prstGeom>
+          <a:noFill/>
+        </p:spPr>
+        <p:txBody>
+          <a:bodyPr wrap="square" rtlCol="0">
+            <a:spAutoFit/>
+          </a:bodyPr>
+          <a:lstStyle/>
+          <a:p>
+            <a:endParaRPr lang="en-IE" dirty="0"/>
+          </a:p>
+        </p:txBody>
+      </p:sp>
+      <p:pic>
+        <p:nvPicPr>
+          <p:cNvPr id="13" name="Picture 12">
+            <a:extLst>
+              <a:ext uri="{FF2B5EF4-FFF2-40B4-BE49-F238E27FC236}">
+                <a16:creationId xmlns:a16="http://schemas.microsoft.com/office/drawing/2014/main" id="{F47CC964-7122-202F-7A74-6335A3DFF35C}"/>
+              </a:ext>
+            </a:extLst>
+          </p:cNvPr>
+          <p:cNvPicPr>
+            <a:picLocks noChangeAspect="1"/>
+          </p:cNvPicPr>
+          <p:nvPr/>
+        </p:nvPicPr>
+        <p:blipFill>
+          <a:blip r:embed="rId3"/>
+          <a:srcRect r="20541"/>
+          <a:stretch/>
+        </p:blipFill>
+        <p:spPr>
+          <a:xfrm>
+            <a:off x="11483204" y="19971241"/>
+            <a:ext cx="6828243" cy="3923487"/>
+          </a:xfrm>
+          <a:prstGeom prst="rect">
+            <a:avLst/>
+          </a:prstGeom>
+          <a:ln>
+            <a:noFill/>
+          </a:ln>
         </p:spPr>
       </p:pic>
       <p:pic>
         <p:nvPicPr>
-          <p:cNvPr id="83" name="Picture 82">
-            <a:extLst>
-              <a:ext uri="{FF2B5EF4-FFF2-40B4-BE49-F238E27FC236}">
-                <a16:creationId xmlns:a16="http://schemas.microsoft.com/office/drawing/2014/main" id="{811C9BDF-1341-1F15-E791-F990300AD797}"/>
+          <p:cNvPr id="18" name="Picture 17" descr="A blue and orange squares with black text&#10;&#10;AI-generated content may be incorrect.">
+            <a:extLst>
+              <a:ext uri="{FF2B5EF4-FFF2-40B4-BE49-F238E27FC236}">
+                <a16:creationId xmlns:a16="http://schemas.microsoft.com/office/drawing/2014/main" id="{8B653642-24D1-709E-720E-20EBBA723E52}"/>
               </a:ext>
             </a:extLst>
           </p:cNvPr>
@@ -3463,123 +3912,7 @@
           <p:nvPr/>
         </p:nvPicPr>
         <p:blipFill>
-          <a:blip r:embed="rId2"/>
-          <a:srcRect b="84213"/>
-          <a:stretch/>
-        </p:blipFill>
-        <p:spPr>
-          <a:xfrm>
-            <a:off x="367564" y="3703316"/>
-            <a:ext cx="10120237" cy="1323656"/>
-          </a:xfrm>
-          <a:prstGeom prst="rect">
-            <a:avLst/>
-          </a:prstGeom>
-        </p:spPr>
-      </p:pic>
-      <p:pic>
-        <p:nvPicPr>
-          <p:cNvPr id="85" name="Picture 84">
-            <a:extLst>
-              <a:ext uri="{FF2B5EF4-FFF2-40B4-BE49-F238E27FC236}">
-                <a16:creationId xmlns:a16="http://schemas.microsoft.com/office/drawing/2014/main" id="{824315A5-CE42-9DCE-7B6E-9D74AED98BDD}"/>
-              </a:ext>
-            </a:extLst>
-          </p:cNvPr>
-          <p:cNvPicPr>
-            <a:picLocks noChangeAspect="1"/>
-          </p:cNvPicPr>
-          <p:nvPr/>
-        </p:nvPicPr>
-        <p:blipFill>
-          <a:blip r:embed="rId3"/>
-          <a:srcRect b="59035"/>
-          <a:stretch/>
-        </p:blipFill>
-        <p:spPr>
-          <a:xfrm>
-            <a:off x="367564" y="14600556"/>
-            <a:ext cx="6700085" cy="1342451"/>
-          </a:xfrm>
-          <a:prstGeom prst="rect">
-            <a:avLst/>
-          </a:prstGeom>
-        </p:spPr>
-      </p:pic>
-      <p:pic>
-        <p:nvPicPr>
-          <p:cNvPr id="87" name="Picture 86">
-            <a:extLst>
-              <a:ext uri="{FF2B5EF4-FFF2-40B4-BE49-F238E27FC236}">
-                <a16:creationId xmlns:a16="http://schemas.microsoft.com/office/drawing/2014/main" id="{F87CE683-8054-0939-2992-022918BEB6F6}"/>
-              </a:ext>
-            </a:extLst>
-          </p:cNvPr>
-          <p:cNvPicPr>
-            <a:picLocks noChangeAspect="1"/>
-          </p:cNvPicPr>
-          <p:nvPr/>
-        </p:nvPicPr>
-        <p:blipFill>
-          <a:blip r:embed="rId4"/>
-          <a:srcRect b="84430"/>
-          <a:stretch/>
-        </p:blipFill>
-        <p:spPr>
-          <a:xfrm>
-            <a:off x="329954" y="18987038"/>
-            <a:ext cx="10120237" cy="1516578"/>
-          </a:xfrm>
-          <a:prstGeom prst="rect">
-            <a:avLst/>
-          </a:prstGeom>
-        </p:spPr>
-      </p:pic>
-      <p:pic>
-        <p:nvPicPr>
-          <p:cNvPr id="90" name="Picture 89">
-            <a:extLst>
-              <a:ext uri="{FF2B5EF4-FFF2-40B4-BE49-F238E27FC236}">
-                <a16:creationId xmlns:a16="http://schemas.microsoft.com/office/drawing/2014/main" id="{99F1C946-42E8-61AA-48BD-CEE9BEDA8582}"/>
-              </a:ext>
-            </a:extLst>
-          </p:cNvPr>
-          <p:cNvPicPr>
-            <a:picLocks noChangeAspect="1"/>
-          </p:cNvPicPr>
-          <p:nvPr/>
-        </p:nvPicPr>
-        <p:blipFill>
-          <a:blip r:embed="rId4"/>
-          <a:srcRect b="84905"/>
-          <a:stretch/>
-        </p:blipFill>
-        <p:spPr>
-          <a:xfrm>
-            <a:off x="11146858" y="15450144"/>
-            <a:ext cx="10007168" cy="1595210"/>
-          </a:xfrm>
-          <a:prstGeom prst="rect">
-            <a:avLst/>
-          </a:prstGeom>
-        </p:spPr>
-      </p:pic>
-      <p:pic>
-        <p:nvPicPr>
-          <p:cNvPr id="73" name="Picture 72" descr="A waterfall and a mountain with green lights in the sky&#10;&#10;AI-generated content may be incorrect.">
-            <a:extLst>
-              <a:ext uri="{FF2B5EF4-FFF2-40B4-BE49-F238E27FC236}">
-                <a16:creationId xmlns:a16="http://schemas.microsoft.com/office/drawing/2014/main" id="{B33D971A-7ECB-52B9-84BE-19470D145766}"/>
-              </a:ext>
-            </a:extLst>
-          </p:cNvPr>
-          <p:cNvPicPr>
-            <a:picLocks noChangeAspect="1"/>
-          </p:cNvPicPr>
-          <p:nvPr/>
-        </p:nvPicPr>
-        <p:blipFill>
-          <a:blip r:embed="rId5">
+          <a:blip r:embed="rId4">
             <a:extLst>
               <a:ext uri="{28A0092B-C50C-407E-A947-70E740481C1C}">
                 <a14:useLocalDpi xmlns:a14="http://schemas.microsoft.com/office/drawing/2010/main" val="0"/>
@@ -3592,8 +3925,756 @@
         </p:blipFill>
         <p:spPr>
           <a:xfrm>
-            <a:off x="6084367" y="11115199"/>
-            <a:ext cx="10120237" cy="9001504"/>
+            <a:off x="1089164" y="24878584"/>
+            <a:ext cx="8356206" cy="4463563"/>
+          </a:xfrm>
+          <a:prstGeom prst="rect">
+            <a:avLst/>
+          </a:prstGeom>
+        </p:spPr>
+      </p:pic>
+      <p:pic>
+        <p:nvPicPr>
+          <p:cNvPr id="19" name="Picture 18">
+            <a:extLst>
+              <a:ext uri="{FF2B5EF4-FFF2-40B4-BE49-F238E27FC236}">
+                <a16:creationId xmlns:a16="http://schemas.microsoft.com/office/drawing/2014/main" id="{43389F08-F9CF-CAC6-A6C6-7AC6E97CA8FF}"/>
+              </a:ext>
+            </a:extLst>
+          </p:cNvPr>
+          <p:cNvPicPr>
+            <a:picLocks noChangeAspect="1"/>
+          </p:cNvPicPr>
+          <p:nvPr/>
+        </p:nvPicPr>
+        <p:blipFill>
+          <a:blip r:embed="rId5"/>
+          <a:srcRect l="14585" r="13783"/>
+          <a:stretch/>
+        </p:blipFill>
+        <p:spPr>
+          <a:xfrm>
+            <a:off x="4100563" y="17049093"/>
+            <a:ext cx="3993050" cy="4180777"/>
+          </a:xfrm>
+          <a:prstGeom prst="rect">
+            <a:avLst/>
+          </a:prstGeom>
+        </p:spPr>
+      </p:pic>
+      <p:pic>
+        <p:nvPicPr>
+          <p:cNvPr id="23" name="Picture 22" descr="A table with numbers and a number of values&#10;&#10;AI-generated content may be incorrect.">
+            <a:extLst>
+              <a:ext uri="{FF2B5EF4-FFF2-40B4-BE49-F238E27FC236}">
+                <a16:creationId xmlns:a16="http://schemas.microsoft.com/office/drawing/2014/main" id="{B38D9F5F-52F5-8A39-8F4F-892C58A8C229}"/>
+              </a:ext>
+            </a:extLst>
+          </p:cNvPr>
+          <p:cNvPicPr>
+            <a:picLocks noChangeAspect="1"/>
+          </p:cNvPicPr>
+          <p:nvPr/>
+        </p:nvPicPr>
+        <p:blipFill>
+          <a:blip r:embed="rId6">
+            <a:extLst>
+              <a:ext uri="{28A0092B-C50C-407E-A947-70E740481C1C}">
+                <a14:useLocalDpi xmlns:a14="http://schemas.microsoft.com/office/drawing/2010/main" val="0"/>
+              </a:ext>
+            </a:extLst>
+          </a:blip>
+          <a:stretch>
+            <a:fillRect/>
+          </a:stretch>
+        </p:blipFill>
+        <p:spPr>
+          <a:xfrm>
+            <a:off x="14250187" y="13254056"/>
+            <a:ext cx="6519712" cy="4597728"/>
+          </a:xfrm>
+          <a:prstGeom prst="rect">
+            <a:avLst/>
+          </a:prstGeom>
+        </p:spPr>
+      </p:pic>
+      <p:sp>
+        <p:nvSpPr>
+          <p:cNvPr id="26" name="TextBox 25">
+            <a:extLst>
+              <a:ext uri="{FF2B5EF4-FFF2-40B4-BE49-F238E27FC236}">
+                <a16:creationId xmlns:a16="http://schemas.microsoft.com/office/drawing/2014/main" id="{9008C5D5-6933-933D-6264-6B6F5BE7F132}"/>
+              </a:ext>
+            </a:extLst>
+          </p:cNvPr>
+          <p:cNvSpPr txBox="1"/>
+          <p:nvPr/>
+        </p:nvSpPr>
+        <p:spPr>
+          <a:xfrm>
+            <a:off x="11151372" y="9373768"/>
+            <a:ext cx="9584641" cy="3831818"/>
+          </a:xfrm>
+          <a:prstGeom prst="rect">
+            <a:avLst/>
+          </a:prstGeom>
+          <a:noFill/>
+        </p:spPr>
+        <p:txBody>
+          <a:bodyPr wrap="square" rtlCol="0">
+            <a:spAutoFit/>
+          </a:bodyPr>
+          <a:lstStyle/>
+          <a:p>
+            <a:pPr algn="just"/>
+            <a:r>
+              <a:rPr lang="en-IE" sz="2700" dirty="0">
+                <a:latin typeface="+mj-lt"/>
+                <a:cs typeface="Arial" panose="020B0604020202020204" pitchFamily="34" charset="0"/>
+              </a:rPr>
+              <a:t>K-Means with four clusters outperformed the other algorithms based on both visual and quantitative evaluation. Hierarchical with three clusters showed some separation, but the clusters were less distinct and less stable.  DBSCAN failed to produce meaningful clusters and labelled most data as noise. The ANOVA test confirmed significant differences in age and length of stay, while income showed no clear distinction. ARI values indicated K-Means  has stronger cluster stability (mean ARI= 0.61) 	compared to       						Hierarchical 	 (mean ARI= 0.011).</a:t>
+            </a:r>
+            <a:endParaRPr lang="en-IE" sz="2700" dirty="0">
+              <a:latin typeface="+mj-lt"/>
+            </a:endParaRPr>
+          </a:p>
+        </p:txBody>
+      </p:sp>
+      <p:pic>
+        <p:nvPicPr>
+          <p:cNvPr id="28" name="Picture 27" descr="A table with numbers and lines&#10;&#10;AI-generated content may be incorrect.">
+            <a:extLst>
+              <a:ext uri="{FF2B5EF4-FFF2-40B4-BE49-F238E27FC236}">
+                <a16:creationId xmlns:a16="http://schemas.microsoft.com/office/drawing/2014/main" id="{160FDDBB-CE08-788F-C1CC-AC99888BF711}"/>
+              </a:ext>
+            </a:extLst>
+          </p:cNvPr>
+          <p:cNvPicPr>
+            <a:picLocks noChangeAspect="1"/>
+          </p:cNvPicPr>
+          <p:nvPr/>
+        </p:nvPicPr>
+        <p:blipFill>
+          <a:blip r:embed="rId7">
+            <a:extLst>
+              <a:ext uri="{28A0092B-C50C-407E-A947-70E740481C1C}">
+                <a14:useLocalDpi xmlns:a14="http://schemas.microsoft.com/office/drawing/2010/main" val="0"/>
+              </a:ext>
+            </a:extLst>
+          </a:blip>
+          <a:stretch>
+            <a:fillRect/>
+          </a:stretch>
+        </p:blipFill>
+        <p:spPr>
+          <a:xfrm>
+            <a:off x="2549426" y="8579564"/>
+            <a:ext cx="5204020" cy="2993116"/>
+          </a:xfrm>
+          <a:prstGeom prst="rect">
+            <a:avLst/>
+          </a:prstGeom>
+        </p:spPr>
+      </p:pic>
+      <p:sp>
+        <p:nvSpPr>
+          <p:cNvPr id="34" name="Rectangle 33">
+            <a:extLst>
+              <a:ext uri="{FF2B5EF4-FFF2-40B4-BE49-F238E27FC236}">
+                <a16:creationId xmlns:a16="http://schemas.microsoft.com/office/drawing/2014/main" id="{63DD83FA-C2FC-3DFE-917C-5F62DBDEE2E4}"/>
+              </a:ext>
+            </a:extLst>
+          </p:cNvPr>
+          <p:cNvSpPr/>
+          <p:nvPr/>
+        </p:nvSpPr>
+        <p:spPr>
+          <a:xfrm>
+            <a:off x="346181" y="3682643"/>
+            <a:ext cx="9858257" cy="1078140"/>
+          </a:xfrm>
+          <a:prstGeom prst="rect">
+            <a:avLst/>
+          </a:prstGeom>
+          <a:solidFill>
+            <a:srgbClr val="04756F"/>
+          </a:solidFill>
+        </p:spPr>
+        <p:style>
+          <a:lnRef idx="2">
+            <a:schemeClr val="accent1">
+              <a:shade val="15000"/>
+            </a:schemeClr>
+          </a:lnRef>
+          <a:fillRef idx="1">
+            <a:schemeClr val="accent1"/>
+          </a:fillRef>
+          <a:effectRef idx="0">
+            <a:schemeClr val="accent1"/>
+          </a:effectRef>
+          <a:fontRef idx="minor">
+            <a:schemeClr val="lt1"/>
+          </a:fontRef>
+        </p:style>
+        <p:txBody>
+          <a:bodyPr rtlCol="0" anchor="ctr"/>
+          <a:lstStyle/>
+          <a:p>
+            <a:pPr algn="ctr"/>
+            <a:endParaRPr lang="en-IE"/>
+          </a:p>
+        </p:txBody>
+      </p:sp>
+      <p:sp>
+        <p:nvSpPr>
+          <p:cNvPr id="35" name="Rectangle 34">
+            <a:extLst>
+              <a:ext uri="{FF2B5EF4-FFF2-40B4-BE49-F238E27FC236}">
+                <a16:creationId xmlns:a16="http://schemas.microsoft.com/office/drawing/2014/main" id="{3805B156-5FA8-0DE0-BF96-56D81AEFE8A1}"/>
+              </a:ext>
+            </a:extLst>
+          </p:cNvPr>
+          <p:cNvSpPr/>
+          <p:nvPr/>
+        </p:nvSpPr>
+        <p:spPr>
+          <a:xfrm>
+            <a:off x="346180" y="12125032"/>
+            <a:ext cx="9841057" cy="1078140"/>
+          </a:xfrm>
+          <a:prstGeom prst="rect">
+            <a:avLst/>
+          </a:prstGeom>
+          <a:solidFill>
+            <a:srgbClr val="04756F"/>
+          </a:solidFill>
+        </p:spPr>
+        <p:style>
+          <a:lnRef idx="2">
+            <a:schemeClr val="accent1">
+              <a:shade val="15000"/>
+            </a:schemeClr>
+          </a:lnRef>
+          <a:fillRef idx="1">
+            <a:schemeClr val="accent1"/>
+          </a:fillRef>
+          <a:effectRef idx="0">
+            <a:schemeClr val="accent1"/>
+          </a:effectRef>
+          <a:fontRef idx="minor">
+            <a:schemeClr val="lt1"/>
+          </a:fontRef>
+        </p:style>
+        <p:txBody>
+          <a:bodyPr rtlCol="0" anchor="ctr"/>
+          <a:lstStyle/>
+          <a:p>
+            <a:pPr algn="ctr"/>
+            <a:endParaRPr lang="en-IE"/>
+          </a:p>
+        </p:txBody>
+      </p:sp>
+      <p:sp>
+        <p:nvSpPr>
+          <p:cNvPr id="36" name="Rectangle 35">
+            <a:extLst>
+              <a:ext uri="{FF2B5EF4-FFF2-40B4-BE49-F238E27FC236}">
+                <a16:creationId xmlns:a16="http://schemas.microsoft.com/office/drawing/2014/main" id="{D5384045-7AC8-113B-478F-C441F081A79F}"/>
+              </a:ext>
+            </a:extLst>
+          </p:cNvPr>
+          <p:cNvSpPr/>
+          <p:nvPr/>
+        </p:nvSpPr>
+        <p:spPr>
+          <a:xfrm>
+            <a:off x="346180" y="15628450"/>
+            <a:ext cx="10101037" cy="1078140"/>
+          </a:xfrm>
+          <a:prstGeom prst="rect">
+            <a:avLst/>
+          </a:prstGeom>
+          <a:solidFill>
+            <a:srgbClr val="04756F"/>
+          </a:solidFill>
+        </p:spPr>
+        <p:style>
+          <a:lnRef idx="2">
+            <a:schemeClr val="accent1">
+              <a:shade val="15000"/>
+            </a:schemeClr>
+          </a:lnRef>
+          <a:fillRef idx="1">
+            <a:schemeClr val="accent1"/>
+          </a:fillRef>
+          <a:effectRef idx="0">
+            <a:schemeClr val="accent1"/>
+          </a:effectRef>
+          <a:fontRef idx="minor">
+            <a:schemeClr val="lt1"/>
+          </a:fontRef>
+        </p:style>
+        <p:txBody>
+          <a:bodyPr rtlCol="0" anchor="ctr"/>
+          <a:lstStyle/>
+          <a:p>
+            <a:pPr algn="ctr"/>
+            <a:endParaRPr lang="en-IE"/>
+          </a:p>
+        </p:txBody>
+      </p:sp>
+      <p:sp>
+        <p:nvSpPr>
+          <p:cNvPr id="57" name="TextBox 56">
+            <a:extLst>
+              <a:ext uri="{FF2B5EF4-FFF2-40B4-BE49-F238E27FC236}">
+                <a16:creationId xmlns:a16="http://schemas.microsoft.com/office/drawing/2014/main" id="{F0336802-8C3C-2C4A-47FF-EA2F523B3909}"/>
+              </a:ext>
+            </a:extLst>
+          </p:cNvPr>
+          <p:cNvSpPr txBox="1"/>
+          <p:nvPr/>
+        </p:nvSpPr>
+        <p:spPr>
+          <a:xfrm>
+            <a:off x="1595059" y="15697934"/>
+            <a:ext cx="7154493" cy="923330"/>
+          </a:xfrm>
+          <a:prstGeom prst="rect">
+            <a:avLst/>
+          </a:prstGeom>
+          <a:noFill/>
+        </p:spPr>
+        <p:txBody>
+          <a:bodyPr wrap="square" rtlCol="0">
+            <a:spAutoFit/>
+          </a:bodyPr>
+          <a:lstStyle/>
+          <a:p>
+            <a:r>
+              <a:rPr lang="en-IE" sz="5400" b="1" dirty="0">
+                <a:solidFill>
+                  <a:schemeClr val="bg1"/>
+                </a:solidFill>
+              </a:rPr>
+              <a:t>Methodology</a:t>
+            </a:r>
+          </a:p>
+        </p:txBody>
+      </p:sp>
+      <p:sp>
+        <p:nvSpPr>
+          <p:cNvPr id="59" name="TextBox 58">
+            <a:extLst>
+              <a:ext uri="{FF2B5EF4-FFF2-40B4-BE49-F238E27FC236}">
+                <a16:creationId xmlns:a16="http://schemas.microsoft.com/office/drawing/2014/main" id="{3025735E-F716-87FC-45D4-FA8E58A56DBC}"/>
+              </a:ext>
+            </a:extLst>
+          </p:cNvPr>
+          <p:cNvSpPr txBox="1"/>
+          <p:nvPr/>
+        </p:nvSpPr>
+        <p:spPr>
+          <a:xfrm>
+            <a:off x="1179025" y="12274709"/>
+            <a:ext cx="9117411" cy="830997"/>
+          </a:xfrm>
+          <a:prstGeom prst="rect">
+            <a:avLst/>
+          </a:prstGeom>
+          <a:noFill/>
+        </p:spPr>
+        <p:txBody>
+          <a:bodyPr wrap="square" rtlCol="0">
+            <a:spAutoFit/>
+          </a:bodyPr>
+          <a:lstStyle/>
+          <a:p>
+            <a:r>
+              <a:rPr lang="en-IE" sz="4600" b="1" dirty="0">
+                <a:solidFill>
+                  <a:schemeClr val="bg1"/>
+                </a:solidFill>
+              </a:rPr>
+              <a:t>Research Question</a:t>
+            </a:r>
+          </a:p>
+        </p:txBody>
+      </p:sp>
+      <p:sp>
+        <p:nvSpPr>
+          <p:cNvPr id="50" name="TextBox 49">
+            <a:extLst>
+              <a:ext uri="{FF2B5EF4-FFF2-40B4-BE49-F238E27FC236}">
+                <a16:creationId xmlns:a16="http://schemas.microsoft.com/office/drawing/2014/main" id="{0954A847-45BD-807C-DFB1-C49853A78C6E}"/>
+              </a:ext>
+            </a:extLst>
+          </p:cNvPr>
+          <p:cNvSpPr txBox="1"/>
+          <p:nvPr/>
+        </p:nvSpPr>
+        <p:spPr>
+          <a:xfrm>
+            <a:off x="3027191" y="3799982"/>
+            <a:ext cx="4601720" cy="923330"/>
+          </a:xfrm>
+          <a:prstGeom prst="rect">
+            <a:avLst/>
+          </a:prstGeom>
+          <a:noFill/>
+        </p:spPr>
+        <p:txBody>
+          <a:bodyPr wrap="square" rtlCol="0">
+            <a:spAutoFit/>
+          </a:bodyPr>
+          <a:lstStyle/>
+          <a:p>
+            <a:r>
+              <a:rPr lang="en-IE" sz="5400" b="1" dirty="0">
+                <a:solidFill>
+                  <a:schemeClr val="bg1"/>
+                </a:solidFill>
+                <a:latin typeface="Aptos Black" panose="020F0502020204030204" pitchFamily="34" charset="0"/>
+              </a:rPr>
+              <a:t>Introduction</a:t>
+            </a:r>
+          </a:p>
+        </p:txBody>
+      </p:sp>
+      <p:sp>
+        <p:nvSpPr>
+          <p:cNvPr id="37" name="Rectangle 36">
+            <a:extLst>
+              <a:ext uri="{FF2B5EF4-FFF2-40B4-BE49-F238E27FC236}">
+                <a16:creationId xmlns:a16="http://schemas.microsoft.com/office/drawing/2014/main" id="{8B0008F7-08C4-CBAF-B483-26AA9ECD4A61}"/>
+              </a:ext>
+            </a:extLst>
+          </p:cNvPr>
+          <p:cNvSpPr/>
+          <p:nvPr/>
+        </p:nvSpPr>
+        <p:spPr>
+          <a:xfrm>
+            <a:off x="10932108" y="3682475"/>
+            <a:ext cx="10101600" cy="1078140"/>
+          </a:xfrm>
+          <a:prstGeom prst="rect">
+            <a:avLst/>
+          </a:prstGeom>
+          <a:solidFill>
+            <a:srgbClr val="04756F"/>
+          </a:solidFill>
+        </p:spPr>
+        <p:style>
+          <a:lnRef idx="2">
+            <a:schemeClr val="accent1">
+              <a:shade val="15000"/>
+            </a:schemeClr>
+          </a:lnRef>
+          <a:fillRef idx="1">
+            <a:schemeClr val="accent1"/>
+          </a:fillRef>
+          <a:effectRef idx="0">
+            <a:schemeClr val="accent1"/>
+          </a:effectRef>
+          <a:fontRef idx="minor">
+            <a:schemeClr val="lt1"/>
+          </a:fontRef>
+        </p:style>
+        <p:txBody>
+          <a:bodyPr rtlCol="0" anchor="ctr"/>
+          <a:lstStyle/>
+          <a:p>
+            <a:pPr algn="ctr"/>
+            <a:endParaRPr lang="en-IE"/>
+          </a:p>
+        </p:txBody>
+      </p:sp>
+      <p:sp>
+        <p:nvSpPr>
+          <p:cNvPr id="100" name="TextBox 99">
+            <a:extLst>
+              <a:ext uri="{FF2B5EF4-FFF2-40B4-BE49-F238E27FC236}">
+                <a16:creationId xmlns:a16="http://schemas.microsoft.com/office/drawing/2014/main" id="{A7340B1E-4BCA-EB06-9670-A930AD225B56}"/>
+              </a:ext>
+            </a:extLst>
+          </p:cNvPr>
+          <p:cNvSpPr txBox="1"/>
+          <p:nvPr/>
+        </p:nvSpPr>
+        <p:spPr>
+          <a:xfrm>
+            <a:off x="13093565" y="3766698"/>
+            <a:ext cx="6351708" cy="923330"/>
+          </a:xfrm>
+          <a:prstGeom prst="rect">
+            <a:avLst/>
+          </a:prstGeom>
+          <a:noFill/>
+        </p:spPr>
+        <p:txBody>
+          <a:bodyPr wrap="square" rtlCol="0">
+            <a:spAutoFit/>
+          </a:bodyPr>
+          <a:lstStyle/>
+          <a:p>
+            <a:r>
+              <a:rPr lang="en-IE" sz="5400" b="1" dirty="0">
+                <a:solidFill>
+                  <a:schemeClr val="bg1"/>
+                </a:solidFill>
+              </a:rPr>
+              <a:t>Data Preparation</a:t>
+            </a:r>
+          </a:p>
+        </p:txBody>
+      </p:sp>
+      <p:sp>
+        <p:nvSpPr>
+          <p:cNvPr id="38" name="Rectangle 37">
+            <a:extLst>
+              <a:ext uri="{FF2B5EF4-FFF2-40B4-BE49-F238E27FC236}">
+                <a16:creationId xmlns:a16="http://schemas.microsoft.com/office/drawing/2014/main" id="{B7A82453-71C9-57F1-AB36-EB98CCBC299D}"/>
+              </a:ext>
+            </a:extLst>
+          </p:cNvPr>
+          <p:cNvSpPr/>
+          <p:nvPr/>
+        </p:nvSpPr>
+        <p:spPr>
+          <a:xfrm>
+            <a:off x="10926986" y="7981028"/>
+            <a:ext cx="10101600" cy="1078140"/>
+          </a:xfrm>
+          <a:prstGeom prst="rect">
+            <a:avLst/>
+          </a:prstGeom>
+          <a:solidFill>
+            <a:srgbClr val="04756F"/>
+          </a:solidFill>
+        </p:spPr>
+        <p:style>
+          <a:lnRef idx="2">
+            <a:schemeClr val="accent1">
+              <a:shade val="15000"/>
+            </a:schemeClr>
+          </a:lnRef>
+          <a:fillRef idx="1">
+            <a:schemeClr val="accent1"/>
+          </a:fillRef>
+          <a:effectRef idx="0">
+            <a:schemeClr val="accent1"/>
+          </a:effectRef>
+          <a:fontRef idx="minor">
+            <a:schemeClr val="lt1"/>
+          </a:fontRef>
+        </p:style>
+        <p:txBody>
+          <a:bodyPr rtlCol="0" anchor="ctr"/>
+          <a:lstStyle/>
+          <a:p>
+            <a:pPr algn="ctr"/>
+            <a:endParaRPr lang="en-IE"/>
+          </a:p>
+        </p:txBody>
+      </p:sp>
+      <p:sp>
+        <p:nvSpPr>
+          <p:cNvPr id="60" name="TextBox 59">
+            <a:extLst>
+              <a:ext uri="{FF2B5EF4-FFF2-40B4-BE49-F238E27FC236}">
+                <a16:creationId xmlns:a16="http://schemas.microsoft.com/office/drawing/2014/main" id="{A584F51C-6659-96A6-FDF6-53CB06127BEF}"/>
+              </a:ext>
+            </a:extLst>
+          </p:cNvPr>
+          <p:cNvSpPr txBox="1"/>
+          <p:nvPr/>
+        </p:nvSpPr>
+        <p:spPr>
+          <a:xfrm>
+            <a:off x="14708023" y="8141815"/>
+            <a:ext cx="4126176" cy="923330"/>
+          </a:xfrm>
+          <a:prstGeom prst="rect">
+            <a:avLst/>
+          </a:prstGeom>
+          <a:noFill/>
+        </p:spPr>
+        <p:txBody>
+          <a:bodyPr wrap="square" rtlCol="0">
+            <a:spAutoFit/>
+          </a:bodyPr>
+          <a:lstStyle/>
+          <a:p>
+            <a:r>
+              <a:rPr lang="en-IE" sz="5400" b="1" dirty="0">
+                <a:solidFill>
+                  <a:schemeClr val="bg1"/>
+                </a:solidFill>
+              </a:rPr>
+              <a:t>Results</a:t>
+            </a:r>
+          </a:p>
+        </p:txBody>
+      </p:sp>
+      <p:sp>
+        <p:nvSpPr>
+          <p:cNvPr id="39" name="Rectangle 38">
+            <a:extLst>
+              <a:ext uri="{FF2B5EF4-FFF2-40B4-BE49-F238E27FC236}">
+                <a16:creationId xmlns:a16="http://schemas.microsoft.com/office/drawing/2014/main" id="{AC79F573-935E-79C9-53CA-6425CFE316E6}"/>
+              </a:ext>
+            </a:extLst>
+          </p:cNvPr>
+          <p:cNvSpPr/>
+          <p:nvPr/>
+        </p:nvSpPr>
+        <p:spPr>
+          <a:xfrm>
+            <a:off x="10929035" y="24647653"/>
+            <a:ext cx="10101600" cy="1078140"/>
+          </a:xfrm>
+          <a:prstGeom prst="rect">
+            <a:avLst/>
+          </a:prstGeom>
+          <a:solidFill>
+            <a:srgbClr val="04756F"/>
+          </a:solidFill>
+        </p:spPr>
+        <p:style>
+          <a:lnRef idx="2">
+            <a:schemeClr val="accent1">
+              <a:shade val="15000"/>
+            </a:schemeClr>
+          </a:lnRef>
+          <a:fillRef idx="1">
+            <a:schemeClr val="accent1"/>
+          </a:fillRef>
+          <a:effectRef idx="0">
+            <a:schemeClr val="accent1"/>
+          </a:effectRef>
+          <a:fontRef idx="minor">
+            <a:schemeClr val="lt1"/>
+          </a:fontRef>
+        </p:style>
+        <p:txBody>
+          <a:bodyPr rtlCol="0" anchor="ctr"/>
+          <a:lstStyle/>
+          <a:p>
+            <a:pPr algn="ctr"/>
+            <a:endParaRPr lang="en-IE"/>
+          </a:p>
+        </p:txBody>
+      </p:sp>
+      <p:sp>
+        <p:nvSpPr>
+          <p:cNvPr id="58" name="TextBox 57">
+            <a:extLst>
+              <a:ext uri="{FF2B5EF4-FFF2-40B4-BE49-F238E27FC236}">
+                <a16:creationId xmlns:a16="http://schemas.microsoft.com/office/drawing/2014/main" id="{CA143BFA-4D4E-2E61-FF53-5D294DBA9C47}"/>
+              </a:ext>
+            </a:extLst>
+          </p:cNvPr>
+          <p:cNvSpPr txBox="1"/>
+          <p:nvPr/>
+        </p:nvSpPr>
+        <p:spPr>
+          <a:xfrm>
+            <a:off x="13789165" y="24752887"/>
+            <a:ext cx="4126176" cy="923330"/>
+          </a:xfrm>
+          <a:prstGeom prst="rect">
+            <a:avLst/>
+          </a:prstGeom>
+          <a:noFill/>
+        </p:spPr>
+        <p:txBody>
+          <a:bodyPr wrap="square" rtlCol="0">
+            <a:spAutoFit/>
+          </a:bodyPr>
+          <a:lstStyle/>
+          <a:p>
+            <a:r>
+              <a:rPr lang="en-IE" sz="5400" b="1" dirty="0">
+                <a:solidFill>
+                  <a:schemeClr val="bg1"/>
+                </a:solidFill>
+              </a:rPr>
+              <a:t>Conclusion</a:t>
+            </a:r>
+          </a:p>
+        </p:txBody>
+      </p:sp>
+      <p:sp>
+        <p:nvSpPr>
+          <p:cNvPr id="40" name="TextBox 39">
+            <a:extLst>
+              <a:ext uri="{FF2B5EF4-FFF2-40B4-BE49-F238E27FC236}">
+                <a16:creationId xmlns:a16="http://schemas.microsoft.com/office/drawing/2014/main" id="{0A4C1AF6-116B-6EAB-B8E9-11018D8F16B0}"/>
+              </a:ext>
+            </a:extLst>
+          </p:cNvPr>
+          <p:cNvSpPr txBox="1"/>
+          <p:nvPr/>
+        </p:nvSpPr>
+        <p:spPr>
+          <a:xfrm>
+            <a:off x="660962" y="17083991"/>
+            <a:ext cx="3149135" cy="3416320"/>
+          </a:xfrm>
+          <a:prstGeom prst="rect">
+            <a:avLst/>
+          </a:prstGeom>
+          <a:noFill/>
+        </p:spPr>
+        <p:txBody>
+          <a:bodyPr wrap="square" rtlCol="0">
+            <a:spAutoFit/>
+          </a:bodyPr>
+          <a:lstStyle/>
+          <a:p>
+            <a:pPr algn="just"/>
+            <a:r>
+              <a:rPr lang="en-IE" sz="2700" dirty="0">
+                <a:latin typeface="+mj-lt"/>
+                <a:cs typeface="Arial" panose="020B0604020202020204" pitchFamily="34" charset="0"/>
+              </a:rPr>
+              <a:t>The study followed the CRISP-DM framework. The data was obtained from 2023 visitor surveys conducted at Keflavik International Airport</a:t>
+            </a:r>
+            <a:endParaRPr lang="en-IE" sz="2700" dirty="0"/>
+          </a:p>
+        </p:txBody>
+      </p:sp>
+      <p:pic>
+        <p:nvPicPr>
+          <p:cNvPr id="73" name="Picture 72" descr="A waterfall and a mountain with green lights in the sky&#10;&#10;AI-generated content may be incorrect.">
+            <a:extLst>
+              <a:ext uri="{FF2B5EF4-FFF2-40B4-BE49-F238E27FC236}">
+                <a16:creationId xmlns:a16="http://schemas.microsoft.com/office/drawing/2014/main" id="{B33D971A-7ECB-52B9-84BE-19470D145766}"/>
+              </a:ext>
+            </a:extLst>
+          </p:cNvPr>
+          <p:cNvPicPr>
+            <a:picLocks noChangeAspect="1"/>
+          </p:cNvPicPr>
+          <p:nvPr/>
+        </p:nvPicPr>
+        <p:blipFill>
+          <a:blip r:embed="rId8">
+            <a:extLst>
+              <a:ext uri="{28A0092B-C50C-407E-A947-70E740481C1C}">
+                <a14:useLocalDpi xmlns:a14="http://schemas.microsoft.com/office/drawing/2010/main" val="0"/>
+              </a:ext>
+            </a:extLst>
+          </a:blip>
+          <a:stretch>
+            <a:fillRect/>
+          </a:stretch>
+        </p:blipFill>
+        <p:spPr>
+          <a:xfrm>
+            <a:off x="7256290" y="12835934"/>
+            <a:ext cx="6871044" cy="6111490"/>
           </a:xfrm>
           <a:prstGeom prst="ellipse">
             <a:avLst/>
@@ -3618,12 +4699,477 @@
           </a:sp3d>
         </p:spPr>
       </p:pic>
-      <p:sp>
-        <p:nvSpPr>
-          <p:cNvPr id="50" name="TextBox 49">
-            <a:extLst>
-              <a:ext uri="{FF2B5EF4-FFF2-40B4-BE49-F238E27FC236}">
-                <a16:creationId xmlns:a16="http://schemas.microsoft.com/office/drawing/2014/main" id="{0954A847-45BD-807C-DFB1-C49853A78C6E}"/>
+      <p:pic>
+        <p:nvPicPr>
+          <p:cNvPr id="41" name="Picture 40">
+            <a:extLst>
+              <a:ext uri="{FF2B5EF4-FFF2-40B4-BE49-F238E27FC236}">
+                <a16:creationId xmlns:a16="http://schemas.microsoft.com/office/drawing/2014/main" id="{E8F0FBA8-A2C2-4769-D539-C4B6C9F3A756}"/>
+              </a:ext>
+            </a:extLst>
+          </p:cNvPr>
+          <p:cNvPicPr>
+            <a:picLocks noChangeAspect="1"/>
+          </p:cNvPicPr>
+          <p:nvPr/>
+        </p:nvPicPr>
+        <p:blipFill>
+          <a:blip r:embed="rId3"/>
+          <a:srcRect l="80063" t="10594" r="357" b="68463"/>
+          <a:stretch/>
+        </p:blipFill>
+        <p:spPr>
+          <a:xfrm>
+            <a:off x="18326687" y="19979843"/>
+            <a:ext cx="2309535" cy="1127792"/>
+          </a:xfrm>
+          <a:prstGeom prst="rect">
+            <a:avLst/>
+          </a:prstGeom>
+          <a:ln>
+            <a:solidFill>
+              <a:schemeClr val="tx1"/>
+            </a:solidFill>
+          </a:ln>
+        </p:spPr>
+      </p:pic>
+    </p:spTree>
+    <p:extLst>
+      <p:ext uri="{BB962C8B-B14F-4D97-AF65-F5344CB8AC3E}">
+        <p14:creationId xmlns:p14="http://schemas.microsoft.com/office/powerpoint/2010/main" val="3927401429"/>
+      </p:ext>
+    </p:extLst>
+  </p:cSld>
+  <p:clrMapOvr>
+    <a:masterClrMapping/>
+  </p:clrMapOvr>
+</p:sld>
+</file>
+
+<file path=ppt/slides/slide2.xml><?xml version="1.0" encoding="utf-8"?>
+<p:sld xmlns:a="http://schemas.openxmlformats.org/drawingml/2006/main" xmlns:r="http://schemas.openxmlformats.org/officeDocument/2006/relationships" xmlns:p="http://schemas.openxmlformats.org/presentationml/2006/main">
+  <p:cSld>
+    <p:bg>
+      <p:bgPr>
+        <a:solidFill>
+          <a:srgbClr val="D9F0F2"/>
+        </a:solidFill>
+        <a:effectLst/>
+      </p:bgPr>
+    </p:bg>
+    <p:spTree>
+      <p:nvGrpSpPr>
+        <p:cNvPr id="1" name=""/>
+        <p:cNvGrpSpPr/>
+        <p:nvPr/>
+      </p:nvGrpSpPr>
+      <p:grpSpPr>
+        <a:xfrm>
+          <a:off x="0" y="0"/>
+          <a:ext cx="0" cy="0"/>
+          <a:chOff x="0" y="0"/>
+          <a:chExt cx="0" cy="0"/>
+        </a:xfrm>
+      </p:grpSpPr>
+      <p:sp>
+        <p:nvSpPr>
+          <p:cNvPr id="3" name="Rectangle 2">
+            <a:extLst>
+              <a:ext uri="{FF2B5EF4-FFF2-40B4-BE49-F238E27FC236}">
+                <a16:creationId xmlns:a16="http://schemas.microsoft.com/office/drawing/2014/main" id="{1EEE1114-9E62-23BC-E001-960B3AC29A92}"/>
+              </a:ext>
+            </a:extLst>
+          </p:cNvPr>
+          <p:cNvSpPr/>
+          <p:nvPr/>
+        </p:nvSpPr>
+        <p:spPr>
+          <a:xfrm>
+            <a:off x="0" y="-30480"/>
+            <a:ext cx="21383624" cy="3102746"/>
+          </a:xfrm>
+          <a:prstGeom prst="rect">
+            <a:avLst/>
+          </a:prstGeom>
+          <a:solidFill>
+            <a:srgbClr val="04756F"/>
+          </a:solidFill>
+        </p:spPr>
+        <p:style>
+          <a:lnRef idx="2">
+            <a:schemeClr val="accent1">
+              <a:shade val="15000"/>
+            </a:schemeClr>
+          </a:lnRef>
+          <a:fillRef idx="1">
+            <a:schemeClr val="accent1"/>
+          </a:fillRef>
+          <a:effectRef idx="0">
+            <a:schemeClr val="accent1"/>
+          </a:effectRef>
+          <a:fontRef idx="minor">
+            <a:schemeClr val="lt1"/>
+          </a:fontRef>
+        </p:style>
+        <p:txBody>
+          <a:bodyPr rtlCol="0" anchor="ctr"/>
+          <a:lstStyle/>
+          <a:p>
+            <a:pPr algn="ctr"/>
+            <a:endParaRPr lang="en-IE" dirty="0"/>
+          </a:p>
+        </p:txBody>
+      </p:sp>
+      <p:sp>
+        <p:nvSpPr>
+          <p:cNvPr id="4" name="Rectangle 3">
+            <a:extLst>
+              <a:ext uri="{FF2B5EF4-FFF2-40B4-BE49-F238E27FC236}">
+                <a16:creationId xmlns:a16="http://schemas.microsoft.com/office/drawing/2014/main" id="{6ECF22D7-5D19-6416-3DD9-6980F2F6724C}"/>
+              </a:ext>
+            </a:extLst>
+          </p:cNvPr>
+          <p:cNvSpPr/>
+          <p:nvPr/>
+        </p:nvSpPr>
+        <p:spPr>
+          <a:xfrm>
+            <a:off x="10935844" y="3753937"/>
+            <a:ext cx="10101600" cy="3902098"/>
+          </a:xfrm>
+          <a:prstGeom prst="rect">
+            <a:avLst/>
+          </a:prstGeom>
+          <a:solidFill>
+            <a:srgbClr val="FFFFFF"/>
+          </a:solidFill>
+        </p:spPr>
+        <p:style>
+          <a:lnRef idx="2">
+            <a:schemeClr val="accent1">
+              <a:shade val="15000"/>
+            </a:schemeClr>
+          </a:lnRef>
+          <a:fillRef idx="1">
+            <a:schemeClr val="accent1"/>
+          </a:fillRef>
+          <a:effectRef idx="0">
+            <a:schemeClr val="accent1"/>
+          </a:effectRef>
+          <a:fontRef idx="minor">
+            <a:schemeClr val="lt1"/>
+          </a:fontRef>
+        </p:style>
+        <p:txBody>
+          <a:bodyPr rtlCol="0" anchor="ctr"/>
+          <a:lstStyle/>
+          <a:p>
+            <a:pPr algn="ctr"/>
+            <a:endParaRPr lang="en-IE" dirty="0"/>
+          </a:p>
+        </p:txBody>
+      </p:sp>
+      <p:sp>
+        <p:nvSpPr>
+          <p:cNvPr id="5" name="Rectangle 4">
+            <a:extLst>
+              <a:ext uri="{FF2B5EF4-FFF2-40B4-BE49-F238E27FC236}">
+                <a16:creationId xmlns:a16="http://schemas.microsoft.com/office/drawing/2014/main" id="{697043BE-ED2A-AD76-19B2-A1BB78254DC8}"/>
+              </a:ext>
+            </a:extLst>
+          </p:cNvPr>
+          <p:cNvSpPr/>
+          <p:nvPr/>
+        </p:nvSpPr>
+        <p:spPr>
+          <a:xfrm>
+            <a:off x="10926987" y="7999422"/>
+            <a:ext cx="10101600" cy="16364065"/>
+          </a:xfrm>
+          <a:prstGeom prst="rect">
+            <a:avLst/>
+          </a:prstGeom>
+          <a:solidFill>
+            <a:srgbClr val="FFFFFF"/>
+          </a:solidFill>
+        </p:spPr>
+        <p:style>
+          <a:lnRef idx="2">
+            <a:schemeClr val="accent1">
+              <a:shade val="15000"/>
+            </a:schemeClr>
+          </a:lnRef>
+          <a:fillRef idx="1">
+            <a:schemeClr val="accent1"/>
+          </a:fillRef>
+          <a:effectRef idx="0">
+            <a:schemeClr val="accent1"/>
+          </a:effectRef>
+          <a:fontRef idx="minor">
+            <a:schemeClr val="lt1"/>
+          </a:fontRef>
+        </p:style>
+        <p:txBody>
+          <a:bodyPr rtlCol="0" anchor="ctr"/>
+          <a:lstStyle/>
+          <a:p>
+            <a:pPr algn="ctr"/>
+            <a:endParaRPr lang="en-IE"/>
+          </a:p>
+        </p:txBody>
+      </p:sp>
+      <p:sp>
+        <p:nvSpPr>
+          <p:cNvPr id="6" name="Rectangle 5">
+            <a:extLst>
+              <a:ext uri="{FF2B5EF4-FFF2-40B4-BE49-F238E27FC236}">
+                <a16:creationId xmlns:a16="http://schemas.microsoft.com/office/drawing/2014/main" id="{B768F9D9-F866-5D52-1CA0-DAF390554584}"/>
+              </a:ext>
+            </a:extLst>
+          </p:cNvPr>
+          <p:cNvSpPr/>
+          <p:nvPr/>
+        </p:nvSpPr>
+        <p:spPr>
+          <a:xfrm>
+            <a:off x="350363" y="3688741"/>
+            <a:ext cx="9858257" cy="8094066"/>
+          </a:xfrm>
+          <a:prstGeom prst="rect">
+            <a:avLst/>
+          </a:prstGeom>
+          <a:solidFill>
+            <a:srgbClr val="FFFFFF"/>
+          </a:solidFill>
+        </p:spPr>
+        <p:style>
+          <a:lnRef idx="2">
+            <a:schemeClr val="accent1">
+              <a:shade val="15000"/>
+            </a:schemeClr>
+          </a:lnRef>
+          <a:fillRef idx="1">
+            <a:schemeClr val="accent1"/>
+          </a:fillRef>
+          <a:effectRef idx="0">
+            <a:schemeClr val="accent1"/>
+          </a:effectRef>
+          <a:fontRef idx="minor">
+            <a:schemeClr val="lt1"/>
+          </a:fontRef>
+        </p:style>
+        <p:txBody>
+          <a:bodyPr rtlCol="0" anchor="ctr"/>
+          <a:lstStyle/>
+          <a:p>
+            <a:pPr algn="ctr"/>
+            <a:endParaRPr lang="en-IE" dirty="0"/>
+          </a:p>
+        </p:txBody>
+      </p:sp>
+      <p:sp>
+        <p:nvSpPr>
+          <p:cNvPr id="7" name="Rectangle 6">
+            <a:extLst>
+              <a:ext uri="{FF2B5EF4-FFF2-40B4-BE49-F238E27FC236}">
+                <a16:creationId xmlns:a16="http://schemas.microsoft.com/office/drawing/2014/main" id="{3030A804-058A-8DF1-4D3D-C4717DB34A44}"/>
+              </a:ext>
+            </a:extLst>
+          </p:cNvPr>
+          <p:cNvSpPr/>
+          <p:nvPr/>
+        </p:nvSpPr>
+        <p:spPr>
+          <a:xfrm>
+            <a:off x="350362" y="15622676"/>
+            <a:ext cx="10101038" cy="14072808"/>
+          </a:xfrm>
+          <a:prstGeom prst="rect">
+            <a:avLst/>
+          </a:prstGeom>
+          <a:solidFill>
+            <a:srgbClr val="FFFFFF"/>
+          </a:solidFill>
+        </p:spPr>
+        <p:style>
+          <a:lnRef idx="2">
+            <a:schemeClr val="accent1">
+              <a:shade val="15000"/>
+            </a:schemeClr>
+          </a:lnRef>
+          <a:fillRef idx="1">
+            <a:schemeClr val="accent1"/>
+          </a:fillRef>
+          <a:effectRef idx="0">
+            <a:schemeClr val="accent1"/>
+          </a:effectRef>
+          <a:fontRef idx="minor">
+            <a:schemeClr val="lt1"/>
+          </a:fontRef>
+        </p:style>
+        <p:txBody>
+          <a:bodyPr rtlCol="0" anchor="ctr"/>
+          <a:lstStyle/>
+          <a:p>
+            <a:pPr algn="ctr"/>
+            <a:endParaRPr lang="en-IE" dirty="0"/>
+          </a:p>
+        </p:txBody>
+      </p:sp>
+      <p:sp>
+        <p:nvSpPr>
+          <p:cNvPr id="8" name="Rectangle 7">
+            <a:extLst>
+              <a:ext uri="{FF2B5EF4-FFF2-40B4-BE49-F238E27FC236}">
+                <a16:creationId xmlns:a16="http://schemas.microsoft.com/office/drawing/2014/main" id="{AD0E7CBF-936B-4A6C-6876-BC71A2D72034}"/>
+              </a:ext>
+            </a:extLst>
+          </p:cNvPr>
+          <p:cNvSpPr/>
+          <p:nvPr/>
+        </p:nvSpPr>
+        <p:spPr>
+          <a:xfrm>
+            <a:off x="350362" y="12142931"/>
+            <a:ext cx="9858258" cy="3202432"/>
+          </a:xfrm>
+          <a:prstGeom prst="rect">
+            <a:avLst/>
+          </a:prstGeom>
+          <a:solidFill>
+            <a:srgbClr val="FFFFFF"/>
+          </a:solidFill>
+        </p:spPr>
+        <p:style>
+          <a:lnRef idx="2">
+            <a:schemeClr val="accent1">
+              <a:shade val="15000"/>
+            </a:schemeClr>
+          </a:lnRef>
+          <a:fillRef idx="1">
+            <a:schemeClr val="accent1"/>
+          </a:fillRef>
+          <a:effectRef idx="0">
+            <a:schemeClr val="accent1"/>
+          </a:effectRef>
+          <a:fontRef idx="minor">
+            <a:schemeClr val="lt1"/>
+          </a:fontRef>
+        </p:style>
+        <p:txBody>
+          <a:bodyPr rtlCol="0" anchor="ctr"/>
+          <a:lstStyle/>
+          <a:p>
+            <a:pPr algn="ctr"/>
+            <a:endParaRPr lang="en-IE"/>
+          </a:p>
+        </p:txBody>
+      </p:sp>
+      <p:sp>
+        <p:nvSpPr>
+          <p:cNvPr id="9" name="Rectangle 8">
+            <a:extLst>
+              <a:ext uri="{FF2B5EF4-FFF2-40B4-BE49-F238E27FC236}">
+                <a16:creationId xmlns:a16="http://schemas.microsoft.com/office/drawing/2014/main" id="{E2BADE0A-7DF8-8399-FC99-DAD3F4E934FF}"/>
+              </a:ext>
+            </a:extLst>
+          </p:cNvPr>
+          <p:cNvSpPr/>
+          <p:nvPr/>
+        </p:nvSpPr>
+        <p:spPr>
+          <a:xfrm>
+            <a:off x="10935843" y="24651090"/>
+            <a:ext cx="10101600" cy="4939436"/>
+          </a:xfrm>
+          <a:prstGeom prst="rect">
+            <a:avLst/>
+          </a:prstGeom>
+          <a:solidFill>
+            <a:srgbClr val="FFFFFF"/>
+          </a:solidFill>
+        </p:spPr>
+        <p:style>
+          <a:lnRef idx="2">
+            <a:schemeClr val="accent1">
+              <a:shade val="15000"/>
+            </a:schemeClr>
+          </a:lnRef>
+          <a:fillRef idx="1">
+            <a:schemeClr val="accent1"/>
+          </a:fillRef>
+          <a:effectRef idx="0">
+            <a:schemeClr val="accent1"/>
+          </a:effectRef>
+          <a:fontRef idx="minor">
+            <a:schemeClr val="lt1"/>
+          </a:fontRef>
+        </p:style>
+        <p:txBody>
+          <a:bodyPr rtlCol="0" anchor="ctr"/>
+          <a:lstStyle/>
+          <a:p>
+            <a:pPr algn="ctr"/>
+            <a:endParaRPr lang="en-IE"/>
+          </a:p>
+        </p:txBody>
+      </p:sp>
+      <p:sp>
+        <p:nvSpPr>
+          <p:cNvPr id="10" name="Oval 9">
+            <a:extLst>
+              <a:ext uri="{FF2B5EF4-FFF2-40B4-BE49-F238E27FC236}">
+                <a16:creationId xmlns:a16="http://schemas.microsoft.com/office/drawing/2014/main" id="{2BD88354-E676-F453-A1A6-073E6B5D3511}"/>
+              </a:ext>
+            </a:extLst>
+          </p:cNvPr>
+          <p:cNvSpPr/>
+          <p:nvPr/>
+        </p:nvSpPr>
+        <p:spPr>
+          <a:xfrm>
+            <a:off x="6510650" y="11520768"/>
+            <a:ext cx="8362324" cy="8037095"/>
+          </a:xfrm>
+          <a:prstGeom prst="ellipse">
+            <a:avLst/>
+          </a:prstGeom>
+          <a:noFill/>
+          <a:ln>
+            <a:noFill/>
+          </a:ln>
+        </p:spPr>
+        <p:style>
+          <a:lnRef idx="2">
+            <a:schemeClr val="accent1">
+              <a:shade val="15000"/>
+            </a:schemeClr>
+          </a:lnRef>
+          <a:fillRef idx="1">
+            <a:schemeClr val="accent1"/>
+          </a:fillRef>
+          <a:effectRef idx="0">
+            <a:schemeClr val="accent1"/>
+          </a:effectRef>
+          <a:fontRef idx="minor">
+            <a:schemeClr val="lt1"/>
+          </a:fontRef>
+        </p:style>
+        <p:txBody>
+          <a:bodyPr rtlCol="0" anchor="ctr"/>
+          <a:lstStyle/>
+          <a:p>
+            <a:pPr algn="ctr"/>
+            <a:endParaRPr lang="en-IE" dirty="0"/>
+          </a:p>
+        </p:txBody>
+      </p:sp>
+      <p:sp>
+        <p:nvSpPr>
+          <p:cNvPr id="11" name="TextBox 10">
+            <a:extLst>
+              <a:ext uri="{FF2B5EF4-FFF2-40B4-BE49-F238E27FC236}">
+                <a16:creationId xmlns:a16="http://schemas.microsoft.com/office/drawing/2014/main" id="{2ACCDAE6-A447-E3C3-42BD-C96B62D23CF8}"/>
               </a:ext>
             </a:extLst>
           </p:cNvPr>
@@ -3632,124 +5178,7 @@
         </p:nvSpPr>
         <p:spPr>
           <a:xfrm>
-            <a:off x="3326984" y="3982978"/>
-            <a:ext cx="4126176" cy="923330"/>
-          </a:xfrm>
-          <a:prstGeom prst="rect">
-            <a:avLst/>
-          </a:prstGeom>
-          <a:noFill/>
-        </p:spPr>
-        <p:txBody>
-          <a:bodyPr wrap="square" rtlCol="0">
-            <a:spAutoFit/>
-          </a:bodyPr>
-          <a:lstStyle/>
-          <a:p>
-            <a:r>
-              <a:rPr lang="en-IE" sz="5400" b="1" dirty="0">
-                <a:solidFill>
-                  <a:schemeClr val="bg1"/>
-                </a:solidFill>
-              </a:rPr>
-              <a:t>Introduction</a:t>
-            </a:r>
-          </a:p>
-        </p:txBody>
-      </p:sp>
-      <p:sp>
-        <p:nvSpPr>
-          <p:cNvPr id="59" name="TextBox 58">
-            <a:extLst>
-              <a:ext uri="{FF2B5EF4-FFF2-40B4-BE49-F238E27FC236}">
-                <a16:creationId xmlns:a16="http://schemas.microsoft.com/office/drawing/2014/main" id="{3025735E-F716-87FC-45D4-FA8E58A56DBC}"/>
-              </a:ext>
-            </a:extLst>
-          </p:cNvPr>
-          <p:cNvSpPr txBox="1"/>
-          <p:nvPr/>
-        </p:nvSpPr>
-        <p:spPr>
-          <a:xfrm>
-            <a:off x="651677" y="14868548"/>
-            <a:ext cx="8108521" cy="830997"/>
-          </a:xfrm>
-          <a:prstGeom prst="rect">
-            <a:avLst/>
-          </a:prstGeom>
-          <a:noFill/>
-        </p:spPr>
-        <p:txBody>
-          <a:bodyPr wrap="square" rtlCol="0">
-            <a:spAutoFit/>
-          </a:bodyPr>
-          <a:lstStyle/>
-          <a:p>
-            <a:r>
-              <a:rPr lang="en-IE" sz="4600" b="1" dirty="0">
-                <a:solidFill>
-                  <a:schemeClr val="bg1"/>
-                </a:solidFill>
-              </a:rPr>
-              <a:t>Research Question</a:t>
-            </a:r>
-          </a:p>
-        </p:txBody>
-      </p:sp>
-      <p:sp>
-        <p:nvSpPr>
-          <p:cNvPr id="57" name="TextBox 56">
-            <a:extLst>
-              <a:ext uri="{FF2B5EF4-FFF2-40B4-BE49-F238E27FC236}">
-                <a16:creationId xmlns:a16="http://schemas.microsoft.com/office/drawing/2014/main" id="{F0336802-8C3C-2C4A-47FF-EA2F523B3909}"/>
-              </a:ext>
-            </a:extLst>
-          </p:cNvPr>
-          <p:cNvSpPr txBox="1"/>
-          <p:nvPr/>
-        </p:nvSpPr>
-        <p:spPr>
-          <a:xfrm>
-            <a:off x="2292060" y="19375503"/>
-            <a:ext cx="6351708" cy="923330"/>
-          </a:xfrm>
-          <a:prstGeom prst="rect">
-            <a:avLst/>
-          </a:prstGeom>
-          <a:noFill/>
-        </p:spPr>
-        <p:txBody>
-          <a:bodyPr wrap="square" rtlCol="0">
-            <a:spAutoFit/>
-          </a:bodyPr>
-          <a:lstStyle/>
-          <a:p>
-            <a:r>
-              <a:rPr lang="en-IE" sz="5400" b="1" dirty="0">
-                <a:solidFill>
-                  <a:schemeClr val="bg1"/>
-                </a:solidFill>
-              </a:rPr>
-              <a:t>Methodology</a:t>
-            </a:r>
-          </a:p>
-        </p:txBody>
-      </p:sp>
-      <p:sp>
-        <p:nvSpPr>
-          <p:cNvPr id="92" name="TextBox 91">
-            <a:extLst>
-              <a:ext uri="{FF2B5EF4-FFF2-40B4-BE49-F238E27FC236}">
-                <a16:creationId xmlns:a16="http://schemas.microsoft.com/office/drawing/2014/main" id="{B9D60AC1-12F1-70FA-62B7-A39EC2CDB62B}"/>
-              </a:ext>
-            </a:extLst>
-          </p:cNvPr>
-          <p:cNvSpPr txBox="1"/>
-          <p:nvPr/>
-        </p:nvSpPr>
-        <p:spPr>
-          <a:xfrm>
-            <a:off x="560068" y="579729"/>
+            <a:off x="560068" y="387225"/>
             <a:ext cx="20560078" cy="1323439"/>
           </a:xfrm>
           <a:prstGeom prst="rect">
@@ -3777,10 +5206,10 @@
       </p:sp>
       <p:sp>
         <p:nvSpPr>
-          <p:cNvPr id="93" name="TextBox 92">
-            <a:extLst>
-              <a:ext uri="{FF2B5EF4-FFF2-40B4-BE49-F238E27FC236}">
-                <a16:creationId xmlns:a16="http://schemas.microsoft.com/office/drawing/2014/main" id="{9814DC4A-0BD0-8097-34C7-A2AD14D29D39}"/>
+          <p:cNvPr id="12" name="TextBox 11">
+            <a:extLst>
+              <a:ext uri="{FF2B5EF4-FFF2-40B4-BE49-F238E27FC236}">
+                <a16:creationId xmlns:a16="http://schemas.microsoft.com/office/drawing/2014/main" id="{26533313-B662-67AE-AD06-D58A8D720F1C}"/>
               </a:ext>
             </a:extLst>
           </p:cNvPr>
@@ -3789,8 +5218,8 @@
         </p:nvSpPr>
         <p:spPr>
           <a:xfrm>
-            <a:off x="560068" y="2076150"/>
-            <a:ext cx="14444839" cy="861774"/>
+            <a:off x="415690" y="1979898"/>
+            <a:ext cx="14444839" cy="830997"/>
           </a:xfrm>
           <a:prstGeom prst="rect">
             <a:avLst/>
@@ -3804,24 +5233,24 @@
           <a:lstStyle/>
           <a:p>
             <a:r>
-              <a:rPr lang="en-IE" sz="5000" dirty="0">
+              <a:rPr lang="en-IE" sz="4800" dirty="0">
                 <a:solidFill>
                   <a:schemeClr val="bg1"/>
                 </a:solidFill>
                 <a:latin typeface="Arial" panose="020B0604020202020204" pitchFamily="34" charset="0"/>
                 <a:cs typeface="Arial" panose="020B0604020202020204" pitchFamily="34" charset="0"/>
               </a:rPr>
-              <a:t>Francisca Argandona Alvarado</a:t>
+              <a:t>Francisca Argandona Alvarado, CCT College Dublin</a:t>
             </a:r>
           </a:p>
         </p:txBody>
       </p:sp>
       <p:pic>
         <p:nvPicPr>
-          <p:cNvPr id="95" name="Picture 94" descr="A logo for college computing&#10;&#10;AI-generated content may be incorrect.">
-            <a:extLst>
-              <a:ext uri="{FF2B5EF4-FFF2-40B4-BE49-F238E27FC236}">
-                <a16:creationId xmlns:a16="http://schemas.microsoft.com/office/drawing/2014/main" id="{F3722C49-676A-E3C4-E3EF-C1A4C77960C6}"/>
+          <p:cNvPr id="13" name="Picture 12" descr="A logo for college computing&#10;&#10;AI-generated content may be incorrect.">
+            <a:extLst>
+              <a:ext uri="{FF2B5EF4-FFF2-40B4-BE49-F238E27FC236}">
+                <a16:creationId xmlns:a16="http://schemas.microsoft.com/office/drawing/2014/main" id="{18E64AF7-267B-EC3E-0160-F42D3487E2EE}"/>
               </a:ext>
             </a:extLst>
           </p:cNvPr>
@@ -3831,7 +5260,7 @@
           <p:nvPr/>
         </p:nvPicPr>
         <p:blipFill>
-          <a:blip r:embed="rId6">
+          <a:blip r:embed="rId2">
             <a:extLst>
               <a:ext uri="{28A0092B-C50C-407E-A947-70E740481C1C}">
                 <a14:useLocalDpi xmlns:a14="http://schemas.microsoft.com/office/drawing/2010/main" val="0"/>
@@ -3843,8 +5272,8 @@
         </p:blipFill>
         <p:spPr>
           <a:xfrm>
-            <a:off x="15962206" y="1987094"/>
-            <a:ext cx="5101981" cy="1043991"/>
+            <a:off x="15122176" y="1680674"/>
+            <a:ext cx="5893885" cy="1206034"/>
           </a:xfrm>
           <a:prstGeom prst="rect">
             <a:avLst/>
@@ -3853,10 +5282,10 @@
       </p:pic>
       <p:sp>
         <p:nvSpPr>
-          <p:cNvPr id="96" name="TextBox 95">
-            <a:extLst>
-              <a:ext uri="{FF2B5EF4-FFF2-40B4-BE49-F238E27FC236}">
-                <a16:creationId xmlns:a16="http://schemas.microsoft.com/office/drawing/2014/main" id="{AD7FE561-539E-C43E-FDD1-F0801F729D3C}"/>
+          <p:cNvPr id="14" name="TextBox 13">
+            <a:extLst>
+              <a:ext uri="{FF2B5EF4-FFF2-40B4-BE49-F238E27FC236}">
+                <a16:creationId xmlns:a16="http://schemas.microsoft.com/office/drawing/2014/main" id="{30F723F7-477D-7BAB-FF04-AFE8BDD58CD7}"/>
               </a:ext>
             </a:extLst>
           </p:cNvPr>
@@ -3865,8 +5294,8 @@
         </p:nvSpPr>
         <p:spPr>
           <a:xfrm>
-            <a:off x="727946" y="5083375"/>
-            <a:ext cx="9479937" cy="4216539"/>
+            <a:off x="606027" y="4991935"/>
+            <a:ext cx="9252085" cy="3416320"/>
           </a:xfrm>
           <a:prstGeom prst="rect">
             <a:avLst/>
@@ -3879,29 +5308,264 @@
           </a:bodyPr>
           <a:lstStyle/>
           <a:p>
-            <a:pPr algn="just">
-              <a:buNone/>
-            </a:pPr>
-            <a:r>
-              <a:rPr lang="en-US" sz="2500" b="0" i="0" dirty="0">
+            <a:pPr algn="just"/>
+            <a:r>
+              <a:rPr lang="en-IE" sz="2700" dirty="0">
+                <a:latin typeface="Aptos" panose="020B0004020202020204" pitchFamily="34" charset="0"/>
+              </a:rPr>
+              <a:t>Tourism in Iceland has grown rapidly in recent years, becoming a major contributor to the economy. However, most existing profiles only considers country of origin or overall arrival numbers. This study aims to go further by applying clustering techniques to segment international tourists visiting Iceland in 2023, based on age, length of stay, and income. The goal is to uncover meaningful visitor segments that can guide more effective tourism strategies</a:t>
+            </a:r>
+            <a:r>
+              <a:rPr lang="en-IE" sz="2700" dirty="0"/>
+              <a:t>.</a:t>
+            </a:r>
+          </a:p>
+        </p:txBody>
+      </p:sp>
+      <p:sp>
+        <p:nvSpPr>
+          <p:cNvPr id="15" name="TextBox 14">
+            <a:extLst>
+              <a:ext uri="{FF2B5EF4-FFF2-40B4-BE49-F238E27FC236}">
+                <a16:creationId xmlns:a16="http://schemas.microsoft.com/office/drawing/2014/main" id="{1466FE66-BE67-58DF-ADDA-35676F2F849A}"/>
+              </a:ext>
+            </a:extLst>
+          </p:cNvPr>
+          <p:cNvSpPr txBox="1"/>
+          <p:nvPr/>
+        </p:nvSpPr>
+        <p:spPr>
+          <a:xfrm>
+            <a:off x="606027" y="13388620"/>
+            <a:ext cx="6662029" cy="1754326"/>
+          </a:xfrm>
+          <a:prstGeom prst="rect">
+            <a:avLst/>
+          </a:prstGeom>
+          <a:noFill/>
+        </p:spPr>
+        <p:txBody>
+          <a:bodyPr wrap="square" rtlCol="0">
+            <a:spAutoFit/>
+          </a:bodyPr>
+          <a:lstStyle/>
+          <a:p>
+            <a:pPr algn="just"/>
+            <a:r>
+              <a:rPr lang="en-US" sz="2700" b="0" i="0" dirty="0">
                 <a:solidFill>
                   <a:srgbClr val="000000"/>
                 </a:solidFill>
                 <a:effectLst/>
-                <a:latin typeface="Arial" panose="020B0604020202020204" pitchFamily="34" charset="0"/>
                 <a:cs typeface="Arial" panose="020B0604020202020204" pitchFamily="34" charset="0"/>
               </a:rPr>
-              <a:t>In recent years, Iceland has experienced a rapid increase in international tourism, transforming it into a key economic sector. This growth has brought both opportunities and challenges. To respond effectively, it is essential to understand who the visitors are and their needs. However, most current profiling focuses only on country of origin or total arrivals. This study aims to fill that gap by applying clustering algorithms to segment tourists based on age, length of stay, and income level. By identifying visitor profiles, this research contributes to more informed tourism strategies and service planning in Iceland.</a:t>
-            </a:r>
-            <a:endParaRPr lang="en-US" sz="2500" dirty="0">
-              <a:solidFill>
-                <a:srgbClr val="000000"/>
-              </a:solidFill>
-              <a:effectLst/>
-              <a:latin typeface="Arial" panose="020B0604020202020204" pitchFamily="34" charset="0"/>
+              <a:t>How can clustering techniques be applied</a:t>
+            </a:r>
+            <a:r>
+              <a:rPr lang="en-US" sz="2700" dirty="0">
+                <a:solidFill>
+                  <a:srgbClr val="000000"/>
+                </a:solidFill>
+                <a:cs typeface="Arial" panose="020B0604020202020204" pitchFamily="34" charset="0"/>
+              </a:rPr>
+              <a:t> </a:t>
+            </a:r>
+            <a:r>
+              <a:rPr lang="en-US" sz="2700" b="0" i="0" dirty="0">
+                <a:solidFill>
+                  <a:srgbClr val="000000"/>
+                </a:solidFill>
+                <a:effectLst/>
+                <a:cs typeface="Arial" panose="020B0604020202020204" pitchFamily="34" charset="0"/>
+              </a:rPr>
+              <a:t>to identify relevant tourist segments visiting Iceland, based on age, length of stay and average income?</a:t>
+            </a:r>
+            <a:endParaRPr lang="en-IE" sz="2700" dirty="0">
               <a:cs typeface="Arial" panose="020B0604020202020204" pitchFamily="34" charset="0"/>
             </a:endParaRPr>
           </a:p>
+        </p:txBody>
+      </p:sp>
+      <p:sp>
+        <p:nvSpPr>
+          <p:cNvPr id="16" name="TextBox 15">
+            <a:extLst>
+              <a:ext uri="{FF2B5EF4-FFF2-40B4-BE49-F238E27FC236}">
+                <a16:creationId xmlns:a16="http://schemas.microsoft.com/office/drawing/2014/main" id="{8E7C3F41-955E-FEEE-AED1-F05FABC43112}"/>
+              </a:ext>
+            </a:extLst>
+          </p:cNvPr>
+          <p:cNvSpPr txBox="1"/>
+          <p:nvPr/>
+        </p:nvSpPr>
+        <p:spPr>
+          <a:xfrm>
+            <a:off x="660962" y="21309826"/>
+            <a:ext cx="9238127" cy="3416320"/>
+          </a:xfrm>
+          <a:prstGeom prst="rect">
+            <a:avLst/>
+          </a:prstGeom>
+          <a:noFill/>
+        </p:spPr>
+        <p:txBody>
+          <a:bodyPr wrap="square" rtlCol="0">
+            <a:spAutoFit/>
+          </a:bodyPr>
+          <a:lstStyle/>
+          <a:p>
+            <a:pPr algn="just"/>
+            <a:r>
+              <a:rPr lang="en-IE" sz="2700" dirty="0">
+                <a:latin typeface="+mj-lt"/>
+                <a:cs typeface="Arial" panose="020B0604020202020204" pitchFamily="34" charset="0"/>
+              </a:rPr>
+              <a:t>The selected variables were age, stay duration, and income. Three clustering models were applied: Hierarchical, K-Means, and DBSCAN. Clustering quality was assessed using the Silhouette Score, Davies-Bouldin Index, dendrogram visualisation and ANOVA. Dimensionality reduction with PCA helped to visualise cluster separation, besides the heatmaps on cluster centres. Adjusted Rand Index was also used to test stability across multiple runs.</a:t>
+            </a:r>
+          </a:p>
+        </p:txBody>
+      </p:sp>
+      <p:sp>
+        <p:nvSpPr>
+          <p:cNvPr id="17" name="TextBox 16">
+            <a:extLst>
+              <a:ext uri="{FF2B5EF4-FFF2-40B4-BE49-F238E27FC236}">
+                <a16:creationId xmlns:a16="http://schemas.microsoft.com/office/drawing/2014/main" id="{1B35CA94-C6A6-99B5-733E-DEA5AE2592E0}"/>
+              </a:ext>
+            </a:extLst>
+          </p:cNvPr>
+          <p:cNvSpPr txBox="1"/>
+          <p:nvPr/>
+        </p:nvSpPr>
+        <p:spPr>
+          <a:xfrm>
+            <a:off x="11203387" y="25897288"/>
+            <a:ext cx="9566512" cy="3416320"/>
+          </a:xfrm>
+          <a:prstGeom prst="rect">
+            <a:avLst/>
+          </a:prstGeom>
+          <a:noFill/>
+        </p:spPr>
+        <p:txBody>
+          <a:bodyPr wrap="square" rtlCol="0">
+            <a:spAutoFit/>
+          </a:bodyPr>
+          <a:lstStyle/>
+          <a:p>
+            <a:pPr algn="just"/>
+            <a:r>
+              <a:rPr lang="en-IE" sz="2700" dirty="0">
+                <a:latin typeface="+mj-lt"/>
+                <a:cs typeface="Arial" panose="020B0604020202020204" pitchFamily="34" charset="0"/>
+              </a:rPr>
+              <a:t>K-Means clustering was chosen for its clearer, more stable, and actionable segments. The results reveal distinct profiles, particularly among young tourists with moderate to long stays. This information can help stakeholders design tailored services and marketing. However, since the dataset is small and represents only one year, findings should be seen as a snapshot due to market segments change over time. Future work should include larger samples and additional behavioural variables.</a:t>
+            </a:r>
+          </a:p>
+        </p:txBody>
+      </p:sp>
+      <p:sp>
+        <p:nvSpPr>
+          <p:cNvPr id="18" name="TextBox 17">
+            <a:extLst>
+              <a:ext uri="{FF2B5EF4-FFF2-40B4-BE49-F238E27FC236}">
+                <a16:creationId xmlns:a16="http://schemas.microsoft.com/office/drawing/2014/main" id="{F24C3AC4-D1DF-9792-4D01-A3D668C2BF79}"/>
+              </a:ext>
+            </a:extLst>
+          </p:cNvPr>
+          <p:cNvSpPr txBox="1"/>
+          <p:nvPr/>
+        </p:nvSpPr>
+        <p:spPr>
+          <a:xfrm>
+            <a:off x="13285105" y="17966171"/>
+            <a:ext cx="7366357" cy="1754326"/>
+          </a:xfrm>
+          <a:prstGeom prst="rect">
+            <a:avLst/>
+          </a:prstGeom>
+          <a:noFill/>
+        </p:spPr>
+        <p:txBody>
+          <a:bodyPr wrap="square" rtlCol="0">
+            <a:spAutoFit/>
+          </a:bodyPr>
+          <a:lstStyle/>
+          <a:p>
+            <a:pPr algn="just"/>
+            <a:r>
+              <a:rPr lang="en-IE" sz="2700" dirty="0">
+                <a:latin typeface="+mj-lt"/>
+                <a:cs typeface="Arial" panose="020B0604020202020204" pitchFamily="34" charset="0"/>
+              </a:rPr>
+              <a:t>Two clusters (2 and 3) stood out for targeting young travellers with longer stays and average to high income levels, representing valuable 	segments for tourism strategies.</a:t>
+            </a:r>
+          </a:p>
+        </p:txBody>
+      </p:sp>
+      <p:sp>
+        <p:nvSpPr>
+          <p:cNvPr id="19" name="TextBox 18">
+            <a:extLst>
+              <a:ext uri="{FF2B5EF4-FFF2-40B4-BE49-F238E27FC236}">
+                <a16:creationId xmlns:a16="http://schemas.microsoft.com/office/drawing/2014/main" id="{CB9339E8-3BCA-171E-D7E7-D963B3D9868B}"/>
+              </a:ext>
+            </a:extLst>
+          </p:cNvPr>
+          <p:cNvSpPr txBox="1"/>
+          <p:nvPr/>
+        </p:nvSpPr>
+        <p:spPr>
+          <a:xfrm>
+            <a:off x="11235925" y="4953881"/>
+            <a:ext cx="9415537" cy="2585323"/>
+          </a:xfrm>
+          <a:prstGeom prst="rect">
+            <a:avLst/>
+          </a:prstGeom>
+          <a:noFill/>
+        </p:spPr>
+        <p:txBody>
+          <a:bodyPr wrap="square" rtlCol="0">
+            <a:spAutoFit/>
+          </a:bodyPr>
+          <a:lstStyle/>
+          <a:p>
+            <a:pPr algn="just"/>
+            <a:r>
+              <a:rPr lang="en-IE" sz="2700" dirty="0"/>
+              <a:t>Data was extracted from multiple sheets of the original Excel and merged into one dataset. The final dataset included 21 nationalities and 17 features, all expressed as proportions. The variables were not scaled and no missing values were found. A heatmap and interactive bar plot helped to understand relationships between variables.</a:t>
+            </a:r>
+          </a:p>
+        </p:txBody>
+      </p:sp>
+      <p:sp>
+        <p:nvSpPr>
+          <p:cNvPr id="20" name="TextBox 19">
+            <a:extLst>
+              <a:ext uri="{FF2B5EF4-FFF2-40B4-BE49-F238E27FC236}">
+                <a16:creationId xmlns:a16="http://schemas.microsoft.com/office/drawing/2014/main" id="{EA4385C6-D284-2AF5-0DCB-E0F7E4099E53}"/>
+              </a:ext>
+            </a:extLst>
+          </p:cNvPr>
+          <p:cNvSpPr txBox="1"/>
+          <p:nvPr/>
+        </p:nvSpPr>
+        <p:spPr>
+          <a:xfrm>
+            <a:off x="17190720" y="12435840"/>
+            <a:ext cx="184731" cy="369332"/>
+          </a:xfrm>
+          <a:prstGeom prst="rect">
+            <a:avLst/>
+          </a:prstGeom>
+          <a:noFill/>
+        </p:spPr>
+        <p:txBody>
+          <a:bodyPr wrap="none" rtlCol="0">
+            <a:spAutoFit/>
+          </a:bodyPr>
+          <a:lstStyle/>
           <a:p>
             <a:endParaRPr lang="en-IE" dirty="0"/>
           </a:p>
@@ -3909,10 +5573,10 @@
       </p:sp>
       <p:sp>
         <p:nvSpPr>
-          <p:cNvPr id="60" name="TextBox 59">
-            <a:extLst>
-              <a:ext uri="{FF2B5EF4-FFF2-40B4-BE49-F238E27FC236}">
-                <a16:creationId xmlns:a16="http://schemas.microsoft.com/office/drawing/2014/main" id="{A584F51C-6659-96A6-FDF6-53CB06127BEF}"/>
+          <p:cNvPr id="21" name="TextBox 20">
+            <a:extLst>
+              <a:ext uri="{FF2B5EF4-FFF2-40B4-BE49-F238E27FC236}">
+                <a16:creationId xmlns:a16="http://schemas.microsoft.com/office/drawing/2014/main" id="{D9D2B226-3CB7-EB83-5030-CA279E4AAC6B}"/>
               </a:ext>
             </a:extLst>
           </p:cNvPr>
@@ -3921,7 +5585,652 @@
         </p:nvSpPr>
         <p:spPr>
           <a:xfrm>
-            <a:off x="16587194" y="15795096"/>
+            <a:off x="2292060" y="10789920"/>
+            <a:ext cx="1957414" cy="1241625"/>
+          </a:xfrm>
+          <a:prstGeom prst="rect">
+            <a:avLst/>
+          </a:prstGeom>
+          <a:noFill/>
+        </p:spPr>
+        <p:txBody>
+          <a:bodyPr wrap="square" rtlCol="0">
+            <a:spAutoFit/>
+          </a:bodyPr>
+          <a:lstStyle/>
+          <a:p>
+            <a:endParaRPr lang="en-IE" dirty="0"/>
+          </a:p>
+        </p:txBody>
+      </p:sp>
+      <p:pic>
+        <p:nvPicPr>
+          <p:cNvPr id="22" name="Picture 21">
+            <a:extLst>
+              <a:ext uri="{FF2B5EF4-FFF2-40B4-BE49-F238E27FC236}">
+                <a16:creationId xmlns:a16="http://schemas.microsoft.com/office/drawing/2014/main" id="{B54DF86D-1408-4F3F-8DFF-D4C3F00EFB75}"/>
+              </a:ext>
+            </a:extLst>
+          </p:cNvPr>
+          <p:cNvPicPr>
+            <a:picLocks noChangeAspect="1"/>
+          </p:cNvPicPr>
+          <p:nvPr/>
+        </p:nvPicPr>
+        <p:blipFill>
+          <a:blip r:embed="rId3"/>
+          <a:srcRect r="20541"/>
+          <a:stretch/>
+        </p:blipFill>
+        <p:spPr>
+          <a:xfrm>
+            <a:off x="11483204" y="19971241"/>
+            <a:ext cx="6828243" cy="3923487"/>
+          </a:xfrm>
+          <a:prstGeom prst="rect">
+            <a:avLst/>
+          </a:prstGeom>
+          <a:ln>
+            <a:noFill/>
+          </a:ln>
+        </p:spPr>
+      </p:pic>
+      <p:pic>
+        <p:nvPicPr>
+          <p:cNvPr id="23" name="Picture 22" descr="A blue and orange squares with black text&#10;&#10;AI-generated content may be incorrect.">
+            <a:extLst>
+              <a:ext uri="{FF2B5EF4-FFF2-40B4-BE49-F238E27FC236}">
+                <a16:creationId xmlns:a16="http://schemas.microsoft.com/office/drawing/2014/main" id="{1074B80F-D342-7D38-11A8-2330F17DF022}"/>
+              </a:ext>
+            </a:extLst>
+          </p:cNvPr>
+          <p:cNvPicPr>
+            <a:picLocks noChangeAspect="1"/>
+          </p:cNvPicPr>
+          <p:nvPr/>
+        </p:nvPicPr>
+        <p:blipFill>
+          <a:blip r:embed="rId4">
+            <a:extLst>
+              <a:ext uri="{28A0092B-C50C-407E-A947-70E740481C1C}">
+                <a14:useLocalDpi xmlns:a14="http://schemas.microsoft.com/office/drawing/2010/main" val="0"/>
+              </a:ext>
+            </a:extLst>
+          </a:blip>
+          <a:stretch>
+            <a:fillRect/>
+          </a:stretch>
+        </p:blipFill>
+        <p:spPr>
+          <a:xfrm>
+            <a:off x="1089164" y="24878584"/>
+            <a:ext cx="8356206" cy="4463563"/>
+          </a:xfrm>
+          <a:prstGeom prst="rect">
+            <a:avLst/>
+          </a:prstGeom>
+        </p:spPr>
+      </p:pic>
+      <p:pic>
+        <p:nvPicPr>
+          <p:cNvPr id="24" name="Picture 23">
+            <a:extLst>
+              <a:ext uri="{FF2B5EF4-FFF2-40B4-BE49-F238E27FC236}">
+                <a16:creationId xmlns:a16="http://schemas.microsoft.com/office/drawing/2014/main" id="{E29D7F4A-94AC-09F8-5399-267528248A0C}"/>
+              </a:ext>
+            </a:extLst>
+          </p:cNvPr>
+          <p:cNvPicPr>
+            <a:picLocks noChangeAspect="1"/>
+          </p:cNvPicPr>
+          <p:nvPr/>
+        </p:nvPicPr>
+        <p:blipFill>
+          <a:blip r:embed="rId5"/>
+          <a:srcRect l="14585" r="13783"/>
+          <a:stretch/>
+        </p:blipFill>
+        <p:spPr>
+          <a:xfrm>
+            <a:off x="4100563" y="17049093"/>
+            <a:ext cx="3993050" cy="4180777"/>
+          </a:xfrm>
+          <a:prstGeom prst="rect">
+            <a:avLst/>
+          </a:prstGeom>
+        </p:spPr>
+      </p:pic>
+      <p:pic>
+        <p:nvPicPr>
+          <p:cNvPr id="25" name="Picture 24" descr="A table with numbers and a number of values&#10;&#10;AI-generated content may be incorrect.">
+            <a:extLst>
+              <a:ext uri="{FF2B5EF4-FFF2-40B4-BE49-F238E27FC236}">
+                <a16:creationId xmlns:a16="http://schemas.microsoft.com/office/drawing/2014/main" id="{7D276174-A09D-F845-D433-F039E9A73750}"/>
+              </a:ext>
+            </a:extLst>
+          </p:cNvPr>
+          <p:cNvPicPr>
+            <a:picLocks noChangeAspect="1"/>
+          </p:cNvPicPr>
+          <p:nvPr/>
+        </p:nvPicPr>
+        <p:blipFill>
+          <a:blip r:embed="rId6">
+            <a:extLst>
+              <a:ext uri="{28A0092B-C50C-407E-A947-70E740481C1C}">
+                <a14:useLocalDpi xmlns:a14="http://schemas.microsoft.com/office/drawing/2010/main" val="0"/>
+              </a:ext>
+            </a:extLst>
+          </a:blip>
+          <a:stretch>
+            <a:fillRect/>
+          </a:stretch>
+        </p:blipFill>
+        <p:spPr>
+          <a:xfrm>
+            <a:off x="14250187" y="13254056"/>
+            <a:ext cx="6519712" cy="4597728"/>
+          </a:xfrm>
+          <a:prstGeom prst="rect">
+            <a:avLst/>
+          </a:prstGeom>
+        </p:spPr>
+      </p:pic>
+      <p:sp>
+        <p:nvSpPr>
+          <p:cNvPr id="26" name="TextBox 25">
+            <a:extLst>
+              <a:ext uri="{FF2B5EF4-FFF2-40B4-BE49-F238E27FC236}">
+                <a16:creationId xmlns:a16="http://schemas.microsoft.com/office/drawing/2014/main" id="{A644C17E-01F8-E3D3-464A-478A88740422}"/>
+              </a:ext>
+            </a:extLst>
+          </p:cNvPr>
+          <p:cNvSpPr txBox="1"/>
+          <p:nvPr/>
+        </p:nvSpPr>
+        <p:spPr>
+          <a:xfrm>
+            <a:off x="11151372" y="9373768"/>
+            <a:ext cx="9584641" cy="3831818"/>
+          </a:xfrm>
+          <a:prstGeom prst="rect">
+            <a:avLst/>
+          </a:prstGeom>
+          <a:noFill/>
+        </p:spPr>
+        <p:txBody>
+          <a:bodyPr wrap="square" rtlCol="0">
+            <a:spAutoFit/>
+          </a:bodyPr>
+          <a:lstStyle/>
+          <a:p>
+            <a:pPr algn="just"/>
+            <a:r>
+              <a:rPr lang="en-IE" sz="2700" dirty="0">
+                <a:latin typeface="+mj-lt"/>
+                <a:cs typeface="Arial" panose="020B0604020202020204" pitchFamily="34" charset="0"/>
+              </a:rPr>
+              <a:t>K-Means with four clusters outperformed the other algorithms based on both visual and quantitative evaluation. Hierarchical with three clusters showed some separation, but the clusters were less distinct and less stable.  DBSCAN failed to produce meaningful clusters and labelled most data as noise. The ANOVA test confirmed significant differences in age and length of stay, while income showed no clear distinction. ARI values indicated K-Means  has stronger cluster stability (mean ARI= 0.61) 	compared to       						Hierarchical 	 (mean ARI= 0.011).</a:t>
+            </a:r>
+            <a:endParaRPr lang="en-IE" sz="2700" dirty="0">
+              <a:latin typeface="+mj-lt"/>
+            </a:endParaRPr>
+          </a:p>
+        </p:txBody>
+      </p:sp>
+      <p:pic>
+        <p:nvPicPr>
+          <p:cNvPr id="27" name="Picture 26" descr="A table with numbers and lines&#10;&#10;AI-generated content may be incorrect.">
+            <a:extLst>
+              <a:ext uri="{FF2B5EF4-FFF2-40B4-BE49-F238E27FC236}">
+                <a16:creationId xmlns:a16="http://schemas.microsoft.com/office/drawing/2014/main" id="{E3735745-9633-69AD-AECC-47781BE5CDF8}"/>
+              </a:ext>
+            </a:extLst>
+          </p:cNvPr>
+          <p:cNvPicPr>
+            <a:picLocks noChangeAspect="1"/>
+          </p:cNvPicPr>
+          <p:nvPr/>
+        </p:nvPicPr>
+        <p:blipFill>
+          <a:blip r:embed="rId7">
+            <a:extLst>
+              <a:ext uri="{28A0092B-C50C-407E-A947-70E740481C1C}">
+                <a14:useLocalDpi xmlns:a14="http://schemas.microsoft.com/office/drawing/2010/main" val="0"/>
+              </a:ext>
+            </a:extLst>
+          </a:blip>
+          <a:stretch>
+            <a:fillRect/>
+          </a:stretch>
+        </p:blipFill>
+        <p:spPr>
+          <a:xfrm>
+            <a:off x="2549426" y="8579564"/>
+            <a:ext cx="5204020" cy="2993116"/>
+          </a:xfrm>
+          <a:prstGeom prst="rect">
+            <a:avLst/>
+          </a:prstGeom>
+        </p:spPr>
+      </p:pic>
+      <p:sp>
+        <p:nvSpPr>
+          <p:cNvPr id="28" name="Rectangle 27">
+            <a:extLst>
+              <a:ext uri="{FF2B5EF4-FFF2-40B4-BE49-F238E27FC236}">
+                <a16:creationId xmlns:a16="http://schemas.microsoft.com/office/drawing/2014/main" id="{5BFA1477-A35F-78A1-3602-BF6B23970E34}"/>
+              </a:ext>
+            </a:extLst>
+          </p:cNvPr>
+          <p:cNvSpPr/>
+          <p:nvPr/>
+        </p:nvSpPr>
+        <p:spPr>
+          <a:xfrm>
+            <a:off x="346181" y="3682643"/>
+            <a:ext cx="9858257" cy="1078140"/>
+          </a:xfrm>
+          <a:prstGeom prst="rect">
+            <a:avLst/>
+          </a:prstGeom>
+          <a:solidFill>
+            <a:srgbClr val="04756F"/>
+          </a:solidFill>
+        </p:spPr>
+        <p:style>
+          <a:lnRef idx="2">
+            <a:schemeClr val="accent1">
+              <a:shade val="15000"/>
+            </a:schemeClr>
+          </a:lnRef>
+          <a:fillRef idx="1">
+            <a:schemeClr val="accent1"/>
+          </a:fillRef>
+          <a:effectRef idx="0">
+            <a:schemeClr val="accent1"/>
+          </a:effectRef>
+          <a:fontRef idx="minor">
+            <a:schemeClr val="lt1"/>
+          </a:fontRef>
+        </p:style>
+        <p:txBody>
+          <a:bodyPr rtlCol="0" anchor="ctr"/>
+          <a:lstStyle/>
+          <a:p>
+            <a:pPr algn="ctr"/>
+            <a:endParaRPr lang="en-IE"/>
+          </a:p>
+        </p:txBody>
+      </p:sp>
+      <p:sp>
+        <p:nvSpPr>
+          <p:cNvPr id="29" name="Rectangle 28">
+            <a:extLst>
+              <a:ext uri="{FF2B5EF4-FFF2-40B4-BE49-F238E27FC236}">
+                <a16:creationId xmlns:a16="http://schemas.microsoft.com/office/drawing/2014/main" id="{A3F1D004-CC3D-0A96-2CC2-EDCD9B5D6D97}"/>
+              </a:ext>
+            </a:extLst>
+          </p:cNvPr>
+          <p:cNvSpPr/>
+          <p:nvPr/>
+        </p:nvSpPr>
+        <p:spPr>
+          <a:xfrm>
+            <a:off x="346180" y="12125032"/>
+            <a:ext cx="9841057" cy="1078140"/>
+          </a:xfrm>
+          <a:prstGeom prst="rect">
+            <a:avLst/>
+          </a:prstGeom>
+          <a:solidFill>
+            <a:srgbClr val="04756F"/>
+          </a:solidFill>
+        </p:spPr>
+        <p:style>
+          <a:lnRef idx="2">
+            <a:schemeClr val="accent1">
+              <a:shade val="15000"/>
+            </a:schemeClr>
+          </a:lnRef>
+          <a:fillRef idx="1">
+            <a:schemeClr val="accent1"/>
+          </a:fillRef>
+          <a:effectRef idx="0">
+            <a:schemeClr val="accent1"/>
+          </a:effectRef>
+          <a:fontRef idx="minor">
+            <a:schemeClr val="lt1"/>
+          </a:fontRef>
+        </p:style>
+        <p:txBody>
+          <a:bodyPr rtlCol="0" anchor="ctr"/>
+          <a:lstStyle/>
+          <a:p>
+            <a:pPr algn="ctr"/>
+            <a:endParaRPr lang="en-IE"/>
+          </a:p>
+        </p:txBody>
+      </p:sp>
+      <p:sp>
+        <p:nvSpPr>
+          <p:cNvPr id="30" name="Rectangle 29">
+            <a:extLst>
+              <a:ext uri="{FF2B5EF4-FFF2-40B4-BE49-F238E27FC236}">
+                <a16:creationId xmlns:a16="http://schemas.microsoft.com/office/drawing/2014/main" id="{CA2431C9-E7C5-0A71-ACA5-2EC97779FC76}"/>
+              </a:ext>
+            </a:extLst>
+          </p:cNvPr>
+          <p:cNvSpPr/>
+          <p:nvPr/>
+        </p:nvSpPr>
+        <p:spPr>
+          <a:xfrm>
+            <a:off x="346180" y="15628450"/>
+            <a:ext cx="10101037" cy="1078140"/>
+          </a:xfrm>
+          <a:prstGeom prst="rect">
+            <a:avLst/>
+          </a:prstGeom>
+          <a:solidFill>
+            <a:srgbClr val="04756F"/>
+          </a:solidFill>
+        </p:spPr>
+        <p:style>
+          <a:lnRef idx="2">
+            <a:schemeClr val="accent1">
+              <a:shade val="15000"/>
+            </a:schemeClr>
+          </a:lnRef>
+          <a:fillRef idx="1">
+            <a:schemeClr val="accent1"/>
+          </a:fillRef>
+          <a:effectRef idx="0">
+            <a:schemeClr val="accent1"/>
+          </a:effectRef>
+          <a:fontRef idx="minor">
+            <a:schemeClr val="lt1"/>
+          </a:fontRef>
+        </p:style>
+        <p:txBody>
+          <a:bodyPr rtlCol="0" anchor="ctr"/>
+          <a:lstStyle/>
+          <a:p>
+            <a:pPr algn="ctr"/>
+            <a:endParaRPr lang="en-IE"/>
+          </a:p>
+        </p:txBody>
+      </p:sp>
+      <p:sp>
+        <p:nvSpPr>
+          <p:cNvPr id="31" name="TextBox 30">
+            <a:extLst>
+              <a:ext uri="{FF2B5EF4-FFF2-40B4-BE49-F238E27FC236}">
+                <a16:creationId xmlns:a16="http://schemas.microsoft.com/office/drawing/2014/main" id="{203C46B8-0861-B15F-2F14-C0217D8C724A}"/>
+              </a:ext>
+            </a:extLst>
+          </p:cNvPr>
+          <p:cNvSpPr txBox="1"/>
+          <p:nvPr/>
+        </p:nvSpPr>
+        <p:spPr>
+          <a:xfrm>
+            <a:off x="1595059" y="15697934"/>
+            <a:ext cx="7154493" cy="923330"/>
+          </a:xfrm>
+          <a:prstGeom prst="rect">
+            <a:avLst/>
+          </a:prstGeom>
+          <a:noFill/>
+        </p:spPr>
+        <p:txBody>
+          <a:bodyPr wrap="square" rtlCol="0">
+            <a:spAutoFit/>
+          </a:bodyPr>
+          <a:lstStyle/>
+          <a:p>
+            <a:r>
+              <a:rPr lang="en-IE" sz="5400" b="1" dirty="0">
+                <a:solidFill>
+                  <a:schemeClr val="bg1"/>
+                </a:solidFill>
+              </a:rPr>
+              <a:t>Methodology</a:t>
+            </a:r>
+          </a:p>
+        </p:txBody>
+      </p:sp>
+      <p:sp>
+        <p:nvSpPr>
+          <p:cNvPr id="32" name="TextBox 31">
+            <a:extLst>
+              <a:ext uri="{FF2B5EF4-FFF2-40B4-BE49-F238E27FC236}">
+                <a16:creationId xmlns:a16="http://schemas.microsoft.com/office/drawing/2014/main" id="{72A54F7B-417A-1B62-B238-2AC91A4E2DDF}"/>
+              </a:ext>
+            </a:extLst>
+          </p:cNvPr>
+          <p:cNvSpPr txBox="1"/>
+          <p:nvPr/>
+        </p:nvSpPr>
+        <p:spPr>
+          <a:xfrm>
+            <a:off x="1179025" y="12274709"/>
+            <a:ext cx="9117411" cy="830997"/>
+          </a:xfrm>
+          <a:prstGeom prst="rect">
+            <a:avLst/>
+          </a:prstGeom>
+          <a:noFill/>
+        </p:spPr>
+        <p:txBody>
+          <a:bodyPr wrap="square" rtlCol="0">
+            <a:spAutoFit/>
+          </a:bodyPr>
+          <a:lstStyle/>
+          <a:p>
+            <a:r>
+              <a:rPr lang="en-IE" sz="4600" b="1" dirty="0">
+                <a:solidFill>
+                  <a:schemeClr val="bg1"/>
+                </a:solidFill>
+              </a:rPr>
+              <a:t>Research Question</a:t>
+            </a:r>
+          </a:p>
+        </p:txBody>
+      </p:sp>
+      <p:sp>
+        <p:nvSpPr>
+          <p:cNvPr id="33" name="TextBox 32">
+            <a:extLst>
+              <a:ext uri="{FF2B5EF4-FFF2-40B4-BE49-F238E27FC236}">
+                <a16:creationId xmlns:a16="http://schemas.microsoft.com/office/drawing/2014/main" id="{1985AA7A-11C6-323D-6031-DBBD747EE98B}"/>
+              </a:ext>
+            </a:extLst>
+          </p:cNvPr>
+          <p:cNvSpPr txBox="1"/>
+          <p:nvPr/>
+        </p:nvSpPr>
+        <p:spPr>
+          <a:xfrm>
+            <a:off x="3027191" y="3799982"/>
+            <a:ext cx="4601720" cy="923330"/>
+          </a:xfrm>
+          <a:prstGeom prst="rect">
+            <a:avLst/>
+          </a:prstGeom>
+          <a:noFill/>
+        </p:spPr>
+        <p:txBody>
+          <a:bodyPr wrap="square" rtlCol="0">
+            <a:spAutoFit/>
+          </a:bodyPr>
+          <a:lstStyle/>
+          <a:p>
+            <a:r>
+              <a:rPr lang="en-IE" sz="5400" b="1" dirty="0">
+                <a:solidFill>
+                  <a:schemeClr val="bg1"/>
+                </a:solidFill>
+                <a:latin typeface="Aptos Black" panose="020F0502020204030204" pitchFamily="34" charset="0"/>
+              </a:rPr>
+              <a:t>Introduction</a:t>
+            </a:r>
+          </a:p>
+        </p:txBody>
+      </p:sp>
+      <p:sp>
+        <p:nvSpPr>
+          <p:cNvPr id="34" name="Rectangle 33">
+            <a:extLst>
+              <a:ext uri="{FF2B5EF4-FFF2-40B4-BE49-F238E27FC236}">
+                <a16:creationId xmlns:a16="http://schemas.microsoft.com/office/drawing/2014/main" id="{D61523B6-5776-3857-81DF-96F61F145EAA}"/>
+              </a:ext>
+            </a:extLst>
+          </p:cNvPr>
+          <p:cNvSpPr/>
+          <p:nvPr/>
+        </p:nvSpPr>
+        <p:spPr>
+          <a:xfrm>
+            <a:off x="10932108" y="3682475"/>
+            <a:ext cx="10101600" cy="1078140"/>
+          </a:xfrm>
+          <a:prstGeom prst="rect">
+            <a:avLst/>
+          </a:prstGeom>
+          <a:solidFill>
+            <a:srgbClr val="04756F"/>
+          </a:solidFill>
+        </p:spPr>
+        <p:style>
+          <a:lnRef idx="2">
+            <a:schemeClr val="accent1">
+              <a:shade val="15000"/>
+            </a:schemeClr>
+          </a:lnRef>
+          <a:fillRef idx="1">
+            <a:schemeClr val="accent1"/>
+          </a:fillRef>
+          <a:effectRef idx="0">
+            <a:schemeClr val="accent1"/>
+          </a:effectRef>
+          <a:fontRef idx="minor">
+            <a:schemeClr val="lt1"/>
+          </a:fontRef>
+        </p:style>
+        <p:txBody>
+          <a:bodyPr rtlCol="0" anchor="ctr"/>
+          <a:lstStyle/>
+          <a:p>
+            <a:pPr algn="ctr"/>
+            <a:endParaRPr lang="en-IE"/>
+          </a:p>
+        </p:txBody>
+      </p:sp>
+      <p:sp>
+        <p:nvSpPr>
+          <p:cNvPr id="35" name="TextBox 34">
+            <a:extLst>
+              <a:ext uri="{FF2B5EF4-FFF2-40B4-BE49-F238E27FC236}">
+                <a16:creationId xmlns:a16="http://schemas.microsoft.com/office/drawing/2014/main" id="{9E44210D-8B21-FFBD-0F35-2E9FC9963ECA}"/>
+              </a:ext>
+            </a:extLst>
+          </p:cNvPr>
+          <p:cNvSpPr txBox="1"/>
+          <p:nvPr/>
+        </p:nvSpPr>
+        <p:spPr>
+          <a:xfrm>
+            <a:off x="13093565" y="3766698"/>
+            <a:ext cx="6351708" cy="923330"/>
+          </a:xfrm>
+          <a:prstGeom prst="rect">
+            <a:avLst/>
+          </a:prstGeom>
+          <a:noFill/>
+        </p:spPr>
+        <p:txBody>
+          <a:bodyPr wrap="square" rtlCol="0">
+            <a:spAutoFit/>
+          </a:bodyPr>
+          <a:lstStyle/>
+          <a:p>
+            <a:r>
+              <a:rPr lang="en-IE" sz="5400" b="1" dirty="0">
+                <a:solidFill>
+                  <a:schemeClr val="bg1"/>
+                </a:solidFill>
+              </a:rPr>
+              <a:t>Data Preparation</a:t>
+            </a:r>
+          </a:p>
+        </p:txBody>
+      </p:sp>
+      <p:sp>
+        <p:nvSpPr>
+          <p:cNvPr id="36" name="Rectangle 35">
+            <a:extLst>
+              <a:ext uri="{FF2B5EF4-FFF2-40B4-BE49-F238E27FC236}">
+                <a16:creationId xmlns:a16="http://schemas.microsoft.com/office/drawing/2014/main" id="{A96BC89D-4ED0-1C85-63B6-545D66C31F9C}"/>
+              </a:ext>
+            </a:extLst>
+          </p:cNvPr>
+          <p:cNvSpPr/>
+          <p:nvPr/>
+        </p:nvSpPr>
+        <p:spPr>
+          <a:xfrm>
+            <a:off x="10926986" y="7981028"/>
+            <a:ext cx="10101600" cy="1078140"/>
+          </a:xfrm>
+          <a:prstGeom prst="rect">
+            <a:avLst/>
+          </a:prstGeom>
+          <a:solidFill>
+            <a:srgbClr val="04756F"/>
+          </a:solidFill>
+        </p:spPr>
+        <p:style>
+          <a:lnRef idx="2">
+            <a:schemeClr val="accent1">
+              <a:shade val="15000"/>
+            </a:schemeClr>
+          </a:lnRef>
+          <a:fillRef idx="1">
+            <a:schemeClr val="accent1"/>
+          </a:fillRef>
+          <a:effectRef idx="0">
+            <a:schemeClr val="accent1"/>
+          </a:effectRef>
+          <a:fontRef idx="minor">
+            <a:schemeClr val="lt1"/>
+          </a:fontRef>
+        </p:style>
+        <p:txBody>
+          <a:bodyPr rtlCol="0" anchor="ctr"/>
+          <a:lstStyle/>
+          <a:p>
+            <a:pPr algn="ctr"/>
+            <a:endParaRPr lang="en-IE"/>
+          </a:p>
+        </p:txBody>
+      </p:sp>
+      <p:sp>
+        <p:nvSpPr>
+          <p:cNvPr id="37" name="TextBox 36">
+            <a:extLst>
+              <a:ext uri="{FF2B5EF4-FFF2-40B4-BE49-F238E27FC236}">
+                <a16:creationId xmlns:a16="http://schemas.microsoft.com/office/drawing/2014/main" id="{CCA5782B-B1B8-CA7E-6F4E-A2F7BDE1C899}"/>
+              </a:ext>
+            </a:extLst>
+          </p:cNvPr>
+          <p:cNvSpPr txBox="1"/>
+          <p:nvPr/>
+        </p:nvSpPr>
+        <p:spPr>
+          <a:xfrm>
+            <a:off x="14708023" y="8141815"/>
             <a:ext cx="4126176" cy="923330"/>
           </a:xfrm>
           <a:prstGeom prst="rect">
@@ -3946,41 +6255,61 @@
           </a:p>
         </p:txBody>
       </p:sp>
-      <p:pic>
-        <p:nvPicPr>
-          <p:cNvPr id="98" name="Picture 97">
-            <a:extLst>
-              <a:ext uri="{FF2B5EF4-FFF2-40B4-BE49-F238E27FC236}">
-                <a16:creationId xmlns:a16="http://schemas.microsoft.com/office/drawing/2014/main" id="{26C4ABF0-6B60-CF91-B7B7-1A5CE5BBAAA8}"/>
-              </a:ext>
-            </a:extLst>
-          </p:cNvPr>
-          <p:cNvPicPr>
-            <a:picLocks noChangeAspect="1"/>
-          </p:cNvPicPr>
-          <p:nvPr/>
-        </p:nvPicPr>
-        <p:blipFill>
-          <a:blip r:embed="rId7"/>
-          <a:srcRect b="80264"/>
-          <a:stretch/>
-        </p:blipFill>
-        <p:spPr>
-          <a:xfrm>
-            <a:off x="10943950" y="23624611"/>
-            <a:ext cx="10120237" cy="1163485"/>
-          </a:xfrm>
-          <a:prstGeom prst="rect">
-            <a:avLst/>
-          </a:prstGeom>
-        </p:spPr>
-      </p:pic>
-      <p:sp>
-        <p:nvSpPr>
-          <p:cNvPr id="58" name="TextBox 57">
-            <a:extLst>
-              <a:ext uri="{FF2B5EF4-FFF2-40B4-BE49-F238E27FC236}">
-                <a16:creationId xmlns:a16="http://schemas.microsoft.com/office/drawing/2014/main" id="{CA143BFA-4D4E-2E61-FF53-5D294DBA9C47}"/>
+      <p:sp>
+        <p:nvSpPr>
+          <p:cNvPr id="38" name="Rectangle 37">
+            <a:extLst>
+              <a:ext uri="{FF2B5EF4-FFF2-40B4-BE49-F238E27FC236}">
+                <a16:creationId xmlns:a16="http://schemas.microsoft.com/office/drawing/2014/main" id="{A5057D98-4980-B1B0-69F9-341B1AAA0818}"/>
+              </a:ext>
+            </a:extLst>
+          </p:cNvPr>
+          <p:cNvSpPr/>
+          <p:nvPr/>
+        </p:nvSpPr>
+        <p:spPr>
+          <a:xfrm>
+            <a:off x="10929035" y="24647653"/>
+            <a:ext cx="10101600" cy="1078140"/>
+          </a:xfrm>
+          <a:prstGeom prst="rect">
+            <a:avLst/>
+          </a:prstGeom>
+          <a:solidFill>
+            <a:srgbClr val="04756F"/>
+          </a:solidFill>
+        </p:spPr>
+        <p:style>
+          <a:lnRef idx="2">
+            <a:schemeClr val="accent1">
+              <a:shade val="15000"/>
+            </a:schemeClr>
+          </a:lnRef>
+          <a:fillRef idx="1">
+            <a:schemeClr val="accent1"/>
+          </a:fillRef>
+          <a:effectRef idx="0">
+            <a:schemeClr val="accent1"/>
+          </a:effectRef>
+          <a:fontRef idx="minor">
+            <a:schemeClr val="lt1"/>
+          </a:fontRef>
+        </p:style>
+        <p:txBody>
+          <a:bodyPr rtlCol="0" anchor="ctr"/>
+          <a:lstStyle/>
+          <a:p>
+            <a:pPr algn="ctr"/>
+            <a:endParaRPr lang="en-IE"/>
+          </a:p>
+        </p:txBody>
+      </p:sp>
+      <p:sp>
+        <p:nvSpPr>
+          <p:cNvPr id="39" name="TextBox 38">
+            <a:extLst>
+              <a:ext uri="{FF2B5EF4-FFF2-40B4-BE49-F238E27FC236}">
+                <a16:creationId xmlns:a16="http://schemas.microsoft.com/office/drawing/2014/main" id="{1ADDD9A9-2CD3-B0B9-B792-26309AD6748C}"/>
               </a:ext>
             </a:extLst>
           </p:cNvPr>
@@ -3989,7 +6318,7 @@
         </p:nvSpPr>
         <p:spPr>
           <a:xfrm>
-            <a:off x="14387020" y="23848643"/>
+            <a:off x="13789165" y="24752887"/>
             <a:ext cx="4126176" cy="923330"/>
           </a:xfrm>
           <a:prstGeom prst="rect">
@@ -4016,10 +6345,10 @@
       </p:sp>
       <p:sp>
         <p:nvSpPr>
-          <p:cNvPr id="100" name="TextBox 99">
-            <a:extLst>
-              <a:ext uri="{FF2B5EF4-FFF2-40B4-BE49-F238E27FC236}">
-                <a16:creationId xmlns:a16="http://schemas.microsoft.com/office/drawing/2014/main" id="{A7340B1E-4BCA-EB06-9670-A930AD225B56}"/>
+          <p:cNvPr id="40" name="TextBox 39">
+            <a:extLst>
+              <a:ext uri="{FF2B5EF4-FFF2-40B4-BE49-F238E27FC236}">
+                <a16:creationId xmlns:a16="http://schemas.microsoft.com/office/drawing/2014/main" id="{A7792B6F-230B-7D39-768A-E8411ADC91CD}"/>
               </a:ext>
             </a:extLst>
           </p:cNvPr>
@@ -4028,8 +6357,8 @@
         </p:nvSpPr>
         <p:spPr>
           <a:xfrm>
-            <a:off x="13572978" y="4029058"/>
-            <a:ext cx="6351708" cy="923330"/>
+            <a:off x="660962" y="17083991"/>
+            <a:ext cx="3149135" cy="3416320"/>
           </a:xfrm>
           <a:prstGeom prst="rect">
             <a:avLst/>
@@ -4042,23 +6371,583 @@
           </a:bodyPr>
           <a:lstStyle/>
           <a:p>
-            <a:r>
-              <a:rPr lang="en-IE" sz="5400" b="1" dirty="0">
+            <a:pPr algn="just"/>
+            <a:r>
+              <a:rPr lang="en-IE" sz="2700" dirty="0">
+                <a:latin typeface="+mj-lt"/>
+                <a:cs typeface="Arial" panose="020B0604020202020204" pitchFamily="34" charset="0"/>
+              </a:rPr>
+              <a:t>The study followed the CRISP-DM framework. The data was obtained from 2023 visitor surveys conducted at Keflavik International Airport</a:t>
+            </a:r>
+            <a:endParaRPr lang="en-IE" sz="2700" dirty="0"/>
+          </a:p>
+        </p:txBody>
+      </p:sp>
+      <p:pic>
+        <p:nvPicPr>
+          <p:cNvPr id="41" name="Picture 40" descr="A waterfall and a mountain with green lights in the sky&#10;&#10;AI-generated content may be incorrect.">
+            <a:extLst>
+              <a:ext uri="{FF2B5EF4-FFF2-40B4-BE49-F238E27FC236}">
+                <a16:creationId xmlns:a16="http://schemas.microsoft.com/office/drawing/2014/main" id="{A62CE761-4312-5029-BEBA-885A9B2CF971}"/>
+              </a:ext>
+            </a:extLst>
+          </p:cNvPr>
+          <p:cNvPicPr>
+            <a:picLocks noChangeAspect="1"/>
+          </p:cNvPicPr>
+          <p:nvPr/>
+        </p:nvPicPr>
+        <p:blipFill>
+          <a:blip r:embed="rId8">
+            <a:extLst>
+              <a:ext uri="{28A0092B-C50C-407E-A947-70E740481C1C}">
+                <a14:useLocalDpi xmlns:a14="http://schemas.microsoft.com/office/drawing/2010/main" val="0"/>
+              </a:ext>
+            </a:extLst>
+          </a:blip>
+          <a:stretch>
+            <a:fillRect/>
+          </a:stretch>
+        </p:blipFill>
+        <p:spPr>
+          <a:xfrm>
+            <a:off x="7256290" y="12835934"/>
+            <a:ext cx="6871044" cy="6111490"/>
+          </a:xfrm>
+          <a:prstGeom prst="ellipse">
+            <a:avLst/>
+          </a:prstGeom>
+          <a:ln w="63500" cap="rnd">
+            <a:solidFill>
+              <a:srgbClr val="333333"/>
+            </a:solidFill>
+          </a:ln>
+          <a:effectLst/>
+          <a:scene3d>
+            <a:camera prst="orthographicFront"/>
+            <a:lightRig rig="contrasting" dir="t">
+              <a:rot lat="0" lon="0" rev="3000000"/>
+            </a:lightRig>
+          </a:scene3d>
+          <a:sp3d contourW="7620">
+            <a:bevelT w="95250" h="31750"/>
+            <a:contourClr>
+              <a:srgbClr val="333333"/>
+            </a:contourClr>
+          </a:sp3d>
+        </p:spPr>
+      </p:pic>
+      <p:pic>
+        <p:nvPicPr>
+          <p:cNvPr id="42" name="Picture 41">
+            <a:extLst>
+              <a:ext uri="{FF2B5EF4-FFF2-40B4-BE49-F238E27FC236}">
+                <a16:creationId xmlns:a16="http://schemas.microsoft.com/office/drawing/2014/main" id="{1548B4CF-58FE-AC41-3E25-5CDD60C2F864}"/>
+              </a:ext>
+            </a:extLst>
+          </p:cNvPr>
+          <p:cNvPicPr>
+            <a:picLocks noChangeAspect="1"/>
+          </p:cNvPicPr>
+          <p:nvPr/>
+        </p:nvPicPr>
+        <p:blipFill>
+          <a:blip r:embed="rId3"/>
+          <a:srcRect l="80063" t="10594" r="357" b="68463"/>
+          <a:stretch/>
+        </p:blipFill>
+        <p:spPr>
+          <a:xfrm>
+            <a:off x="18326687" y="19979843"/>
+            <a:ext cx="2309535" cy="1127792"/>
+          </a:xfrm>
+          <a:prstGeom prst="rect">
+            <a:avLst/>
+          </a:prstGeom>
+          <a:ln>
+            <a:solidFill>
+              <a:schemeClr val="tx1"/>
+            </a:solidFill>
+          </a:ln>
+        </p:spPr>
+      </p:pic>
+    </p:spTree>
+    <p:extLst>
+      <p:ext uri="{BB962C8B-B14F-4D97-AF65-F5344CB8AC3E}">
+        <p14:creationId xmlns:p14="http://schemas.microsoft.com/office/powerpoint/2010/main" val="1442857595"/>
+      </p:ext>
+    </p:extLst>
+  </p:cSld>
+  <p:clrMapOvr>
+    <a:masterClrMapping/>
+  </p:clrMapOvr>
+</p:sld>
+</file>
+
+<file path=ppt/slides/slide3.xml><?xml version="1.0" encoding="utf-8"?>
+<p:sld xmlns:a="http://schemas.openxmlformats.org/drawingml/2006/main" xmlns:r="http://schemas.openxmlformats.org/officeDocument/2006/relationships" xmlns:p="http://schemas.openxmlformats.org/presentationml/2006/main">
+  <p:cSld>
+    <p:bg>
+      <p:bgPr>
+        <a:solidFill>
+          <a:srgbClr val="D9F0F2"/>
+        </a:solidFill>
+        <a:effectLst/>
+      </p:bgPr>
+    </p:bg>
+    <p:spTree>
+      <p:nvGrpSpPr>
+        <p:cNvPr id="1" name=""/>
+        <p:cNvGrpSpPr/>
+        <p:nvPr/>
+      </p:nvGrpSpPr>
+      <p:grpSpPr>
+        <a:xfrm>
+          <a:off x="0" y="0"/>
+          <a:ext cx="0" cy="0"/>
+          <a:chOff x="0" y="0"/>
+          <a:chExt cx="0" cy="0"/>
+        </a:xfrm>
+      </p:grpSpPr>
+      <p:sp>
+        <p:nvSpPr>
+          <p:cNvPr id="2" name="Rectangle 1">
+            <a:extLst>
+              <a:ext uri="{FF2B5EF4-FFF2-40B4-BE49-F238E27FC236}">
+                <a16:creationId xmlns:a16="http://schemas.microsoft.com/office/drawing/2014/main" id="{E81BD239-F2CA-EE29-9990-5A7A8E002022}"/>
+              </a:ext>
+            </a:extLst>
+          </p:cNvPr>
+          <p:cNvSpPr/>
+          <p:nvPr/>
+        </p:nvSpPr>
+        <p:spPr>
+          <a:xfrm>
+            <a:off x="0" y="-30480"/>
+            <a:ext cx="21383624" cy="3102746"/>
+          </a:xfrm>
+          <a:prstGeom prst="rect">
+            <a:avLst/>
+          </a:prstGeom>
+          <a:solidFill>
+            <a:srgbClr val="04756F"/>
+          </a:solidFill>
+        </p:spPr>
+        <p:style>
+          <a:lnRef idx="2">
+            <a:schemeClr val="accent1">
+              <a:shade val="15000"/>
+            </a:schemeClr>
+          </a:lnRef>
+          <a:fillRef idx="1">
+            <a:schemeClr val="accent1"/>
+          </a:fillRef>
+          <a:effectRef idx="0">
+            <a:schemeClr val="accent1"/>
+          </a:effectRef>
+          <a:fontRef idx="minor">
+            <a:schemeClr val="lt1"/>
+          </a:fontRef>
+        </p:style>
+        <p:txBody>
+          <a:bodyPr rtlCol="0" anchor="ctr"/>
+          <a:lstStyle/>
+          <a:p>
+            <a:pPr algn="ctr"/>
+            <a:endParaRPr lang="en-IE" dirty="0"/>
+          </a:p>
+        </p:txBody>
+      </p:sp>
+      <p:sp>
+        <p:nvSpPr>
+          <p:cNvPr id="3" name="Rectangle 2">
+            <a:extLst>
+              <a:ext uri="{FF2B5EF4-FFF2-40B4-BE49-F238E27FC236}">
+                <a16:creationId xmlns:a16="http://schemas.microsoft.com/office/drawing/2014/main" id="{20F22B15-2127-F0FE-F700-63B9FEC5D40C}"/>
+              </a:ext>
+            </a:extLst>
+          </p:cNvPr>
+          <p:cNvSpPr/>
+          <p:nvPr/>
+        </p:nvSpPr>
+        <p:spPr>
+          <a:xfrm>
+            <a:off x="10935844" y="3753937"/>
+            <a:ext cx="10101600" cy="3902098"/>
+          </a:xfrm>
+          <a:prstGeom prst="rect">
+            <a:avLst/>
+          </a:prstGeom>
+          <a:solidFill>
+            <a:srgbClr val="FFFFFF"/>
+          </a:solidFill>
+        </p:spPr>
+        <p:style>
+          <a:lnRef idx="2">
+            <a:schemeClr val="accent1">
+              <a:shade val="15000"/>
+            </a:schemeClr>
+          </a:lnRef>
+          <a:fillRef idx="1">
+            <a:schemeClr val="accent1"/>
+          </a:fillRef>
+          <a:effectRef idx="0">
+            <a:schemeClr val="accent1"/>
+          </a:effectRef>
+          <a:fontRef idx="minor">
+            <a:schemeClr val="lt1"/>
+          </a:fontRef>
+        </p:style>
+        <p:txBody>
+          <a:bodyPr rtlCol="0" anchor="ctr"/>
+          <a:lstStyle/>
+          <a:p>
+            <a:pPr algn="ctr"/>
+            <a:endParaRPr lang="en-IE" dirty="0"/>
+          </a:p>
+        </p:txBody>
+      </p:sp>
+      <p:sp>
+        <p:nvSpPr>
+          <p:cNvPr id="4" name="Rectangle 3">
+            <a:extLst>
+              <a:ext uri="{FF2B5EF4-FFF2-40B4-BE49-F238E27FC236}">
+                <a16:creationId xmlns:a16="http://schemas.microsoft.com/office/drawing/2014/main" id="{20D890D4-682B-7A72-2D6F-0ACBD89BD0D2}"/>
+              </a:ext>
+            </a:extLst>
+          </p:cNvPr>
+          <p:cNvSpPr/>
+          <p:nvPr/>
+        </p:nvSpPr>
+        <p:spPr>
+          <a:xfrm>
+            <a:off x="10926987" y="7999422"/>
+            <a:ext cx="10101600" cy="16364065"/>
+          </a:xfrm>
+          <a:prstGeom prst="rect">
+            <a:avLst/>
+          </a:prstGeom>
+          <a:solidFill>
+            <a:srgbClr val="FFFFFF"/>
+          </a:solidFill>
+        </p:spPr>
+        <p:style>
+          <a:lnRef idx="2">
+            <a:schemeClr val="accent1">
+              <a:shade val="15000"/>
+            </a:schemeClr>
+          </a:lnRef>
+          <a:fillRef idx="1">
+            <a:schemeClr val="accent1"/>
+          </a:fillRef>
+          <a:effectRef idx="0">
+            <a:schemeClr val="accent1"/>
+          </a:effectRef>
+          <a:fontRef idx="minor">
+            <a:schemeClr val="lt1"/>
+          </a:fontRef>
+        </p:style>
+        <p:txBody>
+          <a:bodyPr rtlCol="0" anchor="ctr"/>
+          <a:lstStyle/>
+          <a:p>
+            <a:pPr algn="ctr"/>
+            <a:endParaRPr lang="en-IE"/>
+          </a:p>
+        </p:txBody>
+      </p:sp>
+      <p:sp>
+        <p:nvSpPr>
+          <p:cNvPr id="5" name="Rectangle 4">
+            <a:extLst>
+              <a:ext uri="{FF2B5EF4-FFF2-40B4-BE49-F238E27FC236}">
+                <a16:creationId xmlns:a16="http://schemas.microsoft.com/office/drawing/2014/main" id="{37A5E330-6052-26A1-96F5-833F41E747C4}"/>
+              </a:ext>
+            </a:extLst>
+          </p:cNvPr>
+          <p:cNvSpPr/>
+          <p:nvPr/>
+        </p:nvSpPr>
+        <p:spPr>
+          <a:xfrm>
+            <a:off x="350363" y="3688741"/>
+            <a:ext cx="9858257" cy="7039173"/>
+          </a:xfrm>
+          <a:prstGeom prst="rect">
+            <a:avLst/>
+          </a:prstGeom>
+          <a:solidFill>
+            <a:srgbClr val="FFFFFF"/>
+          </a:solidFill>
+        </p:spPr>
+        <p:style>
+          <a:lnRef idx="2">
+            <a:schemeClr val="accent1">
+              <a:shade val="15000"/>
+            </a:schemeClr>
+          </a:lnRef>
+          <a:fillRef idx="1">
+            <a:schemeClr val="accent1"/>
+          </a:fillRef>
+          <a:effectRef idx="0">
+            <a:schemeClr val="accent1"/>
+          </a:effectRef>
+          <a:fontRef idx="minor">
+            <a:schemeClr val="lt1"/>
+          </a:fontRef>
+        </p:style>
+        <p:txBody>
+          <a:bodyPr rtlCol="0" anchor="ctr"/>
+          <a:lstStyle/>
+          <a:p>
+            <a:pPr algn="ctr"/>
+            <a:endParaRPr lang="en-IE" dirty="0"/>
+          </a:p>
+        </p:txBody>
+      </p:sp>
+      <p:sp>
+        <p:nvSpPr>
+          <p:cNvPr id="6" name="Rectangle 5">
+            <a:extLst>
+              <a:ext uri="{FF2B5EF4-FFF2-40B4-BE49-F238E27FC236}">
+                <a16:creationId xmlns:a16="http://schemas.microsoft.com/office/drawing/2014/main" id="{3F52A6C4-AE98-03B5-57A4-2C251DA43E0F}"/>
+              </a:ext>
+            </a:extLst>
+          </p:cNvPr>
+          <p:cNvSpPr/>
+          <p:nvPr/>
+        </p:nvSpPr>
+        <p:spPr>
+          <a:xfrm>
+            <a:off x="350362" y="16603620"/>
+            <a:ext cx="10101038" cy="13213784"/>
+          </a:xfrm>
+          <a:prstGeom prst="rect">
+            <a:avLst/>
+          </a:prstGeom>
+          <a:solidFill>
+            <a:srgbClr val="FFFFFF"/>
+          </a:solidFill>
+        </p:spPr>
+        <p:style>
+          <a:lnRef idx="2">
+            <a:schemeClr val="accent1">
+              <a:shade val="15000"/>
+            </a:schemeClr>
+          </a:lnRef>
+          <a:fillRef idx="1">
+            <a:schemeClr val="accent1"/>
+          </a:fillRef>
+          <a:effectRef idx="0">
+            <a:schemeClr val="accent1"/>
+          </a:effectRef>
+          <a:fontRef idx="minor">
+            <a:schemeClr val="lt1"/>
+          </a:fontRef>
+        </p:style>
+        <p:txBody>
+          <a:bodyPr rtlCol="0" anchor="ctr"/>
+          <a:lstStyle/>
+          <a:p>
+            <a:pPr algn="ctr"/>
+            <a:endParaRPr lang="en-IE" dirty="0"/>
+          </a:p>
+        </p:txBody>
+      </p:sp>
+      <p:sp>
+        <p:nvSpPr>
+          <p:cNvPr id="7" name="Rectangle 6">
+            <a:extLst>
+              <a:ext uri="{FF2B5EF4-FFF2-40B4-BE49-F238E27FC236}">
+                <a16:creationId xmlns:a16="http://schemas.microsoft.com/office/drawing/2014/main" id="{BBE09AA5-5D10-E081-EAA5-98837AD27113}"/>
+              </a:ext>
+            </a:extLst>
+          </p:cNvPr>
+          <p:cNvSpPr/>
+          <p:nvPr/>
+        </p:nvSpPr>
+        <p:spPr>
+          <a:xfrm>
+            <a:off x="350362" y="10974163"/>
+            <a:ext cx="9858258" cy="2279893"/>
+          </a:xfrm>
+          <a:prstGeom prst="rect">
+            <a:avLst/>
+          </a:prstGeom>
+          <a:solidFill>
+            <a:srgbClr val="FFFFFF"/>
+          </a:solidFill>
+        </p:spPr>
+        <p:style>
+          <a:lnRef idx="2">
+            <a:schemeClr val="accent1">
+              <a:shade val="15000"/>
+            </a:schemeClr>
+          </a:lnRef>
+          <a:fillRef idx="1">
+            <a:schemeClr val="accent1"/>
+          </a:fillRef>
+          <a:effectRef idx="0">
+            <a:schemeClr val="accent1"/>
+          </a:effectRef>
+          <a:fontRef idx="minor">
+            <a:schemeClr val="lt1"/>
+          </a:fontRef>
+        </p:style>
+        <p:txBody>
+          <a:bodyPr rtlCol="0" anchor="ctr"/>
+          <a:lstStyle/>
+          <a:p>
+            <a:pPr algn="ctr"/>
+            <a:endParaRPr lang="en-IE"/>
+          </a:p>
+        </p:txBody>
+      </p:sp>
+      <p:sp>
+        <p:nvSpPr>
+          <p:cNvPr id="8" name="Rectangle 7">
+            <a:extLst>
+              <a:ext uri="{FF2B5EF4-FFF2-40B4-BE49-F238E27FC236}">
+                <a16:creationId xmlns:a16="http://schemas.microsoft.com/office/drawing/2014/main" id="{7115AA14-075A-8E0B-6C34-DD0E3CDF62D9}"/>
+              </a:ext>
+            </a:extLst>
+          </p:cNvPr>
+          <p:cNvSpPr/>
+          <p:nvPr/>
+        </p:nvSpPr>
+        <p:spPr>
+          <a:xfrm>
+            <a:off x="10935843" y="24773010"/>
+            <a:ext cx="10101600" cy="4939436"/>
+          </a:xfrm>
+          <a:prstGeom prst="rect">
+            <a:avLst/>
+          </a:prstGeom>
+          <a:solidFill>
+            <a:srgbClr val="FFFFFF"/>
+          </a:solidFill>
+        </p:spPr>
+        <p:style>
+          <a:lnRef idx="2">
+            <a:schemeClr val="accent1">
+              <a:shade val="15000"/>
+            </a:schemeClr>
+          </a:lnRef>
+          <a:fillRef idx="1">
+            <a:schemeClr val="accent1"/>
+          </a:fillRef>
+          <a:effectRef idx="0">
+            <a:schemeClr val="accent1"/>
+          </a:effectRef>
+          <a:fontRef idx="minor">
+            <a:schemeClr val="lt1"/>
+          </a:fontRef>
+        </p:style>
+        <p:txBody>
+          <a:bodyPr rtlCol="0" anchor="ctr"/>
+          <a:lstStyle/>
+          <a:p>
+            <a:pPr algn="ctr"/>
+            <a:endParaRPr lang="en-IE"/>
+          </a:p>
+        </p:txBody>
+      </p:sp>
+      <p:sp>
+        <p:nvSpPr>
+          <p:cNvPr id="9" name="Oval 8">
+            <a:extLst>
+              <a:ext uri="{FF2B5EF4-FFF2-40B4-BE49-F238E27FC236}">
+                <a16:creationId xmlns:a16="http://schemas.microsoft.com/office/drawing/2014/main" id="{34C488A6-CD12-E505-BF87-703E3F811E2E}"/>
+              </a:ext>
+            </a:extLst>
+          </p:cNvPr>
+          <p:cNvSpPr/>
+          <p:nvPr/>
+        </p:nvSpPr>
+        <p:spPr>
+          <a:xfrm>
+            <a:off x="6510650" y="11520768"/>
+            <a:ext cx="8362324" cy="8037095"/>
+          </a:xfrm>
+          <a:prstGeom prst="ellipse">
+            <a:avLst/>
+          </a:prstGeom>
+          <a:noFill/>
+          <a:ln>
+            <a:noFill/>
+          </a:ln>
+        </p:spPr>
+        <p:style>
+          <a:lnRef idx="2">
+            <a:schemeClr val="accent1">
+              <a:shade val="15000"/>
+            </a:schemeClr>
+          </a:lnRef>
+          <a:fillRef idx="1">
+            <a:schemeClr val="accent1"/>
+          </a:fillRef>
+          <a:effectRef idx="0">
+            <a:schemeClr val="accent1"/>
+          </a:effectRef>
+          <a:fontRef idx="minor">
+            <a:schemeClr val="lt1"/>
+          </a:fontRef>
+        </p:style>
+        <p:txBody>
+          <a:bodyPr rtlCol="0" anchor="ctr"/>
+          <a:lstStyle/>
+          <a:p>
+            <a:pPr algn="ctr"/>
+            <a:endParaRPr lang="en-IE" dirty="0"/>
+          </a:p>
+        </p:txBody>
+      </p:sp>
+      <p:sp>
+        <p:nvSpPr>
+          <p:cNvPr id="10" name="TextBox 9">
+            <a:extLst>
+              <a:ext uri="{FF2B5EF4-FFF2-40B4-BE49-F238E27FC236}">
+                <a16:creationId xmlns:a16="http://schemas.microsoft.com/office/drawing/2014/main" id="{F23D9D66-9D58-C497-8378-13D710EB8E64}"/>
+              </a:ext>
+            </a:extLst>
+          </p:cNvPr>
+          <p:cNvSpPr txBox="1"/>
+          <p:nvPr/>
+        </p:nvSpPr>
+        <p:spPr>
+          <a:xfrm>
+            <a:off x="560068" y="387225"/>
+            <a:ext cx="20560078" cy="1323439"/>
+          </a:xfrm>
+          <a:prstGeom prst="rect">
+            <a:avLst/>
+          </a:prstGeom>
+          <a:noFill/>
+        </p:spPr>
+        <p:txBody>
+          <a:bodyPr wrap="square" rtlCol="0">
+            <a:spAutoFit/>
+          </a:bodyPr>
+          <a:lstStyle/>
+          <a:p>
+            <a:r>
+              <a:rPr lang="en-IE" sz="8000" b="1" dirty="0">
                 <a:solidFill>
                   <a:schemeClr val="bg1"/>
                 </a:solidFill>
+                <a:latin typeface="Arial Black" panose="020B0A04020102020204" pitchFamily="34" charset="0"/>
               </a:rPr>
-              <a:t>Data Preparation</a:t>
-            </a:r>
-          </a:p>
-        </p:txBody>
-      </p:sp>
-      <p:sp>
-        <p:nvSpPr>
-          <p:cNvPr id="101" name="TextBox 100">
-            <a:extLst>
-              <a:ext uri="{FF2B5EF4-FFF2-40B4-BE49-F238E27FC236}">
-                <a16:creationId xmlns:a16="http://schemas.microsoft.com/office/drawing/2014/main" id="{A2E841CE-2118-6852-B7AD-5E62CA514CD6}"/>
+              <a:t>Iceland Tourism Segmentation 2023</a:t>
+            </a:r>
+          </a:p>
+        </p:txBody>
+      </p:sp>
+      <p:sp>
+        <p:nvSpPr>
+          <p:cNvPr id="11" name="TextBox 10">
+            <a:extLst>
+              <a:ext uri="{FF2B5EF4-FFF2-40B4-BE49-F238E27FC236}">
+                <a16:creationId xmlns:a16="http://schemas.microsoft.com/office/drawing/2014/main" id="{3B67F6AE-EAE6-9F7D-D952-AD38CAF38111}"/>
               </a:ext>
             </a:extLst>
           </p:cNvPr>
@@ -4067,8 +6956,8 @@
         </p:nvSpPr>
         <p:spPr>
           <a:xfrm>
-            <a:off x="434492" y="15995832"/>
-            <a:ext cx="5582947" cy="2015936"/>
+            <a:off x="415690" y="1979898"/>
+            <a:ext cx="14444839" cy="830997"/>
           </a:xfrm>
           <a:prstGeom prst="rect">
             <a:avLst/>
@@ -4081,89 +6970,155 @@
           </a:bodyPr>
           <a:lstStyle/>
           <a:p>
+            <a:r>
+              <a:rPr lang="en-IE" sz="4800" dirty="0">
+                <a:solidFill>
+                  <a:schemeClr val="bg1"/>
+                </a:solidFill>
+                <a:latin typeface="Arial" panose="020B0604020202020204" pitchFamily="34" charset="0"/>
+                <a:cs typeface="Arial" panose="020B0604020202020204" pitchFamily="34" charset="0"/>
+              </a:rPr>
+              <a:t>Francisca Argandona Alvarado, CCT College Dublin</a:t>
+            </a:r>
+          </a:p>
+        </p:txBody>
+      </p:sp>
+      <p:pic>
+        <p:nvPicPr>
+          <p:cNvPr id="12" name="Picture 11" descr="A logo for college computing&#10;&#10;AI-generated content may be incorrect.">
+            <a:extLst>
+              <a:ext uri="{FF2B5EF4-FFF2-40B4-BE49-F238E27FC236}">
+                <a16:creationId xmlns:a16="http://schemas.microsoft.com/office/drawing/2014/main" id="{A5D3DC2E-4E0D-9C30-EEC2-4D3F4FEF4AA0}"/>
+              </a:ext>
+            </a:extLst>
+          </p:cNvPr>
+          <p:cNvPicPr>
+            <a:picLocks noChangeAspect="1"/>
+          </p:cNvPicPr>
+          <p:nvPr/>
+        </p:nvPicPr>
+        <p:blipFill>
+          <a:blip r:embed="rId2">
+            <a:extLst>
+              <a:ext uri="{28A0092B-C50C-407E-A947-70E740481C1C}">
+                <a14:useLocalDpi xmlns:a14="http://schemas.microsoft.com/office/drawing/2010/main" val="0"/>
+              </a:ext>
+            </a:extLst>
+          </a:blip>
+          <a:srcRect l="9448" t="25302" r="10696" b="27410"/>
+          <a:stretch/>
+        </p:blipFill>
+        <p:spPr>
+          <a:xfrm>
+            <a:off x="15122176" y="1680674"/>
+            <a:ext cx="5893885" cy="1206034"/>
+          </a:xfrm>
+          <a:prstGeom prst="rect">
+            <a:avLst/>
+          </a:prstGeom>
+        </p:spPr>
+      </p:pic>
+      <p:sp>
+        <p:nvSpPr>
+          <p:cNvPr id="13" name="TextBox 12">
+            <a:extLst>
+              <a:ext uri="{FF2B5EF4-FFF2-40B4-BE49-F238E27FC236}">
+                <a16:creationId xmlns:a16="http://schemas.microsoft.com/office/drawing/2014/main" id="{D6EA29DE-5213-4A16-36D2-895ED9316131}"/>
+              </a:ext>
+            </a:extLst>
+          </p:cNvPr>
+          <p:cNvSpPr txBox="1"/>
+          <p:nvPr/>
+        </p:nvSpPr>
+        <p:spPr>
+          <a:xfrm>
+            <a:off x="606027" y="4748095"/>
+            <a:ext cx="9252085" cy="3000821"/>
+          </a:xfrm>
+          <a:prstGeom prst="rect">
+            <a:avLst/>
+          </a:prstGeom>
+          <a:noFill/>
+        </p:spPr>
+        <p:txBody>
+          <a:bodyPr wrap="square" rtlCol="0">
+            <a:spAutoFit/>
+          </a:bodyPr>
+          <a:lstStyle/>
+          <a:p>
             <a:pPr algn="just"/>
             <a:r>
-              <a:rPr lang="en-US" sz="2500" b="0" i="0" dirty="0">
+              <a:rPr lang="en-IE" sz="2700" dirty="0">
+                <a:latin typeface="Aptos" panose="020B0004020202020204" pitchFamily="34" charset="0"/>
+              </a:rPr>
+              <a:t>Tourism in Iceland has grown rapidly in recent years, becoming a major contributor to the economy. However, most existing profiles only considers country of origin or overall arrival numbers. This study aims to go further by applying clustering techniques to segment international tourists visiting Iceland in 2023, based on age, length of stay, and income.</a:t>
+            </a:r>
+            <a:r>
+              <a:rPr lang="en-IE" sz="2700" dirty="0"/>
+              <a:t>.</a:t>
+            </a:r>
+          </a:p>
+        </p:txBody>
+      </p:sp>
+      <p:sp>
+        <p:nvSpPr>
+          <p:cNvPr id="14" name="TextBox 13">
+            <a:extLst>
+              <a:ext uri="{FF2B5EF4-FFF2-40B4-BE49-F238E27FC236}">
+                <a16:creationId xmlns:a16="http://schemas.microsoft.com/office/drawing/2014/main" id="{AF62DC07-E355-198B-B853-B52A21B74A58}"/>
+              </a:ext>
+            </a:extLst>
+          </p:cNvPr>
+          <p:cNvSpPr txBox="1"/>
+          <p:nvPr/>
+        </p:nvSpPr>
+        <p:spPr>
+          <a:xfrm>
+            <a:off x="514587" y="11834140"/>
+            <a:ext cx="9343525" cy="1338828"/>
+          </a:xfrm>
+          <a:prstGeom prst="rect">
+            <a:avLst/>
+          </a:prstGeom>
+          <a:noFill/>
+        </p:spPr>
+        <p:txBody>
+          <a:bodyPr wrap="square" rtlCol="0">
+            <a:spAutoFit/>
+          </a:bodyPr>
+          <a:lstStyle/>
+          <a:p>
+            <a:pPr algn="just"/>
+            <a:r>
+              <a:rPr lang="en-US" sz="2700" b="0" i="0" dirty="0">
                 <a:solidFill>
                   <a:srgbClr val="000000"/>
                 </a:solidFill>
                 <a:effectLst/>
-                <a:latin typeface="Arial" panose="020B0604020202020204" pitchFamily="34" charset="0"/>
                 <a:cs typeface="Arial" panose="020B0604020202020204" pitchFamily="34" charset="0"/>
               </a:rPr>
-              <a:t>How can clustering techniques be applied to identify relevant tourist segments visiting Iceland, based on age, length of stay and average income?</a:t>
-            </a:r>
-            <a:endParaRPr lang="en-IE" sz="2500" dirty="0">
-              <a:latin typeface="Arial" panose="020B0604020202020204" pitchFamily="34" charset="0"/>
-              <a:cs typeface="Arial" panose="020B0604020202020204" pitchFamily="34" charset="0"/>
-            </a:endParaRPr>
-          </a:p>
-        </p:txBody>
-      </p:sp>
-      <p:sp>
-        <p:nvSpPr>
-          <p:cNvPr id="102" name="TextBox 101">
-            <a:extLst>
-              <a:ext uri="{FF2B5EF4-FFF2-40B4-BE49-F238E27FC236}">
-                <a16:creationId xmlns:a16="http://schemas.microsoft.com/office/drawing/2014/main" id="{5B62E886-EA09-1885-1704-D2D138208085}"/>
-              </a:ext>
-            </a:extLst>
-          </p:cNvPr>
-          <p:cNvSpPr txBox="1"/>
-          <p:nvPr/>
-        </p:nvSpPr>
-        <p:spPr>
-          <a:xfrm>
-            <a:off x="576972" y="20620563"/>
-            <a:ext cx="9647815" cy="3939540"/>
-          </a:xfrm>
-          <a:prstGeom prst="rect">
-            <a:avLst/>
-          </a:prstGeom>
-          <a:noFill/>
-        </p:spPr>
-        <p:txBody>
-          <a:bodyPr wrap="square" rtlCol="0">
-            <a:spAutoFit/>
-          </a:bodyPr>
-          <a:lstStyle/>
-          <a:p>
-            <a:pPr algn="just"/>
-            <a:r>
-              <a:rPr lang="en-US" sz="2500" b="0" i="0" dirty="0">
+              <a:t>How can clustering techniques be applied</a:t>
+            </a:r>
+            <a:r>
+              <a:rPr lang="en-US" sz="2700" dirty="0">
+                <a:solidFill>
+                  <a:srgbClr val="000000"/>
+                </a:solidFill>
+                <a:cs typeface="Arial" panose="020B0604020202020204" pitchFamily="34" charset="0"/>
+              </a:rPr>
+              <a:t> </a:t>
+            </a:r>
+            <a:r>
+              <a:rPr lang="en-US" sz="2700" b="0" i="0" dirty="0">
                 <a:solidFill>
                   <a:srgbClr val="000000"/>
                 </a:solidFill>
                 <a:effectLst/>
-                <a:latin typeface="Arial" panose="020B0604020202020204" pitchFamily="34" charset="0"/>
                 <a:cs typeface="Arial" panose="020B0604020202020204" pitchFamily="34" charset="0"/>
               </a:rPr>
-              <a:t>This project followed the CRISP-DM framework and used data from the Icelandic Tourist Board (2023), based on airport surveys. After cleaning and preparing the data, three clustering methods were applied: Hierarchical, K-Means, and DBSCAN. Cluster evaluation was conducted using the Silhouette Score, Davies-Bouldin Index, visual inspection through heatmaps and dendrograms, and statistical testing (ANOVA) to assess differences across clusters. After applying the clustering algorithms, Principal Component Analysis (PCA) was applied to reduce dimensionality and enable the cluster </a:t>
-            </a:r>
-            <a:r>
-              <a:rPr lang="en-US" sz="2500" b="0" i="0" dirty="0" err="1">
-                <a:solidFill>
-                  <a:srgbClr val="000000"/>
-                </a:solidFill>
-                <a:effectLst/>
-                <a:latin typeface="Arial" panose="020B0604020202020204" pitchFamily="34" charset="0"/>
-                <a:cs typeface="Arial" panose="020B0604020202020204" pitchFamily="34" charset="0"/>
-              </a:rPr>
-              <a:t>visualisation</a:t>
-            </a:r>
-            <a:r>
-              <a:rPr lang="en-US" sz="2500" b="0" i="0" dirty="0">
-                <a:solidFill>
-                  <a:srgbClr val="000000"/>
-                </a:solidFill>
-                <a:effectLst/>
-                <a:latin typeface="Arial" panose="020B0604020202020204" pitchFamily="34" charset="0"/>
-                <a:cs typeface="Arial" panose="020B0604020202020204" pitchFamily="34" charset="0"/>
-              </a:rPr>
-              <a:t>.</a:t>
-            </a:r>
-            <a:endParaRPr lang="en-IE" sz="2500" dirty="0">
-              <a:latin typeface="Arial" panose="020B0604020202020204" pitchFamily="34" charset="0"/>
+              <a:t>to identify relevant tourist segments visiting Iceland, based on age, length of stay and average income?</a:t>
+            </a:r>
+            <a:endParaRPr lang="en-IE" sz="2700" dirty="0">
               <a:cs typeface="Arial" panose="020B0604020202020204" pitchFamily="34" charset="0"/>
             </a:endParaRPr>
           </a:p>
@@ -4171,10 +7126,10 @@
       </p:sp>
       <p:sp>
         <p:nvSpPr>
-          <p:cNvPr id="103" name="TextBox 102">
-            <a:extLst>
-              <a:ext uri="{FF2B5EF4-FFF2-40B4-BE49-F238E27FC236}">
-                <a16:creationId xmlns:a16="http://schemas.microsoft.com/office/drawing/2014/main" id="{B4F0D118-377D-732E-725C-4B0A41EA3CA0}"/>
+          <p:cNvPr id="15" name="TextBox 14">
+            <a:extLst>
+              <a:ext uri="{FF2B5EF4-FFF2-40B4-BE49-F238E27FC236}">
+                <a16:creationId xmlns:a16="http://schemas.microsoft.com/office/drawing/2014/main" id="{CFCFF63B-10AE-6922-9901-88F325270FFD}"/>
               </a:ext>
             </a:extLst>
           </p:cNvPr>
@@ -4183,8 +7138,8 @@
         </p:nvSpPr>
         <p:spPr>
           <a:xfrm>
-            <a:off x="576972" y="26550384"/>
-            <a:ext cx="9573109" cy="2400657"/>
+            <a:off x="660962" y="21858466"/>
+            <a:ext cx="9238127" cy="3416320"/>
           </a:xfrm>
           <a:prstGeom prst="rect">
             <a:avLst/>
@@ -4199,29 +7154,21 @@
           <a:p>
             <a:pPr algn="just"/>
             <a:r>
-              <a:rPr lang="en-US" sz="2500" b="0" i="0" dirty="0">
-                <a:solidFill>
-                  <a:srgbClr val="000000"/>
-                </a:solidFill>
-                <a:effectLst/>
-                <a:latin typeface="Arial" panose="020B0604020202020204" pitchFamily="34" charset="0"/>
+              <a:rPr lang="en-IE" sz="2700" dirty="0">
+                <a:latin typeface="+mj-lt"/>
                 <a:cs typeface="Arial" panose="020B0604020202020204" pitchFamily="34" charset="0"/>
               </a:rPr>
-              <a:t>To assess the stability of the clustering solutions the Adjusted Rand Index was calculated over multiple runs with varying samples and number of clusters. K-Means demonstrated the highest stability, and interpretability and was therefore selected as the final algorithm. Additionally, bar plots were created to visually communicate key cluster differences in the variables.</a:t>
-            </a:r>
-            <a:endParaRPr lang="en-IE" sz="2500" dirty="0">
-              <a:latin typeface="Arial" panose="020B0604020202020204" pitchFamily="34" charset="0"/>
-              <a:cs typeface="Arial" panose="020B0604020202020204" pitchFamily="34" charset="0"/>
-            </a:endParaRPr>
-          </a:p>
-        </p:txBody>
-      </p:sp>
-      <p:sp>
-        <p:nvSpPr>
-          <p:cNvPr id="104" name="TextBox 103">
-            <a:extLst>
-              <a:ext uri="{FF2B5EF4-FFF2-40B4-BE49-F238E27FC236}">
-                <a16:creationId xmlns:a16="http://schemas.microsoft.com/office/drawing/2014/main" id="{034B78F0-FF62-9D31-707E-47822A58F87C}"/>
+              <a:t>The selected variables were age, stay duration, and income. Three clustering models were applied: Hierarchical, K-Means, and DBSCAN. Clustering quality was assessed using the Silhouette Score, Davies-Bouldin Index, dendrogram visualisation and ANOVA. Dimensionality reduction with PCA helped to visualise cluster separation, besides the heatmaps on cluster centres. Adjusted Rand Index was also used to test stability across multiple runs.</a:t>
+            </a:r>
+          </a:p>
+        </p:txBody>
+      </p:sp>
+      <p:sp>
+        <p:nvSpPr>
+          <p:cNvPr id="16" name="TextBox 15">
+            <a:extLst>
+              <a:ext uri="{FF2B5EF4-FFF2-40B4-BE49-F238E27FC236}">
+                <a16:creationId xmlns:a16="http://schemas.microsoft.com/office/drawing/2014/main" id="{8D6118A2-7B73-E16C-B94C-6585567CB893}"/>
               </a:ext>
             </a:extLst>
           </p:cNvPr>
@@ -4230,8 +7177,8 @@
         </p:nvSpPr>
         <p:spPr>
           <a:xfrm>
-            <a:off x="11144485" y="25028964"/>
-            <a:ext cx="9566512" cy="3170099"/>
+            <a:off x="11203387" y="25927768"/>
+            <a:ext cx="9566512" cy="3416320"/>
           </a:xfrm>
           <a:prstGeom prst="rect">
             <a:avLst/>
@@ -4246,51 +7193,21 @@
           <a:p>
             <a:pPr algn="just"/>
             <a:r>
-              <a:rPr lang="en-US" sz="2500" b="0" i="0" dirty="0">
-                <a:solidFill>
-                  <a:srgbClr val="000000"/>
-                </a:solidFill>
-                <a:effectLst/>
-                <a:latin typeface="Arial" panose="020B0604020202020204" pitchFamily="34" charset="0"/>
+              <a:rPr lang="en-IE" sz="2700" dirty="0">
+                <a:latin typeface="+mj-lt"/>
                 <a:cs typeface="Arial" panose="020B0604020202020204" pitchFamily="34" charset="0"/>
               </a:rPr>
-              <a:t>This study successfully applied data-driven segmentation to identify distinct tourist profiles visiting Iceland in 2023. K-Means clustering proved to be the most effective method. The results highlight the value of incorporating </a:t>
-            </a:r>
-            <a:r>
-              <a:rPr lang="en-US" sz="2500" b="0" i="0" dirty="0" err="1">
-                <a:solidFill>
-                  <a:srgbClr val="000000"/>
-                </a:solidFill>
-                <a:effectLst/>
-                <a:latin typeface="Arial" panose="020B0604020202020204" pitchFamily="34" charset="0"/>
-                <a:cs typeface="Arial" panose="020B0604020202020204" pitchFamily="34" charset="0"/>
-              </a:rPr>
-              <a:t>behavioural</a:t>
-            </a:r>
-            <a:r>
-              <a:rPr lang="en-US" sz="2500" b="0" i="0" dirty="0">
-                <a:solidFill>
-                  <a:srgbClr val="000000"/>
-                </a:solidFill>
-                <a:effectLst/>
-                <a:latin typeface="Arial" panose="020B0604020202020204" pitchFamily="34" charset="0"/>
-                <a:cs typeface="Arial" panose="020B0604020202020204" pitchFamily="34" charset="0"/>
-              </a:rPr>
-              <a:t> and demographic variables into segmentation efforts. Given the small dataset and the evolving nature of tourism markets, future research should update segmentation regularly and integrate additional variables to support more adaptive and effective destination management.</a:t>
-            </a:r>
-            <a:endParaRPr lang="en-IE" sz="2500" dirty="0">
-              <a:latin typeface="Arial" panose="020B0604020202020204" pitchFamily="34" charset="0"/>
-              <a:cs typeface="Arial" panose="020B0604020202020204" pitchFamily="34" charset="0"/>
-            </a:endParaRPr>
-          </a:p>
-        </p:txBody>
-      </p:sp>
-      <p:sp>
-        <p:nvSpPr>
-          <p:cNvPr id="105" name="TextBox 104">
-            <a:extLst>
-              <a:ext uri="{FF2B5EF4-FFF2-40B4-BE49-F238E27FC236}">
-                <a16:creationId xmlns:a16="http://schemas.microsoft.com/office/drawing/2014/main" id="{36F833DC-8A8E-57FC-D880-FFEB17A8E75C}"/>
+              <a:t>K-Means clustering was chosen for its clearer, more stable, and actionable segments. The results reveal distinct profiles, particularly among young tourists with moderate to long stays. This information can help stakeholders design tailored services and marketing. However, since the dataset is small and represents only one year, findings should be seen as a snapshot due to market segments change over time. Future work should include larger samples and additional behavioural variables.</a:t>
+            </a:r>
+          </a:p>
+        </p:txBody>
+      </p:sp>
+      <p:sp>
+        <p:nvSpPr>
+          <p:cNvPr id="17" name="TextBox 16">
+            <a:extLst>
+              <a:ext uri="{FF2B5EF4-FFF2-40B4-BE49-F238E27FC236}">
+                <a16:creationId xmlns:a16="http://schemas.microsoft.com/office/drawing/2014/main" id="{914D47C2-C747-F50B-452A-C7CE52D2DA4B}"/>
               </a:ext>
             </a:extLst>
           </p:cNvPr>
@@ -4299,8 +7216,8 @@
         </p:nvSpPr>
         <p:spPr>
           <a:xfrm>
-            <a:off x="11240141" y="18728299"/>
-            <a:ext cx="9566512" cy="3939540"/>
+            <a:off x="13285105" y="17966171"/>
+            <a:ext cx="7366357" cy="1754326"/>
           </a:xfrm>
           <a:prstGeom prst="rect">
             <a:avLst/>
@@ -4315,49 +7232,1224 @@
           <a:p>
             <a:pPr algn="just"/>
             <a:r>
-              <a:rPr lang="en-US" sz="2500" b="0" i="0" dirty="0">
-                <a:solidFill>
-                  <a:srgbClr val="000000"/>
-                </a:solidFill>
-                <a:effectLst/>
-                <a:latin typeface="Arial" panose="020B0604020202020204" pitchFamily="34" charset="0"/>
+              <a:rPr lang="en-IE" sz="2700" dirty="0">
+                <a:latin typeface="+mj-lt"/>
                 <a:cs typeface="Arial" panose="020B0604020202020204" pitchFamily="34" charset="0"/>
               </a:rPr>
-              <a:t>K-Means clustering with four groups was selected as the final model based on its strong performance in internal validation metrics, stability across runs, and interpretability of the results. The heatmap of cluster </a:t>
-            </a:r>
-            <a:r>
-              <a:rPr lang="en-US" sz="2500" b="0" i="0" dirty="0" err="1">
-                <a:solidFill>
-                  <a:srgbClr val="000000"/>
-                </a:solidFill>
-                <a:effectLst/>
-                <a:latin typeface="Arial" panose="020B0604020202020204" pitchFamily="34" charset="0"/>
+              <a:t>Two clusters (2 and 3) stood out for targeting young travellers with longer stays and average to high income levels, representing valuable 	segments for tourism strategies.</a:t>
+            </a:r>
+          </a:p>
+        </p:txBody>
+      </p:sp>
+      <p:sp>
+        <p:nvSpPr>
+          <p:cNvPr id="18" name="TextBox 17">
+            <a:extLst>
+              <a:ext uri="{FF2B5EF4-FFF2-40B4-BE49-F238E27FC236}">
+                <a16:creationId xmlns:a16="http://schemas.microsoft.com/office/drawing/2014/main" id="{16720C42-F143-4E01-32EC-E98A96879264}"/>
+              </a:ext>
+            </a:extLst>
+          </p:cNvPr>
+          <p:cNvSpPr txBox="1"/>
+          <p:nvPr/>
+        </p:nvSpPr>
+        <p:spPr>
+          <a:xfrm>
+            <a:off x="11235925" y="4801481"/>
+            <a:ext cx="9415537" cy="2585323"/>
+          </a:xfrm>
+          <a:prstGeom prst="rect">
+            <a:avLst/>
+          </a:prstGeom>
+          <a:noFill/>
+        </p:spPr>
+        <p:txBody>
+          <a:bodyPr wrap="square" rtlCol="0">
+            <a:spAutoFit/>
+          </a:bodyPr>
+          <a:lstStyle/>
+          <a:p>
+            <a:pPr algn="just"/>
+            <a:r>
+              <a:rPr lang="en-IE" sz="2700" dirty="0"/>
+              <a:t>Data was extracted from multiple sheets of the original Excel and merged into one dataset. The final dataset included 21 nationalities and 17 features, all expressed as proportions. The variables were not scaled and no missing values were found. A heatmap and interactive bar plot helped to understand relationships between variables.</a:t>
+            </a:r>
+          </a:p>
+        </p:txBody>
+      </p:sp>
+      <p:sp>
+        <p:nvSpPr>
+          <p:cNvPr id="19" name="TextBox 18">
+            <a:extLst>
+              <a:ext uri="{FF2B5EF4-FFF2-40B4-BE49-F238E27FC236}">
+                <a16:creationId xmlns:a16="http://schemas.microsoft.com/office/drawing/2014/main" id="{384879C3-7D67-FF94-38C4-B5CE5628C007}"/>
+              </a:ext>
+            </a:extLst>
+          </p:cNvPr>
+          <p:cNvSpPr txBox="1"/>
+          <p:nvPr/>
+        </p:nvSpPr>
+        <p:spPr>
+          <a:xfrm>
+            <a:off x="17190720" y="12435840"/>
+            <a:ext cx="184731" cy="369332"/>
+          </a:xfrm>
+          <a:prstGeom prst="rect">
+            <a:avLst/>
+          </a:prstGeom>
+          <a:noFill/>
+        </p:spPr>
+        <p:txBody>
+          <a:bodyPr wrap="none" rtlCol="0">
+            <a:spAutoFit/>
+          </a:bodyPr>
+          <a:lstStyle/>
+          <a:p>
+            <a:endParaRPr lang="en-IE" dirty="0"/>
+          </a:p>
+        </p:txBody>
+      </p:sp>
+      <p:pic>
+        <p:nvPicPr>
+          <p:cNvPr id="21" name="Picture 20">
+            <a:extLst>
+              <a:ext uri="{FF2B5EF4-FFF2-40B4-BE49-F238E27FC236}">
+                <a16:creationId xmlns:a16="http://schemas.microsoft.com/office/drawing/2014/main" id="{AB123123-D63E-B089-E2BC-D445FAB28759}"/>
+              </a:ext>
+            </a:extLst>
+          </p:cNvPr>
+          <p:cNvPicPr>
+            <a:picLocks noChangeAspect="1"/>
+          </p:cNvPicPr>
+          <p:nvPr/>
+        </p:nvPicPr>
+        <p:blipFill>
+          <a:blip r:embed="rId3"/>
+          <a:srcRect r="20541"/>
+          <a:stretch/>
+        </p:blipFill>
+        <p:spPr>
+          <a:xfrm>
+            <a:off x="11483204" y="19971241"/>
+            <a:ext cx="6828243" cy="3923487"/>
+          </a:xfrm>
+          <a:prstGeom prst="rect">
+            <a:avLst/>
+          </a:prstGeom>
+          <a:ln>
+            <a:noFill/>
+          </a:ln>
+        </p:spPr>
+      </p:pic>
+      <p:pic>
+        <p:nvPicPr>
+          <p:cNvPr id="22" name="Picture 21" descr="A blue and orange squares with black text&#10;&#10;AI-generated content may be incorrect.">
+            <a:extLst>
+              <a:ext uri="{FF2B5EF4-FFF2-40B4-BE49-F238E27FC236}">
+                <a16:creationId xmlns:a16="http://schemas.microsoft.com/office/drawing/2014/main" id="{DBD25F05-AC41-A126-C448-7836CAE36797}"/>
+              </a:ext>
+            </a:extLst>
+          </p:cNvPr>
+          <p:cNvPicPr>
+            <a:picLocks noChangeAspect="1"/>
+          </p:cNvPicPr>
+          <p:nvPr/>
+        </p:nvPicPr>
+        <p:blipFill>
+          <a:blip r:embed="rId4">
+            <a:extLst>
+              <a:ext uri="{28A0092B-C50C-407E-A947-70E740481C1C}">
+                <a14:useLocalDpi xmlns:a14="http://schemas.microsoft.com/office/drawing/2010/main" val="0"/>
+              </a:ext>
+            </a:extLst>
+          </a:blip>
+          <a:stretch>
+            <a:fillRect/>
+          </a:stretch>
+        </p:blipFill>
+        <p:spPr>
+          <a:xfrm>
+            <a:off x="1363484" y="25396744"/>
+            <a:ext cx="7902436" cy="4221177"/>
+          </a:xfrm>
+          <a:prstGeom prst="rect">
+            <a:avLst/>
+          </a:prstGeom>
+        </p:spPr>
+      </p:pic>
+      <p:pic>
+        <p:nvPicPr>
+          <p:cNvPr id="23" name="Picture 22">
+            <a:extLst>
+              <a:ext uri="{FF2B5EF4-FFF2-40B4-BE49-F238E27FC236}">
+                <a16:creationId xmlns:a16="http://schemas.microsoft.com/office/drawing/2014/main" id="{E425F63E-1BE0-2227-F5BD-FBE032EDBFB7}"/>
+              </a:ext>
+            </a:extLst>
+          </p:cNvPr>
+          <p:cNvPicPr>
+            <a:picLocks noChangeAspect="1"/>
+          </p:cNvPicPr>
+          <p:nvPr/>
+        </p:nvPicPr>
+        <p:blipFill>
+          <a:blip r:embed="rId5"/>
+          <a:srcRect l="14585" r="13783"/>
+          <a:stretch/>
+        </p:blipFill>
+        <p:spPr>
+          <a:xfrm>
+            <a:off x="4374883" y="17628213"/>
+            <a:ext cx="3993050" cy="4180777"/>
+          </a:xfrm>
+          <a:prstGeom prst="rect">
+            <a:avLst/>
+          </a:prstGeom>
+        </p:spPr>
+      </p:pic>
+      <p:pic>
+        <p:nvPicPr>
+          <p:cNvPr id="24" name="Picture 23" descr="A table with numbers and a number of values&#10;&#10;AI-generated content may be incorrect.">
+            <a:extLst>
+              <a:ext uri="{FF2B5EF4-FFF2-40B4-BE49-F238E27FC236}">
+                <a16:creationId xmlns:a16="http://schemas.microsoft.com/office/drawing/2014/main" id="{CE7430FB-CF7D-4261-C3C0-90B66899DB7E}"/>
+              </a:ext>
+            </a:extLst>
+          </p:cNvPr>
+          <p:cNvPicPr>
+            <a:picLocks noChangeAspect="1"/>
+          </p:cNvPicPr>
+          <p:nvPr/>
+        </p:nvPicPr>
+        <p:blipFill>
+          <a:blip r:embed="rId6">
+            <a:extLst>
+              <a:ext uri="{28A0092B-C50C-407E-A947-70E740481C1C}">
+                <a14:useLocalDpi xmlns:a14="http://schemas.microsoft.com/office/drawing/2010/main" val="0"/>
+              </a:ext>
+            </a:extLst>
+          </a:blip>
+          <a:stretch>
+            <a:fillRect/>
+          </a:stretch>
+        </p:blipFill>
+        <p:spPr>
+          <a:xfrm>
+            <a:off x="14250187" y="13101656"/>
+            <a:ext cx="6519712" cy="4597728"/>
+          </a:xfrm>
+          <a:prstGeom prst="rect">
+            <a:avLst/>
+          </a:prstGeom>
+        </p:spPr>
+      </p:pic>
+      <p:sp>
+        <p:nvSpPr>
+          <p:cNvPr id="25" name="TextBox 24">
+            <a:extLst>
+              <a:ext uri="{FF2B5EF4-FFF2-40B4-BE49-F238E27FC236}">
+                <a16:creationId xmlns:a16="http://schemas.microsoft.com/office/drawing/2014/main" id="{C180897A-01B3-6AD4-EFE8-5CBA4FF7DCE1}"/>
+              </a:ext>
+            </a:extLst>
+          </p:cNvPr>
+          <p:cNvSpPr txBox="1"/>
+          <p:nvPr/>
+        </p:nvSpPr>
+        <p:spPr>
+          <a:xfrm>
+            <a:off x="11151372" y="9129928"/>
+            <a:ext cx="9584641" cy="3831818"/>
+          </a:xfrm>
+          <a:prstGeom prst="rect">
+            <a:avLst/>
+          </a:prstGeom>
+          <a:noFill/>
+        </p:spPr>
+        <p:txBody>
+          <a:bodyPr wrap="square" rtlCol="0">
+            <a:spAutoFit/>
+          </a:bodyPr>
+          <a:lstStyle/>
+          <a:p>
+            <a:pPr algn="just"/>
+            <a:r>
+              <a:rPr lang="en-IE" sz="2700" dirty="0">
+                <a:latin typeface="+mj-lt"/>
                 <a:cs typeface="Arial" panose="020B0604020202020204" pitchFamily="34" charset="0"/>
               </a:rPr>
-              <a:t>centres</a:t>
-            </a:r>
-            <a:r>
-              <a:rPr lang="en-US" sz="2500" b="0" i="0" dirty="0">
+              <a:t>K-Means with four clusters outperformed the other algorithms based on both visual and quantitative evaluation. Hierarchical with three clusters showed some separation, but the clusters were less distinct and less stable.  DBSCAN failed to produce meaningful clusters and labelled most data as noise. The ANOVA test confirmed significant differences in age and length of stay, while income showed no clear distinction. ARI values indicated K-Means  has stronger cluster stability (mean ARI= 0.61) 	compared to       						Hierarchical 	 (mean ARI= 0.011).</a:t>
+            </a:r>
+            <a:endParaRPr lang="en-IE" sz="2700" dirty="0">
+              <a:latin typeface="+mj-lt"/>
+            </a:endParaRPr>
+          </a:p>
+        </p:txBody>
+      </p:sp>
+      <p:pic>
+        <p:nvPicPr>
+          <p:cNvPr id="26" name="Picture 25" descr="A table with numbers and lines&#10;&#10;AI-generated content may be incorrect.">
+            <a:extLst>
+              <a:ext uri="{FF2B5EF4-FFF2-40B4-BE49-F238E27FC236}">
+                <a16:creationId xmlns:a16="http://schemas.microsoft.com/office/drawing/2014/main" id="{B6A36C7F-2328-47B0-FD20-5E21AE103A17}"/>
+              </a:ext>
+            </a:extLst>
+          </p:cNvPr>
+          <p:cNvPicPr>
+            <a:picLocks noChangeAspect="1"/>
+          </p:cNvPicPr>
+          <p:nvPr/>
+        </p:nvPicPr>
+        <p:blipFill>
+          <a:blip r:embed="rId7">
+            <a:extLst>
+              <a:ext uri="{28A0092B-C50C-407E-A947-70E740481C1C}">
+                <a14:useLocalDpi xmlns:a14="http://schemas.microsoft.com/office/drawing/2010/main" val="0"/>
+              </a:ext>
+            </a:extLst>
+          </a:blip>
+          <a:stretch>
+            <a:fillRect/>
+          </a:stretch>
+        </p:blipFill>
+        <p:spPr>
+          <a:xfrm>
+            <a:off x="2630059" y="7606376"/>
+            <a:ext cx="5217416" cy="3000821"/>
+          </a:xfrm>
+          <a:prstGeom prst="rect">
+            <a:avLst/>
+          </a:prstGeom>
+        </p:spPr>
+      </p:pic>
+      <p:sp>
+        <p:nvSpPr>
+          <p:cNvPr id="27" name="Rectangle 26">
+            <a:extLst>
+              <a:ext uri="{FF2B5EF4-FFF2-40B4-BE49-F238E27FC236}">
+                <a16:creationId xmlns:a16="http://schemas.microsoft.com/office/drawing/2014/main" id="{CE3665D5-BACF-0238-935B-0A406E610E14}"/>
+              </a:ext>
+            </a:extLst>
+          </p:cNvPr>
+          <p:cNvSpPr/>
+          <p:nvPr/>
+        </p:nvSpPr>
+        <p:spPr>
+          <a:xfrm>
+            <a:off x="346181" y="3682643"/>
+            <a:ext cx="9858257" cy="854699"/>
+          </a:xfrm>
+          <a:prstGeom prst="rect">
+            <a:avLst/>
+          </a:prstGeom>
+          <a:solidFill>
+            <a:srgbClr val="04756F"/>
+          </a:solidFill>
+        </p:spPr>
+        <p:style>
+          <a:lnRef idx="2">
+            <a:schemeClr val="accent1">
+              <a:shade val="15000"/>
+            </a:schemeClr>
+          </a:lnRef>
+          <a:fillRef idx="1">
+            <a:schemeClr val="accent1"/>
+          </a:fillRef>
+          <a:effectRef idx="0">
+            <a:schemeClr val="accent1"/>
+          </a:effectRef>
+          <a:fontRef idx="minor">
+            <a:schemeClr val="lt1"/>
+          </a:fontRef>
+        </p:style>
+        <p:txBody>
+          <a:bodyPr rtlCol="0" anchor="ctr"/>
+          <a:lstStyle/>
+          <a:p>
+            <a:pPr algn="ctr"/>
+            <a:endParaRPr lang="en-IE"/>
+          </a:p>
+        </p:txBody>
+      </p:sp>
+      <p:sp>
+        <p:nvSpPr>
+          <p:cNvPr id="32" name="TextBox 31">
+            <a:extLst>
+              <a:ext uri="{FF2B5EF4-FFF2-40B4-BE49-F238E27FC236}">
+                <a16:creationId xmlns:a16="http://schemas.microsoft.com/office/drawing/2014/main" id="{4786C8D4-7D29-499C-65F4-E5C9DE12600F}"/>
+              </a:ext>
+            </a:extLst>
+          </p:cNvPr>
+          <p:cNvSpPr txBox="1"/>
+          <p:nvPr/>
+        </p:nvSpPr>
+        <p:spPr>
+          <a:xfrm>
+            <a:off x="657438" y="3737123"/>
+            <a:ext cx="4601720" cy="800219"/>
+          </a:xfrm>
+          <a:prstGeom prst="rect">
+            <a:avLst/>
+          </a:prstGeom>
+          <a:noFill/>
+        </p:spPr>
+        <p:txBody>
+          <a:bodyPr wrap="square" rtlCol="0">
+            <a:spAutoFit/>
+          </a:bodyPr>
+          <a:lstStyle/>
+          <a:p>
+            <a:r>
+              <a:rPr lang="en-IE" sz="4600" dirty="0">
                 <a:solidFill>
-                  <a:srgbClr val="000000"/>
+                  <a:schemeClr val="bg1"/>
                 </a:solidFill>
-                <a:effectLst/>
-                <a:latin typeface="Arial" panose="020B0604020202020204" pitchFamily="34" charset="0"/>
+                <a:latin typeface="Aptos Black" panose="020F0502020204030204" pitchFamily="34" charset="0"/>
+              </a:rPr>
+              <a:t>Introduction</a:t>
+            </a:r>
+          </a:p>
+        </p:txBody>
+      </p:sp>
+      <p:sp>
+        <p:nvSpPr>
+          <p:cNvPr id="33" name="Rectangle 32">
+            <a:extLst>
+              <a:ext uri="{FF2B5EF4-FFF2-40B4-BE49-F238E27FC236}">
+                <a16:creationId xmlns:a16="http://schemas.microsoft.com/office/drawing/2014/main" id="{6D112EAF-D9D9-05F0-D51C-BD26CCA55735}"/>
+              </a:ext>
+            </a:extLst>
+          </p:cNvPr>
+          <p:cNvSpPr/>
+          <p:nvPr/>
+        </p:nvSpPr>
+        <p:spPr>
+          <a:xfrm>
+            <a:off x="10932108" y="3682475"/>
+            <a:ext cx="10101600" cy="884442"/>
+          </a:xfrm>
+          <a:prstGeom prst="rect">
+            <a:avLst/>
+          </a:prstGeom>
+          <a:solidFill>
+            <a:srgbClr val="04756F"/>
+          </a:solidFill>
+        </p:spPr>
+        <p:style>
+          <a:lnRef idx="2">
+            <a:schemeClr val="accent1">
+              <a:shade val="15000"/>
+            </a:schemeClr>
+          </a:lnRef>
+          <a:fillRef idx="1">
+            <a:schemeClr val="accent1"/>
+          </a:fillRef>
+          <a:effectRef idx="0">
+            <a:schemeClr val="accent1"/>
+          </a:effectRef>
+          <a:fontRef idx="minor">
+            <a:schemeClr val="lt1"/>
+          </a:fontRef>
+        </p:style>
+        <p:txBody>
+          <a:bodyPr rtlCol="0" anchor="ctr"/>
+          <a:lstStyle/>
+          <a:p>
+            <a:pPr algn="ctr"/>
+            <a:endParaRPr lang="en-IE"/>
+          </a:p>
+        </p:txBody>
+      </p:sp>
+      <p:sp>
+        <p:nvSpPr>
+          <p:cNvPr id="34" name="TextBox 33">
+            <a:extLst>
+              <a:ext uri="{FF2B5EF4-FFF2-40B4-BE49-F238E27FC236}">
+                <a16:creationId xmlns:a16="http://schemas.microsoft.com/office/drawing/2014/main" id="{A3E67819-B4E2-1151-884D-64F64D58AD2D}"/>
+              </a:ext>
+            </a:extLst>
+          </p:cNvPr>
+          <p:cNvSpPr txBox="1"/>
+          <p:nvPr/>
+        </p:nvSpPr>
+        <p:spPr>
+          <a:xfrm>
+            <a:off x="11234285" y="3766698"/>
+            <a:ext cx="6351708" cy="800219"/>
+          </a:xfrm>
+          <a:prstGeom prst="rect">
+            <a:avLst/>
+          </a:prstGeom>
+          <a:noFill/>
+        </p:spPr>
+        <p:txBody>
+          <a:bodyPr wrap="square" rtlCol="0">
+            <a:spAutoFit/>
+          </a:bodyPr>
+          <a:lstStyle/>
+          <a:p>
+            <a:r>
+              <a:rPr lang="en-IE" sz="4600" dirty="0">
+                <a:solidFill>
+                  <a:schemeClr val="bg1"/>
+                </a:solidFill>
+                <a:latin typeface="Aptos Black" panose="020F0502020204030204" pitchFamily="34" charset="0"/>
+              </a:rPr>
+              <a:t>Data Preparation</a:t>
+            </a:r>
+          </a:p>
+        </p:txBody>
+      </p:sp>
+      <p:sp>
+        <p:nvSpPr>
+          <p:cNvPr id="35" name="Rectangle 34">
+            <a:extLst>
+              <a:ext uri="{FF2B5EF4-FFF2-40B4-BE49-F238E27FC236}">
+                <a16:creationId xmlns:a16="http://schemas.microsoft.com/office/drawing/2014/main" id="{EA30C3F7-F104-628B-8754-8111E9C7DC8F}"/>
+              </a:ext>
+            </a:extLst>
+          </p:cNvPr>
+          <p:cNvSpPr/>
+          <p:nvPr/>
+        </p:nvSpPr>
+        <p:spPr>
+          <a:xfrm>
+            <a:off x="10900644" y="7984536"/>
+            <a:ext cx="10101600" cy="945374"/>
+          </a:xfrm>
+          <a:prstGeom prst="rect">
+            <a:avLst/>
+          </a:prstGeom>
+          <a:solidFill>
+            <a:srgbClr val="04756F"/>
+          </a:solidFill>
+        </p:spPr>
+        <p:style>
+          <a:lnRef idx="2">
+            <a:schemeClr val="accent1">
+              <a:shade val="15000"/>
+            </a:schemeClr>
+          </a:lnRef>
+          <a:fillRef idx="1">
+            <a:schemeClr val="accent1"/>
+          </a:fillRef>
+          <a:effectRef idx="0">
+            <a:schemeClr val="accent1"/>
+          </a:effectRef>
+          <a:fontRef idx="minor">
+            <a:schemeClr val="lt1"/>
+          </a:fontRef>
+        </p:style>
+        <p:txBody>
+          <a:bodyPr rtlCol="0" anchor="ctr"/>
+          <a:lstStyle/>
+          <a:p>
+            <a:pPr algn="ctr"/>
+            <a:endParaRPr lang="en-IE"/>
+          </a:p>
+        </p:txBody>
+      </p:sp>
+      <p:sp>
+        <p:nvSpPr>
+          <p:cNvPr id="36" name="TextBox 35">
+            <a:extLst>
+              <a:ext uri="{FF2B5EF4-FFF2-40B4-BE49-F238E27FC236}">
+                <a16:creationId xmlns:a16="http://schemas.microsoft.com/office/drawing/2014/main" id="{130012C7-7284-A066-BC22-7A91DFA19088}"/>
+              </a:ext>
+            </a:extLst>
+          </p:cNvPr>
+          <p:cNvSpPr txBox="1"/>
+          <p:nvPr/>
+        </p:nvSpPr>
+        <p:spPr>
+          <a:xfrm>
+            <a:off x="11385703" y="8050375"/>
+            <a:ext cx="4126176" cy="800219"/>
+          </a:xfrm>
+          <a:prstGeom prst="rect">
+            <a:avLst/>
+          </a:prstGeom>
+          <a:noFill/>
+        </p:spPr>
+        <p:txBody>
+          <a:bodyPr wrap="square" rtlCol="0">
+            <a:spAutoFit/>
+          </a:bodyPr>
+          <a:lstStyle/>
+          <a:p>
+            <a:r>
+              <a:rPr lang="en-IE" sz="4600" dirty="0">
+                <a:solidFill>
+                  <a:schemeClr val="bg1"/>
+                </a:solidFill>
+                <a:latin typeface="Aptos Black" panose="020F0502020204030204" pitchFamily="34" charset="0"/>
+              </a:rPr>
+              <a:t>Results</a:t>
+            </a:r>
+          </a:p>
+        </p:txBody>
+      </p:sp>
+      <p:sp>
+        <p:nvSpPr>
+          <p:cNvPr id="37" name="Rectangle 36">
+            <a:extLst>
+              <a:ext uri="{FF2B5EF4-FFF2-40B4-BE49-F238E27FC236}">
+                <a16:creationId xmlns:a16="http://schemas.microsoft.com/office/drawing/2014/main" id="{31E4C130-37C3-9D66-8516-A862234781F4}"/>
+              </a:ext>
+            </a:extLst>
+          </p:cNvPr>
+          <p:cNvSpPr/>
+          <p:nvPr/>
+        </p:nvSpPr>
+        <p:spPr>
+          <a:xfrm>
+            <a:off x="10929035" y="24769573"/>
+            <a:ext cx="10101600" cy="905453"/>
+          </a:xfrm>
+          <a:prstGeom prst="rect">
+            <a:avLst/>
+          </a:prstGeom>
+          <a:solidFill>
+            <a:srgbClr val="04756F"/>
+          </a:solidFill>
+        </p:spPr>
+        <p:style>
+          <a:lnRef idx="2">
+            <a:schemeClr val="accent1">
+              <a:shade val="15000"/>
+            </a:schemeClr>
+          </a:lnRef>
+          <a:fillRef idx="1">
+            <a:schemeClr val="accent1"/>
+          </a:fillRef>
+          <a:effectRef idx="0">
+            <a:schemeClr val="accent1"/>
+          </a:effectRef>
+          <a:fontRef idx="minor">
+            <a:schemeClr val="lt1"/>
+          </a:fontRef>
+        </p:style>
+        <p:txBody>
+          <a:bodyPr rtlCol="0" anchor="ctr"/>
+          <a:lstStyle/>
+          <a:p>
+            <a:pPr algn="ctr"/>
+            <a:endParaRPr lang="en-IE"/>
+          </a:p>
+        </p:txBody>
+      </p:sp>
+      <p:sp>
+        <p:nvSpPr>
+          <p:cNvPr id="38" name="TextBox 37">
+            <a:extLst>
+              <a:ext uri="{FF2B5EF4-FFF2-40B4-BE49-F238E27FC236}">
+                <a16:creationId xmlns:a16="http://schemas.microsoft.com/office/drawing/2014/main" id="{A8312D57-A742-DCBB-BA17-67364E161834}"/>
+              </a:ext>
+            </a:extLst>
+          </p:cNvPr>
+          <p:cNvSpPr txBox="1"/>
+          <p:nvPr/>
+        </p:nvSpPr>
+        <p:spPr>
+          <a:xfrm>
+            <a:off x="11259325" y="24844327"/>
+            <a:ext cx="4126176" cy="800219"/>
+          </a:xfrm>
+          <a:prstGeom prst="rect">
+            <a:avLst/>
+          </a:prstGeom>
+          <a:noFill/>
+        </p:spPr>
+        <p:txBody>
+          <a:bodyPr wrap="square" rtlCol="0">
+            <a:spAutoFit/>
+          </a:bodyPr>
+          <a:lstStyle/>
+          <a:p>
+            <a:r>
+              <a:rPr lang="en-IE" sz="4600" dirty="0">
+                <a:solidFill>
+                  <a:schemeClr val="bg1"/>
+                </a:solidFill>
+                <a:latin typeface="Aptos Black" panose="020F0502020204030204" pitchFamily="34" charset="0"/>
+              </a:rPr>
+              <a:t>Conclusion</a:t>
+            </a:r>
+          </a:p>
+        </p:txBody>
+      </p:sp>
+      <p:sp>
+        <p:nvSpPr>
+          <p:cNvPr id="39" name="TextBox 38">
+            <a:extLst>
+              <a:ext uri="{FF2B5EF4-FFF2-40B4-BE49-F238E27FC236}">
+                <a16:creationId xmlns:a16="http://schemas.microsoft.com/office/drawing/2014/main" id="{3C9874B2-33D8-8621-9310-1FE05F4E5FBC}"/>
+              </a:ext>
+            </a:extLst>
+          </p:cNvPr>
+          <p:cNvSpPr txBox="1"/>
+          <p:nvPr/>
+        </p:nvSpPr>
+        <p:spPr>
+          <a:xfrm>
+            <a:off x="660962" y="17876471"/>
+            <a:ext cx="3149135" cy="3416320"/>
+          </a:xfrm>
+          <a:prstGeom prst="rect">
+            <a:avLst/>
+          </a:prstGeom>
+          <a:noFill/>
+        </p:spPr>
+        <p:txBody>
+          <a:bodyPr wrap="square" rtlCol="0">
+            <a:spAutoFit/>
+          </a:bodyPr>
+          <a:lstStyle/>
+          <a:p>
+            <a:pPr algn="just"/>
+            <a:r>
+              <a:rPr lang="en-IE" sz="2700" dirty="0">
+                <a:latin typeface="+mj-lt"/>
                 <a:cs typeface="Arial" panose="020B0604020202020204" pitchFamily="34" charset="0"/>
               </a:rPr>
-              <a:t> reveal clear differences, especially in age and length of stay variables. ANOVA tests confirmed those variables showed statistically significant differences across clusters, whereas income variables did not. Hierarchical clustering, tested across multiple runs, showed low ARI values, indicating poor stability. DBSCAN failed to form clearly interpretable segments and marked much of the data as noise.</a:t>
-            </a:r>
-            <a:endParaRPr lang="en-IE" sz="2500" dirty="0">
-              <a:latin typeface="Arial" panose="020B0604020202020204" pitchFamily="34" charset="0"/>
-              <a:cs typeface="Arial" panose="020B0604020202020204" pitchFamily="34" charset="0"/>
-            </a:endParaRPr>
+              <a:t>The study followed the CRISP-DM framework. The data was obtained from 2023 visitor surveys conducted at Keflavik International Airport</a:t>
+            </a:r>
+            <a:endParaRPr lang="en-IE" sz="2700" dirty="0"/>
+          </a:p>
+        </p:txBody>
+      </p:sp>
+      <p:pic>
+        <p:nvPicPr>
+          <p:cNvPr id="41" name="Picture 40">
+            <a:extLst>
+              <a:ext uri="{FF2B5EF4-FFF2-40B4-BE49-F238E27FC236}">
+                <a16:creationId xmlns:a16="http://schemas.microsoft.com/office/drawing/2014/main" id="{E7E87B72-B535-24BB-83EF-69173458237A}"/>
+              </a:ext>
+            </a:extLst>
+          </p:cNvPr>
+          <p:cNvPicPr>
+            <a:picLocks noChangeAspect="1"/>
+          </p:cNvPicPr>
+          <p:nvPr/>
+        </p:nvPicPr>
+        <p:blipFill>
+          <a:blip r:embed="rId3"/>
+          <a:srcRect l="80063" t="10594" r="357" b="68463"/>
+          <a:stretch/>
+        </p:blipFill>
+        <p:spPr>
+          <a:xfrm>
+            <a:off x="18326687" y="19979843"/>
+            <a:ext cx="2309535" cy="1127792"/>
+          </a:xfrm>
+          <a:prstGeom prst="rect">
+            <a:avLst/>
+          </a:prstGeom>
+          <a:ln>
+            <a:solidFill>
+              <a:schemeClr val="tx1"/>
+            </a:solidFill>
+          </a:ln>
+        </p:spPr>
+      </p:pic>
+      <p:sp>
+        <p:nvSpPr>
+          <p:cNvPr id="43" name="Rectangle 42">
+            <a:extLst>
+              <a:ext uri="{FF2B5EF4-FFF2-40B4-BE49-F238E27FC236}">
+                <a16:creationId xmlns:a16="http://schemas.microsoft.com/office/drawing/2014/main" id="{30641A5A-8B8F-7A71-679F-650754DF850D}"/>
+              </a:ext>
+            </a:extLst>
+          </p:cNvPr>
+          <p:cNvSpPr/>
+          <p:nvPr/>
+        </p:nvSpPr>
+        <p:spPr>
+          <a:xfrm>
+            <a:off x="345998" y="10910522"/>
+            <a:ext cx="9858257" cy="854699"/>
+          </a:xfrm>
+          <a:prstGeom prst="rect">
+            <a:avLst/>
+          </a:prstGeom>
+          <a:solidFill>
+            <a:srgbClr val="04756F"/>
+          </a:solidFill>
+        </p:spPr>
+        <p:style>
+          <a:lnRef idx="2">
+            <a:schemeClr val="accent1">
+              <a:shade val="15000"/>
+            </a:schemeClr>
+          </a:lnRef>
+          <a:fillRef idx="1">
+            <a:schemeClr val="accent1"/>
+          </a:fillRef>
+          <a:effectRef idx="0">
+            <a:schemeClr val="accent1"/>
+          </a:effectRef>
+          <a:fontRef idx="minor">
+            <a:schemeClr val="lt1"/>
+          </a:fontRef>
+        </p:style>
+        <p:txBody>
+          <a:bodyPr rtlCol="0" anchor="ctr"/>
+          <a:lstStyle/>
+          <a:p>
+            <a:pPr algn="ctr"/>
+            <a:endParaRPr lang="en-IE"/>
+          </a:p>
+        </p:txBody>
+      </p:sp>
+      <p:sp>
+        <p:nvSpPr>
+          <p:cNvPr id="44" name="Rectangle 43">
+            <a:extLst>
+              <a:ext uri="{FF2B5EF4-FFF2-40B4-BE49-F238E27FC236}">
+                <a16:creationId xmlns:a16="http://schemas.microsoft.com/office/drawing/2014/main" id="{55E94EEF-013F-0965-075A-6858C8BB4848}"/>
+              </a:ext>
+            </a:extLst>
+          </p:cNvPr>
+          <p:cNvSpPr/>
+          <p:nvPr/>
+        </p:nvSpPr>
+        <p:spPr>
+          <a:xfrm>
+            <a:off x="324557" y="16603620"/>
+            <a:ext cx="9858257" cy="854699"/>
+          </a:xfrm>
+          <a:prstGeom prst="rect">
+            <a:avLst/>
+          </a:prstGeom>
+          <a:solidFill>
+            <a:srgbClr val="04756F"/>
+          </a:solidFill>
+        </p:spPr>
+        <p:style>
+          <a:lnRef idx="2">
+            <a:schemeClr val="accent1">
+              <a:shade val="15000"/>
+            </a:schemeClr>
+          </a:lnRef>
+          <a:fillRef idx="1">
+            <a:schemeClr val="accent1"/>
+          </a:fillRef>
+          <a:effectRef idx="0">
+            <a:schemeClr val="accent1"/>
+          </a:effectRef>
+          <a:fontRef idx="minor">
+            <a:schemeClr val="lt1"/>
+          </a:fontRef>
+        </p:style>
+        <p:txBody>
+          <a:bodyPr rtlCol="0" anchor="ctr"/>
+          <a:lstStyle/>
+          <a:p>
+            <a:pPr algn="ctr"/>
+            <a:endParaRPr lang="en-IE"/>
+          </a:p>
+        </p:txBody>
+      </p:sp>
+      <p:sp>
+        <p:nvSpPr>
+          <p:cNvPr id="30" name="TextBox 29">
+            <a:extLst>
+              <a:ext uri="{FF2B5EF4-FFF2-40B4-BE49-F238E27FC236}">
+                <a16:creationId xmlns:a16="http://schemas.microsoft.com/office/drawing/2014/main" id="{BDB9AA06-8E80-1B38-9F13-B1423284AB5B}"/>
+              </a:ext>
+            </a:extLst>
+          </p:cNvPr>
+          <p:cNvSpPr txBox="1"/>
+          <p:nvPr/>
+        </p:nvSpPr>
+        <p:spPr>
+          <a:xfrm>
+            <a:off x="568456" y="16665423"/>
+            <a:ext cx="7154493" cy="800219"/>
+          </a:xfrm>
+          <a:prstGeom prst="rect">
+            <a:avLst/>
+          </a:prstGeom>
+          <a:noFill/>
+        </p:spPr>
+        <p:txBody>
+          <a:bodyPr wrap="square" rtlCol="0">
+            <a:spAutoFit/>
+          </a:bodyPr>
+          <a:lstStyle/>
+          <a:p>
+            <a:r>
+              <a:rPr lang="en-IE" sz="4600" dirty="0">
+                <a:solidFill>
+                  <a:schemeClr val="bg1"/>
+                </a:solidFill>
+                <a:latin typeface="Aptos Black" panose="020F0502020204030204" pitchFamily="34" charset="0"/>
+              </a:rPr>
+              <a:t>Methodology</a:t>
+            </a:r>
+          </a:p>
+        </p:txBody>
+      </p:sp>
+      <p:sp>
+        <p:nvSpPr>
+          <p:cNvPr id="31" name="TextBox 30">
+            <a:extLst>
+              <a:ext uri="{FF2B5EF4-FFF2-40B4-BE49-F238E27FC236}">
+                <a16:creationId xmlns:a16="http://schemas.microsoft.com/office/drawing/2014/main" id="{73BED3D6-EE48-86EF-82F2-BAF1BBBD34E8}"/>
+              </a:ext>
+            </a:extLst>
+          </p:cNvPr>
+          <p:cNvSpPr txBox="1"/>
+          <p:nvPr/>
+        </p:nvSpPr>
+        <p:spPr>
+          <a:xfrm>
+            <a:off x="606132" y="10902873"/>
+            <a:ext cx="9117411" cy="830997"/>
+          </a:xfrm>
+          <a:prstGeom prst="rect">
+            <a:avLst/>
+          </a:prstGeom>
+          <a:noFill/>
+        </p:spPr>
+        <p:txBody>
+          <a:bodyPr wrap="square" rtlCol="0">
+            <a:spAutoFit/>
+          </a:bodyPr>
+          <a:lstStyle/>
+          <a:p>
+            <a:r>
+              <a:rPr lang="en-IE" sz="4600" dirty="0">
+                <a:solidFill>
+                  <a:schemeClr val="bg1"/>
+                </a:solidFill>
+                <a:latin typeface="Aptos Black" panose="020F0502020204030204" pitchFamily="34" charset="0"/>
+              </a:rPr>
+              <a:t>Research Question</a:t>
+            </a:r>
+          </a:p>
+        </p:txBody>
+      </p:sp>
+      <p:sp>
+        <p:nvSpPr>
+          <p:cNvPr id="45" name="Rectangle 44">
+            <a:extLst>
+              <a:ext uri="{FF2B5EF4-FFF2-40B4-BE49-F238E27FC236}">
+                <a16:creationId xmlns:a16="http://schemas.microsoft.com/office/drawing/2014/main" id="{BA4DCB9A-C273-8715-3435-BE2A91DA75A4}"/>
+              </a:ext>
+            </a:extLst>
+          </p:cNvPr>
+          <p:cNvSpPr/>
+          <p:nvPr/>
+        </p:nvSpPr>
+        <p:spPr>
+          <a:xfrm>
+            <a:off x="350362" y="13507334"/>
+            <a:ext cx="9858258" cy="2744711"/>
+          </a:xfrm>
+          <a:prstGeom prst="rect">
+            <a:avLst/>
+          </a:prstGeom>
+          <a:solidFill>
+            <a:srgbClr val="FFFFFF"/>
+          </a:solidFill>
+        </p:spPr>
+        <p:style>
+          <a:lnRef idx="2">
+            <a:schemeClr val="accent1">
+              <a:shade val="15000"/>
+            </a:schemeClr>
+          </a:lnRef>
+          <a:fillRef idx="1">
+            <a:schemeClr val="accent1"/>
+          </a:fillRef>
+          <a:effectRef idx="0">
+            <a:schemeClr val="accent1"/>
+          </a:effectRef>
+          <a:fontRef idx="minor">
+            <a:schemeClr val="lt1"/>
+          </a:fontRef>
+        </p:style>
+        <p:txBody>
+          <a:bodyPr rtlCol="0" anchor="ctr"/>
+          <a:lstStyle/>
+          <a:p>
+            <a:pPr algn="ctr"/>
+            <a:endParaRPr lang="en-IE"/>
+          </a:p>
+        </p:txBody>
+      </p:sp>
+      <p:sp>
+        <p:nvSpPr>
+          <p:cNvPr id="47" name="Rectangle 46">
+            <a:extLst>
+              <a:ext uri="{FF2B5EF4-FFF2-40B4-BE49-F238E27FC236}">
+                <a16:creationId xmlns:a16="http://schemas.microsoft.com/office/drawing/2014/main" id="{15489C7F-CBAC-F97B-21FD-E62EAEC8A2DB}"/>
+              </a:ext>
+            </a:extLst>
+          </p:cNvPr>
+          <p:cNvSpPr/>
+          <p:nvPr/>
+        </p:nvSpPr>
+        <p:spPr>
+          <a:xfrm>
+            <a:off x="345998" y="13443693"/>
+            <a:ext cx="9858257" cy="854699"/>
+          </a:xfrm>
+          <a:prstGeom prst="rect">
+            <a:avLst/>
+          </a:prstGeom>
+          <a:solidFill>
+            <a:srgbClr val="04756F"/>
+          </a:solidFill>
+        </p:spPr>
+        <p:style>
+          <a:lnRef idx="2">
+            <a:schemeClr val="accent1">
+              <a:shade val="15000"/>
+            </a:schemeClr>
+          </a:lnRef>
+          <a:fillRef idx="1">
+            <a:schemeClr val="accent1"/>
+          </a:fillRef>
+          <a:effectRef idx="0">
+            <a:schemeClr val="accent1"/>
+          </a:effectRef>
+          <a:fontRef idx="minor">
+            <a:schemeClr val="lt1"/>
+          </a:fontRef>
+        </p:style>
+        <p:txBody>
+          <a:bodyPr rtlCol="0" anchor="ctr"/>
+          <a:lstStyle/>
+          <a:p>
+            <a:pPr algn="ctr"/>
+            <a:endParaRPr lang="en-IE"/>
+          </a:p>
+        </p:txBody>
+      </p:sp>
+      <p:sp>
+        <p:nvSpPr>
+          <p:cNvPr id="48" name="TextBox 47">
+            <a:extLst>
+              <a:ext uri="{FF2B5EF4-FFF2-40B4-BE49-F238E27FC236}">
+                <a16:creationId xmlns:a16="http://schemas.microsoft.com/office/drawing/2014/main" id="{C4804A90-5018-8519-684A-5F4463508348}"/>
+              </a:ext>
+            </a:extLst>
+          </p:cNvPr>
+          <p:cNvSpPr txBox="1"/>
+          <p:nvPr/>
+        </p:nvSpPr>
+        <p:spPr>
+          <a:xfrm>
+            <a:off x="575652" y="13436044"/>
+            <a:ext cx="9117411" cy="830997"/>
+          </a:xfrm>
+          <a:prstGeom prst="rect">
+            <a:avLst/>
+          </a:prstGeom>
+          <a:noFill/>
+        </p:spPr>
+        <p:txBody>
+          <a:bodyPr wrap="square" rtlCol="0">
+            <a:spAutoFit/>
+          </a:bodyPr>
+          <a:lstStyle/>
+          <a:p>
+            <a:r>
+              <a:rPr lang="en-IE" sz="4600" dirty="0">
+                <a:solidFill>
+                  <a:schemeClr val="bg1"/>
+                </a:solidFill>
+                <a:latin typeface="Aptos Black" panose="020F0502020204030204" pitchFamily="34" charset="0"/>
+              </a:rPr>
+              <a:t>Objectives</a:t>
+            </a:r>
+          </a:p>
+        </p:txBody>
+      </p:sp>
+      <p:sp>
+        <p:nvSpPr>
+          <p:cNvPr id="42" name="TextBox 41">
+            <a:extLst>
+              <a:ext uri="{FF2B5EF4-FFF2-40B4-BE49-F238E27FC236}">
+                <a16:creationId xmlns:a16="http://schemas.microsoft.com/office/drawing/2014/main" id="{54DF47DB-BC6C-CAF6-6DF8-A1D4A431CF17}"/>
+              </a:ext>
+            </a:extLst>
+          </p:cNvPr>
+          <p:cNvSpPr txBox="1"/>
+          <p:nvPr/>
+        </p:nvSpPr>
+        <p:spPr>
+          <a:xfrm>
+            <a:off x="449490" y="14408401"/>
+            <a:ext cx="6683947" cy="1384995"/>
+          </a:xfrm>
+          <a:prstGeom prst="rect">
+            <a:avLst/>
+          </a:prstGeom>
+          <a:noFill/>
+        </p:spPr>
+        <p:txBody>
+          <a:bodyPr wrap="square" rtlCol="0">
+            <a:spAutoFit/>
+          </a:bodyPr>
+          <a:lstStyle/>
+          <a:p>
+            <a:r>
+              <a:rPr lang="en-IE" sz="2700" dirty="0">
+                <a:latin typeface="Aptos" panose="020B0004020202020204" pitchFamily="34" charset="0"/>
+              </a:rPr>
+              <a:t>The goal is to uncover meaningful visitor segments that can guide more effective tourism strategies</a:t>
+            </a:r>
+            <a:endParaRPr lang="en-IE" sz="2700" dirty="0"/>
+          </a:p>
+        </p:txBody>
+      </p:sp>
+      <p:pic>
+        <p:nvPicPr>
+          <p:cNvPr id="40" name="Picture 39" descr="A waterfall and a mountain with green lights in the sky&#10;&#10;AI-generated content may be incorrect.">
+            <a:extLst>
+              <a:ext uri="{FF2B5EF4-FFF2-40B4-BE49-F238E27FC236}">
+                <a16:creationId xmlns:a16="http://schemas.microsoft.com/office/drawing/2014/main" id="{23B2F432-B1DF-5DAC-3B56-BBA045B04F7E}"/>
+              </a:ext>
+            </a:extLst>
+          </p:cNvPr>
+          <p:cNvPicPr>
+            <a:picLocks noChangeAspect="1"/>
+          </p:cNvPicPr>
+          <p:nvPr/>
+        </p:nvPicPr>
+        <p:blipFill>
+          <a:blip r:embed="rId8">
+            <a:extLst>
+              <a:ext uri="{28A0092B-C50C-407E-A947-70E740481C1C}">
+                <a14:useLocalDpi xmlns:a14="http://schemas.microsoft.com/office/drawing/2010/main" val="0"/>
+              </a:ext>
+            </a:extLst>
+          </a:blip>
+          <a:stretch>
+            <a:fillRect/>
+          </a:stretch>
+        </p:blipFill>
+        <p:spPr>
+          <a:xfrm>
+            <a:off x="7256290" y="12835934"/>
+            <a:ext cx="6871044" cy="6111490"/>
+          </a:xfrm>
+          <a:prstGeom prst="ellipse">
+            <a:avLst/>
+          </a:prstGeom>
+          <a:ln w="63500" cap="rnd">
+            <a:solidFill>
+              <a:srgbClr val="333333"/>
+            </a:solidFill>
+          </a:ln>
+          <a:effectLst/>
+          <a:scene3d>
+            <a:camera prst="orthographicFront"/>
+            <a:lightRig rig="contrasting" dir="t">
+              <a:rot lat="0" lon="0" rev="3000000"/>
+            </a:lightRig>
+          </a:scene3d>
+          <a:sp3d contourW="7620">
+            <a:bevelT w="95250" h="31750"/>
+            <a:contourClr>
+              <a:srgbClr val="333333"/>
+            </a:contourClr>
+          </a:sp3d>
+        </p:spPr>
+      </p:pic>
+      <p:sp>
+        <p:nvSpPr>
+          <p:cNvPr id="49" name="TextBox 48">
+            <a:extLst>
+              <a:ext uri="{FF2B5EF4-FFF2-40B4-BE49-F238E27FC236}">
+                <a16:creationId xmlns:a16="http://schemas.microsoft.com/office/drawing/2014/main" id="{2B135FBC-6F5E-0860-9E8B-1A5258DCEA2B}"/>
+              </a:ext>
+            </a:extLst>
+          </p:cNvPr>
+          <p:cNvSpPr txBox="1"/>
+          <p:nvPr/>
+        </p:nvSpPr>
+        <p:spPr>
+          <a:xfrm>
+            <a:off x="-5986815" y="15852724"/>
+            <a:ext cx="5833737" cy="6524863"/>
+          </a:xfrm>
+          <a:prstGeom prst="rect">
+            <a:avLst/>
+          </a:prstGeom>
+          <a:noFill/>
+        </p:spPr>
+        <p:txBody>
+          <a:bodyPr wrap="square" rtlCol="0">
+            <a:spAutoFit/>
+          </a:bodyPr>
+          <a:lstStyle/>
+          <a:p>
+            <a:pPr>
+              <a:buFont typeface="Arial" panose="020B0604020202020204" pitchFamily="34" charset="0"/>
+              <a:buChar char="•"/>
+            </a:pPr>
+            <a:r>
+              <a:rPr lang="en-US" sz="4000" dirty="0">
+                <a:highlight>
+                  <a:srgbClr val="FFFFFF"/>
+                </a:highlight>
+              </a:rPr>
+              <a:t>Segment tourists using clustering techniques based on age, stay, and income.</a:t>
+            </a:r>
+          </a:p>
+          <a:p>
+            <a:pPr>
+              <a:buFont typeface="Arial" panose="020B0604020202020204" pitchFamily="34" charset="0"/>
+              <a:buChar char="•"/>
+            </a:pPr>
+            <a:r>
+              <a:rPr lang="en-US" sz="4000" dirty="0">
+                <a:highlight>
+                  <a:srgbClr val="FFFFFF"/>
+                </a:highlight>
+              </a:rPr>
+              <a:t>Compare three clustering algorithms.</a:t>
+            </a:r>
+          </a:p>
+          <a:p>
+            <a:pPr>
+              <a:buFont typeface="Arial" panose="020B0604020202020204" pitchFamily="34" charset="0"/>
+              <a:buChar char="•"/>
+            </a:pPr>
+            <a:r>
+              <a:rPr lang="en-US" sz="4000" dirty="0">
+                <a:highlight>
+                  <a:srgbClr val="FFFFFF"/>
+                </a:highlight>
+              </a:rPr>
+              <a:t>Evaluate the quality and stability of the clusters.</a:t>
+            </a:r>
+          </a:p>
+          <a:p>
+            <a:pPr>
+              <a:buFont typeface="Arial" panose="020B0604020202020204" pitchFamily="34" charset="0"/>
+              <a:buChar char="•"/>
+            </a:pPr>
+            <a:r>
+              <a:rPr lang="en-US" sz="4000" dirty="0">
+                <a:highlight>
+                  <a:srgbClr val="FFFFFF"/>
+                </a:highlight>
+              </a:rPr>
+              <a:t>Support data-informed tourism strategies.</a:t>
+            </a:r>
+          </a:p>
+          <a:p>
+            <a:endParaRPr lang="en-IE" dirty="0"/>
           </a:p>
         </p:txBody>
       </p:sp>
     </p:spTree>
     <p:extLst>
       <p:ext uri="{BB962C8B-B14F-4D97-AF65-F5344CB8AC3E}">
-        <p14:creationId xmlns:p14="http://schemas.microsoft.com/office/powerpoint/2010/main" val="3927401429"/>
+        <p14:creationId xmlns:p14="http://schemas.microsoft.com/office/powerpoint/2010/main" val="1367827677"/>
       </p:ext>
     </p:extLst>
   </p:cSld>

--- a/poster.pptx
+++ b/poster.pptx
@@ -5,9 +5,7 @@
     <p:sldMasterId id="2147483672" r:id="rId1"/>
   </p:sldMasterIdLst>
   <p:sldIdLst>
-    <p:sldId id="256" r:id="rId2"/>
-    <p:sldId id="257" r:id="rId3"/>
-    <p:sldId id="258" r:id="rId4"/>
+    <p:sldId id="258" r:id="rId2"/>
   </p:sldIdLst>
   <p:sldSz cx="21383625" cy="30275213"/>
   <p:notesSz cx="6858000" cy="9144000"/>
@@ -2964,1794 +2962,6 @@
     <p:bg>
       <p:bgPr>
         <a:solidFill>
-          <a:srgbClr val="F8F2EC"/>
-        </a:solidFill>
-        <a:effectLst/>
-      </p:bgPr>
-    </p:bg>
-    <p:spTree>
-      <p:nvGrpSpPr>
-        <p:cNvPr id="1" name=""/>
-        <p:cNvGrpSpPr/>
-        <p:nvPr/>
-      </p:nvGrpSpPr>
-      <p:grpSpPr>
-        <a:xfrm>
-          <a:off x="0" y="0"/>
-          <a:ext cx="0" cy="0"/>
-          <a:chOff x="0" y="0"/>
-          <a:chExt cx="0" cy="0"/>
-        </a:xfrm>
-      </p:grpSpPr>
-      <p:sp>
-        <p:nvSpPr>
-          <p:cNvPr id="33" name="Oval 32">
-            <a:extLst>
-              <a:ext uri="{FF2B5EF4-FFF2-40B4-BE49-F238E27FC236}">
-                <a16:creationId xmlns:a16="http://schemas.microsoft.com/office/drawing/2014/main" id="{7E43E49C-9B80-9619-D061-078A2CE7A225}"/>
-              </a:ext>
-            </a:extLst>
-          </p:cNvPr>
-          <p:cNvSpPr/>
-          <p:nvPr/>
-        </p:nvSpPr>
-        <p:spPr>
-          <a:xfrm>
-            <a:off x="6128059" y="10899709"/>
-            <a:ext cx="9238127" cy="9154209"/>
-          </a:xfrm>
-          <a:prstGeom prst="ellipse">
-            <a:avLst/>
-          </a:prstGeom>
-          <a:solidFill>
-            <a:srgbClr val="F8F2EC"/>
-          </a:solidFill>
-          <a:ln>
-            <a:noFill/>
-          </a:ln>
-        </p:spPr>
-        <p:style>
-          <a:lnRef idx="2">
-            <a:schemeClr val="accent6"/>
-          </a:lnRef>
-          <a:fillRef idx="1">
-            <a:schemeClr val="lt1"/>
-          </a:fillRef>
-          <a:effectRef idx="0">
-            <a:schemeClr val="accent6"/>
-          </a:effectRef>
-          <a:fontRef idx="minor">
-            <a:schemeClr val="dk1"/>
-          </a:fontRef>
-        </p:style>
-        <p:txBody>
-          <a:bodyPr rtlCol="0" anchor="ctr"/>
-          <a:lstStyle/>
-          <a:p>
-            <a:pPr algn="ctr"/>
-            <a:endParaRPr lang="en-IE" dirty="0"/>
-          </a:p>
-        </p:txBody>
-      </p:sp>
-      <p:sp>
-        <p:nvSpPr>
-          <p:cNvPr id="7" name="Rectangle 6">
-            <a:extLst>
-              <a:ext uri="{FF2B5EF4-FFF2-40B4-BE49-F238E27FC236}">
-                <a16:creationId xmlns:a16="http://schemas.microsoft.com/office/drawing/2014/main" id="{FA608939-093A-FDC6-4E51-1955DD35E685}"/>
-              </a:ext>
-            </a:extLst>
-          </p:cNvPr>
-          <p:cNvSpPr/>
-          <p:nvPr/>
-        </p:nvSpPr>
-        <p:spPr>
-          <a:xfrm>
-            <a:off x="0" y="-30480"/>
-            <a:ext cx="21383624" cy="3102746"/>
-          </a:xfrm>
-          <a:prstGeom prst="rect">
-            <a:avLst/>
-          </a:prstGeom>
-          <a:solidFill>
-            <a:srgbClr val="04756F"/>
-          </a:solidFill>
-        </p:spPr>
-        <p:style>
-          <a:lnRef idx="2">
-            <a:schemeClr val="accent1">
-              <a:shade val="15000"/>
-            </a:schemeClr>
-          </a:lnRef>
-          <a:fillRef idx="1">
-            <a:schemeClr val="accent1"/>
-          </a:fillRef>
-          <a:effectRef idx="0">
-            <a:schemeClr val="accent1"/>
-          </a:effectRef>
-          <a:fontRef idx="minor">
-            <a:schemeClr val="lt1"/>
-          </a:fontRef>
-        </p:style>
-        <p:txBody>
-          <a:bodyPr rtlCol="0" anchor="ctr"/>
-          <a:lstStyle/>
-          <a:p>
-            <a:pPr algn="ctr"/>
-            <a:endParaRPr lang="en-IE" dirty="0"/>
-          </a:p>
-        </p:txBody>
-      </p:sp>
-      <p:sp>
-        <p:nvSpPr>
-          <p:cNvPr id="15" name="Rectangle 14">
-            <a:extLst>
-              <a:ext uri="{FF2B5EF4-FFF2-40B4-BE49-F238E27FC236}">
-                <a16:creationId xmlns:a16="http://schemas.microsoft.com/office/drawing/2014/main" id="{C187C95B-D8B6-F4B9-8012-67235B03071C}"/>
-              </a:ext>
-            </a:extLst>
-          </p:cNvPr>
-          <p:cNvSpPr/>
-          <p:nvPr/>
-        </p:nvSpPr>
-        <p:spPr>
-          <a:xfrm>
-            <a:off x="10935844" y="3753937"/>
-            <a:ext cx="10101600" cy="3902098"/>
-          </a:xfrm>
-          <a:prstGeom prst="rect">
-            <a:avLst/>
-          </a:prstGeom>
-          <a:solidFill>
-            <a:srgbClr val="D9F0F2"/>
-          </a:solidFill>
-        </p:spPr>
-        <p:style>
-          <a:lnRef idx="2">
-            <a:schemeClr val="accent1">
-              <a:shade val="15000"/>
-            </a:schemeClr>
-          </a:lnRef>
-          <a:fillRef idx="1">
-            <a:schemeClr val="accent1"/>
-          </a:fillRef>
-          <a:effectRef idx="0">
-            <a:schemeClr val="accent1"/>
-          </a:effectRef>
-          <a:fontRef idx="minor">
-            <a:schemeClr val="lt1"/>
-          </a:fontRef>
-        </p:style>
-        <p:txBody>
-          <a:bodyPr rtlCol="0" anchor="ctr"/>
-          <a:lstStyle/>
-          <a:p>
-            <a:pPr algn="ctr"/>
-            <a:endParaRPr lang="en-IE" dirty="0"/>
-          </a:p>
-        </p:txBody>
-      </p:sp>
-      <p:sp>
-        <p:nvSpPr>
-          <p:cNvPr id="17" name="Rectangle 16">
-            <a:extLst>
-              <a:ext uri="{FF2B5EF4-FFF2-40B4-BE49-F238E27FC236}">
-                <a16:creationId xmlns:a16="http://schemas.microsoft.com/office/drawing/2014/main" id="{A45FE3D9-B44C-CD45-9AB6-0C787ED6F94F}"/>
-              </a:ext>
-            </a:extLst>
-          </p:cNvPr>
-          <p:cNvSpPr/>
-          <p:nvPr/>
-        </p:nvSpPr>
-        <p:spPr>
-          <a:xfrm>
-            <a:off x="10926987" y="7999422"/>
-            <a:ext cx="10101600" cy="16364065"/>
-          </a:xfrm>
-          <a:prstGeom prst="rect">
-            <a:avLst/>
-          </a:prstGeom>
-          <a:solidFill>
-            <a:srgbClr val="D9F0F2"/>
-          </a:solidFill>
-        </p:spPr>
-        <p:style>
-          <a:lnRef idx="2">
-            <a:schemeClr val="accent1">
-              <a:shade val="15000"/>
-            </a:schemeClr>
-          </a:lnRef>
-          <a:fillRef idx="1">
-            <a:schemeClr val="accent1"/>
-          </a:fillRef>
-          <a:effectRef idx="0">
-            <a:schemeClr val="accent1"/>
-          </a:effectRef>
-          <a:fontRef idx="minor">
-            <a:schemeClr val="lt1"/>
-          </a:fontRef>
-        </p:style>
-        <p:txBody>
-          <a:bodyPr rtlCol="0" anchor="ctr"/>
-          <a:lstStyle/>
-          <a:p>
-            <a:pPr algn="ctr"/>
-            <a:endParaRPr lang="en-IE"/>
-          </a:p>
-        </p:txBody>
-      </p:sp>
-      <p:sp>
-        <p:nvSpPr>
-          <p:cNvPr id="29" name="Rectangle 28">
-            <a:extLst>
-              <a:ext uri="{FF2B5EF4-FFF2-40B4-BE49-F238E27FC236}">
-                <a16:creationId xmlns:a16="http://schemas.microsoft.com/office/drawing/2014/main" id="{20E940F9-779E-E755-A010-48F4E7757CEF}"/>
-              </a:ext>
-            </a:extLst>
-          </p:cNvPr>
-          <p:cNvSpPr/>
-          <p:nvPr/>
-        </p:nvSpPr>
-        <p:spPr>
-          <a:xfrm>
-            <a:off x="350363" y="3688741"/>
-            <a:ext cx="9858257" cy="8094066"/>
-          </a:xfrm>
-          <a:prstGeom prst="rect">
-            <a:avLst/>
-          </a:prstGeom>
-          <a:solidFill>
-            <a:srgbClr val="D9F0F2"/>
-          </a:solidFill>
-        </p:spPr>
-        <p:style>
-          <a:lnRef idx="2">
-            <a:schemeClr val="accent1">
-              <a:shade val="15000"/>
-            </a:schemeClr>
-          </a:lnRef>
-          <a:fillRef idx="1">
-            <a:schemeClr val="accent1"/>
-          </a:fillRef>
-          <a:effectRef idx="0">
-            <a:schemeClr val="accent1"/>
-          </a:effectRef>
-          <a:fontRef idx="minor">
-            <a:schemeClr val="lt1"/>
-          </a:fontRef>
-        </p:style>
-        <p:txBody>
-          <a:bodyPr rtlCol="0" anchor="ctr"/>
-          <a:lstStyle/>
-          <a:p>
-            <a:pPr algn="ctr"/>
-            <a:endParaRPr lang="en-IE" dirty="0"/>
-          </a:p>
-        </p:txBody>
-      </p:sp>
-      <p:sp>
-        <p:nvSpPr>
-          <p:cNvPr id="30" name="Rectangle 29">
-            <a:extLst>
-              <a:ext uri="{FF2B5EF4-FFF2-40B4-BE49-F238E27FC236}">
-                <a16:creationId xmlns:a16="http://schemas.microsoft.com/office/drawing/2014/main" id="{B2CF7D69-FFD5-1CA8-3F81-F0BDA153B88B}"/>
-              </a:ext>
-            </a:extLst>
-          </p:cNvPr>
-          <p:cNvSpPr/>
-          <p:nvPr/>
-        </p:nvSpPr>
-        <p:spPr>
-          <a:xfrm>
-            <a:off x="350362" y="15622676"/>
-            <a:ext cx="10101038" cy="14072808"/>
-          </a:xfrm>
-          <a:prstGeom prst="rect">
-            <a:avLst/>
-          </a:prstGeom>
-          <a:solidFill>
-            <a:srgbClr val="D9F0F2"/>
-          </a:solidFill>
-        </p:spPr>
-        <p:style>
-          <a:lnRef idx="2">
-            <a:schemeClr val="accent1">
-              <a:shade val="15000"/>
-            </a:schemeClr>
-          </a:lnRef>
-          <a:fillRef idx="1">
-            <a:schemeClr val="accent1"/>
-          </a:fillRef>
-          <a:effectRef idx="0">
-            <a:schemeClr val="accent1"/>
-          </a:effectRef>
-          <a:fontRef idx="minor">
-            <a:schemeClr val="lt1"/>
-          </a:fontRef>
-        </p:style>
-        <p:txBody>
-          <a:bodyPr rtlCol="0" anchor="ctr"/>
-          <a:lstStyle/>
-          <a:p>
-            <a:pPr algn="ctr"/>
-            <a:endParaRPr lang="en-IE" dirty="0"/>
-          </a:p>
-        </p:txBody>
-      </p:sp>
-      <p:sp>
-        <p:nvSpPr>
-          <p:cNvPr id="31" name="Rectangle 30">
-            <a:extLst>
-              <a:ext uri="{FF2B5EF4-FFF2-40B4-BE49-F238E27FC236}">
-                <a16:creationId xmlns:a16="http://schemas.microsoft.com/office/drawing/2014/main" id="{F2B855AF-C4DA-3047-F660-0650E2114B82}"/>
-              </a:ext>
-            </a:extLst>
-          </p:cNvPr>
-          <p:cNvSpPr/>
-          <p:nvPr/>
-        </p:nvSpPr>
-        <p:spPr>
-          <a:xfrm>
-            <a:off x="350362" y="12142931"/>
-            <a:ext cx="9858258" cy="3202432"/>
-          </a:xfrm>
-          <a:prstGeom prst="rect">
-            <a:avLst/>
-          </a:prstGeom>
-          <a:solidFill>
-            <a:srgbClr val="D9F0F2"/>
-          </a:solidFill>
-        </p:spPr>
-        <p:style>
-          <a:lnRef idx="2">
-            <a:schemeClr val="accent1">
-              <a:shade val="15000"/>
-            </a:schemeClr>
-          </a:lnRef>
-          <a:fillRef idx="1">
-            <a:schemeClr val="accent1"/>
-          </a:fillRef>
-          <a:effectRef idx="0">
-            <a:schemeClr val="accent1"/>
-          </a:effectRef>
-          <a:fontRef idx="minor">
-            <a:schemeClr val="lt1"/>
-          </a:fontRef>
-        </p:style>
-        <p:txBody>
-          <a:bodyPr rtlCol="0" anchor="ctr"/>
-          <a:lstStyle/>
-          <a:p>
-            <a:pPr algn="ctr"/>
-            <a:endParaRPr lang="en-IE"/>
-          </a:p>
-        </p:txBody>
-      </p:sp>
-      <p:sp>
-        <p:nvSpPr>
-          <p:cNvPr id="32" name="Rectangle 31">
-            <a:extLst>
-              <a:ext uri="{FF2B5EF4-FFF2-40B4-BE49-F238E27FC236}">
-                <a16:creationId xmlns:a16="http://schemas.microsoft.com/office/drawing/2014/main" id="{0D9C1696-B3DB-7260-9B14-3EECAE11C6F8}"/>
-              </a:ext>
-            </a:extLst>
-          </p:cNvPr>
-          <p:cNvSpPr/>
-          <p:nvPr/>
-        </p:nvSpPr>
-        <p:spPr>
-          <a:xfrm>
-            <a:off x="10935843" y="24651090"/>
-            <a:ext cx="10101600" cy="4939436"/>
-          </a:xfrm>
-          <a:prstGeom prst="rect">
-            <a:avLst/>
-          </a:prstGeom>
-          <a:solidFill>
-            <a:srgbClr val="D9F0F2"/>
-          </a:solidFill>
-        </p:spPr>
-        <p:style>
-          <a:lnRef idx="2">
-            <a:schemeClr val="accent1">
-              <a:shade val="15000"/>
-            </a:schemeClr>
-          </a:lnRef>
-          <a:fillRef idx="1">
-            <a:schemeClr val="accent1"/>
-          </a:fillRef>
-          <a:effectRef idx="0">
-            <a:schemeClr val="accent1"/>
-          </a:effectRef>
-          <a:fontRef idx="minor">
-            <a:schemeClr val="lt1"/>
-          </a:fontRef>
-        </p:style>
-        <p:txBody>
-          <a:bodyPr rtlCol="0" anchor="ctr"/>
-          <a:lstStyle/>
-          <a:p>
-            <a:pPr algn="ctr"/>
-            <a:endParaRPr lang="en-IE"/>
-          </a:p>
-        </p:txBody>
-      </p:sp>
-      <p:sp>
-        <p:nvSpPr>
-          <p:cNvPr id="6" name="Oval 5">
-            <a:extLst>
-              <a:ext uri="{FF2B5EF4-FFF2-40B4-BE49-F238E27FC236}">
-                <a16:creationId xmlns:a16="http://schemas.microsoft.com/office/drawing/2014/main" id="{B348293F-E5CE-C017-AB86-BD45952AC6AB}"/>
-              </a:ext>
-            </a:extLst>
-          </p:cNvPr>
-          <p:cNvSpPr/>
-          <p:nvPr/>
-        </p:nvSpPr>
-        <p:spPr>
-          <a:xfrm>
-            <a:off x="6510650" y="11520768"/>
-            <a:ext cx="8362324" cy="8037095"/>
-          </a:xfrm>
-          <a:prstGeom prst="ellipse">
-            <a:avLst/>
-          </a:prstGeom>
-          <a:noFill/>
-          <a:ln>
-            <a:noFill/>
-          </a:ln>
-        </p:spPr>
-        <p:style>
-          <a:lnRef idx="2">
-            <a:schemeClr val="accent1">
-              <a:shade val="15000"/>
-            </a:schemeClr>
-          </a:lnRef>
-          <a:fillRef idx="1">
-            <a:schemeClr val="accent1"/>
-          </a:fillRef>
-          <a:effectRef idx="0">
-            <a:schemeClr val="accent1"/>
-          </a:effectRef>
-          <a:fontRef idx="minor">
-            <a:schemeClr val="lt1"/>
-          </a:fontRef>
-        </p:style>
-        <p:txBody>
-          <a:bodyPr rtlCol="0" anchor="ctr"/>
-          <a:lstStyle/>
-          <a:p>
-            <a:pPr algn="ctr"/>
-            <a:endParaRPr lang="en-IE" dirty="0"/>
-          </a:p>
-        </p:txBody>
-      </p:sp>
-      <p:sp>
-        <p:nvSpPr>
-          <p:cNvPr id="92" name="TextBox 91">
-            <a:extLst>
-              <a:ext uri="{FF2B5EF4-FFF2-40B4-BE49-F238E27FC236}">
-                <a16:creationId xmlns:a16="http://schemas.microsoft.com/office/drawing/2014/main" id="{B9D60AC1-12F1-70FA-62B7-A39EC2CDB62B}"/>
-              </a:ext>
-            </a:extLst>
-          </p:cNvPr>
-          <p:cNvSpPr txBox="1"/>
-          <p:nvPr/>
-        </p:nvSpPr>
-        <p:spPr>
-          <a:xfrm>
-            <a:off x="560068" y="387225"/>
-            <a:ext cx="20560078" cy="1323439"/>
-          </a:xfrm>
-          <a:prstGeom prst="rect">
-            <a:avLst/>
-          </a:prstGeom>
-          <a:noFill/>
-        </p:spPr>
-        <p:txBody>
-          <a:bodyPr wrap="square" rtlCol="0">
-            <a:spAutoFit/>
-          </a:bodyPr>
-          <a:lstStyle/>
-          <a:p>
-            <a:r>
-              <a:rPr lang="en-IE" sz="8000" b="1" dirty="0">
-                <a:solidFill>
-                  <a:schemeClr val="bg1"/>
-                </a:solidFill>
-                <a:latin typeface="Arial Black" panose="020B0A04020102020204" pitchFamily="34" charset="0"/>
-              </a:rPr>
-              <a:t>Iceland Tourism Segmentation 2023</a:t>
-            </a:r>
-          </a:p>
-        </p:txBody>
-      </p:sp>
-      <p:sp>
-        <p:nvSpPr>
-          <p:cNvPr id="93" name="TextBox 92">
-            <a:extLst>
-              <a:ext uri="{FF2B5EF4-FFF2-40B4-BE49-F238E27FC236}">
-                <a16:creationId xmlns:a16="http://schemas.microsoft.com/office/drawing/2014/main" id="{9814DC4A-0BD0-8097-34C7-A2AD14D29D39}"/>
-              </a:ext>
-            </a:extLst>
-          </p:cNvPr>
-          <p:cNvSpPr txBox="1"/>
-          <p:nvPr/>
-        </p:nvSpPr>
-        <p:spPr>
-          <a:xfrm>
-            <a:off x="415690" y="1979898"/>
-            <a:ext cx="14444839" cy="830997"/>
-          </a:xfrm>
-          <a:prstGeom prst="rect">
-            <a:avLst/>
-          </a:prstGeom>
-          <a:noFill/>
-        </p:spPr>
-        <p:txBody>
-          <a:bodyPr wrap="square" rtlCol="0">
-            <a:spAutoFit/>
-          </a:bodyPr>
-          <a:lstStyle/>
-          <a:p>
-            <a:r>
-              <a:rPr lang="en-IE" sz="4800" dirty="0">
-                <a:solidFill>
-                  <a:schemeClr val="bg1"/>
-                </a:solidFill>
-                <a:latin typeface="Arial" panose="020B0604020202020204" pitchFamily="34" charset="0"/>
-                <a:cs typeface="Arial" panose="020B0604020202020204" pitchFamily="34" charset="0"/>
-              </a:rPr>
-              <a:t>Francisca Argandona Alvarado, CCT College Dublin</a:t>
-            </a:r>
-          </a:p>
-        </p:txBody>
-      </p:sp>
-      <p:pic>
-        <p:nvPicPr>
-          <p:cNvPr id="95" name="Picture 94" descr="A logo for college computing&#10;&#10;AI-generated content may be incorrect.">
-            <a:extLst>
-              <a:ext uri="{FF2B5EF4-FFF2-40B4-BE49-F238E27FC236}">
-                <a16:creationId xmlns:a16="http://schemas.microsoft.com/office/drawing/2014/main" id="{F3722C49-676A-E3C4-E3EF-C1A4C77960C6}"/>
-              </a:ext>
-            </a:extLst>
-          </p:cNvPr>
-          <p:cNvPicPr>
-            <a:picLocks noChangeAspect="1"/>
-          </p:cNvPicPr>
-          <p:nvPr/>
-        </p:nvPicPr>
-        <p:blipFill>
-          <a:blip r:embed="rId2">
-            <a:extLst>
-              <a:ext uri="{28A0092B-C50C-407E-A947-70E740481C1C}">
-                <a14:useLocalDpi xmlns:a14="http://schemas.microsoft.com/office/drawing/2010/main" val="0"/>
-              </a:ext>
-            </a:extLst>
-          </a:blip>
-          <a:srcRect l="9448" t="25302" r="10696" b="27410"/>
-          <a:stretch/>
-        </p:blipFill>
-        <p:spPr>
-          <a:xfrm>
-            <a:off x="15122176" y="1680674"/>
-            <a:ext cx="5893885" cy="1206034"/>
-          </a:xfrm>
-          <a:prstGeom prst="rect">
-            <a:avLst/>
-          </a:prstGeom>
-        </p:spPr>
-      </p:pic>
-      <p:sp>
-        <p:nvSpPr>
-          <p:cNvPr id="96" name="TextBox 95">
-            <a:extLst>
-              <a:ext uri="{FF2B5EF4-FFF2-40B4-BE49-F238E27FC236}">
-                <a16:creationId xmlns:a16="http://schemas.microsoft.com/office/drawing/2014/main" id="{AD7FE561-539E-C43E-FDD1-F0801F729D3C}"/>
-              </a:ext>
-            </a:extLst>
-          </p:cNvPr>
-          <p:cNvSpPr txBox="1"/>
-          <p:nvPr/>
-        </p:nvSpPr>
-        <p:spPr>
-          <a:xfrm>
-            <a:off x="606027" y="4991935"/>
-            <a:ext cx="9252085" cy="3416320"/>
-          </a:xfrm>
-          <a:prstGeom prst="rect">
-            <a:avLst/>
-          </a:prstGeom>
-          <a:noFill/>
-        </p:spPr>
-        <p:txBody>
-          <a:bodyPr wrap="square" rtlCol="0">
-            <a:spAutoFit/>
-          </a:bodyPr>
-          <a:lstStyle/>
-          <a:p>
-            <a:pPr algn="just"/>
-            <a:r>
-              <a:rPr lang="en-IE" sz="2700" dirty="0">
-                <a:latin typeface="Aptos" panose="020B0004020202020204" pitchFamily="34" charset="0"/>
-              </a:rPr>
-              <a:t>Tourism in Iceland has grown rapidly in recent years, becoming a major contributor to the economy. However, most existing profiles only considers country of origin or overall arrival numbers. This study aims to go further by applying clustering techniques to segment international tourists visiting Iceland in 2023, based on age, length of stay, and income. The goal is to uncover meaningful visitor segments that can guide more effective tourism strategies</a:t>
-            </a:r>
-            <a:r>
-              <a:rPr lang="en-IE" sz="2700" dirty="0"/>
-              <a:t>.</a:t>
-            </a:r>
-          </a:p>
-        </p:txBody>
-      </p:sp>
-      <p:sp>
-        <p:nvSpPr>
-          <p:cNvPr id="101" name="TextBox 100">
-            <a:extLst>
-              <a:ext uri="{FF2B5EF4-FFF2-40B4-BE49-F238E27FC236}">
-                <a16:creationId xmlns:a16="http://schemas.microsoft.com/office/drawing/2014/main" id="{A2E841CE-2118-6852-B7AD-5E62CA514CD6}"/>
-              </a:ext>
-            </a:extLst>
-          </p:cNvPr>
-          <p:cNvSpPr txBox="1"/>
-          <p:nvPr/>
-        </p:nvSpPr>
-        <p:spPr>
-          <a:xfrm>
-            <a:off x="606027" y="13388620"/>
-            <a:ext cx="6662029" cy="1754326"/>
-          </a:xfrm>
-          <a:prstGeom prst="rect">
-            <a:avLst/>
-          </a:prstGeom>
-          <a:noFill/>
-        </p:spPr>
-        <p:txBody>
-          <a:bodyPr wrap="square" rtlCol="0">
-            <a:spAutoFit/>
-          </a:bodyPr>
-          <a:lstStyle/>
-          <a:p>
-            <a:pPr algn="just"/>
-            <a:r>
-              <a:rPr lang="en-US" sz="2700" b="0" i="0" dirty="0">
-                <a:solidFill>
-                  <a:srgbClr val="000000"/>
-                </a:solidFill>
-                <a:effectLst/>
-                <a:cs typeface="Arial" panose="020B0604020202020204" pitchFamily="34" charset="0"/>
-              </a:rPr>
-              <a:t>How can clustering techniques be applied</a:t>
-            </a:r>
-            <a:r>
-              <a:rPr lang="en-US" sz="2700" dirty="0">
-                <a:solidFill>
-                  <a:srgbClr val="000000"/>
-                </a:solidFill>
-                <a:cs typeface="Arial" panose="020B0604020202020204" pitchFamily="34" charset="0"/>
-              </a:rPr>
-              <a:t> </a:t>
-            </a:r>
-            <a:r>
-              <a:rPr lang="en-US" sz="2700" b="0" i="0" dirty="0">
-                <a:solidFill>
-                  <a:srgbClr val="000000"/>
-                </a:solidFill>
-                <a:effectLst/>
-                <a:cs typeface="Arial" panose="020B0604020202020204" pitchFamily="34" charset="0"/>
-              </a:rPr>
-              <a:t>to identify relevant tourist segments visiting Iceland, based on age, length of stay and average income?</a:t>
-            </a:r>
-            <a:endParaRPr lang="en-IE" sz="2700" dirty="0">
-              <a:cs typeface="Arial" panose="020B0604020202020204" pitchFamily="34" charset="0"/>
-            </a:endParaRPr>
-          </a:p>
-        </p:txBody>
-      </p:sp>
-      <p:sp>
-        <p:nvSpPr>
-          <p:cNvPr id="102" name="TextBox 101">
-            <a:extLst>
-              <a:ext uri="{FF2B5EF4-FFF2-40B4-BE49-F238E27FC236}">
-                <a16:creationId xmlns:a16="http://schemas.microsoft.com/office/drawing/2014/main" id="{5B62E886-EA09-1885-1704-D2D138208085}"/>
-              </a:ext>
-            </a:extLst>
-          </p:cNvPr>
-          <p:cNvSpPr txBox="1"/>
-          <p:nvPr/>
-        </p:nvSpPr>
-        <p:spPr>
-          <a:xfrm>
-            <a:off x="660962" y="21309826"/>
-            <a:ext cx="9238127" cy="3416320"/>
-          </a:xfrm>
-          <a:prstGeom prst="rect">
-            <a:avLst/>
-          </a:prstGeom>
-          <a:noFill/>
-        </p:spPr>
-        <p:txBody>
-          <a:bodyPr wrap="square" rtlCol="0">
-            <a:spAutoFit/>
-          </a:bodyPr>
-          <a:lstStyle/>
-          <a:p>
-            <a:pPr algn="just"/>
-            <a:r>
-              <a:rPr lang="en-IE" sz="2700" dirty="0">
-                <a:latin typeface="+mj-lt"/>
-                <a:cs typeface="Arial" panose="020B0604020202020204" pitchFamily="34" charset="0"/>
-              </a:rPr>
-              <a:t>The selected variables were age, stay duration, and income. Three clustering models were applied: Hierarchical, K-Means, and DBSCAN. Clustering quality was assessed using the Silhouette Score, Davies-Bouldin Index, dendrogram visualisation and ANOVA. Dimensionality reduction with PCA helped to visualise cluster separation, besides the heatmaps on cluster centres. Adjusted Rand Index was also used to test stability across multiple runs.</a:t>
-            </a:r>
-          </a:p>
-        </p:txBody>
-      </p:sp>
-      <p:sp>
-        <p:nvSpPr>
-          <p:cNvPr id="104" name="TextBox 103">
-            <a:extLst>
-              <a:ext uri="{FF2B5EF4-FFF2-40B4-BE49-F238E27FC236}">
-                <a16:creationId xmlns:a16="http://schemas.microsoft.com/office/drawing/2014/main" id="{034B78F0-FF62-9D31-707E-47822A58F87C}"/>
-              </a:ext>
-            </a:extLst>
-          </p:cNvPr>
-          <p:cNvSpPr txBox="1"/>
-          <p:nvPr/>
-        </p:nvSpPr>
-        <p:spPr>
-          <a:xfrm>
-            <a:off x="11203387" y="25897288"/>
-            <a:ext cx="9566512" cy="3416320"/>
-          </a:xfrm>
-          <a:prstGeom prst="rect">
-            <a:avLst/>
-          </a:prstGeom>
-          <a:noFill/>
-        </p:spPr>
-        <p:txBody>
-          <a:bodyPr wrap="square" rtlCol="0">
-            <a:spAutoFit/>
-          </a:bodyPr>
-          <a:lstStyle/>
-          <a:p>
-            <a:pPr algn="just"/>
-            <a:r>
-              <a:rPr lang="en-IE" sz="2700" dirty="0">
-                <a:latin typeface="+mj-lt"/>
-                <a:cs typeface="Arial" panose="020B0604020202020204" pitchFamily="34" charset="0"/>
-              </a:rPr>
-              <a:t>K-Means clustering was chosen for its clearer, more stable, and actionable segments. The results reveal distinct profiles, particularly among young tourists with moderate to long stays. This information can help stakeholders design tailored services and marketing. However, since the dataset is small and represents only one year, findings should be seen as a snapshot due to market segments change over time. Future work should include larger samples and additional behavioural variables.</a:t>
-            </a:r>
-          </a:p>
-        </p:txBody>
-      </p:sp>
-      <p:sp>
-        <p:nvSpPr>
-          <p:cNvPr id="105" name="TextBox 104">
-            <a:extLst>
-              <a:ext uri="{FF2B5EF4-FFF2-40B4-BE49-F238E27FC236}">
-                <a16:creationId xmlns:a16="http://schemas.microsoft.com/office/drawing/2014/main" id="{36F833DC-8A8E-57FC-D880-FFEB17A8E75C}"/>
-              </a:ext>
-            </a:extLst>
-          </p:cNvPr>
-          <p:cNvSpPr txBox="1"/>
-          <p:nvPr/>
-        </p:nvSpPr>
-        <p:spPr>
-          <a:xfrm>
-            <a:off x="13285105" y="17966171"/>
-            <a:ext cx="7366357" cy="1754326"/>
-          </a:xfrm>
-          <a:prstGeom prst="rect">
-            <a:avLst/>
-          </a:prstGeom>
-          <a:noFill/>
-        </p:spPr>
-        <p:txBody>
-          <a:bodyPr wrap="square" rtlCol="0">
-            <a:spAutoFit/>
-          </a:bodyPr>
-          <a:lstStyle/>
-          <a:p>
-            <a:pPr algn="just"/>
-            <a:r>
-              <a:rPr lang="en-IE" sz="2700" dirty="0">
-                <a:latin typeface="+mj-lt"/>
-                <a:cs typeface="Arial" panose="020B0604020202020204" pitchFamily="34" charset="0"/>
-              </a:rPr>
-              <a:t>Two clusters (2 and 3) stood out for targeting young travellers with longer stays and average to high income levels, representing valuable 	segments for tourism strategies.</a:t>
-            </a:r>
-          </a:p>
-        </p:txBody>
-      </p:sp>
-      <p:sp>
-        <p:nvSpPr>
-          <p:cNvPr id="2" name="TextBox 1">
-            <a:extLst>
-              <a:ext uri="{FF2B5EF4-FFF2-40B4-BE49-F238E27FC236}">
-                <a16:creationId xmlns:a16="http://schemas.microsoft.com/office/drawing/2014/main" id="{B701850C-14AE-33F2-FA01-65DFA3DCDE9D}"/>
-              </a:ext>
-            </a:extLst>
-          </p:cNvPr>
-          <p:cNvSpPr txBox="1"/>
-          <p:nvPr/>
-        </p:nvSpPr>
-        <p:spPr>
-          <a:xfrm>
-            <a:off x="11235925" y="4953881"/>
-            <a:ext cx="9415537" cy="2585323"/>
-          </a:xfrm>
-          <a:prstGeom prst="rect">
-            <a:avLst/>
-          </a:prstGeom>
-          <a:noFill/>
-        </p:spPr>
-        <p:txBody>
-          <a:bodyPr wrap="square" rtlCol="0">
-            <a:spAutoFit/>
-          </a:bodyPr>
-          <a:lstStyle/>
-          <a:p>
-            <a:pPr algn="just"/>
-            <a:r>
-              <a:rPr lang="en-IE" sz="2700" dirty="0"/>
-              <a:t>Data was extracted from multiple sheets of the original Excel and merged into one dataset. The final dataset included 21 nationalities and 17 features, all expressed as proportions. The variables were not scaled and no missing values were found. A heatmap and interactive bar plot helped to understand relationships between variables.</a:t>
-            </a:r>
-          </a:p>
-        </p:txBody>
-      </p:sp>
-      <p:sp>
-        <p:nvSpPr>
-          <p:cNvPr id="3" name="TextBox 2">
-            <a:extLst>
-              <a:ext uri="{FF2B5EF4-FFF2-40B4-BE49-F238E27FC236}">
-                <a16:creationId xmlns:a16="http://schemas.microsoft.com/office/drawing/2014/main" id="{AF9A58F7-6C54-D2D9-A38A-112843058F92}"/>
-              </a:ext>
-            </a:extLst>
-          </p:cNvPr>
-          <p:cNvSpPr txBox="1"/>
-          <p:nvPr/>
-        </p:nvSpPr>
-        <p:spPr>
-          <a:xfrm>
-            <a:off x="17190720" y="12435840"/>
-            <a:ext cx="184731" cy="369332"/>
-          </a:xfrm>
-          <a:prstGeom prst="rect">
-            <a:avLst/>
-          </a:prstGeom>
-          <a:noFill/>
-        </p:spPr>
-        <p:txBody>
-          <a:bodyPr wrap="none" rtlCol="0">
-            <a:spAutoFit/>
-          </a:bodyPr>
-          <a:lstStyle/>
-          <a:p>
-            <a:endParaRPr lang="en-IE" dirty="0"/>
-          </a:p>
-        </p:txBody>
-      </p:sp>
-      <p:sp>
-        <p:nvSpPr>
-          <p:cNvPr id="4" name="TextBox 3">
-            <a:extLst>
-              <a:ext uri="{FF2B5EF4-FFF2-40B4-BE49-F238E27FC236}">
-                <a16:creationId xmlns:a16="http://schemas.microsoft.com/office/drawing/2014/main" id="{1CC9B0C8-7811-F524-905C-39095155446B}"/>
-              </a:ext>
-            </a:extLst>
-          </p:cNvPr>
-          <p:cNvSpPr txBox="1"/>
-          <p:nvPr/>
-        </p:nvSpPr>
-        <p:spPr>
-          <a:xfrm>
-            <a:off x="2292060" y="10789920"/>
-            <a:ext cx="1957414" cy="1241625"/>
-          </a:xfrm>
-          <a:prstGeom prst="rect">
-            <a:avLst/>
-          </a:prstGeom>
-          <a:noFill/>
-        </p:spPr>
-        <p:txBody>
-          <a:bodyPr wrap="square" rtlCol="0">
-            <a:spAutoFit/>
-          </a:bodyPr>
-          <a:lstStyle/>
-          <a:p>
-            <a:endParaRPr lang="en-IE" dirty="0"/>
-          </a:p>
-        </p:txBody>
-      </p:sp>
-      <p:pic>
-        <p:nvPicPr>
-          <p:cNvPr id="13" name="Picture 12">
-            <a:extLst>
-              <a:ext uri="{FF2B5EF4-FFF2-40B4-BE49-F238E27FC236}">
-                <a16:creationId xmlns:a16="http://schemas.microsoft.com/office/drawing/2014/main" id="{F47CC964-7122-202F-7A74-6335A3DFF35C}"/>
-              </a:ext>
-            </a:extLst>
-          </p:cNvPr>
-          <p:cNvPicPr>
-            <a:picLocks noChangeAspect="1"/>
-          </p:cNvPicPr>
-          <p:nvPr/>
-        </p:nvPicPr>
-        <p:blipFill>
-          <a:blip r:embed="rId3"/>
-          <a:srcRect r="20541"/>
-          <a:stretch/>
-        </p:blipFill>
-        <p:spPr>
-          <a:xfrm>
-            <a:off x="11483204" y="19971241"/>
-            <a:ext cx="6828243" cy="3923487"/>
-          </a:xfrm>
-          <a:prstGeom prst="rect">
-            <a:avLst/>
-          </a:prstGeom>
-          <a:ln>
-            <a:noFill/>
-          </a:ln>
-        </p:spPr>
-      </p:pic>
-      <p:pic>
-        <p:nvPicPr>
-          <p:cNvPr id="18" name="Picture 17" descr="A blue and orange squares with black text&#10;&#10;AI-generated content may be incorrect.">
-            <a:extLst>
-              <a:ext uri="{FF2B5EF4-FFF2-40B4-BE49-F238E27FC236}">
-                <a16:creationId xmlns:a16="http://schemas.microsoft.com/office/drawing/2014/main" id="{8B653642-24D1-709E-720E-20EBBA723E52}"/>
-              </a:ext>
-            </a:extLst>
-          </p:cNvPr>
-          <p:cNvPicPr>
-            <a:picLocks noChangeAspect="1"/>
-          </p:cNvPicPr>
-          <p:nvPr/>
-        </p:nvPicPr>
-        <p:blipFill>
-          <a:blip r:embed="rId4">
-            <a:extLst>
-              <a:ext uri="{28A0092B-C50C-407E-A947-70E740481C1C}">
-                <a14:useLocalDpi xmlns:a14="http://schemas.microsoft.com/office/drawing/2010/main" val="0"/>
-              </a:ext>
-            </a:extLst>
-          </a:blip>
-          <a:stretch>
-            <a:fillRect/>
-          </a:stretch>
-        </p:blipFill>
-        <p:spPr>
-          <a:xfrm>
-            <a:off x="1089164" y="24878584"/>
-            <a:ext cx="8356206" cy="4463563"/>
-          </a:xfrm>
-          <a:prstGeom prst="rect">
-            <a:avLst/>
-          </a:prstGeom>
-        </p:spPr>
-      </p:pic>
-      <p:pic>
-        <p:nvPicPr>
-          <p:cNvPr id="19" name="Picture 18">
-            <a:extLst>
-              <a:ext uri="{FF2B5EF4-FFF2-40B4-BE49-F238E27FC236}">
-                <a16:creationId xmlns:a16="http://schemas.microsoft.com/office/drawing/2014/main" id="{43389F08-F9CF-CAC6-A6C6-7AC6E97CA8FF}"/>
-              </a:ext>
-            </a:extLst>
-          </p:cNvPr>
-          <p:cNvPicPr>
-            <a:picLocks noChangeAspect="1"/>
-          </p:cNvPicPr>
-          <p:nvPr/>
-        </p:nvPicPr>
-        <p:blipFill>
-          <a:blip r:embed="rId5"/>
-          <a:srcRect l="14585" r="13783"/>
-          <a:stretch/>
-        </p:blipFill>
-        <p:spPr>
-          <a:xfrm>
-            <a:off x="4100563" y="17049093"/>
-            <a:ext cx="3993050" cy="4180777"/>
-          </a:xfrm>
-          <a:prstGeom prst="rect">
-            <a:avLst/>
-          </a:prstGeom>
-        </p:spPr>
-      </p:pic>
-      <p:pic>
-        <p:nvPicPr>
-          <p:cNvPr id="23" name="Picture 22" descr="A table with numbers and a number of values&#10;&#10;AI-generated content may be incorrect.">
-            <a:extLst>
-              <a:ext uri="{FF2B5EF4-FFF2-40B4-BE49-F238E27FC236}">
-                <a16:creationId xmlns:a16="http://schemas.microsoft.com/office/drawing/2014/main" id="{B38D9F5F-52F5-8A39-8F4F-892C58A8C229}"/>
-              </a:ext>
-            </a:extLst>
-          </p:cNvPr>
-          <p:cNvPicPr>
-            <a:picLocks noChangeAspect="1"/>
-          </p:cNvPicPr>
-          <p:nvPr/>
-        </p:nvPicPr>
-        <p:blipFill>
-          <a:blip r:embed="rId6">
-            <a:extLst>
-              <a:ext uri="{28A0092B-C50C-407E-A947-70E740481C1C}">
-                <a14:useLocalDpi xmlns:a14="http://schemas.microsoft.com/office/drawing/2010/main" val="0"/>
-              </a:ext>
-            </a:extLst>
-          </a:blip>
-          <a:stretch>
-            <a:fillRect/>
-          </a:stretch>
-        </p:blipFill>
-        <p:spPr>
-          <a:xfrm>
-            <a:off x="14250187" y="13254056"/>
-            <a:ext cx="6519712" cy="4597728"/>
-          </a:xfrm>
-          <a:prstGeom prst="rect">
-            <a:avLst/>
-          </a:prstGeom>
-        </p:spPr>
-      </p:pic>
-      <p:sp>
-        <p:nvSpPr>
-          <p:cNvPr id="26" name="TextBox 25">
-            <a:extLst>
-              <a:ext uri="{FF2B5EF4-FFF2-40B4-BE49-F238E27FC236}">
-                <a16:creationId xmlns:a16="http://schemas.microsoft.com/office/drawing/2014/main" id="{9008C5D5-6933-933D-6264-6B6F5BE7F132}"/>
-              </a:ext>
-            </a:extLst>
-          </p:cNvPr>
-          <p:cNvSpPr txBox="1"/>
-          <p:nvPr/>
-        </p:nvSpPr>
-        <p:spPr>
-          <a:xfrm>
-            <a:off x="11151372" y="9373768"/>
-            <a:ext cx="9584641" cy="3831818"/>
-          </a:xfrm>
-          <a:prstGeom prst="rect">
-            <a:avLst/>
-          </a:prstGeom>
-          <a:noFill/>
-        </p:spPr>
-        <p:txBody>
-          <a:bodyPr wrap="square" rtlCol="0">
-            <a:spAutoFit/>
-          </a:bodyPr>
-          <a:lstStyle/>
-          <a:p>
-            <a:pPr algn="just"/>
-            <a:r>
-              <a:rPr lang="en-IE" sz="2700" dirty="0">
-                <a:latin typeface="+mj-lt"/>
-                <a:cs typeface="Arial" panose="020B0604020202020204" pitchFamily="34" charset="0"/>
-              </a:rPr>
-              <a:t>K-Means with four clusters outperformed the other algorithms based on both visual and quantitative evaluation. Hierarchical with three clusters showed some separation, but the clusters were less distinct and less stable.  DBSCAN failed to produce meaningful clusters and labelled most data as noise. The ANOVA test confirmed significant differences in age and length of stay, while income showed no clear distinction. ARI values indicated K-Means  has stronger cluster stability (mean ARI= 0.61) 	compared to       						Hierarchical 	 (mean ARI= 0.011).</a:t>
-            </a:r>
-            <a:endParaRPr lang="en-IE" sz="2700" dirty="0">
-              <a:latin typeface="+mj-lt"/>
-            </a:endParaRPr>
-          </a:p>
-        </p:txBody>
-      </p:sp>
-      <p:pic>
-        <p:nvPicPr>
-          <p:cNvPr id="28" name="Picture 27" descr="A table with numbers and lines&#10;&#10;AI-generated content may be incorrect.">
-            <a:extLst>
-              <a:ext uri="{FF2B5EF4-FFF2-40B4-BE49-F238E27FC236}">
-                <a16:creationId xmlns:a16="http://schemas.microsoft.com/office/drawing/2014/main" id="{160FDDBB-CE08-788F-C1CC-AC99888BF711}"/>
-              </a:ext>
-            </a:extLst>
-          </p:cNvPr>
-          <p:cNvPicPr>
-            <a:picLocks noChangeAspect="1"/>
-          </p:cNvPicPr>
-          <p:nvPr/>
-        </p:nvPicPr>
-        <p:blipFill>
-          <a:blip r:embed="rId7">
-            <a:extLst>
-              <a:ext uri="{28A0092B-C50C-407E-A947-70E740481C1C}">
-                <a14:useLocalDpi xmlns:a14="http://schemas.microsoft.com/office/drawing/2010/main" val="0"/>
-              </a:ext>
-            </a:extLst>
-          </a:blip>
-          <a:stretch>
-            <a:fillRect/>
-          </a:stretch>
-        </p:blipFill>
-        <p:spPr>
-          <a:xfrm>
-            <a:off x="2549426" y="8579564"/>
-            <a:ext cx="5204020" cy="2993116"/>
-          </a:xfrm>
-          <a:prstGeom prst="rect">
-            <a:avLst/>
-          </a:prstGeom>
-        </p:spPr>
-      </p:pic>
-      <p:sp>
-        <p:nvSpPr>
-          <p:cNvPr id="34" name="Rectangle 33">
-            <a:extLst>
-              <a:ext uri="{FF2B5EF4-FFF2-40B4-BE49-F238E27FC236}">
-                <a16:creationId xmlns:a16="http://schemas.microsoft.com/office/drawing/2014/main" id="{63DD83FA-C2FC-3DFE-917C-5F62DBDEE2E4}"/>
-              </a:ext>
-            </a:extLst>
-          </p:cNvPr>
-          <p:cNvSpPr/>
-          <p:nvPr/>
-        </p:nvSpPr>
-        <p:spPr>
-          <a:xfrm>
-            <a:off x="346181" y="3682643"/>
-            <a:ext cx="9858257" cy="1078140"/>
-          </a:xfrm>
-          <a:prstGeom prst="rect">
-            <a:avLst/>
-          </a:prstGeom>
-          <a:solidFill>
-            <a:srgbClr val="04756F"/>
-          </a:solidFill>
-        </p:spPr>
-        <p:style>
-          <a:lnRef idx="2">
-            <a:schemeClr val="accent1">
-              <a:shade val="15000"/>
-            </a:schemeClr>
-          </a:lnRef>
-          <a:fillRef idx="1">
-            <a:schemeClr val="accent1"/>
-          </a:fillRef>
-          <a:effectRef idx="0">
-            <a:schemeClr val="accent1"/>
-          </a:effectRef>
-          <a:fontRef idx="minor">
-            <a:schemeClr val="lt1"/>
-          </a:fontRef>
-        </p:style>
-        <p:txBody>
-          <a:bodyPr rtlCol="0" anchor="ctr"/>
-          <a:lstStyle/>
-          <a:p>
-            <a:pPr algn="ctr"/>
-            <a:endParaRPr lang="en-IE"/>
-          </a:p>
-        </p:txBody>
-      </p:sp>
-      <p:sp>
-        <p:nvSpPr>
-          <p:cNvPr id="35" name="Rectangle 34">
-            <a:extLst>
-              <a:ext uri="{FF2B5EF4-FFF2-40B4-BE49-F238E27FC236}">
-                <a16:creationId xmlns:a16="http://schemas.microsoft.com/office/drawing/2014/main" id="{3805B156-5FA8-0DE0-BF96-56D81AEFE8A1}"/>
-              </a:ext>
-            </a:extLst>
-          </p:cNvPr>
-          <p:cNvSpPr/>
-          <p:nvPr/>
-        </p:nvSpPr>
-        <p:spPr>
-          <a:xfrm>
-            <a:off x="346180" y="12125032"/>
-            <a:ext cx="9841057" cy="1078140"/>
-          </a:xfrm>
-          <a:prstGeom prst="rect">
-            <a:avLst/>
-          </a:prstGeom>
-          <a:solidFill>
-            <a:srgbClr val="04756F"/>
-          </a:solidFill>
-        </p:spPr>
-        <p:style>
-          <a:lnRef idx="2">
-            <a:schemeClr val="accent1">
-              <a:shade val="15000"/>
-            </a:schemeClr>
-          </a:lnRef>
-          <a:fillRef idx="1">
-            <a:schemeClr val="accent1"/>
-          </a:fillRef>
-          <a:effectRef idx="0">
-            <a:schemeClr val="accent1"/>
-          </a:effectRef>
-          <a:fontRef idx="minor">
-            <a:schemeClr val="lt1"/>
-          </a:fontRef>
-        </p:style>
-        <p:txBody>
-          <a:bodyPr rtlCol="0" anchor="ctr"/>
-          <a:lstStyle/>
-          <a:p>
-            <a:pPr algn="ctr"/>
-            <a:endParaRPr lang="en-IE"/>
-          </a:p>
-        </p:txBody>
-      </p:sp>
-      <p:sp>
-        <p:nvSpPr>
-          <p:cNvPr id="36" name="Rectangle 35">
-            <a:extLst>
-              <a:ext uri="{FF2B5EF4-FFF2-40B4-BE49-F238E27FC236}">
-                <a16:creationId xmlns:a16="http://schemas.microsoft.com/office/drawing/2014/main" id="{D5384045-7AC8-113B-478F-C441F081A79F}"/>
-              </a:ext>
-            </a:extLst>
-          </p:cNvPr>
-          <p:cNvSpPr/>
-          <p:nvPr/>
-        </p:nvSpPr>
-        <p:spPr>
-          <a:xfrm>
-            <a:off x="346180" y="15628450"/>
-            <a:ext cx="10101037" cy="1078140"/>
-          </a:xfrm>
-          <a:prstGeom prst="rect">
-            <a:avLst/>
-          </a:prstGeom>
-          <a:solidFill>
-            <a:srgbClr val="04756F"/>
-          </a:solidFill>
-        </p:spPr>
-        <p:style>
-          <a:lnRef idx="2">
-            <a:schemeClr val="accent1">
-              <a:shade val="15000"/>
-            </a:schemeClr>
-          </a:lnRef>
-          <a:fillRef idx="1">
-            <a:schemeClr val="accent1"/>
-          </a:fillRef>
-          <a:effectRef idx="0">
-            <a:schemeClr val="accent1"/>
-          </a:effectRef>
-          <a:fontRef idx="minor">
-            <a:schemeClr val="lt1"/>
-          </a:fontRef>
-        </p:style>
-        <p:txBody>
-          <a:bodyPr rtlCol="0" anchor="ctr"/>
-          <a:lstStyle/>
-          <a:p>
-            <a:pPr algn="ctr"/>
-            <a:endParaRPr lang="en-IE"/>
-          </a:p>
-        </p:txBody>
-      </p:sp>
-      <p:sp>
-        <p:nvSpPr>
-          <p:cNvPr id="57" name="TextBox 56">
-            <a:extLst>
-              <a:ext uri="{FF2B5EF4-FFF2-40B4-BE49-F238E27FC236}">
-                <a16:creationId xmlns:a16="http://schemas.microsoft.com/office/drawing/2014/main" id="{F0336802-8C3C-2C4A-47FF-EA2F523B3909}"/>
-              </a:ext>
-            </a:extLst>
-          </p:cNvPr>
-          <p:cNvSpPr txBox="1"/>
-          <p:nvPr/>
-        </p:nvSpPr>
-        <p:spPr>
-          <a:xfrm>
-            <a:off x="1595059" y="15697934"/>
-            <a:ext cx="7154493" cy="923330"/>
-          </a:xfrm>
-          <a:prstGeom prst="rect">
-            <a:avLst/>
-          </a:prstGeom>
-          <a:noFill/>
-        </p:spPr>
-        <p:txBody>
-          <a:bodyPr wrap="square" rtlCol="0">
-            <a:spAutoFit/>
-          </a:bodyPr>
-          <a:lstStyle/>
-          <a:p>
-            <a:r>
-              <a:rPr lang="en-IE" sz="5400" b="1" dirty="0">
-                <a:solidFill>
-                  <a:schemeClr val="bg1"/>
-                </a:solidFill>
-              </a:rPr>
-              <a:t>Methodology</a:t>
-            </a:r>
-          </a:p>
-        </p:txBody>
-      </p:sp>
-      <p:sp>
-        <p:nvSpPr>
-          <p:cNvPr id="59" name="TextBox 58">
-            <a:extLst>
-              <a:ext uri="{FF2B5EF4-FFF2-40B4-BE49-F238E27FC236}">
-                <a16:creationId xmlns:a16="http://schemas.microsoft.com/office/drawing/2014/main" id="{3025735E-F716-87FC-45D4-FA8E58A56DBC}"/>
-              </a:ext>
-            </a:extLst>
-          </p:cNvPr>
-          <p:cNvSpPr txBox="1"/>
-          <p:nvPr/>
-        </p:nvSpPr>
-        <p:spPr>
-          <a:xfrm>
-            <a:off x="1179025" y="12274709"/>
-            <a:ext cx="9117411" cy="830997"/>
-          </a:xfrm>
-          <a:prstGeom prst="rect">
-            <a:avLst/>
-          </a:prstGeom>
-          <a:noFill/>
-        </p:spPr>
-        <p:txBody>
-          <a:bodyPr wrap="square" rtlCol="0">
-            <a:spAutoFit/>
-          </a:bodyPr>
-          <a:lstStyle/>
-          <a:p>
-            <a:r>
-              <a:rPr lang="en-IE" sz="4600" b="1" dirty="0">
-                <a:solidFill>
-                  <a:schemeClr val="bg1"/>
-                </a:solidFill>
-              </a:rPr>
-              <a:t>Research Question</a:t>
-            </a:r>
-          </a:p>
-        </p:txBody>
-      </p:sp>
-      <p:sp>
-        <p:nvSpPr>
-          <p:cNvPr id="50" name="TextBox 49">
-            <a:extLst>
-              <a:ext uri="{FF2B5EF4-FFF2-40B4-BE49-F238E27FC236}">
-                <a16:creationId xmlns:a16="http://schemas.microsoft.com/office/drawing/2014/main" id="{0954A847-45BD-807C-DFB1-C49853A78C6E}"/>
-              </a:ext>
-            </a:extLst>
-          </p:cNvPr>
-          <p:cNvSpPr txBox="1"/>
-          <p:nvPr/>
-        </p:nvSpPr>
-        <p:spPr>
-          <a:xfrm>
-            <a:off x="3027191" y="3799982"/>
-            <a:ext cx="4601720" cy="923330"/>
-          </a:xfrm>
-          <a:prstGeom prst="rect">
-            <a:avLst/>
-          </a:prstGeom>
-          <a:noFill/>
-        </p:spPr>
-        <p:txBody>
-          <a:bodyPr wrap="square" rtlCol="0">
-            <a:spAutoFit/>
-          </a:bodyPr>
-          <a:lstStyle/>
-          <a:p>
-            <a:r>
-              <a:rPr lang="en-IE" sz="5400" b="1" dirty="0">
-                <a:solidFill>
-                  <a:schemeClr val="bg1"/>
-                </a:solidFill>
-                <a:latin typeface="Aptos Black" panose="020F0502020204030204" pitchFamily="34" charset="0"/>
-              </a:rPr>
-              <a:t>Introduction</a:t>
-            </a:r>
-          </a:p>
-        </p:txBody>
-      </p:sp>
-      <p:sp>
-        <p:nvSpPr>
-          <p:cNvPr id="37" name="Rectangle 36">
-            <a:extLst>
-              <a:ext uri="{FF2B5EF4-FFF2-40B4-BE49-F238E27FC236}">
-                <a16:creationId xmlns:a16="http://schemas.microsoft.com/office/drawing/2014/main" id="{8B0008F7-08C4-CBAF-B483-26AA9ECD4A61}"/>
-              </a:ext>
-            </a:extLst>
-          </p:cNvPr>
-          <p:cNvSpPr/>
-          <p:nvPr/>
-        </p:nvSpPr>
-        <p:spPr>
-          <a:xfrm>
-            <a:off x="10932108" y="3682475"/>
-            <a:ext cx="10101600" cy="1078140"/>
-          </a:xfrm>
-          <a:prstGeom prst="rect">
-            <a:avLst/>
-          </a:prstGeom>
-          <a:solidFill>
-            <a:srgbClr val="04756F"/>
-          </a:solidFill>
-        </p:spPr>
-        <p:style>
-          <a:lnRef idx="2">
-            <a:schemeClr val="accent1">
-              <a:shade val="15000"/>
-            </a:schemeClr>
-          </a:lnRef>
-          <a:fillRef idx="1">
-            <a:schemeClr val="accent1"/>
-          </a:fillRef>
-          <a:effectRef idx="0">
-            <a:schemeClr val="accent1"/>
-          </a:effectRef>
-          <a:fontRef idx="minor">
-            <a:schemeClr val="lt1"/>
-          </a:fontRef>
-        </p:style>
-        <p:txBody>
-          <a:bodyPr rtlCol="0" anchor="ctr"/>
-          <a:lstStyle/>
-          <a:p>
-            <a:pPr algn="ctr"/>
-            <a:endParaRPr lang="en-IE"/>
-          </a:p>
-        </p:txBody>
-      </p:sp>
-      <p:sp>
-        <p:nvSpPr>
-          <p:cNvPr id="100" name="TextBox 99">
-            <a:extLst>
-              <a:ext uri="{FF2B5EF4-FFF2-40B4-BE49-F238E27FC236}">
-                <a16:creationId xmlns:a16="http://schemas.microsoft.com/office/drawing/2014/main" id="{A7340B1E-4BCA-EB06-9670-A930AD225B56}"/>
-              </a:ext>
-            </a:extLst>
-          </p:cNvPr>
-          <p:cNvSpPr txBox="1"/>
-          <p:nvPr/>
-        </p:nvSpPr>
-        <p:spPr>
-          <a:xfrm>
-            <a:off x="13093565" y="3766698"/>
-            <a:ext cx="6351708" cy="923330"/>
-          </a:xfrm>
-          <a:prstGeom prst="rect">
-            <a:avLst/>
-          </a:prstGeom>
-          <a:noFill/>
-        </p:spPr>
-        <p:txBody>
-          <a:bodyPr wrap="square" rtlCol="0">
-            <a:spAutoFit/>
-          </a:bodyPr>
-          <a:lstStyle/>
-          <a:p>
-            <a:r>
-              <a:rPr lang="en-IE" sz="5400" b="1" dirty="0">
-                <a:solidFill>
-                  <a:schemeClr val="bg1"/>
-                </a:solidFill>
-              </a:rPr>
-              <a:t>Data Preparation</a:t>
-            </a:r>
-          </a:p>
-        </p:txBody>
-      </p:sp>
-      <p:sp>
-        <p:nvSpPr>
-          <p:cNvPr id="38" name="Rectangle 37">
-            <a:extLst>
-              <a:ext uri="{FF2B5EF4-FFF2-40B4-BE49-F238E27FC236}">
-                <a16:creationId xmlns:a16="http://schemas.microsoft.com/office/drawing/2014/main" id="{B7A82453-71C9-57F1-AB36-EB98CCBC299D}"/>
-              </a:ext>
-            </a:extLst>
-          </p:cNvPr>
-          <p:cNvSpPr/>
-          <p:nvPr/>
-        </p:nvSpPr>
-        <p:spPr>
-          <a:xfrm>
-            <a:off x="10926986" y="7981028"/>
-            <a:ext cx="10101600" cy="1078140"/>
-          </a:xfrm>
-          <a:prstGeom prst="rect">
-            <a:avLst/>
-          </a:prstGeom>
-          <a:solidFill>
-            <a:srgbClr val="04756F"/>
-          </a:solidFill>
-        </p:spPr>
-        <p:style>
-          <a:lnRef idx="2">
-            <a:schemeClr val="accent1">
-              <a:shade val="15000"/>
-            </a:schemeClr>
-          </a:lnRef>
-          <a:fillRef idx="1">
-            <a:schemeClr val="accent1"/>
-          </a:fillRef>
-          <a:effectRef idx="0">
-            <a:schemeClr val="accent1"/>
-          </a:effectRef>
-          <a:fontRef idx="minor">
-            <a:schemeClr val="lt1"/>
-          </a:fontRef>
-        </p:style>
-        <p:txBody>
-          <a:bodyPr rtlCol="0" anchor="ctr"/>
-          <a:lstStyle/>
-          <a:p>
-            <a:pPr algn="ctr"/>
-            <a:endParaRPr lang="en-IE"/>
-          </a:p>
-        </p:txBody>
-      </p:sp>
-      <p:sp>
-        <p:nvSpPr>
-          <p:cNvPr id="60" name="TextBox 59">
-            <a:extLst>
-              <a:ext uri="{FF2B5EF4-FFF2-40B4-BE49-F238E27FC236}">
-                <a16:creationId xmlns:a16="http://schemas.microsoft.com/office/drawing/2014/main" id="{A584F51C-6659-96A6-FDF6-53CB06127BEF}"/>
-              </a:ext>
-            </a:extLst>
-          </p:cNvPr>
-          <p:cNvSpPr txBox="1"/>
-          <p:nvPr/>
-        </p:nvSpPr>
-        <p:spPr>
-          <a:xfrm>
-            <a:off x="14708023" y="8141815"/>
-            <a:ext cx="4126176" cy="923330"/>
-          </a:xfrm>
-          <a:prstGeom prst="rect">
-            <a:avLst/>
-          </a:prstGeom>
-          <a:noFill/>
-        </p:spPr>
-        <p:txBody>
-          <a:bodyPr wrap="square" rtlCol="0">
-            <a:spAutoFit/>
-          </a:bodyPr>
-          <a:lstStyle/>
-          <a:p>
-            <a:r>
-              <a:rPr lang="en-IE" sz="5400" b="1" dirty="0">
-                <a:solidFill>
-                  <a:schemeClr val="bg1"/>
-                </a:solidFill>
-              </a:rPr>
-              <a:t>Results</a:t>
-            </a:r>
-          </a:p>
-        </p:txBody>
-      </p:sp>
-      <p:sp>
-        <p:nvSpPr>
-          <p:cNvPr id="39" name="Rectangle 38">
-            <a:extLst>
-              <a:ext uri="{FF2B5EF4-FFF2-40B4-BE49-F238E27FC236}">
-                <a16:creationId xmlns:a16="http://schemas.microsoft.com/office/drawing/2014/main" id="{AC79F573-935E-79C9-53CA-6425CFE316E6}"/>
-              </a:ext>
-            </a:extLst>
-          </p:cNvPr>
-          <p:cNvSpPr/>
-          <p:nvPr/>
-        </p:nvSpPr>
-        <p:spPr>
-          <a:xfrm>
-            <a:off x="10929035" y="24647653"/>
-            <a:ext cx="10101600" cy="1078140"/>
-          </a:xfrm>
-          <a:prstGeom prst="rect">
-            <a:avLst/>
-          </a:prstGeom>
-          <a:solidFill>
-            <a:srgbClr val="04756F"/>
-          </a:solidFill>
-        </p:spPr>
-        <p:style>
-          <a:lnRef idx="2">
-            <a:schemeClr val="accent1">
-              <a:shade val="15000"/>
-            </a:schemeClr>
-          </a:lnRef>
-          <a:fillRef idx="1">
-            <a:schemeClr val="accent1"/>
-          </a:fillRef>
-          <a:effectRef idx="0">
-            <a:schemeClr val="accent1"/>
-          </a:effectRef>
-          <a:fontRef idx="minor">
-            <a:schemeClr val="lt1"/>
-          </a:fontRef>
-        </p:style>
-        <p:txBody>
-          <a:bodyPr rtlCol="0" anchor="ctr"/>
-          <a:lstStyle/>
-          <a:p>
-            <a:pPr algn="ctr"/>
-            <a:endParaRPr lang="en-IE"/>
-          </a:p>
-        </p:txBody>
-      </p:sp>
-      <p:sp>
-        <p:nvSpPr>
-          <p:cNvPr id="58" name="TextBox 57">
-            <a:extLst>
-              <a:ext uri="{FF2B5EF4-FFF2-40B4-BE49-F238E27FC236}">
-                <a16:creationId xmlns:a16="http://schemas.microsoft.com/office/drawing/2014/main" id="{CA143BFA-4D4E-2E61-FF53-5D294DBA9C47}"/>
-              </a:ext>
-            </a:extLst>
-          </p:cNvPr>
-          <p:cNvSpPr txBox="1"/>
-          <p:nvPr/>
-        </p:nvSpPr>
-        <p:spPr>
-          <a:xfrm>
-            <a:off x="13789165" y="24752887"/>
-            <a:ext cx="4126176" cy="923330"/>
-          </a:xfrm>
-          <a:prstGeom prst="rect">
-            <a:avLst/>
-          </a:prstGeom>
-          <a:noFill/>
-        </p:spPr>
-        <p:txBody>
-          <a:bodyPr wrap="square" rtlCol="0">
-            <a:spAutoFit/>
-          </a:bodyPr>
-          <a:lstStyle/>
-          <a:p>
-            <a:r>
-              <a:rPr lang="en-IE" sz="5400" b="1" dirty="0">
-                <a:solidFill>
-                  <a:schemeClr val="bg1"/>
-                </a:solidFill>
-              </a:rPr>
-              <a:t>Conclusion</a:t>
-            </a:r>
-          </a:p>
-        </p:txBody>
-      </p:sp>
-      <p:sp>
-        <p:nvSpPr>
-          <p:cNvPr id="40" name="TextBox 39">
-            <a:extLst>
-              <a:ext uri="{FF2B5EF4-FFF2-40B4-BE49-F238E27FC236}">
-                <a16:creationId xmlns:a16="http://schemas.microsoft.com/office/drawing/2014/main" id="{0A4C1AF6-116B-6EAB-B8E9-11018D8F16B0}"/>
-              </a:ext>
-            </a:extLst>
-          </p:cNvPr>
-          <p:cNvSpPr txBox="1"/>
-          <p:nvPr/>
-        </p:nvSpPr>
-        <p:spPr>
-          <a:xfrm>
-            <a:off x="660962" y="17083991"/>
-            <a:ext cx="3149135" cy="3416320"/>
-          </a:xfrm>
-          <a:prstGeom prst="rect">
-            <a:avLst/>
-          </a:prstGeom>
-          <a:noFill/>
-        </p:spPr>
-        <p:txBody>
-          <a:bodyPr wrap="square" rtlCol="0">
-            <a:spAutoFit/>
-          </a:bodyPr>
-          <a:lstStyle/>
-          <a:p>
-            <a:pPr algn="just"/>
-            <a:r>
-              <a:rPr lang="en-IE" sz="2700" dirty="0">
-                <a:latin typeface="+mj-lt"/>
-                <a:cs typeface="Arial" panose="020B0604020202020204" pitchFamily="34" charset="0"/>
-              </a:rPr>
-              <a:t>The study followed the CRISP-DM framework. The data was obtained from 2023 visitor surveys conducted at Keflavik International Airport</a:t>
-            </a:r>
-            <a:endParaRPr lang="en-IE" sz="2700" dirty="0"/>
-          </a:p>
-        </p:txBody>
-      </p:sp>
-      <p:pic>
-        <p:nvPicPr>
-          <p:cNvPr id="73" name="Picture 72" descr="A waterfall and a mountain with green lights in the sky&#10;&#10;AI-generated content may be incorrect.">
-            <a:extLst>
-              <a:ext uri="{FF2B5EF4-FFF2-40B4-BE49-F238E27FC236}">
-                <a16:creationId xmlns:a16="http://schemas.microsoft.com/office/drawing/2014/main" id="{B33D971A-7ECB-52B9-84BE-19470D145766}"/>
-              </a:ext>
-            </a:extLst>
-          </p:cNvPr>
-          <p:cNvPicPr>
-            <a:picLocks noChangeAspect="1"/>
-          </p:cNvPicPr>
-          <p:nvPr/>
-        </p:nvPicPr>
-        <p:blipFill>
-          <a:blip r:embed="rId8">
-            <a:extLst>
-              <a:ext uri="{28A0092B-C50C-407E-A947-70E740481C1C}">
-                <a14:useLocalDpi xmlns:a14="http://schemas.microsoft.com/office/drawing/2010/main" val="0"/>
-              </a:ext>
-            </a:extLst>
-          </a:blip>
-          <a:stretch>
-            <a:fillRect/>
-          </a:stretch>
-        </p:blipFill>
-        <p:spPr>
-          <a:xfrm>
-            <a:off x="7256290" y="12835934"/>
-            <a:ext cx="6871044" cy="6111490"/>
-          </a:xfrm>
-          <a:prstGeom prst="ellipse">
-            <a:avLst/>
-          </a:prstGeom>
-          <a:ln w="63500" cap="rnd">
-            <a:solidFill>
-              <a:srgbClr val="333333"/>
-            </a:solidFill>
-          </a:ln>
-          <a:effectLst/>
-          <a:scene3d>
-            <a:camera prst="orthographicFront"/>
-            <a:lightRig rig="contrasting" dir="t">
-              <a:rot lat="0" lon="0" rev="3000000"/>
-            </a:lightRig>
-          </a:scene3d>
-          <a:sp3d contourW="7620">
-            <a:bevelT w="95250" h="31750"/>
-            <a:contourClr>
-              <a:srgbClr val="333333"/>
-            </a:contourClr>
-          </a:sp3d>
-        </p:spPr>
-      </p:pic>
-      <p:pic>
-        <p:nvPicPr>
-          <p:cNvPr id="41" name="Picture 40">
-            <a:extLst>
-              <a:ext uri="{FF2B5EF4-FFF2-40B4-BE49-F238E27FC236}">
-                <a16:creationId xmlns:a16="http://schemas.microsoft.com/office/drawing/2014/main" id="{E8F0FBA8-A2C2-4769-D539-C4B6C9F3A756}"/>
-              </a:ext>
-            </a:extLst>
-          </p:cNvPr>
-          <p:cNvPicPr>
-            <a:picLocks noChangeAspect="1"/>
-          </p:cNvPicPr>
-          <p:nvPr/>
-        </p:nvPicPr>
-        <p:blipFill>
-          <a:blip r:embed="rId3"/>
-          <a:srcRect l="80063" t="10594" r="357" b="68463"/>
-          <a:stretch/>
-        </p:blipFill>
-        <p:spPr>
-          <a:xfrm>
-            <a:off x="18326687" y="19979843"/>
-            <a:ext cx="2309535" cy="1127792"/>
-          </a:xfrm>
-          <a:prstGeom prst="rect">
-            <a:avLst/>
-          </a:prstGeom>
-          <a:ln>
-            <a:solidFill>
-              <a:schemeClr val="tx1"/>
-            </a:solidFill>
-          </a:ln>
-        </p:spPr>
-      </p:pic>
-    </p:spTree>
-    <p:extLst>
-      <p:ext uri="{BB962C8B-B14F-4D97-AF65-F5344CB8AC3E}">
-        <p14:creationId xmlns:p14="http://schemas.microsoft.com/office/powerpoint/2010/main" val="3927401429"/>
-      </p:ext>
-    </p:extLst>
-  </p:cSld>
-  <p:clrMapOvr>
-    <a:masterClrMapping/>
-  </p:clrMapOvr>
-</p:sld>
-</file>
-
-<file path=ppt/slides/slide2.xml><?xml version="1.0" encoding="utf-8"?>
-<p:sld xmlns:a="http://schemas.openxmlformats.org/drawingml/2006/main" xmlns:r="http://schemas.openxmlformats.org/officeDocument/2006/relationships" xmlns:p="http://schemas.openxmlformats.org/presentationml/2006/main">
-  <p:cSld>
-    <p:bg>
-      <p:bgPr>
-        <a:solidFill>
           <a:srgbClr val="D9F0F2"/>
         </a:solidFill>
         <a:effectLst/>
@@ -4773,10 +2983,10 @@
       </p:grpSpPr>
       <p:sp>
         <p:nvSpPr>
-          <p:cNvPr id="3" name="Rectangle 2">
+          <p:cNvPr id="2" name="Rectangle 1">
             <a:extLst>
               <a:ext uri="{FF2B5EF4-FFF2-40B4-BE49-F238E27FC236}">
-                <a16:creationId xmlns:a16="http://schemas.microsoft.com/office/drawing/2014/main" id="{1EEE1114-9E62-23BC-E001-960B3AC29A92}"/>
+                <a16:creationId xmlns:a16="http://schemas.microsoft.com/office/drawing/2014/main" id="{E81BD239-F2CA-EE29-9990-5A7A8E002022}"/>
               </a:ext>
             </a:extLst>
           </p:cNvPr>
@@ -4822,10 +3032,10 @@
       </p:sp>
       <p:sp>
         <p:nvSpPr>
-          <p:cNvPr id="4" name="Rectangle 3">
+          <p:cNvPr id="3" name="Rectangle 2">
             <a:extLst>
               <a:ext uri="{FF2B5EF4-FFF2-40B4-BE49-F238E27FC236}">
-                <a16:creationId xmlns:a16="http://schemas.microsoft.com/office/drawing/2014/main" id="{6ECF22D7-5D19-6416-3DD9-6980F2F6724C}"/>
+                <a16:creationId xmlns:a16="http://schemas.microsoft.com/office/drawing/2014/main" id="{20F22B15-2127-F0FE-F700-63B9FEC5D40C}"/>
               </a:ext>
             </a:extLst>
           </p:cNvPr>
@@ -4871,10 +3081,10 @@
       </p:sp>
       <p:sp>
         <p:nvSpPr>
-          <p:cNvPr id="5" name="Rectangle 4">
+          <p:cNvPr id="4" name="Rectangle 3">
             <a:extLst>
               <a:ext uri="{FF2B5EF4-FFF2-40B4-BE49-F238E27FC236}">
-                <a16:creationId xmlns:a16="http://schemas.microsoft.com/office/drawing/2014/main" id="{697043BE-ED2A-AD76-19B2-A1BB78254DC8}"/>
+                <a16:creationId xmlns:a16="http://schemas.microsoft.com/office/drawing/2014/main" id="{20D890D4-682B-7A72-2D6F-0ACBD89BD0D2}"/>
               </a:ext>
             </a:extLst>
           </p:cNvPr>
@@ -4920,10 +3130,10 @@
       </p:sp>
       <p:sp>
         <p:nvSpPr>
-          <p:cNvPr id="6" name="Rectangle 5">
+          <p:cNvPr id="5" name="Rectangle 4">
             <a:extLst>
               <a:ext uri="{FF2B5EF4-FFF2-40B4-BE49-F238E27FC236}">
-                <a16:creationId xmlns:a16="http://schemas.microsoft.com/office/drawing/2014/main" id="{B768F9D9-F866-5D52-1CA0-DAF390554584}"/>
+                <a16:creationId xmlns:a16="http://schemas.microsoft.com/office/drawing/2014/main" id="{37A5E330-6052-26A1-96F5-833F41E747C4}"/>
               </a:ext>
             </a:extLst>
           </p:cNvPr>
@@ -4933,7 +3143,7 @@
         <p:spPr>
           <a:xfrm>
             <a:off x="350363" y="3688741"/>
-            <a:ext cx="9858257" cy="8094066"/>
+            <a:ext cx="9858257" cy="7039173"/>
           </a:xfrm>
           <a:prstGeom prst="rect">
             <a:avLst/>
@@ -4969,10 +3179,10 @@
       </p:sp>
       <p:sp>
         <p:nvSpPr>
-          <p:cNvPr id="7" name="Rectangle 6">
+          <p:cNvPr id="6" name="Rectangle 5">
             <a:extLst>
               <a:ext uri="{FF2B5EF4-FFF2-40B4-BE49-F238E27FC236}">
-                <a16:creationId xmlns:a16="http://schemas.microsoft.com/office/drawing/2014/main" id="{3030A804-058A-8DF1-4D3D-C4717DB34A44}"/>
+                <a16:creationId xmlns:a16="http://schemas.microsoft.com/office/drawing/2014/main" id="{3F52A6C4-AE98-03B5-57A4-2C251DA43E0F}"/>
               </a:ext>
             </a:extLst>
           </p:cNvPr>
@@ -4981,8 +3191,8 @@
         </p:nvSpPr>
         <p:spPr>
           <a:xfrm>
-            <a:off x="350362" y="15622676"/>
-            <a:ext cx="10101038" cy="14072808"/>
+            <a:off x="350362" y="17314881"/>
+            <a:ext cx="10101038" cy="12502521"/>
           </a:xfrm>
           <a:prstGeom prst="rect">
             <a:avLst/>
@@ -5018,10 +3228,10 @@
       </p:sp>
       <p:sp>
         <p:nvSpPr>
-          <p:cNvPr id="8" name="Rectangle 7">
+          <p:cNvPr id="7" name="Rectangle 6">
             <a:extLst>
               <a:ext uri="{FF2B5EF4-FFF2-40B4-BE49-F238E27FC236}">
-                <a16:creationId xmlns:a16="http://schemas.microsoft.com/office/drawing/2014/main" id="{AD0E7CBF-936B-4A6C-6876-BC71A2D72034}"/>
+                <a16:creationId xmlns:a16="http://schemas.microsoft.com/office/drawing/2014/main" id="{BBE09AA5-5D10-E081-EAA5-98837AD27113}"/>
               </a:ext>
             </a:extLst>
           </p:cNvPr>
@@ -5030,8 +3240,8 @@
         </p:nvSpPr>
         <p:spPr>
           <a:xfrm>
-            <a:off x="350362" y="12142931"/>
-            <a:ext cx="9858258" cy="3202432"/>
+            <a:off x="350362" y="10974163"/>
+            <a:ext cx="9858258" cy="2279893"/>
           </a:xfrm>
           <a:prstGeom prst="rect">
             <a:avLst/>
@@ -5067,10 +3277,10 @@
       </p:sp>
       <p:sp>
         <p:nvSpPr>
-          <p:cNvPr id="9" name="Rectangle 8">
+          <p:cNvPr id="8" name="Rectangle 7">
             <a:extLst>
               <a:ext uri="{FF2B5EF4-FFF2-40B4-BE49-F238E27FC236}">
-                <a16:creationId xmlns:a16="http://schemas.microsoft.com/office/drawing/2014/main" id="{E2BADE0A-7DF8-8399-FC99-DAD3F4E934FF}"/>
+                <a16:creationId xmlns:a16="http://schemas.microsoft.com/office/drawing/2014/main" id="{7115AA14-075A-8E0B-6C34-DD0E3CDF62D9}"/>
               </a:ext>
             </a:extLst>
           </p:cNvPr>
@@ -5079,7 +3289,7 @@
         </p:nvSpPr>
         <p:spPr>
           <a:xfrm>
-            <a:off x="10935843" y="24651090"/>
+            <a:off x="10935843" y="24773010"/>
             <a:ext cx="10101600" cy="4939436"/>
           </a:xfrm>
           <a:prstGeom prst="rect">
@@ -5116,10 +3326,10 @@
       </p:sp>
       <p:sp>
         <p:nvSpPr>
-          <p:cNvPr id="10" name="Oval 9">
+          <p:cNvPr id="9" name="Oval 8">
             <a:extLst>
               <a:ext uri="{FF2B5EF4-FFF2-40B4-BE49-F238E27FC236}">
-                <a16:creationId xmlns:a16="http://schemas.microsoft.com/office/drawing/2014/main" id="{2BD88354-E676-F453-A1A6-073E6B5D3511}"/>
+                <a16:creationId xmlns:a16="http://schemas.microsoft.com/office/drawing/2014/main" id="{34C488A6-CD12-E505-BF87-703E3F811E2E}"/>
               </a:ext>
             </a:extLst>
           </p:cNvPr>
@@ -5166,1744 +3376,6 @@
       </p:sp>
       <p:sp>
         <p:nvSpPr>
-          <p:cNvPr id="11" name="TextBox 10">
-            <a:extLst>
-              <a:ext uri="{FF2B5EF4-FFF2-40B4-BE49-F238E27FC236}">
-                <a16:creationId xmlns:a16="http://schemas.microsoft.com/office/drawing/2014/main" id="{2ACCDAE6-A447-E3C3-42BD-C96B62D23CF8}"/>
-              </a:ext>
-            </a:extLst>
-          </p:cNvPr>
-          <p:cNvSpPr txBox="1"/>
-          <p:nvPr/>
-        </p:nvSpPr>
-        <p:spPr>
-          <a:xfrm>
-            <a:off x="560068" y="387225"/>
-            <a:ext cx="20560078" cy="1323439"/>
-          </a:xfrm>
-          <a:prstGeom prst="rect">
-            <a:avLst/>
-          </a:prstGeom>
-          <a:noFill/>
-        </p:spPr>
-        <p:txBody>
-          <a:bodyPr wrap="square" rtlCol="0">
-            <a:spAutoFit/>
-          </a:bodyPr>
-          <a:lstStyle/>
-          <a:p>
-            <a:r>
-              <a:rPr lang="en-IE" sz="8000" b="1" dirty="0">
-                <a:solidFill>
-                  <a:schemeClr val="bg1"/>
-                </a:solidFill>
-                <a:latin typeface="Arial Black" panose="020B0A04020102020204" pitchFamily="34" charset="0"/>
-              </a:rPr>
-              <a:t>Iceland Tourism Segmentation 2023</a:t>
-            </a:r>
-          </a:p>
-        </p:txBody>
-      </p:sp>
-      <p:sp>
-        <p:nvSpPr>
-          <p:cNvPr id="12" name="TextBox 11">
-            <a:extLst>
-              <a:ext uri="{FF2B5EF4-FFF2-40B4-BE49-F238E27FC236}">
-                <a16:creationId xmlns:a16="http://schemas.microsoft.com/office/drawing/2014/main" id="{26533313-B662-67AE-AD06-D58A8D720F1C}"/>
-              </a:ext>
-            </a:extLst>
-          </p:cNvPr>
-          <p:cNvSpPr txBox="1"/>
-          <p:nvPr/>
-        </p:nvSpPr>
-        <p:spPr>
-          <a:xfrm>
-            <a:off x="415690" y="1979898"/>
-            <a:ext cx="14444839" cy="830997"/>
-          </a:xfrm>
-          <a:prstGeom prst="rect">
-            <a:avLst/>
-          </a:prstGeom>
-          <a:noFill/>
-        </p:spPr>
-        <p:txBody>
-          <a:bodyPr wrap="square" rtlCol="0">
-            <a:spAutoFit/>
-          </a:bodyPr>
-          <a:lstStyle/>
-          <a:p>
-            <a:r>
-              <a:rPr lang="en-IE" sz="4800" dirty="0">
-                <a:solidFill>
-                  <a:schemeClr val="bg1"/>
-                </a:solidFill>
-                <a:latin typeface="Arial" panose="020B0604020202020204" pitchFamily="34" charset="0"/>
-                <a:cs typeface="Arial" panose="020B0604020202020204" pitchFamily="34" charset="0"/>
-              </a:rPr>
-              <a:t>Francisca Argandona Alvarado, CCT College Dublin</a:t>
-            </a:r>
-          </a:p>
-        </p:txBody>
-      </p:sp>
-      <p:pic>
-        <p:nvPicPr>
-          <p:cNvPr id="13" name="Picture 12" descr="A logo for college computing&#10;&#10;AI-generated content may be incorrect.">
-            <a:extLst>
-              <a:ext uri="{FF2B5EF4-FFF2-40B4-BE49-F238E27FC236}">
-                <a16:creationId xmlns:a16="http://schemas.microsoft.com/office/drawing/2014/main" id="{18E64AF7-267B-EC3E-0160-F42D3487E2EE}"/>
-              </a:ext>
-            </a:extLst>
-          </p:cNvPr>
-          <p:cNvPicPr>
-            <a:picLocks noChangeAspect="1"/>
-          </p:cNvPicPr>
-          <p:nvPr/>
-        </p:nvPicPr>
-        <p:blipFill>
-          <a:blip r:embed="rId2">
-            <a:extLst>
-              <a:ext uri="{28A0092B-C50C-407E-A947-70E740481C1C}">
-                <a14:useLocalDpi xmlns:a14="http://schemas.microsoft.com/office/drawing/2010/main" val="0"/>
-              </a:ext>
-            </a:extLst>
-          </a:blip>
-          <a:srcRect l="9448" t="25302" r="10696" b="27410"/>
-          <a:stretch/>
-        </p:blipFill>
-        <p:spPr>
-          <a:xfrm>
-            <a:off x="15122176" y="1680674"/>
-            <a:ext cx="5893885" cy="1206034"/>
-          </a:xfrm>
-          <a:prstGeom prst="rect">
-            <a:avLst/>
-          </a:prstGeom>
-        </p:spPr>
-      </p:pic>
-      <p:sp>
-        <p:nvSpPr>
-          <p:cNvPr id="14" name="TextBox 13">
-            <a:extLst>
-              <a:ext uri="{FF2B5EF4-FFF2-40B4-BE49-F238E27FC236}">
-                <a16:creationId xmlns:a16="http://schemas.microsoft.com/office/drawing/2014/main" id="{30F723F7-477D-7BAB-FF04-AFE8BDD58CD7}"/>
-              </a:ext>
-            </a:extLst>
-          </p:cNvPr>
-          <p:cNvSpPr txBox="1"/>
-          <p:nvPr/>
-        </p:nvSpPr>
-        <p:spPr>
-          <a:xfrm>
-            <a:off x="606027" y="4991935"/>
-            <a:ext cx="9252085" cy="3416320"/>
-          </a:xfrm>
-          <a:prstGeom prst="rect">
-            <a:avLst/>
-          </a:prstGeom>
-          <a:noFill/>
-        </p:spPr>
-        <p:txBody>
-          <a:bodyPr wrap="square" rtlCol="0">
-            <a:spAutoFit/>
-          </a:bodyPr>
-          <a:lstStyle/>
-          <a:p>
-            <a:pPr algn="just"/>
-            <a:r>
-              <a:rPr lang="en-IE" sz="2700" dirty="0">
-                <a:latin typeface="Aptos" panose="020B0004020202020204" pitchFamily="34" charset="0"/>
-              </a:rPr>
-              <a:t>Tourism in Iceland has grown rapidly in recent years, becoming a major contributor to the economy. However, most existing profiles only considers country of origin or overall arrival numbers. This study aims to go further by applying clustering techniques to segment international tourists visiting Iceland in 2023, based on age, length of stay, and income. The goal is to uncover meaningful visitor segments that can guide more effective tourism strategies</a:t>
-            </a:r>
-            <a:r>
-              <a:rPr lang="en-IE" sz="2700" dirty="0"/>
-              <a:t>.</a:t>
-            </a:r>
-          </a:p>
-        </p:txBody>
-      </p:sp>
-      <p:sp>
-        <p:nvSpPr>
-          <p:cNvPr id="15" name="TextBox 14">
-            <a:extLst>
-              <a:ext uri="{FF2B5EF4-FFF2-40B4-BE49-F238E27FC236}">
-                <a16:creationId xmlns:a16="http://schemas.microsoft.com/office/drawing/2014/main" id="{1466FE66-BE67-58DF-ADDA-35676F2F849A}"/>
-              </a:ext>
-            </a:extLst>
-          </p:cNvPr>
-          <p:cNvSpPr txBox="1"/>
-          <p:nvPr/>
-        </p:nvSpPr>
-        <p:spPr>
-          <a:xfrm>
-            <a:off x="606027" y="13388620"/>
-            <a:ext cx="6662029" cy="1754326"/>
-          </a:xfrm>
-          <a:prstGeom prst="rect">
-            <a:avLst/>
-          </a:prstGeom>
-          <a:noFill/>
-        </p:spPr>
-        <p:txBody>
-          <a:bodyPr wrap="square" rtlCol="0">
-            <a:spAutoFit/>
-          </a:bodyPr>
-          <a:lstStyle/>
-          <a:p>
-            <a:pPr algn="just"/>
-            <a:r>
-              <a:rPr lang="en-US" sz="2700" b="0" i="0" dirty="0">
-                <a:solidFill>
-                  <a:srgbClr val="000000"/>
-                </a:solidFill>
-                <a:effectLst/>
-                <a:cs typeface="Arial" panose="020B0604020202020204" pitchFamily="34" charset="0"/>
-              </a:rPr>
-              <a:t>How can clustering techniques be applied</a:t>
-            </a:r>
-            <a:r>
-              <a:rPr lang="en-US" sz="2700" dirty="0">
-                <a:solidFill>
-                  <a:srgbClr val="000000"/>
-                </a:solidFill>
-                <a:cs typeface="Arial" panose="020B0604020202020204" pitchFamily="34" charset="0"/>
-              </a:rPr>
-              <a:t> </a:t>
-            </a:r>
-            <a:r>
-              <a:rPr lang="en-US" sz="2700" b="0" i="0" dirty="0">
-                <a:solidFill>
-                  <a:srgbClr val="000000"/>
-                </a:solidFill>
-                <a:effectLst/>
-                <a:cs typeface="Arial" panose="020B0604020202020204" pitchFamily="34" charset="0"/>
-              </a:rPr>
-              <a:t>to identify relevant tourist segments visiting Iceland, based on age, length of stay and average income?</a:t>
-            </a:r>
-            <a:endParaRPr lang="en-IE" sz="2700" dirty="0">
-              <a:cs typeface="Arial" panose="020B0604020202020204" pitchFamily="34" charset="0"/>
-            </a:endParaRPr>
-          </a:p>
-        </p:txBody>
-      </p:sp>
-      <p:sp>
-        <p:nvSpPr>
-          <p:cNvPr id="16" name="TextBox 15">
-            <a:extLst>
-              <a:ext uri="{FF2B5EF4-FFF2-40B4-BE49-F238E27FC236}">
-                <a16:creationId xmlns:a16="http://schemas.microsoft.com/office/drawing/2014/main" id="{8E7C3F41-955E-FEEE-AED1-F05FABC43112}"/>
-              </a:ext>
-            </a:extLst>
-          </p:cNvPr>
-          <p:cNvSpPr txBox="1"/>
-          <p:nvPr/>
-        </p:nvSpPr>
-        <p:spPr>
-          <a:xfrm>
-            <a:off x="660962" y="21309826"/>
-            <a:ext cx="9238127" cy="3416320"/>
-          </a:xfrm>
-          <a:prstGeom prst="rect">
-            <a:avLst/>
-          </a:prstGeom>
-          <a:noFill/>
-        </p:spPr>
-        <p:txBody>
-          <a:bodyPr wrap="square" rtlCol="0">
-            <a:spAutoFit/>
-          </a:bodyPr>
-          <a:lstStyle/>
-          <a:p>
-            <a:pPr algn="just"/>
-            <a:r>
-              <a:rPr lang="en-IE" sz="2700" dirty="0">
-                <a:latin typeface="+mj-lt"/>
-                <a:cs typeface="Arial" panose="020B0604020202020204" pitchFamily="34" charset="0"/>
-              </a:rPr>
-              <a:t>The selected variables were age, stay duration, and income. Three clustering models were applied: Hierarchical, K-Means, and DBSCAN. Clustering quality was assessed using the Silhouette Score, Davies-Bouldin Index, dendrogram visualisation and ANOVA. Dimensionality reduction with PCA helped to visualise cluster separation, besides the heatmaps on cluster centres. Adjusted Rand Index was also used to test stability across multiple runs.</a:t>
-            </a:r>
-          </a:p>
-        </p:txBody>
-      </p:sp>
-      <p:sp>
-        <p:nvSpPr>
-          <p:cNvPr id="17" name="TextBox 16">
-            <a:extLst>
-              <a:ext uri="{FF2B5EF4-FFF2-40B4-BE49-F238E27FC236}">
-                <a16:creationId xmlns:a16="http://schemas.microsoft.com/office/drawing/2014/main" id="{1B35CA94-C6A6-99B5-733E-DEA5AE2592E0}"/>
-              </a:ext>
-            </a:extLst>
-          </p:cNvPr>
-          <p:cNvSpPr txBox="1"/>
-          <p:nvPr/>
-        </p:nvSpPr>
-        <p:spPr>
-          <a:xfrm>
-            <a:off x="11203387" y="25897288"/>
-            <a:ext cx="9566512" cy="3416320"/>
-          </a:xfrm>
-          <a:prstGeom prst="rect">
-            <a:avLst/>
-          </a:prstGeom>
-          <a:noFill/>
-        </p:spPr>
-        <p:txBody>
-          <a:bodyPr wrap="square" rtlCol="0">
-            <a:spAutoFit/>
-          </a:bodyPr>
-          <a:lstStyle/>
-          <a:p>
-            <a:pPr algn="just"/>
-            <a:r>
-              <a:rPr lang="en-IE" sz="2700" dirty="0">
-                <a:latin typeface="+mj-lt"/>
-                <a:cs typeface="Arial" panose="020B0604020202020204" pitchFamily="34" charset="0"/>
-              </a:rPr>
-              <a:t>K-Means clustering was chosen for its clearer, more stable, and actionable segments. The results reveal distinct profiles, particularly among young tourists with moderate to long stays. This information can help stakeholders design tailored services and marketing. However, since the dataset is small and represents only one year, findings should be seen as a snapshot due to market segments change over time. Future work should include larger samples and additional behavioural variables.</a:t>
-            </a:r>
-          </a:p>
-        </p:txBody>
-      </p:sp>
-      <p:sp>
-        <p:nvSpPr>
-          <p:cNvPr id="18" name="TextBox 17">
-            <a:extLst>
-              <a:ext uri="{FF2B5EF4-FFF2-40B4-BE49-F238E27FC236}">
-                <a16:creationId xmlns:a16="http://schemas.microsoft.com/office/drawing/2014/main" id="{F24C3AC4-D1DF-9792-4D01-A3D668C2BF79}"/>
-              </a:ext>
-            </a:extLst>
-          </p:cNvPr>
-          <p:cNvSpPr txBox="1"/>
-          <p:nvPr/>
-        </p:nvSpPr>
-        <p:spPr>
-          <a:xfrm>
-            <a:off x="13285105" y="17966171"/>
-            <a:ext cx="7366357" cy="1754326"/>
-          </a:xfrm>
-          <a:prstGeom prst="rect">
-            <a:avLst/>
-          </a:prstGeom>
-          <a:noFill/>
-        </p:spPr>
-        <p:txBody>
-          <a:bodyPr wrap="square" rtlCol="0">
-            <a:spAutoFit/>
-          </a:bodyPr>
-          <a:lstStyle/>
-          <a:p>
-            <a:pPr algn="just"/>
-            <a:r>
-              <a:rPr lang="en-IE" sz="2700" dirty="0">
-                <a:latin typeface="+mj-lt"/>
-                <a:cs typeface="Arial" panose="020B0604020202020204" pitchFamily="34" charset="0"/>
-              </a:rPr>
-              <a:t>Two clusters (2 and 3) stood out for targeting young travellers with longer stays and average to high income levels, representing valuable 	segments for tourism strategies.</a:t>
-            </a:r>
-          </a:p>
-        </p:txBody>
-      </p:sp>
-      <p:sp>
-        <p:nvSpPr>
-          <p:cNvPr id="19" name="TextBox 18">
-            <a:extLst>
-              <a:ext uri="{FF2B5EF4-FFF2-40B4-BE49-F238E27FC236}">
-                <a16:creationId xmlns:a16="http://schemas.microsoft.com/office/drawing/2014/main" id="{CB9339E8-3BCA-171E-D7E7-D963B3D9868B}"/>
-              </a:ext>
-            </a:extLst>
-          </p:cNvPr>
-          <p:cNvSpPr txBox="1"/>
-          <p:nvPr/>
-        </p:nvSpPr>
-        <p:spPr>
-          <a:xfrm>
-            <a:off x="11235925" y="4953881"/>
-            <a:ext cx="9415537" cy="2585323"/>
-          </a:xfrm>
-          <a:prstGeom prst="rect">
-            <a:avLst/>
-          </a:prstGeom>
-          <a:noFill/>
-        </p:spPr>
-        <p:txBody>
-          <a:bodyPr wrap="square" rtlCol="0">
-            <a:spAutoFit/>
-          </a:bodyPr>
-          <a:lstStyle/>
-          <a:p>
-            <a:pPr algn="just"/>
-            <a:r>
-              <a:rPr lang="en-IE" sz="2700" dirty="0"/>
-              <a:t>Data was extracted from multiple sheets of the original Excel and merged into one dataset. The final dataset included 21 nationalities and 17 features, all expressed as proportions. The variables were not scaled and no missing values were found. A heatmap and interactive bar plot helped to understand relationships between variables.</a:t>
-            </a:r>
-          </a:p>
-        </p:txBody>
-      </p:sp>
-      <p:sp>
-        <p:nvSpPr>
-          <p:cNvPr id="20" name="TextBox 19">
-            <a:extLst>
-              <a:ext uri="{FF2B5EF4-FFF2-40B4-BE49-F238E27FC236}">
-                <a16:creationId xmlns:a16="http://schemas.microsoft.com/office/drawing/2014/main" id="{EA4385C6-D284-2AF5-0DCB-E0F7E4099E53}"/>
-              </a:ext>
-            </a:extLst>
-          </p:cNvPr>
-          <p:cNvSpPr txBox="1"/>
-          <p:nvPr/>
-        </p:nvSpPr>
-        <p:spPr>
-          <a:xfrm>
-            <a:off x="17190720" y="12435840"/>
-            <a:ext cx="184731" cy="369332"/>
-          </a:xfrm>
-          <a:prstGeom prst="rect">
-            <a:avLst/>
-          </a:prstGeom>
-          <a:noFill/>
-        </p:spPr>
-        <p:txBody>
-          <a:bodyPr wrap="none" rtlCol="0">
-            <a:spAutoFit/>
-          </a:bodyPr>
-          <a:lstStyle/>
-          <a:p>
-            <a:endParaRPr lang="en-IE" dirty="0"/>
-          </a:p>
-        </p:txBody>
-      </p:sp>
-      <p:sp>
-        <p:nvSpPr>
-          <p:cNvPr id="21" name="TextBox 20">
-            <a:extLst>
-              <a:ext uri="{FF2B5EF4-FFF2-40B4-BE49-F238E27FC236}">
-                <a16:creationId xmlns:a16="http://schemas.microsoft.com/office/drawing/2014/main" id="{D9D2B226-3CB7-EB83-5030-CA279E4AAC6B}"/>
-              </a:ext>
-            </a:extLst>
-          </p:cNvPr>
-          <p:cNvSpPr txBox="1"/>
-          <p:nvPr/>
-        </p:nvSpPr>
-        <p:spPr>
-          <a:xfrm>
-            <a:off x="2292060" y="10789920"/>
-            <a:ext cx="1957414" cy="1241625"/>
-          </a:xfrm>
-          <a:prstGeom prst="rect">
-            <a:avLst/>
-          </a:prstGeom>
-          <a:noFill/>
-        </p:spPr>
-        <p:txBody>
-          <a:bodyPr wrap="square" rtlCol="0">
-            <a:spAutoFit/>
-          </a:bodyPr>
-          <a:lstStyle/>
-          <a:p>
-            <a:endParaRPr lang="en-IE" dirty="0"/>
-          </a:p>
-        </p:txBody>
-      </p:sp>
-      <p:pic>
-        <p:nvPicPr>
-          <p:cNvPr id="22" name="Picture 21">
-            <a:extLst>
-              <a:ext uri="{FF2B5EF4-FFF2-40B4-BE49-F238E27FC236}">
-                <a16:creationId xmlns:a16="http://schemas.microsoft.com/office/drawing/2014/main" id="{B54DF86D-1408-4F3F-8DFF-D4C3F00EFB75}"/>
-              </a:ext>
-            </a:extLst>
-          </p:cNvPr>
-          <p:cNvPicPr>
-            <a:picLocks noChangeAspect="1"/>
-          </p:cNvPicPr>
-          <p:nvPr/>
-        </p:nvPicPr>
-        <p:blipFill>
-          <a:blip r:embed="rId3"/>
-          <a:srcRect r="20541"/>
-          <a:stretch/>
-        </p:blipFill>
-        <p:spPr>
-          <a:xfrm>
-            <a:off x="11483204" y="19971241"/>
-            <a:ext cx="6828243" cy="3923487"/>
-          </a:xfrm>
-          <a:prstGeom prst="rect">
-            <a:avLst/>
-          </a:prstGeom>
-          <a:ln>
-            <a:noFill/>
-          </a:ln>
-        </p:spPr>
-      </p:pic>
-      <p:pic>
-        <p:nvPicPr>
-          <p:cNvPr id="23" name="Picture 22" descr="A blue and orange squares with black text&#10;&#10;AI-generated content may be incorrect.">
-            <a:extLst>
-              <a:ext uri="{FF2B5EF4-FFF2-40B4-BE49-F238E27FC236}">
-                <a16:creationId xmlns:a16="http://schemas.microsoft.com/office/drawing/2014/main" id="{1074B80F-D342-7D38-11A8-2330F17DF022}"/>
-              </a:ext>
-            </a:extLst>
-          </p:cNvPr>
-          <p:cNvPicPr>
-            <a:picLocks noChangeAspect="1"/>
-          </p:cNvPicPr>
-          <p:nvPr/>
-        </p:nvPicPr>
-        <p:blipFill>
-          <a:blip r:embed="rId4">
-            <a:extLst>
-              <a:ext uri="{28A0092B-C50C-407E-A947-70E740481C1C}">
-                <a14:useLocalDpi xmlns:a14="http://schemas.microsoft.com/office/drawing/2010/main" val="0"/>
-              </a:ext>
-            </a:extLst>
-          </a:blip>
-          <a:stretch>
-            <a:fillRect/>
-          </a:stretch>
-        </p:blipFill>
-        <p:spPr>
-          <a:xfrm>
-            <a:off x="1089164" y="24878584"/>
-            <a:ext cx="8356206" cy="4463563"/>
-          </a:xfrm>
-          <a:prstGeom prst="rect">
-            <a:avLst/>
-          </a:prstGeom>
-        </p:spPr>
-      </p:pic>
-      <p:pic>
-        <p:nvPicPr>
-          <p:cNvPr id="24" name="Picture 23">
-            <a:extLst>
-              <a:ext uri="{FF2B5EF4-FFF2-40B4-BE49-F238E27FC236}">
-                <a16:creationId xmlns:a16="http://schemas.microsoft.com/office/drawing/2014/main" id="{E29D7F4A-94AC-09F8-5399-267528248A0C}"/>
-              </a:ext>
-            </a:extLst>
-          </p:cNvPr>
-          <p:cNvPicPr>
-            <a:picLocks noChangeAspect="1"/>
-          </p:cNvPicPr>
-          <p:nvPr/>
-        </p:nvPicPr>
-        <p:blipFill>
-          <a:blip r:embed="rId5"/>
-          <a:srcRect l="14585" r="13783"/>
-          <a:stretch/>
-        </p:blipFill>
-        <p:spPr>
-          <a:xfrm>
-            <a:off x="4100563" y="17049093"/>
-            <a:ext cx="3993050" cy="4180777"/>
-          </a:xfrm>
-          <a:prstGeom prst="rect">
-            <a:avLst/>
-          </a:prstGeom>
-        </p:spPr>
-      </p:pic>
-      <p:pic>
-        <p:nvPicPr>
-          <p:cNvPr id="25" name="Picture 24" descr="A table with numbers and a number of values&#10;&#10;AI-generated content may be incorrect.">
-            <a:extLst>
-              <a:ext uri="{FF2B5EF4-FFF2-40B4-BE49-F238E27FC236}">
-                <a16:creationId xmlns:a16="http://schemas.microsoft.com/office/drawing/2014/main" id="{7D276174-A09D-F845-D433-F039E9A73750}"/>
-              </a:ext>
-            </a:extLst>
-          </p:cNvPr>
-          <p:cNvPicPr>
-            <a:picLocks noChangeAspect="1"/>
-          </p:cNvPicPr>
-          <p:nvPr/>
-        </p:nvPicPr>
-        <p:blipFill>
-          <a:blip r:embed="rId6">
-            <a:extLst>
-              <a:ext uri="{28A0092B-C50C-407E-A947-70E740481C1C}">
-                <a14:useLocalDpi xmlns:a14="http://schemas.microsoft.com/office/drawing/2010/main" val="0"/>
-              </a:ext>
-            </a:extLst>
-          </a:blip>
-          <a:stretch>
-            <a:fillRect/>
-          </a:stretch>
-        </p:blipFill>
-        <p:spPr>
-          <a:xfrm>
-            <a:off x="14250187" y="13254056"/>
-            <a:ext cx="6519712" cy="4597728"/>
-          </a:xfrm>
-          <a:prstGeom prst="rect">
-            <a:avLst/>
-          </a:prstGeom>
-        </p:spPr>
-      </p:pic>
-      <p:sp>
-        <p:nvSpPr>
-          <p:cNvPr id="26" name="TextBox 25">
-            <a:extLst>
-              <a:ext uri="{FF2B5EF4-FFF2-40B4-BE49-F238E27FC236}">
-                <a16:creationId xmlns:a16="http://schemas.microsoft.com/office/drawing/2014/main" id="{A644C17E-01F8-E3D3-464A-478A88740422}"/>
-              </a:ext>
-            </a:extLst>
-          </p:cNvPr>
-          <p:cNvSpPr txBox="1"/>
-          <p:nvPr/>
-        </p:nvSpPr>
-        <p:spPr>
-          <a:xfrm>
-            <a:off x="11151372" y="9373768"/>
-            <a:ext cx="9584641" cy="3831818"/>
-          </a:xfrm>
-          <a:prstGeom prst="rect">
-            <a:avLst/>
-          </a:prstGeom>
-          <a:noFill/>
-        </p:spPr>
-        <p:txBody>
-          <a:bodyPr wrap="square" rtlCol="0">
-            <a:spAutoFit/>
-          </a:bodyPr>
-          <a:lstStyle/>
-          <a:p>
-            <a:pPr algn="just"/>
-            <a:r>
-              <a:rPr lang="en-IE" sz="2700" dirty="0">
-                <a:latin typeface="+mj-lt"/>
-                <a:cs typeface="Arial" panose="020B0604020202020204" pitchFamily="34" charset="0"/>
-              </a:rPr>
-              <a:t>K-Means with four clusters outperformed the other algorithms based on both visual and quantitative evaluation. Hierarchical with three clusters showed some separation, but the clusters were less distinct and less stable.  DBSCAN failed to produce meaningful clusters and labelled most data as noise. The ANOVA test confirmed significant differences in age and length of stay, while income showed no clear distinction. ARI values indicated K-Means  has stronger cluster stability (mean ARI= 0.61) 	compared to       						Hierarchical 	 (mean ARI= 0.011).</a:t>
-            </a:r>
-            <a:endParaRPr lang="en-IE" sz="2700" dirty="0">
-              <a:latin typeface="+mj-lt"/>
-            </a:endParaRPr>
-          </a:p>
-        </p:txBody>
-      </p:sp>
-      <p:pic>
-        <p:nvPicPr>
-          <p:cNvPr id="27" name="Picture 26" descr="A table with numbers and lines&#10;&#10;AI-generated content may be incorrect.">
-            <a:extLst>
-              <a:ext uri="{FF2B5EF4-FFF2-40B4-BE49-F238E27FC236}">
-                <a16:creationId xmlns:a16="http://schemas.microsoft.com/office/drawing/2014/main" id="{E3735745-9633-69AD-AECC-47781BE5CDF8}"/>
-              </a:ext>
-            </a:extLst>
-          </p:cNvPr>
-          <p:cNvPicPr>
-            <a:picLocks noChangeAspect="1"/>
-          </p:cNvPicPr>
-          <p:nvPr/>
-        </p:nvPicPr>
-        <p:blipFill>
-          <a:blip r:embed="rId7">
-            <a:extLst>
-              <a:ext uri="{28A0092B-C50C-407E-A947-70E740481C1C}">
-                <a14:useLocalDpi xmlns:a14="http://schemas.microsoft.com/office/drawing/2010/main" val="0"/>
-              </a:ext>
-            </a:extLst>
-          </a:blip>
-          <a:stretch>
-            <a:fillRect/>
-          </a:stretch>
-        </p:blipFill>
-        <p:spPr>
-          <a:xfrm>
-            <a:off x="2549426" y="8579564"/>
-            <a:ext cx="5204020" cy="2993116"/>
-          </a:xfrm>
-          <a:prstGeom prst="rect">
-            <a:avLst/>
-          </a:prstGeom>
-        </p:spPr>
-      </p:pic>
-      <p:sp>
-        <p:nvSpPr>
-          <p:cNvPr id="28" name="Rectangle 27">
-            <a:extLst>
-              <a:ext uri="{FF2B5EF4-FFF2-40B4-BE49-F238E27FC236}">
-                <a16:creationId xmlns:a16="http://schemas.microsoft.com/office/drawing/2014/main" id="{5BFA1477-A35F-78A1-3602-BF6B23970E34}"/>
-              </a:ext>
-            </a:extLst>
-          </p:cNvPr>
-          <p:cNvSpPr/>
-          <p:nvPr/>
-        </p:nvSpPr>
-        <p:spPr>
-          <a:xfrm>
-            <a:off x="346181" y="3682643"/>
-            <a:ext cx="9858257" cy="1078140"/>
-          </a:xfrm>
-          <a:prstGeom prst="rect">
-            <a:avLst/>
-          </a:prstGeom>
-          <a:solidFill>
-            <a:srgbClr val="04756F"/>
-          </a:solidFill>
-        </p:spPr>
-        <p:style>
-          <a:lnRef idx="2">
-            <a:schemeClr val="accent1">
-              <a:shade val="15000"/>
-            </a:schemeClr>
-          </a:lnRef>
-          <a:fillRef idx="1">
-            <a:schemeClr val="accent1"/>
-          </a:fillRef>
-          <a:effectRef idx="0">
-            <a:schemeClr val="accent1"/>
-          </a:effectRef>
-          <a:fontRef idx="minor">
-            <a:schemeClr val="lt1"/>
-          </a:fontRef>
-        </p:style>
-        <p:txBody>
-          <a:bodyPr rtlCol="0" anchor="ctr"/>
-          <a:lstStyle/>
-          <a:p>
-            <a:pPr algn="ctr"/>
-            <a:endParaRPr lang="en-IE"/>
-          </a:p>
-        </p:txBody>
-      </p:sp>
-      <p:sp>
-        <p:nvSpPr>
-          <p:cNvPr id="29" name="Rectangle 28">
-            <a:extLst>
-              <a:ext uri="{FF2B5EF4-FFF2-40B4-BE49-F238E27FC236}">
-                <a16:creationId xmlns:a16="http://schemas.microsoft.com/office/drawing/2014/main" id="{A3F1D004-CC3D-0A96-2CC2-EDCD9B5D6D97}"/>
-              </a:ext>
-            </a:extLst>
-          </p:cNvPr>
-          <p:cNvSpPr/>
-          <p:nvPr/>
-        </p:nvSpPr>
-        <p:spPr>
-          <a:xfrm>
-            <a:off x="346180" y="12125032"/>
-            <a:ext cx="9841057" cy="1078140"/>
-          </a:xfrm>
-          <a:prstGeom prst="rect">
-            <a:avLst/>
-          </a:prstGeom>
-          <a:solidFill>
-            <a:srgbClr val="04756F"/>
-          </a:solidFill>
-        </p:spPr>
-        <p:style>
-          <a:lnRef idx="2">
-            <a:schemeClr val="accent1">
-              <a:shade val="15000"/>
-            </a:schemeClr>
-          </a:lnRef>
-          <a:fillRef idx="1">
-            <a:schemeClr val="accent1"/>
-          </a:fillRef>
-          <a:effectRef idx="0">
-            <a:schemeClr val="accent1"/>
-          </a:effectRef>
-          <a:fontRef idx="minor">
-            <a:schemeClr val="lt1"/>
-          </a:fontRef>
-        </p:style>
-        <p:txBody>
-          <a:bodyPr rtlCol="0" anchor="ctr"/>
-          <a:lstStyle/>
-          <a:p>
-            <a:pPr algn="ctr"/>
-            <a:endParaRPr lang="en-IE"/>
-          </a:p>
-        </p:txBody>
-      </p:sp>
-      <p:sp>
-        <p:nvSpPr>
-          <p:cNvPr id="30" name="Rectangle 29">
-            <a:extLst>
-              <a:ext uri="{FF2B5EF4-FFF2-40B4-BE49-F238E27FC236}">
-                <a16:creationId xmlns:a16="http://schemas.microsoft.com/office/drawing/2014/main" id="{CA2431C9-E7C5-0A71-ACA5-2EC97779FC76}"/>
-              </a:ext>
-            </a:extLst>
-          </p:cNvPr>
-          <p:cNvSpPr/>
-          <p:nvPr/>
-        </p:nvSpPr>
-        <p:spPr>
-          <a:xfrm>
-            <a:off x="346180" y="15628450"/>
-            <a:ext cx="10101037" cy="1078140"/>
-          </a:xfrm>
-          <a:prstGeom prst="rect">
-            <a:avLst/>
-          </a:prstGeom>
-          <a:solidFill>
-            <a:srgbClr val="04756F"/>
-          </a:solidFill>
-        </p:spPr>
-        <p:style>
-          <a:lnRef idx="2">
-            <a:schemeClr val="accent1">
-              <a:shade val="15000"/>
-            </a:schemeClr>
-          </a:lnRef>
-          <a:fillRef idx="1">
-            <a:schemeClr val="accent1"/>
-          </a:fillRef>
-          <a:effectRef idx="0">
-            <a:schemeClr val="accent1"/>
-          </a:effectRef>
-          <a:fontRef idx="minor">
-            <a:schemeClr val="lt1"/>
-          </a:fontRef>
-        </p:style>
-        <p:txBody>
-          <a:bodyPr rtlCol="0" anchor="ctr"/>
-          <a:lstStyle/>
-          <a:p>
-            <a:pPr algn="ctr"/>
-            <a:endParaRPr lang="en-IE"/>
-          </a:p>
-        </p:txBody>
-      </p:sp>
-      <p:sp>
-        <p:nvSpPr>
-          <p:cNvPr id="31" name="TextBox 30">
-            <a:extLst>
-              <a:ext uri="{FF2B5EF4-FFF2-40B4-BE49-F238E27FC236}">
-                <a16:creationId xmlns:a16="http://schemas.microsoft.com/office/drawing/2014/main" id="{203C46B8-0861-B15F-2F14-C0217D8C724A}"/>
-              </a:ext>
-            </a:extLst>
-          </p:cNvPr>
-          <p:cNvSpPr txBox="1"/>
-          <p:nvPr/>
-        </p:nvSpPr>
-        <p:spPr>
-          <a:xfrm>
-            <a:off x="1595059" y="15697934"/>
-            <a:ext cx="7154493" cy="923330"/>
-          </a:xfrm>
-          <a:prstGeom prst="rect">
-            <a:avLst/>
-          </a:prstGeom>
-          <a:noFill/>
-        </p:spPr>
-        <p:txBody>
-          <a:bodyPr wrap="square" rtlCol="0">
-            <a:spAutoFit/>
-          </a:bodyPr>
-          <a:lstStyle/>
-          <a:p>
-            <a:r>
-              <a:rPr lang="en-IE" sz="5400" b="1" dirty="0">
-                <a:solidFill>
-                  <a:schemeClr val="bg1"/>
-                </a:solidFill>
-              </a:rPr>
-              <a:t>Methodology</a:t>
-            </a:r>
-          </a:p>
-        </p:txBody>
-      </p:sp>
-      <p:sp>
-        <p:nvSpPr>
-          <p:cNvPr id="32" name="TextBox 31">
-            <a:extLst>
-              <a:ext uri="{FF2B5EF4-FFF2-40B4-BE49-F238E27FC236}">
-                <a16:creationId xmlns:a16="http://schemas.microsoft.com/office/drawing/2014/main" id="{72A54F7B-417A-1B62-B238-2AC91A4E2DDF}"/>
-              </a:ext>
-            </a:extLst>
-          </p:cNvPr>
-          <p:cNvSpPr txBox="1"/>
-          <p:nvPr/>
-        </p:nvSpPr>
-        <p:spPr>
-          <a:xfrm>
-            <a:off x="1179025" y="12274709"/>
-            <a:ext cx="9117411" cy="830997"/>
-          </a:xfrm>
-          <a:prstGeom prst="rect">
-            <a:avLst/>
-          </a:prstGeom>
-          <a:noFill/>
-        </p:spPr>
-        <p:txBody>
-          <a:bodyPr wrap="square" rtlCol="0">
-            <a:spAutoFit/>
-          </a:bodyPr>
-          <a:lstStyle/>
-          <a:p>
-            <a:r>
-              <a:rPr lang="en-IE" sz="4600" b="1" dirty="0">
-                <a:solidFill>
-                  <a:schemeClr val="bg1"/>
-                </a:solidFill>
-              </a:rPr>
-              <a:t>Research Question</a:t>
-            </a:r>
-          </a:p>
-        </p:txBody>
-      </p:sp>
-      <p:sp>
-        <p:nvSpPr>
-          <p:cNvPr id="33" name="TextBox 32">
-            <a:extLst>
-              <a:ext uri="{FF2B5EF4-FFF2-40B4-BE49-F238E27FC236}">
-                <a16:creationId xmlns:a16="http://schemas.microsoft.com/office/drawing/2014/main" id="{1985AA7A-11C6-323D-6031-DBBD747EE98B}"/>
-              </a:ext>
-            </a:extLst>
-          </p:cNvPr>
-          <p:cNvSpPr txBox="1"/>
-          <p:nvPr/>
-        </p:nvSpPr>
-        <p:spPr>
-          <a:xfrm>
-            <a:off x="3027191" y="3799982"/>
-            <a:ext cx="4601720" cy="923330"/>
-          </a:xfrm>
-          <a:prstGeom prst="rect">
-            <a:avLst/>
-          </a:prstGeom>
-          <a:noFill/>
-        </p:spPr>
-        <p:txBody>
-          <a:bodyPr wrap="square" rtlCol="0">
-            <a:spAutoFit/>
-          </a:bodyPr>
-          <a:lstStyle/>
-          <a:p>
-            <a:r>
-              <a:rPr lang="en-IE" sz="5400" b="1" dirty="0">
-                <a:solidFill>
-                  <a:schemeClr val="bg1"/>
-                </a:solidFill>
-                <a:latin typeface="Aptos Black" panose="020F0502020204030204" pitchFamily="34" charset="0"/>
-              </a:rPr>
-              <a:t>Introduction</a:t>
-            </a:r>
-          </a:p>
-        </p:txBody>
-      </p:sp>
-      <p:sp>
-        <p:nvSpPr>
-          <p:cNvPr id="34" name="Rectangle 33">
-            <a:extLst>
-              <a:ext uri="{FF2B5EF4-FFF2-40B4-BE49-F238E27FC236}">
-                <a16:creationId xmlns:a16="http://schemas.microsoft.com/office/drawing/2014/main" id="{D61523B6-5776-3857-81DF-96F61F145EAA}"/>
-              </a:ext>
-            </a:extLst>
-          </p:cNvPr>
-          <p:cNvSpPr/>
-          <p:nvPr/>
-        </p:nvSpPr>
-        <p:spPr>
-          <a:xfrm>
-            <a:off x="10932108" y="3682475"/>
-            <a:ext cx="10101600" cy="1078140"/>
-          </a:xfrm>
-          <a:prstGeom prst="rect">
-            <a:avLst/>
-          </a:prstGeom>
-          <a:solidFill>
-            <a:srgbClr val="04756F"/>
-          </a:solidFill>
-        </p:spPr>
-        <p:style>
-          <a:lnRef idx="2">
-            <a:schemeClr val="accent1">
-              <a:shade val="15000"/>
-            </a:schemeClr>
-          </a:lnRef>
-          <a:fillRef idx="1">
-            <a:schemeClr val="accent1"/>
-          </a:fillRef>
-          <a:effectRef idx="0">
-            <a:schemeClr val="accent1"/>
-          </a:effectRef>
-          <a:fontRef idx="minor">
-            <a:schemeClr val="lt1"/>
-          </a:fontRef>
-        </p:style>
-        <p:txBody>
-          <a:bodyPr rtlCol="0" anchor="ctr"/>
-          <a:lstStyle/>
-          <a:p>
-            <a:pPr algn="ctr"/>
-            <a:endParaRPr lang="en-IE"/>
-          </a:p>
-        </p:txBody>
-      </p:sp>
-      <p:sp>
-        <p:nvSpPr>
-          <p:cNvPr id="35" name="TextBox 34">
-            <a:extLst>
-              <a:ext uri="{FF2B5EF4-FFF2-40B4-BE49-F238E27FC236}">
-                <a16:creationId xmlns:a16="http://schemas.microsoft.com/office/drawing/2014/main" id="{9E44210D-8B21-FFBD-0F35-2E9FC9963ECA}"/>
-              </a:ext>
-            </a:extLst>
-          </p:cNvPr>
-          <p:cNvSpPr txBox="1"/>
-          <p:nvPr/>
-        </p:nvSpPr>
-        <p:spPr>
-          <a:xfrm>
-            <a:off x="13093565" y="3766698"/>
-            <a:ext cx="6351708" cy="923330"/>
-          </a:xfrm>
-          <a:prstGeom prst="rect">
-            <a:avLst/>
-          </a:prstGeom>
-          <a:noFill/>
-        </p:spPr>
-        <p:txBody>
-          <a:bodyPr wrap="square" rtlCol="0">
-            <a:spAutoFit/>
-          </a:bodyPr>
-          <a:lstStyle/>
-          <a:p>
-            <a:r>
-              <a:rPr lang="en-IE" sz="5400" b="1" dirty="0">
-                <a:solidFill>
-                  <a:schemeClr val="bg1"/>
-                </a:solidFill>
-              </a:rPr>
-              <a:t>Data Preparation</a:t>
-            </a:r>
-          </a:p>
-        </p:txBody>
-      </p:sp>
-      <p:sp>
-        <p:nvSpPr>
-          <p:cNvPr id="36" name="Rectangle 35">
-            <a:extLst>
-              <a:ext uri="{FF2B5EF4-FFF2-40B4-BE49-F238E27FC236}">
-                <a16:creationId xmlns:a16="http://schemas.microsoft.com/office/drawing/2014/main" id="{A96BC89D-4ED0-1C85-63B6-545D66C31F9C}"/>
-              </a:ext>
-            </a:extLst>
-          </p:cNvPr>
-          <p:cNvSpPr/>
-          <p:nvPr/>
-        </p:nvSpPr>
-        <p:spPr>
-          <a:xfrm>
-            <a:off x="10926986" y="7981028"/>
-            <a:ext cx="10101600" cy="1078140"/>
-          </a:xfrm>
-          <a:prstGeom prst="rect">
-            <a:avLst/>
-          </a:prstGeom>
-          <a:solidFill>
-            <a:srgbClr val="04756F"/>
-          </a:solidFill>
-        </p:spPr>
-        <p:style>
-          <a:lnRef idx="2">
-            <a:schemeClr val="accent1">
-              <a:shade val="15000"/>
-            </a:schemeClr>
-          </a:lnRef>
-          <a:fillRef idx="1">
-            <a:schemeClr val="accent1"/>
-          </a:fillRef>
-          <a:effectRef idx="0">
-            <a:schemeClr val="accent1"/>
-          </a:effectRef>
-          <a:fontRef idx="minor">
-            <a:schemeClr val="lt1"/>
-          </a:fontRef>
-        </p:style>
-        <p:txBody>
-          <a:bodyPr rtlCol="0" anchor="ctr"/>
-          <a:lstStyle/>
-          <a:p>
-            <a:pPr algn="ctr"/>
-            <a:endParaRPr lang="en-IE"/>
-          </a:p>
-        </p:txBody>
-      </p:sp>
-      <p:sp>
-        <p:nvSpPr>
-          <p:cNvPr id="37" name="TextBox 36">
-            <a:extLst>
-              <a:ext uri="{FF2B5EF4-FFF2-40B4-BE49-F238E27FC236}">
-                <a16:creationId xmlns:a16="http://schemas.microsoft.com/office/drawing/2014/main" id="{CCA5782B-B1B8-CA7E-6F4E-A2F7BDE1C899}"/>
-              </a:ext>
-            </a:extLst>
-          </p:cNvPr>
-          <p:cNvSpPr txBox="1"/>
-          <p:nvPr/>
-        </p:nvSpPr>
-        <p:spPr>
-          <a:xfrm>
-            <a:off x="14708023" y="8141815"/>
-            <a:ext cx="4126176" cy="923330"/>
-          </a:xfrm>
-          <a:prstGeom prst="rect">
-            <a:avLst/>
-          </a:prstGeom>
-          <a:noFill/>
-        </p:spPr>
-        <p:txBody>
-          <a:bodyPr wrap="square" rtlCol="0">
-            <a:spAutoFit/>
-          </a:bodyPr>
-          <a:lstStyle/>
-          <a:p>
-            <a:r>
-              <a:rPr lang="en-IE" sz="5400" b="1" dirty="0">
-                <a:solidFill>
-                  <a:schemeClr val="bg1"/>
-                </a:solidFill>
-              </a:rPr>
-              <a:t>Results</a:t>
-            </a:r>
-          </a:p>
-        </p:txBody>
-      </p:sp>
-      <p:sp>
-        <p:nvSpPr>
-          <p:cNvPr id="38" name="Rectangle 37">
-            <a:extLst>
-              <a:ext uri="{FF2B5EF4-FFF2-40B4-BE49-F238E27FC236}">
-                <a16:creationId xmlns:a16="http://schemas.microsoft.com/office/drawing/2014/main" id="{A5057D98-4980-B1B0-69F9-341B1AAA0818}"/>
-              </a:ext>
-            </a:extLst>
-          </p:cNvPr>
-          <p:cNvSpPr/>
-          <p:nvPr/>
-        </p:nvSpPr>
-        <p:spPr>
-          <a:xfrm>
-            <a:off x="10929035" y="24647653"/>
-            <a:ext cx="10101600" cy="1078140"/>
-          </a:xfrm>
-          <a:prstGeom prst="rect">
-            <a:avLst/>
-          </a:prstGeom>
-          <a:solidFill>
-            <a:srgbClr val="04756F"/>
-          </a:solidFill>
-        </p:spPr>
-        <p:style>
-          <a:lnRef idx="2">
-            <a:schemeClr val="accent1">
-              <a:shade val="15000"/>
-            </a:schemeClr>
-          </a:lnRef>
-          <a:fillRef idx="1">
-            <a:schemeClr val="accent1"/>
-          </a:fillRef>
-          <a:effectRef idx="0">
-            <a:schemeClr val="accent1"/>
-          </a:effectRef>
-          <a:fontRef idx="minor">
-            <a:schemeClr val="lt1"/>
-          </a:fontRef>
-        </p:style>
-        <p:txBody>
-          <a:bodyPr rtlCol="0" anchor="ctr"/>
-          <a:lstStyle/>
-          <a:p>
-            <a:pPr algn="ctr"/>
-            <a:endParaRPr lang="en-IE"/>
-          </a:p>
-        </p:txBody>
-      </p:sp>
-      <p:sp>
-        <p:nvSpPr>
-          <p:cNvPr id="39" name="TextBox 38">
-            <a:extLst>
-              <a:ext uri="{FF2B5EF4-FFF2-40B4-BE49-F238E27FC236}">
-                <a16:creationId xmlns:a16="http://schemas.microsoft.com/office/drawing/2014/main" id="{1ADDD9A9-2CD3-B0B9-B792-26309AD6748C}"/>
-              </a:ext>
-            </a:extLst>
-          </p:cNvPr>
-          <p:cNvSpPr txBox="1"/>
-          <p:nvPr/>
-        </p:nvSpPr>
-        <p:spPr>
-          <a:xfrm>
-            <a:off x="13789165" y="24752887"/>
-            <a:ext cx="4126176" cy="923330"/>
-          </a:xfrm>
-          <a:prstGeom prst="rect">
-            <a:avLst/>
-          </a:prstGeom>
-          <a:noFill/>
-        </p:spPr>
-        <p:txBody>
-          <a:bodyPr wrap="square" rtlCol="0">
-            <a:spAutoFit/>
-          </a:bodyPr>
-          <a:lstStyle/>
-          <a:p>
-            <a:r>
-              <a:rPr lang="en-IE" sz="5400" b="1" dirty="0">
-                <a:solidFill>
-                  <a:schemeClr val="bg1"/>
-                </a:solidFill>
-              </a:rPr>
-              <a:t>Conclusion</a:t>
-            </a:r>
-          </a:p>
-        </p:txBody>
-      </p:sp>
-      <p:sp>
-        <p:nvSpPr>
-          <p:cNvPr id="40" name="TextBox 39">
-            <a:extLst>
-              <a:ext uri="{FF2B5EF4-FFF2-40B4-BE49-F238E27FC236}">
-                <a16:creationId xmlns:a16="http://schemas.microsoft.com/office/drawing/2014/main" id="{A7792B6F-230B-7D39-768A-E8411ADC91CD}"/>
-              </a:ext>
-            </a:extLst>
-          </p:cNvPr>
-          <p:cNvSpPr txBox="1"/>
-          <p:nvPr/>
-        </p:nvSpPr>
-        <p:spPr>
-          <a:xfrm>
-            <a:off x="660962" y="17083991"/>
-            <a:ext cx="3149135" cy="3416320"/>
-          </a:xfrm>
-          <a:prstGeom prst="rect">
-            <a:avLst/>
-          </a:prstGeom>
-          <a:noFill/>
-        </p:spPr>
-        <p:txBody>
-          <a:bodyPr wrap="square" rtlCol="0">
-            <a:spAutoFit/>
-          </a:bodyPr>
-          <a:lstStyle/>
-          <a:p>
-            <a:pPr algn="just"/>
-            <a:r>
-              <a:rPr lang="en-IE" sz="2700" dirty="0">
-                <a:latin typeface="+mj-lt"/>
-                <a:cs typeface="Arial" panose="020B0604020202020204" pitchFamily="34" charset="0"/>
-              </a:rPr>
-              <a:t>The study followed the CRISP-DM framework. The data was obtained from 2023 visitor surveys conducted at Keflavik International Airport</a:t>
-            </a:r>
-            <a:endParaRPr lang="en-IE" sz="2700" dirty="0"/>
-          </a:p>
-        </p:txBody>
-      </p:sp>
-      <p:pic>
-        <p:nvPicPr>
-          <p:cNvPr id="41" name="Picture 40" descr="A waterfall and a mountain with green lights in the sky&#10;&#10;AI-generated content may be incorrect.">
-            <a:extLst>
-              <a:ext uri="{FF2B5EF4-FFF2-40B4-BE49-F238E27FC236}">
-                <a16:creationId xmlns:a16="http://schemas.microsoft.com/office/drawing/2014/main" id="{A62CE761-4312-5029-BEBA-885A9B2CF971}"/>
-              </a:ext>
-            </a:extLst>
-          </p:cNvPr>
-          <p:cNvPicPr>
-            <a:picLocks noChangeAspect="1"/>
-          </p:cNvPicPr>
-          <p:nvPr/>
-        </p:nvPicPr>
-        <p:blipFill>
-          <a:blip r:embed="rId8">
-            <a:extLst>
-              <a:ext uri="{28A0092B-C50C-407E-A947-70E740481C1C}">
-                <a14:useLocalDpi xmlns:a14="http://schemas.microsoft.com/office/drawing/2010/main" val="0"/>
-              </a:ext>
-            </a:extLst>
-          </a:blip>
-          <a:stretch>
-            <a:fillRect/>
-          </a:stretch>
-        </p:blipFill>
-        <p:spPr>
-          <a:xfrm>
-            <a:off x="7256290" y="12835934"/>
-            <a:ext cx="6871044" cy="6111490"/>
-          </a:xfrm>
-          <a:prstGeom prst="ellipse">
-            <a:avLst/>
-          </a:prstGeom>
-          <a:ln w="63500" cap="rnd">
-            <a:solidFill>
-              <a:srgbClr val="333333"/>
-            </a:solidFill>
-          </a:ln>
-          <a:effectLst/>
-          <a:scene3d>
-            <a:camera prst="orthographicFront"/>
-            <a:lightRig rig="contrasting" dir="t">
-              <a:rot lat="0" lon="0" rev="3000000"/>
-            </a:lightRig>
-          </a:scene3d>
-          <a:sp3d contourW="7620">
-            <a:bevelT w="95250" h="31750"/>
-            <a:contourClr>
-              <a:srgbClr val="333333"/>
-            </a:contourClr>
-          </a:sp3d>
-        </p:spPr>
-      </p:pic>
-      <p:pic>
-        <p:nvPicPr>
-          <p:cNvPr id="42" name="Picture 41">
-            <a:extLst>
-              <a:ext uri="{FF2B5EF4-FFF2-40B4-BE49-F238E27FC236}">
-                <a16:creationId xmlns:a16="http://schemas.microsoft.com/office/drawing/2014/main" id="{1548B4CF-58FE-AC41-3E25-5CDD60C2F864}"/>
-              </a:ext>
-            </a:extLst>
-          </p:cNvPr>
-          <p:cNvPicPr>
-            <a:picLocks noChangeAspect="1"/>
-          </p:cNvPicPr>
-          <p:nvPr/>
-        </p:nvPicPr>
-        <p:blipFill>
-          <a:blip r:embed="rId3"/>
-          <a:srcRect l="80063" t="10594" r="357" b="68463"/>
-          <a:stretch/>
-        </p:blipFill>
-        <p:spPr>
-          <a:xfrm>
-            <a:off x="18326687" y="19979843"/>
-            <a:ext cx="2309535" cy="1127792"/>
-          </a:xfrm>
-          <a:prstGeom prst="rect">
-            <a:avLst/>
-          </a:prstGeom>
-          <a:ln>
-            <a:solidFill>
-              <a:schemeClr val="tx1"/>
-            </a:solidFill>
-          </a:ln>
-        </p:spPr>
-      </p:pic>
-    </p:spTree>
-    <p:extLst>
-      <p:ext uri="{BB962C8B-B14F-4D97-AF65-F5344CB8AC3E}">
-        <p14:creationId xmlns:p14="http://schemas.microsoft.com/office/powerpoint/2010/main" val="1442857595"/>
-      </p:ext>
-    </p:extLst>
-  </p:cSld>
-  <p:clrMapOvr>
-    <a:masterClrMapping/>
-  </p:clrMapOvr>
-</p:sld>
-</file>
-
-<file path=ppt/slides/slide3.xml><?xml version="1.0" encoding="utf-8"?>
-<p:sld xmlns:a="http://schemas.openxmlformats.org/drawingml/2006/main" xmlns:r="http://schemas.openxmlformats.org/officeDocument/2006/relationships" xmlns:p="http://schemas.openxmlformats.org/presentationml/2006/main">
-  <p:cSld>
-    <p:bg>
-      <p:bgPr>
-        <a:solidFill>
-          <a:srgbClr val="D9F0F2"/>
-        </a:solidFill>
-        <a:effectLst/>
-      </p:bgPr>
-    </p:bg>
-    <p:spTree>
-      <p:nvGrpSpPr>
-        <p:cNvPr id="1" name=""/>
-        <p:cNvGrpSpPr/>
-        <p:nvPr/>
-      </p:nvGrpSpPr>
-      <p:grpSpPr>
-        <a:xfrm>
-          <a:off x="0" y="0"/>
-          <a:ext cx="0" cy="0"/>
-          <a:chOff x="0" y="0"/>
-          <a:chExt cx="0" cy="0"/>
-        </a:xfrm>
-      </p:grpSpPr>
-      <p:sp>
-        <p:nvSpPr>
-          <p:cNvPr id="2" name="Rectangle 1">
-            <a:extLst>
-              <a:ext uri="{FF2B5EF4-FFF2-40B4-BE49-F238E27FC236}">
-                <a16:creationId xmlns:a16="http://schemas.microsoft.com/office/drawing/2014/main" id="{E81BD239-F2CA-EE29-9990-5A7A8E002022}"/>
-              </a:ext>
-            </a:extLst>
-          </p:cNvPr>
-          <p:cNvSpPr/>
-          <p:nvPr/>
-        </p:nvSpPr>
-        <p:spPr>
-          <a:xfrm>
-            <a:off x="0" y="-30480"/>
-            <a:ext cx="21383624" cy="3102746"/>
-          </a:xfrm>
-          <a:prstGeom prst="rect">
-            <a:avLst/>
-          </a:prstGeom>
-          <a:solidFill>
-            <a:srgbClr val="04756F"/>
-          </a:solidFill>
-        </p:spPr>
-        <p:style>
-          <a:lnRef idx="2">
-            <a:schemeClr val="accent1">
-              <a:shade val="15000"/>
-            </a:schemeClr>
-          </a:lnRef>
-          <a:fillRef idx="1">
-            <a:schemeClr val="accent1"/>
-          </a:fillRef>
-          <a:effectRef idx="0">
-            <a:schemeClr val="accent1"/>
-          </a:effectRef>
-          <a:fontRef idx="minor">
-            <a:schemeClr val="lt1"/>
-          </a:fontRef>
-        </p:style>
-        <p:txBody>
-          <a:bodyPr rtlCol="0" anchor="ctr"/>
-          <a:lstStyle/>
-          <a:p>
-            <a:pPr algn="ctr"/>
-            <a:endParaRPr lang="en-IE" dirty="0"/>
-          </a:p>
-        </p:txBody>
-      </p:sp>
-      <p:sp>
-        <p:nvSpPr>
-          <p:cNvPr id="3" name="Rectangle 2">
-            <a:extLst>
-              <a:ext uri="{FF2B5EF4-FFF2-40B4-BE49-F238E27FC236}">
-                <a16:creationId xmlns:a16="http://schemas.microsoft.com/office/drawing/2014/main" id="{20F22B15-2127-F0FE-F700-63B9FEC5D40C}"/>
-              </a:ext>
-            </a:extLst>
-          </p:cNvPr>
-          <p:cNvSpPr/>
-          <p:nvPr/>
-        </p:nvSpPr>
-        <p:spPr>
-          <a:xfrm>
-            <a:off x="10935844" y="3753937"/>
-            <a:ext cx="10101600" cy="3902098"/>
-          </a:xfrm>
-          <a:prstGeom prst="rect">
-            <a:avLst/>
-          </a:prstGeom>
-          <a:solidFill>
-            <a:srgbClr val="FFFFFF"/>
-          </a:solidFill>
-        </p:spPr>
-        <p:style>
-          <a:lnRef idx="2">
-            <a:schemeClr val="accent1">
-              <a:shade val="15000"/>
-            </a:schemeClr>
-          </a:lnRef>
-          <a:fillRef idx="1">
-            <a:schemeClr val="accent1"/>
-          </a:fillRef>
-          <a:effectRef idx="0">
-            <a:schemeClr val="accent1"/>
-          </a:effectRef>
-          <a:fontRef idx="minor">
-            <a:schemeClr val="lt1"/>
-          </a:fontRef>
-        </p:style>
-        <p:txBody>
-          <a:bodyPr rtlCol="0" anchor="ctr"/>
-          <a:lstStyle/>
-          <a:p>
-            <a:pPr algn="ctr"/>
-            <a:endParaRPr lang="en-IE" dirty="0"/>
-          </a:p>
-        </p:txBody>
-      </p:sp>
-      <p:sp>
-        <p:nvSpPr>
-          <p:cNvPr id="4" name="Rectangle 3">
-            <a:extLst>
-              <a:ext uri="{FF2B5EF4-FFF2-40B4-BE49-F238E27FC236}">
-                <a16:creationId xmlns:a16="http://schemas.microsoft.com/office/drawing/2014/main" id="{20D890D4-682B-7A72-2D6F-0ACBD89BD0D2}"/>
-              </a:ext>
-            </a:extLst>
-          </p:cNvPr>
-          <p:cNvSpPr/>
-          <p:nvPr/>
-        </p:nvSpPr>
-        <p:spPr>
-          <a:xfrm>
-            <a:off x="10926987" y="7999422"/>
-            <a:ext cx="10101600" cy="16364065"/>
-          </a:xfrm>
-          <a:prstGeom prst="rect">
-            <a:avLst/>
-          </a:prstGeom>
-          <a:solidFill>
-            <a:srgbClr val="FFFFFF"/>
-          </a:solidFill>
-        </p:spPr>
-        <p:style>
-          <a:lnRef idx="2">
-            <a:schemeClr val="accent1">
-              <a:shade val="15000"/>
-            </a:schemeClr>
-          </a:lnRef>
-          <a:fillRef idx="1">
-            <a:schemeClr val="accent1"/>
-          </a:fillRef>
-          <a:effectRef idx="0">
-            <a:schemeClr val="accent1"/>
-          </a:effectRef>
-          <a:fontRef idx="minor">
-            <a:schemeClr val="lt1"/>
-          </a:fontRef>
-        </p:style>
-        <p:txBody>
-          <a:bodyPr rtlCol="0" anchor="ctr"/>
-          <a:lstStyle/>
-          <a:p>
-            <a:pPr algn="ctr"/>
-            <a:endParaRPr lang="en-IE"/>
-          </a:p>
-        </p:txBody>
-      </p:sp>
-      <p:sp>
-        <p:nvSpPr>
-          <p:cNvPr id="5" name="Rectangle 4">
-            <a:extLst>
-              <a:ext uri="{FF2B5EF4-FFF2-40B4-BE49-F238E27FC236}">
-                <a16:creationId xmlns:a16="http://schemas.microsoft.com/office/drawing/2014/main" id="{37A5E330-6052-26A1-96F5-833F41E747C4}"/>
-              </a:ext>
-            </a:extLst>
-          </p:cNvPr>
-          <p:cNvSpPr/>
-          <p:nvPr/>
-        </p:nvSpPr>
-        <p:spPr>
-          <a:xfrm>
-            <a:off x="350363" y="3688741"/>
-            <a:ext cx="9858257" cy="7039173"/>
-          </a:xfrm>
-          <a:prstGeom prst="rect">
-            <a:avLst/>
-          </a:prstGeom>
-          <a:solidFill>
-            <a:srgbClr val="FFFFFF"/>
-          </a:solidFill>
-        </p:spPr>
-        <p:style>
-          <a:lnRef idx="2">
-            <a:schemeClr val="accent1">
-              <a:shade val="15000"/>
-            </a:schemeClr>
-          </a:lnRef>
-          <a:fillRef idx="1">
-            <a:schemeClr val="accent1"/>
-          </a:fillRef>
-          <a:effectRef idx="0">
-            <a:schemeClr val="accent1"/>
-          </a:effectRef>
-          <a:fontRef idx="minor">
-            <a:schemeClr val="lt1"/>
-          </a:fontRef>
-        </p:style>
-        <p:txBody>
-          <a:bodyPr rtlCol="0" anchor="ctr"/>
-          <a:lstStyle/>
-          <a:p>
-            <a:pPr algn="ctr"/>
-            <a:endParaRPr lang="en-IE" dirty="0"/>
-          </a:p>
-        </p:txBody>
-      </p:sp>
-      <p:sp>
-        <p:nvSpPr>
-          <p:cNvPr id="6" name="Rectangle 5">
-            <a:extLst>
-              <a:ext uri="{FF2B5EF4-FFF2-40B4-BE49-F238E27FC236}">
-                <a16:creationId xmlns:a16="http://schemas.microsoft.com/office/drawing/2014/main" id="{3F52A6C4-AE98-03B5-57A4-2C251DA43E0F}"/>
-              </a:ext>
-            </a:extLst>
-          </p:cNvPr>
-          <p:cNvSpPr/>
-          <p:nvPr/>
-        </p:nvSpPr>
-        <p:spPr>
-          <a:xfrm>
-            <a:off x="350362" y="16603620"/>
-            <a:ext cx="10101038" cy="13213784"/>
-          </a:xfrm>
-          <a:prstGeom prst="rect">
-            <a:avLst/>
-          </a:prstGeom>
-          <a:solidFill>
-            <a:srgbClr val="FFFFFF"/>
-          </a:solidFill>
-        </p:spPr>
-        <p:style>
-          <a:lnRef idx="2">
-            <a:schemeClr val="accent1">
-              <a:shade val="15000"/>
-            </a:schemeClr>
-          </a:lnRef>
-          <a:fillRef idx="1">
-            <a:schemeClr val="accent1"/>
-          </a:fillRef>
-          <a:effectRef idx="0">
-            <a:schemeClr val="accent1"/>
-          </a:effectRef>
-          <a:fontRef idx="minor">
-            <a:schemeClr val="lt1"/>
-          </a:fontRef>
-        </p:style>
-        <p:txBody>
-          <a:bodyPr rtlCol="0" anchor="ctr"/>
-          <a:lstStyle/>
-          <a:p>
-            <a:pPr algn="ctr"/>
-            <a:endParaRPr lang="en-IE" dirty="0"/>
-          </a:p>
-        </p:txBody>
-      </p:sp>
-      <p:sp>
-        <p:nvSpPr>
-          <p:cNvPr id="7" name="Rectangle 6">
-            <a:extLst>
-              <a:ext uri="{FF2B5EF4-FFF2-40B4-BE49-F238E27FC236}">
-                <a16:creationId xmlns:a16="http://schemas.microsoft.com/office/drawing/2014/main" id="{BBE09AA5-5D10-E081-EAA5-98837AD27113}"/>
-              </a:ext>
-            </a:extLst>
-          </p:cNvPr>
-          <p:cNvSpPr/>
-          <p:nvPr/>
-        </p:nvSpPr>
-        <p:spPr>
-          <a:xfrm>
-            <a:off x="350362" y="10974163"/>
-            <a:ext cx="9858258" cy="2279893"/>
-          </a:xfrm>
-          <a:prstGeom prst="rect">
-            <a:avLst/>
-          </a:prstGeom>
-          <a:solidFill>
-            <a:srgbClr val="FFFFFF"/>
-          </a:solidFill>
-        </p:spPr>
-        <p:style>
-          <a:lnRef idx="2">
-            <a:schemeClr val="accent1">
-              <a:shade val="15000"/>
-            </a:schemeClr>
-          </a:lnRef>
-          <a:fillRef idx="1">
-            <a:schemeClr val="accent1"/>
-          </a:fillRef>
-          <a:effectRef idx="0">
-            <a:schemeClr val="accent1"/>
-          </a:effectRef>
-          <a:fontRef idx="minor">
-            <a:schemeClr val="lt1"/>
-          </a:fontRef>
-        </p:style>
-        <p:txBody>
-          <a:bodyPr rtlCol="0" anchor="ctr"/>
-          <a:lstStyle/>
-          <a:p>
-            <a:pPr algn="ctr"/>
-            <a:endParaRPr lang="en-IE"/>
-          </a:p>
-        </p:txBody>
-      </p:sp>
-      <p:sp>
-        <p:nvSpPr>
-          <p:cNvPr id="8" name="Rectangle 7">
-            <a:extLst>
-              <a:ext uri="{FF2B5EF4-FFF2-40B4-BE49-F238E27FC236}">
-                <a16:creationId xmlns:a16="http://schemas.microsoft.com/office/drawing/2014/main" id="{7115AA14-075A-8E0B-6C34-DD0E3CDF62D9}"/>
-              </a:ext>
-            </a:extLst>
-          </p:cNvPr>
-          <p:cNvSpPr/>
-          <p:nvPr/>
-        </p:nvSpPr>
-        <p:spPr>
-          <a:xfrm>
-            <a:off x="10935843" y="24773010"/>
-            <a:ext cx="10101600" cy="4939436"/>
-          </a:xfrm>
-          <a:prstGeom prst="rect">
-            <a:avLst/>
-          </a:prstGeom>
-          <a:solidFill>
-            <a:srgbClr val="FFFFFF"/>
-          </a:solidFill>
-        </p:spPr>
-        <p:style>
-          <a:lnRef idx="2">
-            <a:schemeClr val="accent1">
-              <a:shade val="15000"/>
-            </a:schemeClr>
-          </a:lnRef>
-          <a:fillRef idx="1">
-            <a:schemeClr val="accent1"/>
-          </a:fillRef>
-          <a:effectRef idx="0">
-            <a:schemeClr val="accent1"/>
-          </a:effectRef>
-          <a:fontRef idx="minor">
-            <a:schemeClr val="lt1"/>
-          </a:fontRef>
-        </p:style>
-        <p:txBody>
-          <a:bodyPr rtlCol="0" anchor="ctr"/>
-          <a:lstStyle/>
-          <a:p>
-            <a:pPr algn="ctr"/>
-            <a:endParaRPr lang="en-IE"/>
-          </a:p>
-        </p:txBody>
-      </p:sp>
-      <p:sp>
-        <p:nvSpPr>
-          <p:cNvPr id="9" name="Oval 8">
-            <a:extLst>
-              <a:ext uri="{FF2B5EF4-FFF2-40B4-BE49-F238E27FC236}">
-                <a16:creationId xmlns:a16="http://schemas.microsoft.com/office/drawing/2014/main" id="{34C488A6-CD12-E505-BF87-703E3F811E2E}"/>
-              </a:ext>
-            </a:extLst>
-          </p:cNvPr>
-          <p:cNvSpPr/>
-          <p:nvPr/>
-        </p:nvSpPr>
-        <p:spPr>
-          <a:xfrm>
-            <a:off x="6510650" y="11520768"/>
-            <a:ext cx="8362324" cy="8037095"/>
-          </a:xfrm>
-          <a:prstGeom prst="ellipse">
-            <a:avLst/>
-          </a:prstGeom>
-          <a:noFill/>
-          <a:ln>
-            <a:noFill/>
-          </a:ln>
-        </p:spPr>
-        <p:style>
-          <a:lnRef idx="2">
-            <a:schemeClr val="accent1">
-              <a:shade val="15000"/>
-            </a:schemeClr>
-          </a:lnRef>
-          <a:fillRef idx="1">
-            <a:schemeClr val="accent1"/>
-          </a:fillRef>
-          <a:effectRef idx="0">
-            <a:schemeClr val="accent1"/>
-          </a:effectRef>
-          <a:fontRef idx="minor">
-            <a:schemeClr val="lt1"/>
-          </a:fontRef>
-        </p:style>
-        <p:txBody>
-          <a:bodyPr rtlCol="0" anchor="ctr"/>
-          <a:lstStyle/>
-          <a:p>
-            <a:pPr algn="ctr"/>
-            <a:endParaRPr lang="en-IE" dirty="0"/>
-          </a:p>
-        </p:txBody>
-      </p:sp>
-      <p:sp>
-        <p:nvSpPr>
           <p:cNvPr id="10" name="TextBox 9">
             <a:extLst>
               <a:ext uri="{FF2B5EF4-FFF2-40B4-BE49-F238E27FC236}">
@@ -6956,8 +3428,8 @@
         </p:nvSpPr>
         <p:spPr>
           <a:xfrm>
-            <a:off x="415690" y="1979898"/>
-            <a:ext cx="14444839" cy="830997"/>
+            <a:off x="656320" y="1553178"/>
+            <a:ext cx="14444839" cy="1508105"/>
           </a:xfrm>
           <a:prstGeom prst="rect">
             <a:avLst/>
@@ -6978,7 +3450,19 @@
                 <a:latin typeface="Arial" panose="020B0604020202020204" pitchFamily="34" charset="0"/>
                 <a:cs typeface="Arial" panose="020B0604020202020204" pitchFamily="34" charset="0"/>
               </a:rPr>
-              <a:t>Francisca Argandona Alvarado, CCT College Dublin</a:t>
+              <a:t>Francisca Argandona Alvarado</a:t>
+            </a:r>
+          </a:p>
+          <a:p>
+            <a:r>
+              <a:rPr lang="en-IE" sz="4400" dirty="0">
+                <a:solidFill>
+                  <a:schemeClr val="bg1"/>
+                </a:solidFill>
+                <a:latin typeface="Arial" panose="020B0604020202020204" pitchFamily="34" charset="0"/>
+                <a:cs typeface="Arial" panose="020B0604020202020204" pitchFamily="34" charset="0"/>
+              </a:rPr>
+              <a:t>CCT College Dublin</a:t>
             </a:r>
           </a:p>
         </p:txBody>
@@ -7032,7 +3516,7 @@
         </p:nvSpPr>
         <p:spPr>
           <a:xfrm>
-            <a:off x="606027" y="4748095"/>
+            <a:off x="606027" y="4701203"/>
             <a:ext cx="9252085" cy="3000821"/>
           </a:xfrm>
           <a:prstGeom prst="rect">
@@ -7051,12 +3535,9 @@
               <a:rPr lang="en-IE" sz="2700" dirty="0">
                 <a:latin typeface="Aptos" panose="020B0004020202020204" pitchFamily="34" charset="0"/>
               </a:rPr>
-              <a:t>Tourism in Iceland has grown rapidly in recent years, becoming a major contributor to the economy. However, most existing profiles only considers country of origin or overall arrival numbers. This study aims to go further by applying clustering techniques to segment international tourists visiting Iceland in 2023, based on age, length of stay, and income.</a:t>
-            </a:r>
-            <a:r>
-              <a:rPr lang="en-IE" sz="2700" dirty="0"/>
-              <a:t>.</a:t>
-            </a:r>
+              <a:t>Tourism in Iceland has grown rapidly in recent years, becoming a major contributor to the economy. However, most existing profiles only considers country of origin or overall arrival numbers. To address the lack of detailed profiling, this study applied clustering techniques to segment international visitors to Iceland by age, stay duration, and income.</a:t>
+            </a:r>
+            <a:endParaRPr lang="en-IE" sz="2700" dirty="0"/>
           </a:p>
         </p:txBody>
       </p:sp>
@@ -7138,8 +3619,8 @@
         </p:nvSpPr>
         <p:spPr>
           <a:xfrm>
-            <a:off x="660962" y="21858466"/>
-            <a:ext cx="9238127" cy="3416320"/>
+            <a:off x="660962" y="22503358"/>
+            <a:ext cx="9238127" cy="3000821"/>
           </a:xfrm>
           <a:prstGeom prst="rect">
             <a:avLst/>
@@ -7158,7 +3639,7 @@
                 <a:latin typeface="+mj-lt"/>
                 <a:cs typeface="Arial" panose="020B0604020202020204" pitchFamily="34" charset="0"/>
               </a:rPr>
-              <a:t>The selected variables were age, stay duration, and income. Three clustering models were applied: Hierarchical, K-Means, and DBSCAN. Clustering quality was assessed using the Silhouette Score, Davies-Bouldin Index, dendrogram visualisation and ANOVA. Dimensionality reduction with PCA helped to visualise cluster separation, besides the heatmaps on cluster centres. Adjusted Rand Index was also used to test stability across multiple runs.</a:t>
+              <a:t>Three clustering models were applied: Hierarchical, K-Means, and DBSCAN. Clustering quality was assessed using the Silhouette Score, Davies-Bouldin Index, dendrogram visualisation and ANOVA. Dimensionality reduction with PCA helped to visualise cluster separation, besides the heatmaps on cluster centres. Adjusted Rand Index was also used to test stability across multiple runs.</a:t>
             </a:r>
           </a:p>
         </p:txBody>
@@ -7369,7 +3850,7 @@
         </p:blipFill>
         <p:spPr>
           <a:xfrm>
-            <a:off x="1363484" y="25396744"/>
+            <a:off x="1363484" y="25518664"/>
             <a:ext cx="7902436" cy="4221177"/>
           </a:xfrm>
           <a:prstGeom prst="rect">
@@ -7398,8 +3879,8 @@
         </p:blipFill>
         <p:spPr>
           <a:xfrm>
-            <a:off x="4374883" y="17628213"/>
-            <a:ext cx="3993050" cy="4180777"/>
+            <a:off x="4740642" y="18179503"/>
+            <a:ext cx="4773748" cy="4310363"/>
           </a:xfrm>
           <a:prstGeom prst="rect">
             <a:avLst/>
@@ -7512,8 +3993,8 @@
         </p:blipFill>
         <p:spPr>
           <a:xfrm>
-            <a:off x="2630059" y="7606376"/>
-            <a:ext cx="5217416" cy="3000821"/>
+            <a:off x="3853936" y="7386805"/>
+            <a:ext cx="6004176" cy="3190932"/>
           </a:xfrm>
           <a:prstGeom prst="rect">
             <a:avLst/>
@@ -7712,7 +4193,7 @@
         </p:nvSpPr>
         <p:spPr>
           <a:xfrm>
-            <a:off x="10900644" y="7984536"/>
+            <a:off x="10924090" y="7984536"/>
             <a:ext cx="10101600" cy="945374"/>
           </a:xfrm>
           <a:prstGeom prst="rect">
@@ -7890,8 +4371,8 @@
         </p:nvSpPr>
         <p:spPr>
           <a:xfrm>
-            <a:off x="660962" y="17876471"/>
-            <a:ext cx="3149135" cy="3416320"/>
+            <a:off x="660962" y="18425111"/>
+            <a:ext cx="3595237" cy="3831818"/>
           </a:xfrm>
           <a:prstGeom prst="rect">
             <a:avLst/>
@@ -7910,7 +4391,7 @@
                 <a:latin typeface="+mj-lt"/>
                 <a:cs typeface="Arial" panose="020B0604020202020204" pitchFamily="34" charset="0"/>
               </a:rPr>
-              <a:t>The study followed the CRISP-DM framework. The data was obtained from 2023 visitor surveys conducted at Keflavik International Airport</a:t>
+              <a:t>The study followed the CRISP-DM framework. The data was obtained from 2023 visitor surveys conducted at Keflavik International Airport. The selected variables were age, stay duration, and income. </a:t>
             </a:r>
             <a:endParaRPr lang="en-IE" sz="2700" dirty="0"/>
           </a:p>
@@ -8013,7 +4494,7 @@
         </p:nvSpPr>
         <p:spPr>
           <a:xfrm>
-            <a:off x="324557" y="16603620"/>
+            <a:off x="348003" y="17253078"/>
             <a:ext cx="9858257" cy="854699"/>
           </a:xfrm>
           <a:prstGeom prst="rect">
@@ -8062,7 +4543,7 @@
         </p:nvSpPr>
         <p:spPr>
           <a:xfrm>
-            <a:off x="568456" y="16665423"/>
+            <a:off x="615348" y="17314881"/>
             <a:ext cx="7154493" cy="800219"/>
           </a:xfrm>
           <a:prstGeom prst="rect">
@@ -8142,8 +4623,8 @@
         </p:nvSpPr>
         <p:spPr>
           <a:xfrm>
-            <a:off x="350362" y="13507334"/>
-            <a:ext cx="9858258" cy="2744711"/>
+            <a:off x="350362" y="13568293"/>
+            <a:ext cx="9858258" cy="3443583"/>
           </a:xfrm>
           <a:prstGeom prst="rect">
             <a:avLst/>
@@ -8191,7 +4672,7 @@
         </p:nvSpPr>
         <p:spPr>
           <a:xfrm>
-            <a:off x="345998" y="13443693"/>
+            <a:off x="345998" y="13504653"/>
             <a:ext cx="9858257" cy="854699"/>
           </a:xfrm>
           <a:prstGeom prst="rect">
@@ -8240,7 +4721,7 @@
         </p:nvSpPr>
         <p:spPr>
           <a:xfrm>
-            <a:off x="575652" y="13436044"/>
+            <a:off x="575652" y="13497004"/>
             <a:ext cx="9117411" cy="830997"/>
           </a:xfrm>
           <a:prstGeom prst="rect">
@@ -8280,8 +4761,8 @@
         </p:nvSpPr>
         <p:spPr>
           <a:xfrm>
-            <a:off x="449490" y="14408401"/>
-            <a:ext cx="6683947" cy="1384995"/>
+            <a:off x="588620" y="7553244"/>
+            <a:ext cx="3040931" cy="3000821"/>
           </a:xfrm>
           <a:prstGeom prst="rect">
             <a:avLst/>
@@ -8294,11 +4775,12 @@
           </a:bodyPr>
           <a:lstStyle/>
           <a:p>
+            <a:pPr algn="just"/>
             <a:r>
               <a:rPr lang="en-IE" sz="2700" dirty="0">
                 <a:latin typeface="Aptos" panose="020B0004020202020204" pitchFamily="34" charset="0"/>
               </a:rPr>
-              <a:t>The goal is to uncover meaningful visitor segments that can guide more effective tourism strategies</a:t>
+              <a:t>The goal is to uncover meaningful visitor segments that can guide more effective tourism strategies.</a:t>
             </a:r>
             <a:endParaRPr lang="en-IE" sz="2700" dirty="0"/>
           </a:p>
@@ -8332,8 +4814,8 @@
         </p:blipFill>
         <p:spPr>
           <a:xfrm>
-            <a:off x="7256290" y="12835934"/>
-            <a:ext cx="6871044" cy="6111490"/>
+            <a:off x="7502189" y="12835934"/>
+            <a:ext cx="6379247" cy="5674058"/>
           </a:xfrm>
           <a:prstGeom prst="ellipse">
             <a:avLst/>
@@ -8360,10 +4842,10 @@
       </p:pic>
       <p:sp>
         <p:nvSpPr>
-          <p:cNvPr id="49" name="TextBox 48">
+          <p:cNvPr id="50" name="TextBox 49">
             <a:extLst>
               <a:ext uri="{FF2B5EF4-FFF2-40B4-BE49-F238E27FC236}">
-                <a16:creationId xmlns:a16="http://schemas.microsoft.com/office/drawing/2014/main" id="{2B135FBC-6F5E-0860-9E8B-1A5258DCEA2B}"/>
+                <a16:creationId xmlns:a16="http://schemas.microsoft.com/office/drawing/2014/main" id="{EEB3FCCA-48A5-B82E-0AF9-2912C80A5D42}"/>
               </a:ext>
             </a:extLst>
           </p:cNvPr>
@@ -8372,8 +4854,8 @@
         </p:nvSpPr>
         <p:spPr>
           <a:xfrm>
-            <a:off x="-5986815" y="15852724"/>
-            <a:ext cx="5833737" cy="6524863"/>
+            <a:off x="469041" y="14394473"/>
+            <a:ext cx="6986835" cy="2585323"/>
           </a:xfrm>
           <a:prstGeom prst="rect">
             <a:avLst/>
@@ -8386,63 +4868,11 @@
           </a:bodyPr>
           <a:lstStyle/>
           <a:p>
-            <a:pPr>
-              <a:buFont typeface="Arial" panose="020B0604020202020204" pitchFamily="34" charset="0"/>
-              <a:buChar char="•"/>
-            </a:pPr>
-            <a:r>
-              <a:rPr lang="en-US" sz="4000" dirty="0">
-                <a:highlight>
-                  <a:srgbClr val="FFFFFF"/>
-                </a:highlight>
-              </a:rPr>
-              <a:t>Segment tourists using clustering techniques based on age, stay, and income.</a:t>
-            </a:r>
-          </a:p>
-          <a:p>
-            <a:pPr>
-              <a:buFont typeface="Arial" panose="020B0604020202020204" pitchFamily="34" charset="0"/>
-              <a:buChar char="•"/>
-            </a:pPr>
-            <a:r>
-              <a:rPr lang="en-US" sz="4000" dirty="0">
-                <a:highlight>
-                  <a:srgbClr val="FFFFFF"/>
-                </a:highlight>
-              </a:rPr>
-              <a:t>Compare three clustering algorithms.</a:t>
-            </a:r>
-          </a:p>
-          <a:p>
-            <a:pPr>
-              <a:buFont typeface="Arial" panose="020B0604020202020204" pitchFamily="34" charset="0"/>
-              <a:buChar char="•"/>
-            </a:pPr>
-            <a:r>
-              <a:rPr lang="en-US" sz="4000" dirty="0">
-                <a:highlight>
-                  <a:srgbClr val="FFFFFF"/>
-                </a:highlight>
-              </a:rPr>
-              <a:t>Evaluate the quality and stability of the clusters.</a:t>
-            </a:r>
-          </a:p>
-          <a:p>
-            <a:pPr>
-              <a:buFont typeface="Arial" panose="020B0604020202020204" pitchFamily="34" charset="0"/>
-              <a:buChar char="•"/>
-            </a:pPr>
-            <a:r>
-              <a:rPr lang="en-US" sz="4000" dirty="0">
-                <a:highlight>
-                  <a:srgbClr val="FFFFFF"/>
-                </a:highlight>
-              </a:rPr>
-              <a:t>Support data-informed tourism strategies.</a:t>
-            </a:r>
-          </a:p>
-          <a:p>
-            <a:endParaRPr lang="en-IE" dirty="0"/>
+            <a:pPr algn="just"/>
+            <a:r>
+              <a:rPr lang="en-IE" sz="2700" dirty="0"/>
+              <a:t>Segment tourists using clustering techniques (K-Means, Hierarchical, DBSCAN); evaluate clustering performance; visualise and interpret tourist based on the analysed variables; provide practical insights to support data-driven tourism strategies.</a:t>
+            </a:r>
           </a:p>
         </p:txBody>
       </p:sp>
